--- a/Презентация/Презентация. Тамбов Никита М1О-309С-19.pptx
+++ b/Презентация/Презентация. Тамбов Никита М1О-309С-19.pptx
@@ -10,6 +10,8 @@
     <p:sldId id="260" r:id="rId4"/>
     <p:sldId id="258" r:id="rId5"/>
     <p:sldId id="259" r:id="rId6"/>
+    <p:sldId id="261" r:id="rId7"/>
+    <p:sldId id="262" r:id="rId8"/>
   </p:sldIdLst>
   <p:sldSz cx="12192000" cy="6858000"/>
   <p:notesSz cx="6858000" cy="9144000"/>
@@ -2421,7 +2423,7 @@
           <a:p>
             <a:fld id="{6AE6D4FA-F93F-3B41-B481-1F4762ADD255}" type="datetimeFigureOut">
               <a:rPr lang="ru-RU" smtClean="0"/>
-              <a:t>06.07.2022</a:t>
+              <a:t>20.07.2022</a:t>
             </a:fld>
             <a:endParaRPr lang="ru-RU"/>
           </a:p>
@@ -2619,7 +2621,7 @@
           <a:p>
             <a:fld id="{6AE6D4FA-F93F-3B41-B481-1F4762ADD255}" type="datetimeFigureOut">
               <a:rPr lang="ru-RU" smtClean="0"/>
-              <a:t>06.07.2022</a:t>
+              <a:t>20.07.2022</a:t>
             </a:fld>
             <a:endParaRPr lang="ru-RU"/>
           </a:p>
@@ -2827,7 +2829,7 @@
           <a:p>
             <a:fld id="{6AE6D4FA-F93F-3B41-B481-1F4762ADD255}" type="datetimeFigureOut">
               <a:rPr lang="ru-RU" smtClean="0"/>
-              <a:t>06.07.2022</a:t>
+              <a:t>20.07.2022</a:t>
             </a:fld>
             <a:endParaRPr lang="ru-RU"/>
           </a:p>
@@ -3025,7 +3027,7 @@
           <a:p>
             <a:fld id="{6AE6D4FA-F93F-3B41-B481-1F4762ADD255}" type="datetimeFigureOut">
               <a:rPr lang="ru-RU" smtClean="0"/>
-              <a:t>06.07.2022</a:t>
+              <a:t>20.07.2022</a:t>
             </a:fld>
             <a:endParaRPr lang="ru-RU"/>
           </a:p>
@@ -3300,7 +3302,7 @@
           <a:p>
             <a:fld id="{6AE6D4FA-F93F-3B41-B481-1F4762ADD255}" type="datetimeFigureOut">
               <a:rPr lang="ru-RU" smtClean="0"/>
-              <a:t>06.07.2022</a:t>
+              <a:t>20.07.2022</a:t>
             </a:fld>
             <a:endParaRPr lang="ru-RU"/>
           </a:p>
@@ -3565,7 +3567,7 @@
           <a:p>
             <a:fld id="{6AE6D4FA-F93F-3B41-B481-1F4762ADD255}" type="datetimeFigureOut">
               <a:rPr lang="ru-RU" smtClean="0"/>
-              <a:t>06.07.2022</a:t>
+              <a:t>20.07.2022</a:t>
             </a:fld>
             <a:endParaRPr lang="ru-RU"/>
           </a:p>
@@ -3977,7 +3979,7 @@
           <a:p>
             <a:fld id="{6AE6D4FA-F93F-3B41-B481-1F4762ADD255}" type="datetimeFigureOut">
               <a:rPr lang="ru-RU" smtClean="0"/>
-              <a:t>06.07.2022</a:t>
+              <a:t>20.07.2022</a:t>
             </a:fld>
             <a:endParaRPr lang="ru-RU"/>
           </a:p>
@@ -4118,7 +4120,7 @@
           <a:p>
             <a:fld id="{6AE6D4FA-F93F-3B41-B481-1F4762ADD255}" type="datetimeFigureOut">
               <a:rPr lang="ru-RU" smtClean="0"/>
-              <a:t>06.07.2022</a:t>
+              <a:t>20.07.2022</a:t>
             </a:fld>
             <a:endParaRPr lang="ru-RU"/>
           </a:p>
@@ -4231,7 +4233,7 @@
           <a:p>
             <a:fld id="{6AE6D4FA-F93F-3B41-B481-1F4762ADD255}" type="datetimeFigureOut">
               <a:rPr lang="ru-RU" smtClean="0"/>
-              <a:t>06.07.2022</a:t>
+              <a:t>20.07.2022</a:t>
             </a:fld>
             <a:endParaRPr lang="ru-RU"/>
           </a:p>
@@ -4542,7 +4544,7 @@
           <a:p>
             <a:fld id="{6AE6D4FA-F93F-3B41-B481-1F4762ADD255}" type="datetimeFigureOut">
               <a:rPr lang="ru-RU" smtClean="0"/>
-              <a:t>06.07.2022</a:t>
+              <a:t>20.07.2022</a:t>
             </a:fld>
             <a:endParaRPr lang="ru-RU"/>
           </a:p>
@@ -4830,7 +4832,7 @@
           <a:p>
             <a:fld id="{6AE6D4FA-F93F-3B41-B481-1F4762ADD255}" type="datetimeFigureOut">
               <a:rPr lang="ru-RU" smtClean="0"/>
-              <a:t>06.07.2022</a:t>
+              <a:t>20.07.2022</a:t>
             </a:fld>
             <a:endParaRPr lang="ru-RU"/>
           </a:p>
@@ -5071,7 +5073,7 @@
           <a:p>
             <a:fld id="{6AE6D4FA-F93F-3B41-B481-1F4762ADD255}" type="datetimeFigureOut">
               <a:rPr lang="ru-RU" smtClean="0"/>
-              <a:t>06.07.2022</a:t>
+              <a:t>20.07.2022</a:t>
             </a:fld>
             <a:endParaRPr lang="ru-RU"/>
           </a:p>
@@ -6183,165 +6185,369 @@
           </a:p>
         </p:txBody>
       </p:sp>
-      <p:sp>
-        <p:nvSpPr>
-          <p:cNvPr id="5" name="Объект 4">
-            <a:extLst>
-              <a:ext uri="{FF2B5EF4-FFF2-40B4-BE49-F238E27FC236}">
-                <a16:creationId xmlns:a16="http://schemas.microsoft.com/office/drawing/2014/main" id="{6776BB6C-931C-1DB5-2EA3-22A100D013EC}"/>
-              </a:ext>
-            </a:extLst>
-          </p:cNvPr>
-          <p:cNvSpPr>
-            <a:spLocks noGrp="1"/>
-          </p:cNvSpPr>
-          <p:nvPr>
-            <p:ph idx="1"/>
-          </p:nvPr>
-        </p:nvSpPr>
-        <p:spPr/>
-        <p:txBody>
-          <a:bodyPr/>
-          <a:lstStyle/>
-          <a:p>
-            <a:r>
-              <a:rPr lang="ru-RU" dirty="0"/>
-              <a:t>Блок-схема симулятора?</a:t>
-            </a:r>
-          </a:p>
-        </p:txBody>
-      </p:sp>
-      <p:sp>
-        <p:nvSpPr>
-          <p:cNvPr id="6" name="Прямоугольник 5">
-            <a:extLst>
-              <a:ext uri="{FF2B5EF4-FFF2-40B4-BE49-F238E27FC236}">
-                <a16:creationId xmlns:a16="http://schemas.microsoft.com/office/drawing/2014/main" id="{54D73AEA-0E00-866C-D589-676FD1AC68B5}"/>
-              </a:ext>
-            </a:extLst>
-          </p:cNvPr>
-          <p:cNvSpPr/>
+      <p:pic>
+        <p:nvPicPr>
+          <p:cNvPr id="10" name="Рисунок 9">
+            <a:extLst>
+              <a:ext uri="{FF2B5EF4-FFF2-40B4-BE49-F238E27FC236}">
+                <a16:creationId xmlns:a16="http://schemas.microsoft.com/office/drawing/2014/main" id="{9DEB9EBE-BA15-5B44-C823-7A8A38F2CB78}"/>
+              </a:ext>
+            </a:extLst>
+          </p:cNvPr>
+          <p:cNvPicPr>
+            <a:picLocks noChangeAspect="1"/>
+          </p:cNvPicPr>
           <p:nvPr/>
-        </p:nvSpPr>
+        </p:nvPicPr>
+        <p:blipFill>
+          <a:blip r:embed="rId2"/>
+          <a:stretch>
+            <a:fillRect/>
+          </a:stretch>
+        </p:blipFill>
         <p:spPr>
           <a:xfrm>
-            <a:off x="1472540" y="2814452"/>
-            <a:ext cx="2303813" cy="1246909"/>
+            <a:off x="2915887" y="1289053"/>
+            <a:ext cx="6360226" cy="5203821"/>
           </a:xfrm>
           <a:prstGeom prst="rect">
             <a:avLst/>
           </a:prstGeom>
         </p:spPr>
-        <p:style>
-          <a:lnRef idx="2">
-            <a:schemeClr val="accent6"/>
-          </a:lnRef>
-          <a:fillRef idx="1">
-            <a:schemeClr val="lt1"/>
-          </a:fillRef>
-          <a:effectRef idx="0">
-            <a:schemeClr val="accent6"/>
-          </a:effectRef>
-          <a:fontRef idx="minor">
-            <a:schemeClr val="dk1"/>
-          </a:fontRef>
-        </p:style>
-        <p:txBody>
-          <a:bodyPr rtlCol="0" anchor="ctr"/>
-          <a:lstStyle/>
-          <a:p>
-            <a:pPr algn="ctr"/>
-            <a:endParaRPr lang="ru-RU"/>
-          </a:p>
-        </p:txBody>
-      </p:sp>
-      <p:sp>
-        <p:nvSpPr>
-          <p:cNvPr id="7" name="Овал 6">
-            <a:extLst>
-              <a:ext uri="{FF2B5EF4-FFF2-40B4-BE49-F238E27FC236}">
-                <a16:creationId xmlns:a16="http://schemas.microsoft.com/office/drawing/2014/main" id="{662692C5-0F4D-01D3-A5E1-843072CBE8E6}"/>
-              </a:ext>
-            </a:extLst>
-          </p:cNvPr>
-          <p:cNvSpPr/>
-          <p:nvPr/>
-        </p:nvSpPr>
-        <p:spPr>
-          <a:xfrm>
-            <a:off x="6555179" y="3740727"/>
-            <a:ext cx="2161309" cy="1947554"/>
-          </a:xfrm>
-          <a:prstGeom prst="ellipse">
-            <a:avLst/>
-          </a:prstGeom>
-        </p:spPr>
-        <p:style>
-          <a:lnRef idx="2">
-            <a:schemeClr val="accent6"/>
-          </a:lnRef>
-          <a:fillRef idx="1">
-            <a:schemeClr val="lt1"/>
-          </a:fillRef>
-          <a:effectRef idx="0">
-            <a:schemeClr val="accent6"/>
-          </a:effectRef>
-          <a:fontRef idx="minor">
-            <a:schemeClr val="dk1"/>
-          </a:fontRef>
-        </p:style>
-        <p:txBody>
-          <a:bodyPr rtlCol="0" anchor="ctr"/>
-          <a:lstStyle/>
-          <a:p>
-            <a:pPr algn="ctr"/>
-            <a:endParaRPr lang="ru-RU"/>
-          </a:p>
-        </p:txBody>
-      </p:sp>
-      <p:cxnSp>
-        <p:nvCxnSpPr>
-          <p:cNvPr id="9" name="Соединительная линия уступом 8">
-            <a:extLst>
-              <a:ext uri="{FF2B5EF4-FFF2-40B4-BE49-F238E27FC236}">
-                <a16:creationId xmlns:a16="http://schemas.microsoft.com/office/drawing/2014/main" id="{8DA6F5D5-7B09-4B10-BD87-BF88D31D0A44}"/>
-              </a:ext>
-            </a:extLst>
-          </p:cNvPr>
-          <p:cNvCxnSpPr>
-            <a:stCxn id="6" idx="3"/>
-            <a:endCxn id="7" idx="2"/>
-          </p:cNvCxnSpPr>
-          <p:nvPr/>
-        </p:nvCxnSpPr>
-        <p:spPr>
-          <a:xfrm>
-            <a:off x="3776353" y="3437907"/>
-            <a:ext cx="2778826" cy="1276597"/>
-          </a:xfrm>
-          <a:prstGeom prst="bentConnector3">
-            <a:avLst/>
-          </a:prstGeom>
-        </p:spPr>
-        <p:style>
-          <a:lnRef idx="1">
-            <a:schemeClr val="accent1"/>
-          </a:lnRef>
-          <a:fillRef idx="0">
-            <a:schemeClr val="accent1"/>
-          </a:fillRef>
-          <a:effectRef idx="0">
-            <a:schemeClr val="accent1"/>
-          </a:effectRef>
-          <a:fontRef idx="minor">
-            <a:schemeClr val="tx1"/>
-          </a:fontRef>
-        </p:style>
-      </p:cxnSp>
+      </p:pic>
     </p:spTree>
     <p:extLst>
       <p:ext uri="{BB962C8B-B14F-4D97-AF65-F5344CB8AC3E}">
         <p14:creationId xmlns:p14="http://schemas.microsoft.com/office/powerpoint/2010/main" val="1110623653"/>
+      </p:ext>
+    </p:extLst>
+  </p:cSld>
+  <p:clrMapOvr>
+    <a:masterClrMapping/>
+  </p:clrMapOvr>
+</p:sld>
+</file>
+
+<file path=ppt/slides/slide6.xml><?xml version="1.0" encoding="utf-8"?>
+<p:sld xmlns:a="http://schemas.openxmlformats.org/drawingml/2006/main" xmlns:r="http://schemas.openxmlformats.org/officeDocument/2006/relationships" xmlns:p="http://schemas.openxmlformats.org/presentationml/2006/main">
+  <p:cSld>
+    <p:spTree>
+      <p:nvGrpSpPr>
+        <p:cNvPr id="1" name=""/>
+        <p:cNvGrpSpPr/>
+        <p:nvPr/>
+      </p:nvGrpSpPr>
+      <p:grpSpPr>
+        <a:xfrm>
+          <a:off x="0" y="0"/>
+          <a:ext cx="0" cy="0"/>
+          <a:chOff x="0" y="0"/>
+          <a:chExt cx="0" cy="0"/>
+        </a:xfrm>
+      </p:grpSpPr>
+      <p:sp>
+        <p:nvSpPr>
+          <p:cNvPr id="2" name="Заголовок 1">
+            <a:extLst>
+              <a:ext uri="{FF2B5EF4-FFF2-40B4-BE49-F238E27FC236}">
+                <a16:creationId xmlns:a16="http://schemas.microsoft.com/office/drawing/2014/main" id="{5B52BC8A-C23A-4ADD-9EF6-A240794C6455}"/>
+              </a:ext>
+            </a:extLst>
+          </p:cNvPr>
+          <p:cNvSpPr>
+            <a:spLocks noGrp="1"/>
+          </p:cNvSpPr>
+          <p:nvPr>
+            <p:ph type="title"/>
+          </p:nvPr>
+        </p:nvSpPr>
+        <p:spPr>
+          <a:xfrm>
+            <a:off x="838200" y="365125"/>
+            <a:ext cx="10515600" cy="727405"/>
+          </a:xfrm>
+        </p:spPr>
+        <p:txBody>
+          <a:bodyPr>
+            <a:normAutofit/>
+          </a:bodyPr>
+          <a:lstStyle/>
+          <a:p>
+            <a:r>
+              <a:rPr lang="ru-RU" sz="4000" dirty="0">
+                <a:latin typeface="Helvetica" pitchFamily="2" charset="0"/>
+              </a:rPr>
+              <a:t>Формальная постановка задачи</a:t>
+            </a:r>
+          </a:p>
+        </p:txBody>
+      </p:sp>
+      <mc:AlternateContent xmlns:mc="http://schemas.openxmlformats.org/markup-compatibility/2006">
+        <mc:Choice xmlns:a14="http://schemas.microsoft.com/office/drawing/2010/main" Requires="a14">
+          <p:sp>
+            <p:nvSpPr>
+              <p:cNvPr id="3" name="Объект 2">
+                <a:extLst>
+                  <a:ext uri="{FF2B5EF4-FFF2-40B4-BE49-F238E27FC236}">
+                    <a16:creationId xmlns:a16="http://schemas.microsoft.com/office/drawing/2014/main" id="{21F10F50-1015-E0ED-873F-5E8A85FA09A1}"/>
+                  </a:ext>
+                </a:extLst>
+              </p:cNvPr>
+              <p:cNvSpPr>
+                <a:spLocks noGrp="1"/>
+              </p:cNvSpPr>
+              <p:nvPr>
+                <p:ph idx="1"/>
+              </p:nvPr>
+            </p:nvSpPr>
+            <p:spPr>
+              <a:xfrm>
+                <a:off x="838200" y="1671245"/>
+                <a:ext cx="10515600" cy="4351338"/>
+              </a:xfrm>
+            </p:spPr>
+            <p:txBody>
+              <a:bodyPr>
+                <a:normAutofit/>
+              </a:bodyPr>
+              <a:lstStyle/>
+              <a:p>
+                <a:pPr marL="0" indent="0">
+                  <a:lnSpc>
+                    <a:spcPct val="100000"/>
+                  </a:lnSpc>
+                  <a:buNone/>
+                </a:pPr>
+                <a:r>
+                  <a:rPr lang="ru-RU" sz="1800" dirty="0">
+                    <a:latin typeface="Helvetica" pitchFamily="2" charset="0"/>
+                  </a:rPr>
+                  <a:t>Необходимо оценить эффективность диспетчера аэропорта относительно первого случая возникновения ошибки или сбоя </a:t>
+                </a:r>
+                <a14:m>
+                  <m:oMath xmlns:m="http://schemas.openxmlformats.org/officeDocument/2006/math">
+                    <m:sSub>
+                      <m:sSubPr>
+                        <m:ctrlPr>
+                          <a:rPr lang="ru-RU" sz="1800" i="1" smtClean="0">
+                            <a:latin typeface="Cambria Math" panose="02040503050406030204" pitchFamily="18" charset="0"/>
+                          </a:rPr>
+                        </m:ctrlPr>
+                      </m:sSubPr>
+                      <m:e>
+                        <m:r>
+                          <a:rPr lang="en-US" sz="1800" b="0" i="1" smtClean="0">
+                            <a:latin typeface="Cambria Math" panose="02040503050406030204" pitchFamily="18" charset="0"/>
+                          </a:rPr>
+                          <m:t>𝑡</m:t>
+                        </m:r>
+                      </m:e>
+                      <m:sub>
+                        <m:r>
+                          <a:rPr lang="ru-RU" sz="1800" b="0" i="1" smtClean="0">
+                            <a:latin typeface="Cambria Math" panose="02040503050406030204" pitchFamily="18" charset="0"/>
+                          </a:rPr>
+                          <m:t>с</m:t>
+                        </m:r>
+                      </m:sub>
+                    </m:sSub>
+                  </m:oMath>
+                </a14:m>
+                <a:r>
+                  <a:rPr lang="ru-RU" sz="1800" dirty="0">
+                    <a:latin typeface="Helvetica" pitchFamily="2" charset="0"/>
+                  </a:rPr>
+                  <a:t> в процессе выполнения работы, учитывая общее количество диспетчеров </a:t>
+                </a:r>
+                <a14:m>
+                  <m:oMath xmlns:m="http://schemas.openxmlformats.org/officeDocument/2006/math">
+                    <m:sSub>
+                      <m:sSubPr>
+                        <m:ctrlPr>
+                          <a:rPr lang="ru-RU" sz="1800" i="1" smtClean="0">
+                            <a:latin typeface="Cambria Math" panose="02040503050406030204" pitchFamily="18" charset="0"/>
+                          </a:rPr>
+                        </m:ctrlPr>
+                      </m:sSubPr>
+                      <m:e>
+                        <m:r>
+                          <a:rPr lang="en-US" sz="1800" b="0" i="1" smtClean="0">
+                            <a:latin typeface="Cambria Math" panose="02040503050406030204" pitchFamily="18" charset="0"/>
+                          </a:rPr>
+                          <m:t>𝑁</m:t>
+                        </m:r>
+                      </m:e>
+                      <m:sub>
+                        <m:r>
+                          <a:rPr lang="ru-RU" sz="1800" b="0" i="1" smtClean="0">
+                            <a:latin typeface="Cambria Math" panose="02040503050406030204" pitchFamily="18" charset="0"/>
+                          </a:rPr>
+                          <m:t>д</m:t>
+                        </m:r>
+                      </m:sub>
+                    </m:sSub>
+                  </m:oMath>
+                </a14:m>
+                <a:r>
+                  <a:rPr lang="ru-RU" sz="1800" dirty="0">
+                    <a:latin typeface="Helvetica" pitchFamily="2" charset="0"/>
+                  </a:rPr>
+                  <a:t> и количество взлётно-посадочных полос </a:t>
+                </a:r>
+                <a14:m>
+                  <m:oMath xmlns:m="http://schemas.openxmlformats.org/officeDocument/2006/math">
+                    <m:sSub>
+                      <m:sSubPr>
+                        <m:ctrlPr>
+                          <a:rPr lang="ru-RU" sz="1800" i="1">
+                            <a:latin typeface="Cambria Math" panose="02040503050406030204" pitchFamily="18" charset="0"/>
+                          </a:rPr>
+                        </m:ctrlPr>
+                      </m:sSubPr>
+                      <m:e>
+                        <m:r>
+                          <a:rPr lang="en-US" sz="1800" b="0" i="1">
+                            <a:latin typeface="Cambria Math" panose="02040503050406030204" pitchFamily="18" charset="0"/>
+                          </a:rPr>
+                          <m:t>𝑁</m:t>
+                        </m:r>
+                      </m:e>
+                      <m:sub>
+                        <m:r>
+                          <a:rPr lang="ru-RU" sz="1800" b="0" i="1" smtClean="0">
+                            <a:latin typeface="Cambria Math" panose="02040503050406030204" pitchFamily="18" charset="0"/>
+                          </a:rPr>
+                          <m:t>п</m:t>
+                        </m:r>
+                      </m:sub>
+                    </m:sSub>
+                  </m:oMath>
+                </a14:m>
+                <a:r>
+                  <a:rPr lang="ru-RU" sz="1800" dirty="0">
+                    <a:latin typeface="Helvetica" pitchFamily="2" charset="0"/>
+                  </a:rPr>
+                  <a:t> в заданном аэропорту.</a:t>
+                </a:r>
+              </a:p>
+            </p:txBody>
+          </p:sp>
+        </mc:Choice>
+        <mc:Fallback>
+          <p:sp>
+            <p:nvSpPr>
+              <p:cNvPr id="3" name="Объект 2">
+                <a:extLst>
+                  <a:ext uri="{FF2B5EF4-FFF2-40B4-BE49-F238E27FC236}">
+                    <a16:creationId xmlns:a16="http://schemas.microsoft.com/office/drawing/2014/main" id="{21F10F50-1015-E0ED-873F-5E8A85FA09A1}"/>
+                  </a:ext>
+                </a:extLst>
+              </p:cNvPr>
+              <p:cNvSpPr>
+                <a:spLocks noGrp="1" noRot="1" noChangeAspect="1" noMove="1" noResize="1" noEditPoints="1" noAdjustHandles="1" noChangeArrowheads="1" noChangeShapeType="1" noTextEdit="1"/>
+              </p:cNvSpPr>
+              <p:nvPr>
+                <p:ph idx="1"/>
+              </p:nvPr>
+            </p:nvSpPr>
+            <p:spPr>
+              <a:xfrm>
+                <a:off x="838200" y="1671245"/>
+                <a:ext cx="10515600" cy="4351338"/>
+              </a:xfrm>
+              <a:blipFill>
+                <a:blip r:embed="rId2"/>
+                <a:stretch>
+                  <a:fillRect l="-603" t="-581"/>
+                </a:stretch>
+              </a:blipFill>
+            </p:spPr>
+            <p:txBody>
+              <a:bodyPr/>
+              <a:lstStyle/>
+              <a:p>
+                <a:r>
+                  <a:rPr lang="ru-RU">
+                    <a:noFill/>
+                  </a:rPr>
+                  <a:t> </a:t>
+                </a:r>
+              </a:p>
+            </p:txBody>
+          </p:sp>
+        </mc:Fallback>
+      </mc:AlternateContent>
+    </p:spTree>
+    <p:extLst>
+      <p:ext uri="{BB962C8B-B14F-4D97-AF65-F5344CB8AC3E}">
+        <p14:creationId xmlns:p14="http://schemas.microsoft.com/office/powerpoint/2010/main" val="573689367"/>
+      </p:ext>
+    </p:extLst>
+  </p:cSld>
+  <p:clrMapOvr>
+    <a:masterClrMapping/>
+  </p:clrMapOvr>
+</p:sld>
+</file>
+
+<file path=ppt/slides/slide7.xml><?xml version="1.0" encoding="utf-8"?>
+<p:sld xmlns:a="http://schemas.openxmlformats.org/drawingml/2006/main" xmlns:r="http://schemas.openxmlformats.org/officeDocument/2006/relationships" xmlns:p="http://schemas.openxmlformats.org/presentationml/2006/main">
+  <p:cSld>
+    <p:spTree>
+      <p:nvGrpSpPr>
+        <p:cNvPr id="1" name=""/>
+        <p:cNvGrpSpPr/>
+        <p:nvPr/>
+      </p:nvGrpSpPr>
+      <p:grpSpPr>
+        <a:xfrm>
+          <a:off x="0" y="0"/>
+          <a:ext cx="0" cy="0"/>
+          <a:chOff x="0" y="0"/>
+          <a:chExt cx="0" cy="0"/>
+        </a:xfrm>
+      </p:grpSpPr>
+      <p:sp>
+        <p:nvSpPr>
+          <p:cNvPr id="2" name="Заголовок 1">
+            <a:extLst>
+              <a:ext uri="{FF2B5EF4-FFF2-40B4-BE49-F238E27FC236}">
+                <a16:creationId xmlns:a16="http://schemas.microsoft.com/office/drawing/2014/main" id="{5B52BC8A-C23A-4ADD-9EF6-A240794C6455}"/>
+              </a:ext>
+            </a:extLst>
+          </p:cNvPr>
+          <p:cNvSpPr>
+            <a:spLocks noGrp="1"/>
+          </p:cNvSpPr>
+          <p:nvPr>
+            <p:ph type="title"/>
+          </p:nvPr>
+        </p:nvSpPr>
+        <p:spPr>
+          <a:xfrm>
+            <a:off x="455141" y="179774"/>
+            <a:ext cx="11281718" cy="727405"/>
+          </a:xfrm>
+        </p:spPr>
+        <p:txBody>
+          <a:bodyPr>
+            <a:noAutofit/>
+          </a:bodyPr>
+          <a:lstStyle/>
+          <a:p>
+            <a:r>
+              <a:rPr lang="ru-RU" sz="3200" dirty="0">
+                <a:latin typeface="Helvetica" pitchFamily="2" charset="0"/>
+              </a:rPr>
+              <a:t>Состав и структура модельно-методического аппарата</a:t>
+            </a:r>
+          </a:p>
+        </p:txBody>
+      </p:sp>
+    </p:spTree>
+    <p:extLst>
+      <p:ext uri="{BB962C8B-B14F-4D97-AF65-F5344CB8AC3E}">
+        <p14:creationId xmlns:p14="http://schemas.microsoft.com/office/powerpoint/2010/main" val="3413819150"/>
       </p:ext>
     </p:extLst>
   </p:cSld>

--- a/Презентация/Презентация. Тамбов Никита М1О-309С-19.pptx
+++ b/Презентация/Презентация. Тамбов Никита М1О-309С-19.pptx
@@ -12,6 +12,7 @@
     <p:sldId id="259" r:id="rId6"/>
     <p:sldId id="261" r:id="rId7"/>
     <p:sldId id="262" r:id="rId8"/>
+    <p:sldId id="263" r:id="rId9"/>
   </p:sldIdLst>
   <p:sldSz cx="12192000" cy="6858000"/>
   <p:notesSz cx="6858000" cy="9144000"/>
@@ -2423,7 +2424,7 @@
           <a:p>
             <a:fld id="{6AE6D4FA-F93F-3B41-B481-1F4762ADD255}" type="datetimeFigureOut">
               <a:rPr lang="ru-RU" smtClean="0"/>
-              <a:t>20.07.2022</a:t>
+              <a:t>22.07.2022</a:t>
             </a:fld>
             <a:endParaRPr lang="ru-RU"/>
           </a:p>
@@ -2621,7 +2622,7 @@
           <a:p>
             <a:fld id="{6AE6D4FA-F93F-3B41-B481-1F4762ADD255}" type="datetimeFigureOut">
               <a:rPr lang="ru-RU" smtClean="0"/>
-              <a:t>20.07.2022</a:t>
+              <a:t>22.07.2022</a:t>
             </a:fld>
             <a:endParaRPr lang="ru-RU"/>
           </a:p>
@@ -2829,7 +2830,7 @@
           <a:p>
             <a:fld id="{6AE6D4FA-F93F-3B41-B481-1F4762ADD255}" type="datetimeFigureOut">
               <a:rPr lang="ru-RU" smtClean="0"/>
-              <a:t>20.07.2022</a:t>
+              <a:t>22.07.2022</a:t>
             </a:fld>
             <a:endParaRPr lang="ru-RU"/>
           </a:p>
@@ -3027,7 +3028,7 @@
           <a:p>
             <a:fld id="{6AE6D4FA-F93F-3B41-B481-1F4762ADD255}" type="datetimeFigureOut">
               <a:rPr lang="ru-RU" smtClean="0"/>
-              <a:t>20.07.2022</a:t>
+              <a:t>22.07.2022</a:t>
             </a:fld>
             <a:endParaRPr lang="ru-RU"/>
           </a:p>
@@ -3302,7 +3303,7 @@
           <a:p>
             <a:fld id="{6AE6D4FA-F93F-3B41-B481-1F4762ADD255}" type="datetimeFigureOut">
               <a:rPr lang="ru-RU" smtClean="0"/>
-              <a:t>20.07.2022</a:t>
+              <a:t>22.07.2022</a:t>
             </a:fld>
             <a:endParaRPr lang="ru-RU"/>
           </a:p>
@@ -3567,7 +3568,7 @@
           <a:p>
             <a:fld id="{6AE6D4FA-F93F-3B41-B481-1F4762ADD255}" type="datetimeFigureOut">
               <a:rPr lang="ru-RU" smtClean="0"/>
-              <a:t>20.07.2022</a:t>
+              <a:t>22.07.2022</a:t>
             </a:fld>
             <a:endParaRPr lang="ru-RU"/>
           </a:p>
@@ -3979,7 +3980,7 @@
           <a:p>
             <a:fld id="{6AE6D4FA-F93F-3B41-B481-1F4762ADD255}" type="datetimeFigureOut">
               <a:rPr lang="ru-RU" smtClean="0"/>
-              <a:t>20.07.2022</a:t>
+              <a:t>22.07.2022</a:t>
             </a:fld>
             <a:endParaRPr lang="ru-RU"/>
           </a:p>
@@ -4120,7 +4121,7 @@
           <a:p>
             <a:fld id="{6AE6D4FA-F93F-3B41-B481-1F4762ADD255}" type="datetimeFigureOut">
               <a:rPr lang="ru-RU" smtClean="0"/>
-              <a:t>20.07.2022</a:t>
+              <a:t>22.07.2022</a:t>
             </a:fld>
             <a:endParaRPr lang="ru-RU"/>
           </a:p>
@@ -4233,7 +4234,7 @@
           <a:p>
             <a:fld id="{6AE6D4FA-F93F-3B41-B481-1F4762ADD255}" type="datetimeFigureOut">
               <a:rPr lang="ru-RU" smtClean="0"/>
-              <a:t>20.07.2022</a:t>
+              <a:t>22.07.2022</a:t>
             </a:fld>
             <a:endParaRPr lang="ru-RU"/>
           </a:p>
@@ -4544,7 +4545,7 @@
           <a:p>
             <a:fld id="{6AE6D4FA-F93F-3B41-B481-1F4762ADD255}" type="datetimeFigureOut">
               <a:rPr lang="ru-RU" smtClean="0"/>
-              <a:t>20.07.2022</a:t>
+              <a:t>22.07.2022</a:t>
             </a:fld>
             <a:endParaRPr lang="ru-RU"/>
           </a:p>
@@ -4832,7 +4833,7 @@
           <a:p>
             <a:fld id="{6AE6D4FA-F93F-3B41-B481-1F4762ADD255}" type="datetimeFigureOut">
               <a:rPr lang="ru-RU" smtClean="0"/>
-              <a:t>20.07.2022</a:t>
+              <a:t>22.07.2022</a:t>
             </a:fld>
             <a:endParaRPr lang="ru-RU"/>
           </a:p>
@@ -5073,7 +5074,7 @@
           <a:p>
             <a:fld id="{6AE6D4FA-F93F-3B41-B481-1F4762ADD255}" type="datetimeFigureOut">
               <a:rPr lang="ru-RU" smtClean="0"/>
-              <a:t>20.07.2022</a:t>
+              <a:t>22.07.2022</a:t>
             </a:fld>
             <a:endParaRPr lang="ru-RU"/>
           </a:p>
@@ -6282,8 +6283,8 @@
           </a:p>
         </p:txBody>
       </p:sp>
-      <mc:AlternateContent xmlns:mc="http://schemas.openxmlformats.org/markup-compatibility/2006">
-        <mc:Choice xmlns:a14="http://schemas.microsoft.com/office/drawing/2010/main" Requires="a14">
+      <mc:AlternateContent xmlns:mc="http://schemas.openxmlformats.org/markup-compatibility/2006" xmlns:a14="http://schemas.microsoft.com/office/drawing/2010/main">
+        <mc:Choice Requires="a14">
           <p:sp>
             <p:nvSpPr>
               <p:cNvPr id="3" name="Объект 2">
@@ -6433,7 +6434,7 @@
             </p:txBody>
           </p:sp>
         </mc:Choice>
-        <mc:Fallback>
+        <mc:Fallback xmlns="">
           <p:sp>
             <p:nvSpPr>
               <p:cNvPr id="3" name="Объект 2">
@@ -6544,10 +6545,566 @@
           </a:p>
         </p:txBody>
       </p:sp>
+      <p:pic>
+        <p:nvPicPr>
+          <p:cNvPr id="8" name="Рисунок 7">
+            <a:extLst>
+              <a:ext uri="{FF2B5EF4-FFF2-40B4-BE49-F238E27FC236}">
+                <a16:creationId xmlns:a16="http://schemas.microsoft.com/office/drawing/2014/main" id="{1C96680F-667C-7215-D6A3-3E66D25EDC2D}"/>
+              </a:ext>
+            </a:extLst>
+          </p:cNvPr>
+          <p:cNvPicPr>
+            <a:picLocks noChangeAspect="1"/>
+          </p:cNvPicPr>
+          <p:nvPr/>
+        </p:nvPicPr>
+        <p:blipFill>
+          <a:blip r:embed="rId2"/>
+          <a:stretch>
+            <a:fillRect/>
+          </a:stretch>
+        </p:blipFill>
+        <p:spPr>
+          <a:xfrm>
+            <a:off x="639097" y="1283728"/>
+            <a:ext cx="10913806" cy="5260611"/>
+          </a:xfrm>
+          <a:prstGeom prst="rect">
+            <a:avLst/>
+          </a:prstGeom>
+        </p:spPr>
+      </p:pic>
     </p:spTree>
     <p:extLst>
       <p:ext uri="{BB962C8B-B14F-4D97-AF65-F5344CB8AC3E}">
         <p14:creationId xmlns:p14="http://schemas.microsoft.com/office/powerpoint/2010/main" val="3413819150"/>
+      </p:ext>
+    </p:extLst>
+  </p:cSld>
+  <p:clrMapOvr>
+    <a:masterClrMapping/>
+  </p:clrMapOvr>
+</p:sld>
+</file>
+
+<file path=ppt/slides/slide8.xml><?xml version="1.0" encoding="utf-8"?>
+<p:sld xmlns:a="http://schemas.openxmlformats.org/drawingml/2006/main" xmlns:r="http://schemas.openxmlformats.org/officeDocument/2006/relationships" xmlns:p="http://schemas.openxmlformats.org/presentationml/2006/main">
+  <p:cSld>
+    <p:spTree>
+      <p:nvGrpSpPr>
+        <p:cNvPr id="1" name=""/>
+        <p:cNvGrpSpPr/>
+        <p:nvPr/>
+      </p:nvGrpSpPr>
+      <p:grpSpPr>
+        <a:xfrm>
+          <a:off x="0" y="0"/>
+          <a:ext cx="0" cy="0"/>
+          <a:chOff x="0" y="0"/>
+          <a:chExt cx="0" cy="0"/>
+        </a:xfrm>
+      </p:grpSpPr>
+      <p:sp>
+        <p:nvSpPr>
+          <p:cNvPr id="2" name="Заголовок 1">
+            <a:extLst>
+              <a:ext uri="{FF2B5EF4-FFF2-40B4-BE49-F238E27FC236}">
+                <a16:creationId xmlns:a16="http://schemas.microsoft.com/office/drawing/2014/main" id="{5B52BC8A-C23A-4ADD-9EF6-A240794C6455}"/>
+              </a:ext>
+            </a:extLst>
+          </p:cNvPr>
+          <p:cNvSpPr>
+            <a:spLocks noGrp="1"/>
+          </p:cNvSpPr>
+          <p:nvPr>
+            <p:ph type="title"/>
+          </p:nvPr>
+        </p:nvSpPr>
+        <p:spPr>
+          <a:xfrm>
+            <a:off x="838200" y="365125"/>
+            <a:ext cx="10515600" cy="727405"/>
+          </a:xfrm>
+        </p:spPr>
+        <p:txBody>
+          <a:bodyPr>
+            <a:normAutofit/>
+          </a:bodyPr>
+          <a:lstStyle/>
+          <a:p>
+            <a:r>
+              <a:rPr lang="ru-RU" sz="4000" dirty="0">
+                <a:latin typeface="Helvetica" pitchFamily="2" charset="0"/>
+              </a:rPr>
+              <a:t>Исходные данные</a:t>
+            </a:r>
+          </a:p>
+        </p:txBody>
+      </p:sp>
+      <p:sp>
+        <p:nvSpPr>
+          <p:cNvPr id="3" name="Объект 2">
+            <a:extLst>
+              <a:ext uri="{FF2B5EF4-FFF2-40B4-BE49-F238E27FC236}">
+                <a16:creationId xmlns:a16="http://schemas.microsoft.com/office/drawing/2014/main" id="{21F10F50-1015-E0ED-873F-5E8A85FA09A1}"/>
+              </a:ext>
+            </a:extLst>
+          </p:cNvPr>
+          <p:cNvSpPr>
+            <a:spLocks noGrp="1"/>
+          </p:cNvSpPr>
+          <p:nvPr>
+            <p:ph idx="1"/>
+          </p:nvPr>
+        </p:nvSpPr>
+        <p:spPr>
+          <a:xfrm>
+            <a:off x="1283044" y="1318297"/>
+            <a:ext cx="1620795" cy="466474"/>
+          </a:xfrm>
+        </p:spPr>
+        <p:txBody>
+          <a:bodyPr>
+            <a:normAutofit fontScale="92500"/>
+          </a:bodyPr>
+          <a:lstStyle/>
+          <a:p>
+            <a:pPr marL="0" indent="0" algn="ctr">
+              <a:lnSpc>
+                <a:spcPct val="100000"/>
+              </a:lnSpc>
+              <a:buNone/>
+            </a:pPr>
+            <a:r>
+              <a:rPr lang="ru-RU" sz="2000" dirty="0">
+                <a:latin typeface="Helvetica" pitchFamily="2" charset="0"/>
+              </a:rPr>
+              <a:t>Диспетчеры</a:t>
+            </a:r>
+          </a:p>
+        </p:txBody>
+      </p:sp>
+      <p:sp>
+        <p:nvSpPr>
+          <p:cNvPr id="4" name="Объект 2">
+            <a:extLst>
+              <a:ext uri="{FF2B5EF4-FFF2-40B4-BE49-F238E27FC236}">
+                <a16:creationId xmlns:a16="http://schemas.microsoft.com/office/drawing/2014/main" id="{72A09985-6B2D-7CFD-BEF8-FED7AEE58EF8}"/>
+              </a:ext>
+            </a:extLst>
+          </p:cNvPr>
+          <p:cNvSpPr txBox="1">
+            <a:spLocks/>
+          </p:cNvSpPr>
+          <p:nvPr/>
+        </p:nvSpPr>
+        <p:spPr>
+          <a:xfrm>
+            <a:off x="4764559" y="1318297"/>
+            <a:ext cx="1620795" cy="466474"/>
+          </a:xfrm>
+          <a:prstGeom prst="rect">
+            <a:avLst/>
+          </a:prstGeom>
+        </p:spPr>
+        <p:txBody>
+          <a:bodyPr vert="horz" lIns="91440" tIns="45720" rIns="91440" bIns="45720" rtlCol="0">
+            <a:normAutofit/>
+          </a:bodyPr>
+          <a:lstStyle>
+            <a:lvl1pPr marL="228600" indent="-228600" algn="l" defTabSz="914400" rtl="0" eaLnBrk="1" latinLnBrk="0" hangingPunct="1">
+              <a:lnSpc>
+                <a:spcPct val="90000"/>
+              </a:lnSpc>
+              <a:spcBef>
+                <a:spcPts val="1000"/>
+              </a:spcBef>
+              <a:buFont typeface="Arial" panose="020B0604020202020204" pitchFamily="34" charset="0"/>
+              <a:buChar char="•"/>
+              <a:defRPr sz="2800" kern="1200">
+                <a:solidFill>
+                  <a:schemeClr val="tx1"/>
+                </a:solidFill>
+                <a:latin typeface="+mn-lt"/>
+                <a:ea typeface="+mn-ea"/>
+                <a:cs typeface="+mn-cs"/>
+              </a:defRPr>
+            </a:lvl1pPr>
+            <a:lvl2pPr marL="685800" indent="-228600" algn="l" defTabSz="914400" rtl="0" eaLnBrk="1" latinLnBrk="0" hangingPunct="1">
+              <a:lnSpc>
+                <a:spcPct val="90000"/>
+              </a:lnSpc>
+              <a:spcBef>
+                <a:spcPts val="500"/>
+              </a:spcBef>
+              <a:buFont typeface="Arial" panose="020B0604020202020204" pitchFamily="34" charset="0"/>
+              <a:buChar char="•"/>
+              <a:defRPr sz="2400" kern="1200">
+                <a:solidFill>
+                  <a:schemeClr val="tx1"/>
+                </a:solidFill>
+                <a:latin typeface="+mn-lt"/>
+                <a:ea typeface="+mn-ea"/>
+                <a:cs typeface="+mn-cs"/>
+              </a:defRPr>
+            </a:lvl2pPr>
+            <a:lvl3pPr marL="1143000" indent="-228600" algn="l" defTabSz="914400" rtl="0" eaLnBrk="1" latinLnBrk="0" hangingPunct="1">
+              <a:lnSpc>
+                <a:spcPct val="90000"/>
+              </a:lnSpc>
+              <a:spcBef>
+                <a:spcPts val="500"/>
+              </a:spcBef>
+              <a:buFont typeface="Arial" panose="020B0604020202020204" pitchFamily="34" charset="0"/>
+              <a:buChar char="•"/>
+              <a:defRPr sz="2000" kern="1200">
+                <a:solidFill>
+                  <a:schemeClr val="tx1"/>
+                </a:solidFill>
+                <a:latin typeface="+mn-lt"/>
+                <a:ea typeface="+mn-ea"/>
+                <a:cs typeface="+mn-cs"/>
+              </a:defRPr>
+            </a:lvl3pPr>
+            <a:lvl4pPr marL="1600200" indent="-228600" algn="l" defTabSz="914400" rtl="0" eaLnBrk="1" latinLnBrk="0" hangingPunct="1">
+              <a:lnSpc>
+                <a:spcPct val="90000"/>
+              </a:lnSpc>
+              <a:spcBef>
+                <a:spcPts val="500"/>
+              </a:spcBef>
+              <a:buFont typeface="Arial" panose="020B0604020202020204" pitchFamily="34" charset="0"/>
+              <a:buChar char="•"/>
+              <a:defRPr sz="1800" kern="1200">
+                <a:solidFill>
+                  <a:schemeClr val="tx1"/>
+                </a:solidFill>
+                <a:latin typeface="+mn-lt"/>
+                <a:ea typeface="+mn-ea"/>
+                <a:cs typeface="+mn-cs"/>
+              </a:defRPr>
+            </a:lvl4pPr>
+            <a:lvl5pPr marL="2057400" indent="-228600" algn="l" defTabSz="914400" rtl="0" eaLnBrk="1" latinLnBrk="0" hangingPunct="1">
+              <a:lnSpc>
+                <a:spcPct val="90000"/>
+              </a:lnSpc>
+              <a:spcBef>
+                <a:spcPts val="500"/>
+              </a:spcBef>
+              <a:buFont typeface="Arial" panose="020B0604020202020204" pitchFamily="34" charset="0"/>
+              <a:buChar char="•"/>
+              <a:defRPr sz="1800" kern="1200">
+                <a:solidFill>
+                  <a:schemeClr val="tx1"/>
+                </a:solidFill>
+                <a:latin typeface="+mn-lt"/>
+                <a:ea typeface="+mn-ea"/>
+                <a:cs typeface="+mn-cs"/>
+              </a:defRPr>
+            </a:lvl5pPr>
+            <a:lvl6pPr marL="2514600" indent="-228600" algn="l" defTabSz="914400" rtl="0" eaLnBrk="1" latinLnBrk="0" hangingPunct="1">
+              <a:lnSpc>
+                <a:spcPct val="90000"/>
+              </a:lnSpc>
+              <a:spcBef>
+                <a:spcPts val="500"/>
+              </a:spcBef>
+              <a:buFont typeface="Arial" panose="020B0604020202020204" pitchFamily="34" charset="0"/>
+              <a:buChar char="•"/>
+              <a:defRPr sz="1800" kern="1200">
+                <a:solidFill>
+                  <a:schemeClr val="tx1"/>
+                </a:solidFill>
+                <a:latin typeface="+mn-lt"/>
+                <a:ea typeface="+mn-ea"/>
+                <a:cs typeface="+mn-cs"/>
+              </a:defRPr>
+            </a:lvl6pPr>
+            <a:lvl7pPr marL="2971800" indent="-228600" algn="l" defTabSz="914400" rtl="0" eaLnBrk="1" latinLnBrk="0" hangingPunct="1">
+              <a:lnSpc>
+                <a:spcPct val="90000"/>
+              </a:lnSpc>
+              <a:spcBef>
+                <a:spcPts val="500"/>
+              </a:spcBef>
+              <a:buFont typeface="Arial" panose="020B0604020202020204" pitchFamily="34" charset="0"/>
+              <a:buChar char="•"/>
+              <a:defRPr sz="1800" kern="1200">
+                <a:solidFill>
+                  <a:schemeClr val="tx1"/>
+                </a:solidFill>
+                <a:latin typeface="+mn-lt"/>
+                <a:ea typeface="+mn-ea"/>
+                <a:cs typeface="+mn-cs"/>
+              </a:defRPr>
+            </a:lvl7pPr>
+            <a:lvl8pPr marL="3429000" indent="-228600" algn="l" defTabSz="914400" rtl="0" eaLnBrk="1" latinLnBrk="0" hangingPunct="1">
+              <a:lnSpc>
+                <a:spcPct val="90000"/>
+              </a:lnSpc>
+              <a:spcBef>
+                <a:spcPts val="500"/>
+              </a:spcBef>
+              <a:buFont typeface="Arial" panose="020B0604020202020204" pitchFamily="34" charset="0"/>
+              <a:buChar char="•"/>
+              <a:defRPr sz="1800" kern="1200">
+                <a:solidFill>
+                  <a:schemeClr val="tx1"/>
+                </a:solidFill>
+                <a:latin typeface="+mn-lt"/>
+                <a:ea typeface="+mn-ea"/>
+                <a:cs typeface="+mn-cs"/>
+              </a:defRPr>
+            </a:lvl8pPr>
+            <a:lvl9pPr marL="3886200" indent="-228600" algn="l" defTabSz="914400" rtl="0" eaLnBrk="1" latinLnBrk="0" hangingPunct="1">
+              <a:lnSpc>
+                <a:spcPct val="90000"/>
+              </a:lnSpc>
+              <a:spcBef>
+                <a:spcPts val="500"/>
+              </a:spcBef>
+              <a:buFont typeface="Arial" panose="020B0604020202020204" pitchFamily="34" charset="0"/>
+              <a:buChar char="•"/>
+              <a:defRPr sz="1800" kern="1200">
+                <a:solidFill>
+                  <a:schemeClr val="tx1"/>
+                </a:solidFill>
+                <a:latin typeface="+mn-lt"/>
+                <a:ea typeface="+mn-ea"/>
+                <a:cs typeface="+mn-cs"/>
+              </a:defRPr>
+            </a:lvl9pPr>
+          </a:lstStyle>
+          <a:p>
+            <a:pPr marL="0" indent="0" algn="ctr">
+              <a:lnSpc>
+                <a:spcPct val="100000"/>
+              </a:lnSpc>
+              <a:buFont typeface="Arial" panose="020B0604020202020204" pitchFamily="34" charset="0"/>
+              <a:buNone/>
+            </a:pPr>
+            <a:r>
+              <a:rPr lang="ru-RU" sz="2000" dirty="0">
+                <a:latin typeface="Helvetica" pitchFamily="2" charset="0"/>
+              </a:rPr>
+              <a:t>Аэропорты</a:t>
+            </a:r>
+          </a:p>
+        </p:txBody>
+      </p:sp>
+      <p:sp>
+        <p:nvSpPr>
+          <p:cNvPr id="5" name="Объект 2">
+            <a:extLst>
+              <a:ext uri="{FF2B5EF4-FFF2-40B4-BE49-F238E27FC236}">
+                <a16:creationId xmlns:a16="http://schemas.microsoft.com/office/drawing/2014/main" id="{577AF805-B604-B707-A427-51C0D2236ACD}"/>
+              </a:ext>
+            </a:extLst>
+          </p:cNvPr>
+          <p:cNvSpPr txBox="1">
+            <a:spLocks/>
+          </p:cNvSpPr>
+          <p:nvPr/>
+        </p:nvSpPr>
+        <p:spPr>
+          <a:xfrm>
+            <a:off x="8246074" y="1318297"/>
+            <a:ext cx="1620795" cy="466474"/>
+          </a:xfrm>
+          <a:prstGeom prst="rect">
+            <a:avLst/>
+          </a:prstGeom>
+        </p:spPr>
+        <p:txBody>
+          <a:bodyPr vert="horz" lIns="91440" tIns="45720" rIns="91440" bIns="45720" rtlCol="0">
+            <a:normAutofit/>
+          </a:bodyPr>
+          <a:lstStyle>
+            <a:lvl1pPr marL="228600" indent="-228600" algn="l" defTabSz="914400" rtl="0" eaLnBrk="1" latinLnBrk="0" hangingPunct="1">
+              <a:lnSpc>
+                <a:spcPct val="90000"/>
+              </a:lnSpc>
+              <a:spcBef>
+                <a:spcPts val="1000"/>
+              </a:spcBef>
+              <a:buFont typeface="Arial" panose="020B0604020202020204" pitchFamily="34" charset="0"/>
+              <a:buChar char="•"/>
+              <a:defRPr sz="2800" kern="1200">
+                <a:solidFill>
+                  <a:schemeClr val="tx1"/>
+                </a:solidFill>
+                <a:latin typeface="+mn-lt"/>
+                <a:ea typeface="+mn-ea"/>
+                <a:cs typeface="+mn-cs"/>
+              </a:defRPr>
+            </a:lvl1pPr>
+            <a:lvl2pPr marL="685800" indent="-228600" algn="l" defTabSz="914400" rtl="0" eaLnBrk="1" latinLnBrk="0" hangingPunct="1">
+              <a:lnSpc>
+                <a:spcPct val="90000"/>
+              </a:lnSpc>
+              <a:spcBef>
+                <a:spcPts val="500"/>
+              </a:spcBef>
+              <a:buFont typeface="Arial" panose="020B0604020202020204" pitchFamily="34" charset="0"/>
+              <a:buChar char="•"/>
+              <a:defRPr sz="2400" kern="1200">
+                <a:solidFill>
+                  <a:schemeClr val="tx1"/>
+                </a:solidFill>
+                <a:latin typeface="+mn-lt"/>
+                <a:ea typeface="+mn-ea"/>
+                <a:cs typeface="+mn-cs"/>
+              </a:defRPr>
+            </a:lvl2pPr>
+            <a:lvl3pPr marL="1143000" indent="-228600" algn="l" defTabSz="914400" rtl="0" eaLnBrk="1" latinLnBrk="0" hangingPunct="1">
+              <a:lnSpc>
+                <a:spcPct val="90000"/>
+              </a:lnSpc>
+              <a:spcBef>
+                <a:spcPts val="500"/>
+              </a:spcBef>
+              <a:buFont typeface="Arial" panose="020B0604020202020204" pitchFamily="34" charset="0"/>
+              <a:buChar char="•"/>
+              <a:defRPr sz="2000" kern="1200">
+                <a:solidFill>
+                  <a:schemeClr val="tx1"/>
+                </a:solidFill>
+                <a:latin typeface="+mn-lt"/>
+                <a:ea typeface="+mn-ea"/>
+                <a:cs typeface="+mn-cs"/>
+              </a:defRPr>
+            </a:lvl3pPr>
+            <a:lvl4pPr marL="1600200" indent="-228600" algn="l" defTabSz="914400" rtl="0" eaLnBrk="1" latinLnBrk="0" hangingPunct="1">
+              <a:lnSpc>
+                <a:spcPct val="90000"/>
+              </a:lnSpc>
+              <a:spcBef>
+                <a:spcPts val="500"/>
+              </a:spcBef>
+              <a:buFont typeface="Arial" panose="020B0604020202020204" pitchFamily="34" charset="0"/>
+              <a:buChar char="•"/>
+              <a:defRPr sz="1800" kern="1200">
+                <a:solidFill>
+                  <a:schemeClr val="tx1"/>
+                </a:solidFill>
+                <a:latin typeface="+mn-lt"/>
+                <a:ea typeface="+mn-ea"/>
+                <a:cs typeface="+mn-cs"/>
+              </a:defRPr>
+            </a:lvl4pPr>
+            <a:lvl5pPr marL="2057400" indent="-228600" algn="l" defTabSz="914400" rtl="0" eaLnBrk="1" latinLnBrk="0" hangingPunct="1">
+              <a:lnSpc>
+                <a:spcPct val="90000"/>
+              </a:lnSpc>
+              <a:spcBef>
+                <a:spcPts val="500"/>
+              </a:spcBef>
+              <a:buFont typeface="Arial" panose="020B0604020202020204" pitchFamily="34" charset="0"/>
+              <a:buChar char="•"/>
+              <a:defRPr sz="1800" kern="1200">
+                <a:solidFill>
+                  <a:schemeClr val="tx1"/>
+                </a:solidFill>
+                <a:latin typeface="+mn-lt"/>
+                <a:ea typeface="+mn-ea"/>
+                <a:cs typeface="+mn-cs"/>
+              </a:defRPr>
+            </a:lvl5pPr>
+            <a:lvl6pPr marL="2514600" indent="-228600" algn="l" defTabSz="914400" rtl="0" eaLnBrk="1" latinLnBrk="0" hangingPunct="1">
+              <a:lnSpc>
+                <a:spcPct val="90000"/>
+              </a:lnSpc>
+              <a:spcBef>
+                <a:spcPts val="500"/>
+              </a:spcBef>
+              <a:buFont typeface="Arial" panose="020B0604020202020204" pitchFamily="34" charset="0"/>
+              <a:buChar char="•"/>
+              <a:defRPr sz="1800" kern="1200">
+                <a:solidFill>
+                  <a:schemeClr val="tx1"/>
+                </a:solidFill>
+                <a:latin typeface="+mn-lt"/>
+                <a:ea typeface="+mn-ea"/>
+                <a:cs typeface="+mn-cs"/>
+              </a:defRPr>
+            </a:lvl6pPr>
+            <a:lvl7pPr marL="2971800" indent="-228600" algn="l" defTabSz="914400" rtl="0" eaLnBrk="1" latinLnBrk="0" hangingPunct="1">
+              <a:lnSpc>
+                <a:spcPct val="90000"/>
+              </a:lnSpc>
+              <a:spcBef>
+                <a:spcPts val="500"/>
+              </a:spcBef>
+              <a:buFont typeface="Arial" panose="020B0604020202020204" pitchFamily="34" charset="0"/>
+              <a:buChar char="•"/>
+              <a:defRPr sz="1800" kern="1200">
+                <a:solidFill>
+                  <a:schemeClr val="tx1"/>
+                </a:solidFill>
+                <a:latin typeface="+mn-lt"/>
+                <a:ea typeface="+mn-ea"/>
+                <a:cs typeface="+mn-cs"/>
+              </a:defRPr>
+            </a:lvl7pPr>
+            <a:lvl8pPr marL="3429000" indent="-228600" algn="l" defTabSz="914400" rtl="0" eaLnBrk="1" latinLnBrk="0" hangingPunct="1">
+              <a:lnSpc>
+                <a:spcPct val="90000"/>
+              </a:lnSpc>
+              <a:spcBef>
+                <a:spcPts val="500"/>
+              </a:spcBef>
+              <a:buFont typeface="Arial" panose="020B0604020202020204" pitchFamily="34" charset="0"/>
+              <a:buChar char="•"/>
+              <a:defRPr sz="1800" kern="1200">
+                <a:solidFill>
+                  <a:schemeClr val="tx1"/>
+                </a:solidFill>
+                <a:latin typeface="+mn-lt"/>
+                <a:ea typeface="+mn-ea"/>
+                <a:cs typeface="+mn-cs"/>
+              </a:defRPr>
+            </a:lvl8pPr>
+            <a:lvl9pPr marL="3886200" indent="-228600" algn="l" defTabSz="914400" rtl="0" eaLnBrk="1" latinLnBrk="0" hangingPunct="1">
+              <a:lnSpc>
+                <a:spcPct val="90000"/>
+              </a:lnSpc>
+              <a:spcBef>
+                <a:spcPts val="500"/>
+              </a:spcBef>
+              <a:buFont typeface="Arial" panose="020B0604020202020204" pitchFamily="34" charset="0"/>
+              <a:buChar char="•"/>
+              <a:defRPr sz="1800" kern="1200">
+                <a:solidFill>
+                  <a:schemeClr val="tx1"/>
+                </a:solidFill>
+                <a:latin typeface="+mn-lt"/>
+                <a:ea typeface="+mn-ea"/>
+                <a:cs typeface="+mn-cs"/>
+              </a:defRPr>
+            </a:lvl9pPr>
+          </a:lstStyle>
+          <a:p>
+            <a:pPr marL="0" indent="0" algn="ctr">
+              <a:lnSpc>
+                <a:spcPct val="100000"/>
+              </a:lnSpc>
+              <a:buFont typeface="Arial" panose="020B0604020202020204" pitchFamily="34" charset="0"/>
+              <a:buNone/>
+            </a:pPr>
+            <a:r>
+              <a:rPr lang="ru-RU" sz="2000" dirty="0">
+                <a:latin typeface="Helvetica" pitchFamily="2" charset="0"/>
+              </a:rPr>
+              <a:t>Рейсы</a:t>
+            </a:r>
+          </a:p>
+        </p:txBody>
+      </p:sp>
+    </p:spTree>
+    <p:extLst>
+      <p:ext uri="{BB962C8B-B14F-4D97-AF65-F5344CB8AC3E}">
+        <p14:creationId xmlns:p14="http://schemas.microsoft.com/office/powerpoint/2010/main" val="394694705"/>
       </p:ext>
     </p:extLst>
   </p:cSld>

--- a/Презентация/Презентация. Тамбов Никита М1О-309С-19.pptx
+++ b/Презентация/Презентация. Тамбов Никита М1О-309С-19.pptx
@@ -6660,17 +6660,17 @@
         </p:nvSpPr>
         <p:spPr>
           <a:xfrm>
-            <a:off x="1283044" y="1318297"/>
-            <a:ext cx="1620795" cy="466474"/>
+            <a:off x="397285" y="1394849"/>
+            <a:ext cx="1806375" cy="389922"/>
           </a:xfrm>
         </p:spPr>
         <p:txBody>
           <a:bodyPr>
-            <a:normAutofit fontScale="92500"/>
+            <a:normAutofit lnSpcReduction="10000"/>
           </a:bodyPr>
           <a:lstStyle/>
           <a:p>
-            <a:pPr marL="0" indent="0" algn="ctr">
+            <a:pPr marL="0" indent="0">
               <a:lnSpc>
                 <a:spcPct val="100000"/>
               </a:lnSpc>
@@ -6701,8 +6701,8 @@
         </p:nvSpPr>
         <p:spPr>
           <a:xfrm>
-            <a:off x="4764559" y="1318297"/>
-            <a:ext cx="1620795" cy="466474"/>
+            <a:off x="366263" y="4171087"/>
+            <a:ext cx="1620795" cy="441516"/>
           </a:xfrm>
           <a:prstGeom prst="rect">
             <a:avLst/>
@@ -6877,7 +6877,7 @@
             </a:lvl9pPr>
           </a:lstStyle>
           <a:p>
-            <a:pPr marL="0" indent="0" algn="ctr">
+            <a:pPr marL="0" indent="0">
               <a:lnSpc>
                 <a:spcPct val="100000"/>
               </a:lnSpc>
@@ -6909,8 +6909,8 @@
         </p:nvSpPr>
         <p:spPr>
           <a:xfrm>
-            <a:off x="8246074" y="1318297"/>
-            <a:ext cx="1620795" cy="466474"/>
+            <a:off x="4243745" y="1394849"/>
+            <a:ext cx="1289812" cy="389922"/>
           </a:xfrm>
           <a:prstGeom prst="rect">
             <a:avLst/>
@@ -6918,7 +6918,7 @@
         </p:spPr>
         <p:txBody>
           <a:bodyPr vert="horz" lIns="91440" tIns="45720" rIns="91440" bIns="45720" rtlCol="0">
-            <a:normAutofit/>
+            <a:normAutofit lnSpcReduction="10000"/>
           </a:bodyPr>
           <a:lstStyle>
             <a:lvl1pPr marL="228600" indent="-228600" algn="l" defTabSz="914400" rtl="0" eaLnBrk="1" latinLnBrk="0" hangingPunct="1">
@@ -7085,7 +7085,7 @@
             </a:lvl9pPr>
           </a:lstStyle>
           <a:p>
-            <a:pPr marL="0" indent="0" algn="ctr">
+            <a:pPr marL="0" indent="0">
               <a:lnSpc>
                 <a:spcPct val="100000"/>
               </a:lnSpc>
@@ -7101,6 +7101,7029 @@
           </a:p>
         </p:txBody>
       </p:sp>
+      <p:graphicFrame>
+        <p:nvGraphicFramePr>
+          <p:cNvPr id="6" name="Таблица 6">
+            <a:extLst>
+              <a:ext uri="{FF2B5EF4-FFF2-40B4-BE49-F238E27FC236}">
+                <a16:creationId xmlns:a16="http://schemas.microsoft.com/office/drawing/2014/main" id="{E8975789-AB45-FD77-F30D-4334C8A65674}"/>
+              </a:ext>
+            </a:extLst>
+          </p:cNvPr>
+          <p:cNvGraphicFramePr>
+            <a:graphicFrameLocks noGrp="1"/>
+          </p:cNvGraphicFramePr>
+          <p:nvPr>
+            <p:extLst>
+              <p:ext uri="{D42A27DB-BD31-4B8C-83A1-F6EECF244321}">
+                <p14:modId xmlns:p14="http://schemas.microsoft.com/office/powerpoint/2010/main" val="4262926610"/>
+              </p:ext>
+            </p:extLst>
+          </p:nvPr>
+        </p:nvGraphicFramePr>
+        <p:xfrm>
+          <a:off x="366264" y="1857341"/>
+          <a:ext cx="3314954" cy="1854200"/>
+        </p:xfrm>
+        <a:graphic>
+          <a:graphicData uri="http://schemas.openxmlformats.org/drawingml/2006/table">
+            <a:tbl>
+              <a:tblPr firstRow="1" bandRow="1">
+                <a:tableStyleId>{7E9639D4-E3E2-4D34-9284-5A2195B3D0D7}</a:tableStyleId>
+              </a:tblPr>
+              <a:tblGrid>
+                <a:gridCol w="508512">
+                  <a:extLst>
+                    <a:ext uri="{9D8B030D-6E8A-4147-A177-3AD203B41FA5}">
+                      <a16:colId xmlns:a16="http://schemas.microsoft.com/office/drawing/2014/main" val="418817847"/>
+                    </a:ext>
+                  </a:extLst>
+                </a:gridCol>
+                <a:gridCol w="992124">
+                  <a:extLst>
+                    <a:ext uri="{9D8B030D-6E8A-4147-A177-3AD203B41FA5}">
+                      <a16:colId xmlns:a16="http://schemas.microsoft.com/office/drawing/2014/main" val="1528865521"/>
+                    </a:ext>
+                  </a:extLst>
+                </a:gridCol>
+                <a:gridCol w="1814318">
+                  <a:extLst>
+                    <a:ext uri="{9D8B030D-6E8A-4147-A177-3AD203B41FA5}">
+                      <a16:colId xmlns:a16="http://schemas.microsoft.com/office/drawing/2014/main" val="1661735205"/>
+                    </a:ext>
+                  </a:extLst>
+                </a:gridCol>
+              </a:tblGrid>
+              <a:tr h="370840">
+                <a:tc>
+                  <a:txBody>
+                    <a:bodyPr/>
+                    <a:lstStyle/>
+                    <a:p>
+                      <a:pPr algn="ctr"/>
+                      <a:r>
+                        <a:rPr lang="en-US" sz="1600" dirty="0"/>
+                        <a:t>id</a:t>
+                      </a:r>
+                      <a:endParaRPr lang="ru-RU" sz="1600" dirty="0"/>
+                    </a:p>
+                  </a:txBody>
+                  <a:tcPr anchor="ctr">
+                    <a:lnL w="12700" cap="flat" cmpd="sng" algn="ctr">
+                      <a:solidFill>
+                        <a:schemeClr val="tx1"/>
+                      </a:solidFill>
+                      <a:prstDash val="solid"/>
+                      <a:round/>
+                      <a:headEnd type="none" w="med" len="med"/>
+                      <a:tailEnd type="none" w="med" len="med"/>
+                    </a:lnL>
+                    <a:lnR w="12700" cap="flat" cmpd="sng" algn="ctr">
+                      <a:solidFill>
+                        <a:schemeClr val="tx1"/>
+                      </a:solidFill>
+                      <a:prstDash val="solid"/>
+                      <a:round/>
+                      <a:headEnd type="none" w="med" len="med"/>
+                      <a:tailEnd type="none" w="med" len="med"/>
+                    </a:lnR>
+                    <a:lnT w="12700" cap="flat" cmpd="sng" algn="ctr">
+                      <a:solidFill>
+                        <a:schemeClr val="tx1"/>
+                      </a:solidFill>
+                      <a:prstDash val="solid"/>
+                      <a:round/>
+                      <a:headEnd type="none" w="med" len="med"/>
+                      <a:tailEnd type="none" w="med" len="med"/>
+                    </a:lnT>
+                    <a:lnB w="12700" cap="flat" cmpd="sng" algn="ctr">
+                      <a:solidFill>
+                        <a:schemeClr val="tx1"/>
+                      </a:solidFill>
+                      <a:prstDash val="solid"/>
+                      <a:round/>
+                      <a:headEnd type="none" w="med" len="med"/>
+                      <a:tailEnd type="none" w="med" len="med"/>
+                    </a:lnB>
+                  </a:tcPr>
+                </a:tc>
+                <a:tc>
+                  <a:txBody>
+                    <a:bodyPr/>
+                    <a:lstStyle/>
+                    <a:p>
+                      <a:pPr algn="ctr"/>
+                      <a:r>
+                        <a:rPr lang="en-US" sz="1600" dirty="0"/>
+                        <a:t>name</a:t>
+                      </a:r>
+                      <a:endParaRPr lang="ru-RU" sz="1600" dirty="0"/>
+                    </a:p>
+                  </a:txBody>
+                  <a:tcPr anchor="ctr">
+                    <a:lnL w="12700" cap="flat" cmpd="sng" algn="ctr">
+                      <a:solidFill>
+                        <a:schemeClr val="tx1"/>
+                      </a:solidFill>
+                      <a:prstDash val="solid"/>
+                      <a:round/>
+                      <a:headEnd type="none" w="med" len="med"/>
+                      <a:tailEnd type="none" w="med" len="med"/>
+                    </a:lnL>
+                    <a:lnR w="12700" cap="flat" cmpd="sng" algn="ctr">
+                      <a:solidFill>
+                        <a:schemeClr val="tx1"/>
+                      </a:solidFill>
+                      <a:prstDash val="solid"/>
+                      <a:round/>
+                      <a:headEnd type="none" w="med" len="med"/>
+                      <a:tailEnd type="none" w="med" len="med"/>
+                    </a:lnR>
+                    <a:lnT w="12700" cap="flat" cmpd="sng" algn="ctr">
+                      <a:solidFill>
+                        <a:schemeClr val="tx1"/>
+                      </a:solidFill>
+                      <a:prstDash val="solid"/>
+                      <a:round/>
+                      <a:headEnd type="none" w="med" len="med"/>
+                      <a:tailEnd type="none" w="med" len="med"/>
+                    </a:lnT>
+                    <a:lnB w="12700" cap="flat" cmpd="sng" algn="ctr">
+                      <a:solidFill>
+                        <a:schemeClr val="tx1"/>
+                      </a:solidFill>
+                      <a:prstDash val="solid"/>
+                      <a:round/>
+                      <a:headEnd type="none" w="med" len="med"/>
+                      <a:tailEnd type="none" w="med" len="med"/>
+                    </a:lnB>
+                  </a:tcPr>
+                </a:tc>
+                <a:tc>
+                  <a:txBody>
+                    <a:bodyPr/>
+                    <a:lstStyle/>
+                    <a:p>
+                      <a:pPr algn="ctr"/>
+                      <a:r>
+                        <a:rPr lang="en-US" sz="1600" dirty="0" err="1"/>
+                        <a:t>img</a:t>
+                      </a:r>
+                      <a:endParaRPr lang="ru-RU" sz="1600" dirty="0"/>
+                    </a:p>
+                  </a:txBody>
+                  <a:tcPr anchor="ctr">
+                    <a:lnL w="12700" cap="flat" cmpd="sng" algn="ctr">
+                      <a:solidFill>
+                        <a:schemeClr val="tx1"/>
+                      </a:solidFill>
+                      <a:prstDash val="solid"/>
+                      <a:round/>
+                      <a:headEnd type="none" w="med" len="med"/>
+                      <a:tailEnd type="none" w="med" len="med"/>
+                    </a:lnL>
+                    <a:lnR w="12700" cap="flat" cmpd="sng" algn="ctr">
+                      <a:solidFill>
+                        <a:schemeClr val="tx1"/>
+                      </a:solidFill>
+                      <a:prstDash val="solid"/>
+                      <a:round/>
+                      <a:headEnd type="none" w="med" len="med"/>
+                      <a:tailEnd type="none" w="med" len="med"/>
+                    </a:lnR>
+                    <a:lnT w="12700" cap="flat" cmpd="sng" algn="ctr">
+                      <a:solidFill>
+                        <a:schemeClr val="tx1"/>
+                      </a:solidFill>
+                      <a:prstDash val="solid"/>
+                      <a:round/>
+                      <a:headEnd type="none" w="med" len="med"/>
+                      <a:tailEnd type="none" w="med" len="med"/>
+                    </a:lnT>
+                    <a:lnB w="12700" cap="flat" cmpd="sng" algn="ctr">
+                      <a:solidFill>
+                        <a:schemeClr val="tx1"/>
+                      </a:solidFill>
+                      <a:prstDash val="solid"/>
+                      <a:round/>
+                      <a:headEnd type="none" w="med" len="med"/>
+                      <a:tailEnd type="none" w="med" len="med"/>
+                    </a:lnB>
+                  </a:tcPr>
+                </a:tc>
+                <a:extLst>
+                  <a:ext uri="{0D108BD9-81ED-4DB2-BD59-A6C34878D82A}">
+                    <a16:rowId xmlns:a16="http://schemas.microsoft.com/office/drawing/2014/main" val="427955247"/>
+                  </a:ext>
+                </a:extLst>
+              </a:tr>
+              <a:tr h="370840">
+                <a:tc>
+                  <a:txBody>
+                    <a:bodyPr/>
+                    <a:lstStyle/>
+                    <a:p>
+                      <a:pPr algn="ctr"/>
+                      <a:r>
+                        <a:rPr lang="ru-RU" sz="1200" b="0" dirty="0">
+                          <a:solidFill>
+                            <a:schemeClr val="tx1"/>
+                          </a:solidFill>
+                          <a:effectLst/>
+                        </a:rPr>
+                        <a:t>0</a:t>
+                      </a:r>
+                      <a:endParaRPr lang="ru-RU" sz="1200" b="0" i="0" dirty="0">
+                        <a:solidFill>
+                          <a:schemeClr val="tx1"/>
+                        </a:solidFill>
+                        <a:effectLst/>
+                        <a:latin typeface=".AppleSystemUIFont"/>
+                      </a:endParaRPr>
+                    </a:p>
+                  </a:txBody>
+                  <a:tcPr marL="19050" marR="19050" marT="19050" marB="19050" anchor="ctr">
+                    <a:lnL w="12700" cap="flat" cmpd="sng" algn="ctr">
+                      <a:solidFill>
+                        <a:schemeClr val="tx1"/>
+                      </a:solidFill>
+                      <a:prstDash val="solid"/>
+                      <a:round/>
+                      <a:headEnd type="none" w="med" len="med"/>
+                      <a:tailEnd type="none" w="med" len="med"/>
+                    </a:lnL>
+                    <a:lnR w="12700" cap="flat" cmpd="sng" algn="ctr">
+                      <a:solidFill>
+                        <a:schemeClr val="tx1"/>
+                      </a:solidFill>
+                      <a:prstDash val="solid"/>
+                      <a:round/>
+                      <a:headEnd type="none" w="med" len="med"/>
+                      <a:tailEnd type="none" w="med" len="med"/>
+                    </a:lnR>
+                    <a:lnT w="12700" cap="flat" cmpd="sng" algn="ctr">
+                      <a:solidFill>
+                        <a:schemeClr val="tx1"/>
+                      </a:solidFill>
+                      <a:prstDash val="solid"/>
+                      <a:round/>
+                      <a:headEnd type="none" w="med" len="med"/>
+                      <a:tailEnd type="none" w="med" len="med"/>
+                    </a:lnT>
+                    <a:lnB w="12700" cap="flat" cmpd="sng" algn="ctr">
+                      <a:solidFill>
+                        <a:schemeClr val="tx1"/>
+                      </a:solidFill>
+                      <a:prstDash val="solid"/>
+                      <a:round/>
+                      <a:headEnd type="none" w="med" len="med"/>
+                      <a:tailEnd type="none" w="med" len="med"/>
+                    </a:lnB>
+                  </a:tcPr>
+                </a:tc>
+                <a:tc>
+                  <a:txBody>
+                    <a:bodyPr/>
+                    <a:lstStyle/>
+                    <a:p>
+                      <a:pPr algn="ctr"/>
+                      <a:r>
+                        <a:rPr lang="en" sz="1200" b="0" dirty="0">
+                          <a:solidFill>
+                            <a:schemeClr val="tx1"/>
+                          </a:solidFill>
+                          <a:effectLst/>
+                        </a:rPr>
+                        <a:t>Tambov N.</a:t>
+                      </a:r>
+                      <a:endParaRPr lang="en" sz="1200" b="0" i="0" dirty="0">
+                        <a:solidFill>
+                          <a:schemeClr val="tx1"/>
+                        </a:solidFill>
+                        <a:effectLst/>
+                        <a:latin typeface=".AppleSystemUIFont"/>
+                      </a:endParaRPr>
+                    </a:p>
+                  </a:txBody>
+                  <a:tcPr marL="19050" marR="19050" marT="19050" marB="19050" anchor="ctr">
+                    <a:lnL w="12700" cap="flat" cmpd="sng" algn="ctr">
+                      <a:solidFill>
+                        <a:schemeClr val="tx1"/>
+                      </a:solidFill>
+                      <a:prstDash val="solid"/>
+                      <a:round/>
+                      <a:headEnd type="none" w="med" len="med"/>
+                      <a:tailEnd type="none" w="med" len="med"/>
+                    </a:lnL>
+                    <a:lnR w="12700" cap="flat" cmpd="sng" algn="ctr">
+                      <a:solidFill>
+                        <a:schemeClr val="tx1"/>
+                      </a:solidFill>
+                      <a:prstDash val="solid"/>
+                      <a:round/>
+                      <a:headEnd type="none" w="med" len="med"/>
+                      <a:tailEnd type="none" w="med" len="med"/>
+                    </a:lnR>
+                    <a:lnT w="12700" cap="flat" cmpd="sng" algn="ctr">
+                      <a:solidFill>
+                        <a:schemeClr val="tx1"/>
+                      </a:solidFill>
+                      <a:prstDash val="solid"/>
+                      <a:round/>
+                      <a:headEnd type="none" w="med" len="med"/>
+                      <a:tailEnd type="none" w="med" len="med"/>
+                    </a:lnT>
+                    <a:lnB w="12700" cap="flat" cmpd="sng" algn="ctr">
+                      <a:solidFill>
+                        <a:schemeClr val="tx1"/>
+                      </a:solidFill>
+                      <a:prstDash val="solid"/>
+                      <a:round/>
+                      <a:headEnd type="none" w="med" len="med"/>
+                      <a:tailEnd type="none" w="med" len="med"/>
+                    </a:lnB>
+                  </a:tcPr>
+                </a:tc>
+                <a:tc>
+                  <a:txBody>
+                    <a:bodyPr/>
+                    <a:lstStyle/>
+                    <a:p>
+                      <a:pPr algn="ctr"/>
+                      <a:r>
+                        <a:rPr lang="en" sz="1200" b="0" dirty="0">
+                          <a:solidFill>
+                            <a:schemeClr val="tx1"/>
+                          </a:solidFill>
+                          <a:effectLst/>
+                        </a:rPr>
+                        <a:t>./</a:t>
+                      </a:r>
+                      <a:r>
+                        <a:rPr lang="en" sz="1200" b="0" dirty="0" err="1">
+                          <a:solidFill>
+                            <a:schemeClr val="tx1"/>
+                          </a:solidFill>
+                          <a:effectLst/>
+                        </a:rPr>
+                        <a:t>imgs</a:t>
+                      </a:r>
+                      <a:r>
+                        <a:rPr lang="en" sz="1200" b="0" dirty="0">
+                          <a:solidFill>
+                            <a:schemeClr val="tx1"/>
+                          </a:solidFill>
+                          <a:effectLst/>
+                        </a:rPr>
+                        <a:t>/users/user0.png</a:t>
+                      </a:r>
+                      <a:endParaRPr lang="en" sz="1200" b="0" i="0" dirty="0">
+                        <a:solidFill>
+                          <a:schemeClr val="tx1"/>
+                        </a:solidFill>
+                        <a:effectLst/>
+                        <a:latin typeface=".AppleSystemUIFont"/>
+                      </a:endParaRPr>
+                    </a:p>
+                  </a:txBody>
+                  <a:tcPr marL="19050" marR="19050" marT="19050" marB="19050" anchor="ctr">
+                    <a:lnL w="12700" cap="flat" cmpd="sng" algn="ctr">
+                      <a:solidFill>
+                        <a:schemeClr val="tx1"/>
+                      </a:solidFill>
+                      <a:prstDash val="solid"/>
+                      <a:round/>
+                      <a:headEnd type="none" w="med" len="med"/>
+                      <a:tailEnd type="none" w="med" len="med"/>
+                    </a:lnL>
+                    <a:lnR w="12700" cap="flat" cmpd="sng" algn="ctr">
+                      <a:solidFill>
+                        <a:schemeClr val="tx1"/>
+                      </a:solidFill>
+                      <a:prstDash val="solid"/>
+                      <a:round/>
+                      <a:headEnd type="none" w="med" len="med"/>
+                      <a:tailEnd type="none" w="med" len="med"/>
+                    </a:lnR>
+                    <a:lnT w="12700" cap="flat" cmpd="sng" algn="ctr">
+                      <a:solidFill>
+                        <a:schemeClr val="tx1"/>
+                      </a:solidFill>
+                      <a:prstDash val="solid"/>
+                      <a:round/>
+                      <a:headEnd type="none" w="med" len="med"/>
+                      <a:tailEnd type="none" w="med" len="med"/>
+                    </a:lnT>
+                    <a:lnB w="12700" cap="flat" cmpd="sng" algn="ctr">
+                      <a:solidFill>
+                        <a:schemeClr val="tx1"/>
+                      </a:solidFill>
+                      <a:prstDash val="solid"/>
+                      <a:round/>
+                      <a:headEnd type="none" w="med" len="med"/>
+                      <a:tailEnd type="none" w="med" len="med"/>
+                    </a:lnB>
+                  </a:tcPr>
+                </a:tc>
+                <a:extLst>
+                  <a:ext uri="{0D108BD9-81ED-4DB2-BD59-A6C34878D82A}">
+                    <a16:rowId xmlns:a16="http://schemas.microsoft.com/office/drawing/2014/main" val="692225446"/>
+                  </a:ext>
+                </a:extLst>
+              </a:tr>
+              <a:tr h="370840">
+                <a:tc>
+                  <a:txBody>
+                    <a:bodyPr/>
+                    <a:lstStyle/>
+                    <a:p>
+                      <a:pPr algn="ctr"/>
+                      <a:r>
+                        <a:rPr lang="ru-RU" sz="1200" b="0">
+                          <a:solidFill>
+                            <a:schemeClr val="tx1"/>
+                          </a:solidFill>
+                          <a:effectLst/>
+                        </a:rPr>
+                        <a:t>1</a:t>
+                      </a:r>
+                      <a:endParaRPr lang="ru-RU" sz="1200" b="0" i="0">
+                        <a:solidFill>
+                          <a:schemeClr val="tx1"/>
+                        </a:solidFill>
+                        <a:effectLst/>
+                        <a:latin typeface=".AppleSystemUIFont"/>
+                      </a:endParaRPr>
+                    </a:p>
+                  </a:txBody>
+                  <a:tcPr marL="19050" marR="19050" marT="19050" marB="19050" anchor="ctr">
+                    <a:lnL w="12700" cap="flat" cmpd="sng" algn="ctr">
+                      <a:solidFill>
+                        <a:schemeClr val="tx1"/>
+                      </a:solidFill>
+                      <a:prstDash val="solid"/>
+                      <a:round/>
+                      <a:headEnd type="none" w="med" len="med"/>
+                      <a:tailEnd type="none" w="med" len="med"/>
+                    </a:lnL>
+                    <a:lnR w="12700" cap="flat" cmpd="sng" algn="ctr">
+                      <a:solidFill>
+                        <a:schemeClr val="tx1"/>
+                      </a:solidFill>
+                      <a:prstDash val="solid"/>
+                      <a:round/>
+                      <a:headEnd type="none" w="med" len="med"/>
+                      <a:tailEnd type="none" w="med" len="med"/>
+                    </a:lnR>
+                    <a:lnT w="12700" cap="flat" cmpd="sng" algn="ctr">
+                      <a:solidFill>
+                        <a:schemeClr val="tx1"/>
+                      </a:solidFill>
+                      <a:prstDash val="solid"/>
+                      <a:round/>
+                      <a:headEnd type="none" w="med" len="med"/>
+                      <a:tailEnd type="none" w="med" len="med"/>
+                    </a:lnT>
+                    <a:lnB w="12700" cap="flat" cmpd="sng" algn="ctr">
+                      <a:solidFill>
+                        <a:schemeClr val="tx1"/>
+                      </a:solidFill>
+                      <a:prstDash val="solid"/>
+                      <a:round/>
+                      <a:headEnd type="none" w="med" len="med"/>
+                      <a:tailEnd type="none" w="med" len="med"/>
+                    </a:lnB>
+                  </a:tcPr>
+                </a:tc>
+                <a:tc>
+                  <a:txBody>
+                    <a:bodyPr/>
+                    <a:lstStyle/>
+                    <a:p>
+                      <a:pPr algn="ctr"/>
+                      <a:r>
+                        <a:rPr lang="en" sz="1200" b="0" dirty="0">
+                          <a:solidFill>
+                            <a:schemeClr val="tx1"/>
+                          </a:solidFill>
+                          <a:effectLst/>
+                        </a:rPr>
+                        <a:t>Ivanov M.</a:t>
+                      </a:r>
+                      <a:endParaRPr lang="en" sz="1200" b="0" i="0" dirty="0">
+                        <a:solidFill>
+                          <a:schemeClr val="tx1"/>
+                        </a:solidFill>
+                        <a:effectLst/>
+                        <a:latin typeface=".AppleSystemUIFont"/>
+                      </a:endParaRPr>
+                    </a:p>
+                  </a:txBody>
+                  <a:tcPr marL="19050" marR="19050" marT="19050" marB="19050" anchor="ctr">
+                    <a:lnL w="12700" cap="flat" cmpd="sng" algn="ctr">
+                      <a:solidFill>
+                        <a:schemeClr val="tx1"/>
+                      </a:solidFill>
+                      <a:prstDash val="solid"/>
+                      <a:round/>
+                      <a:headEnd type="none" w="med" len="med"/>
+                      <a:tailEnd type="none" w="med" len="med"/>
+                    </a:lnL>
+                    <a:lnR w="12700" cap="flat" cmpd="sng" algn="ctr">
+                      <a:solidFill>
+                        <a:schemeClr val="tx1"/>
+                      </a:solidFill>
+                      <a:prstDash val="solid"/>
+                      <a:round/>
+                      <a:headEnd type="none" w="med" len="med"/>
+                      <a:tailEnd type="none" w="med" len="med"/>
+                    </a:lnR>
+                    <a:lnT w="12700" cap="flat" cmpd="sng" algn="ctr">
+                      <a:solidFill>
+                        <a:schemeClr val="tx1"/>
+                      </a:solidFill>
+                      <a:prstDash val="solid"/>
+                      <a:round/>
+                      <a:headEnd type="none" w="med" len="med"/>
+                      <a:tailEnd type="none" w="med" len="med"/>
+                    </a:lnT>
+                    <a:lnB w="12700" cap="flat" cmpd="sng" algn="ctr">
+                      <a:solidFill>
+                        <a:schemeClr val="tx1"/>
+                      </a:solidFill>
+                      <a:prstDash val="solid"/>
+                      <a:round/>
+                      <a:headEnd type="none" w="med" len="med"/>
+                      <a:tailEnd type="none" w="med" len="med"/>
+                    </a:lnB>
+                  </a:tcPr>
+                </a:tc>
+                <a:tc>
+                  <a:txBody>
+                    <a:bodyPr/>
+                    <a:lstStyle/>
+                    <a:p>
+                      <a:pPr algn="ctr"/>
+                      <a:r>
+                        <a:rPr lang="en" sz="1200" b="0" dirty="0">
+                          <a:solidFill>
+                            <a:schemeClr val="tx1"/>
+                          </a:solidFill>
+                          <a:effectLst/>
+                        </a:rPr>
+                        <a:t>./</a:t>
+                      </a:r>
+                      <a:r>
+                        <a:rPr lang="en" sz="1200" b="0" dirty="0" err="1">
+                          <a:solidFill>
+                            <a:schemeClr val="tx1"/>
+                          </a:solidFill>
+                          <a:effectLst/>
+                        </a:rPr>
+                        <a:t>imgs</a:t>
+                      </a:r>
+                      <a:r>
+                        <a:rPr lang="en" sz="1200" b="0" dirty="0">
+                          <a:solidFill>
+                            <a:schemeClr val="tx1"/>
+                          </a:solidFill>
+                          <a:effectLst/>
+                        </a:rPr>
+                        <a:t>/users/user1.png</a:t>
+                      </a:r>
+                      <a:endParaRPr lang="en" sz="1200" b="0" i="0" dirty="0">
+                        <a:solidFill>
+                          <a:schemeClr val="tx1"/>
+                        </a:solidFill>
+                        <a:effectLst/>
+                        <a:latin typeface=".AppleSystemUIFont"/>
+                      </a:endParaRPr>
+                    </a:p>
+                  </a:txBody>
+                  <a:tcPr marL="19050" marR="19050" marT="19050" marB="19050" anchor="ctr">
+                    <a:lnL w="12700" cap="flat" cmpd="sng" algn="ctr">
+                      <a:solidFill>
+                        <a:schemeClr val="tx1"/>
+                      </a:solidFill>
+                      <a:prstDash val="solid"/>
+                      <a:round/>
+                      <a:headEnd type="none" w="med" len="med"/>
+                      <a:tailEnd type="none" w="med" len="med"/>
+                    </a:lnL>
+                    <a:lnR w="12700" cap="flat" cmpd="sng" algn="ctr">
+                      <a:solidFill>
+                        <a:schemeClr val="tx1"/>
+                      </a:solidFill>
+                      <a:prstDash val="solid"/>
+                      <a:round/>
+                      <a:headEnd type="none" w="med" len="med"/>
+                      <a:tailEnd type="none" w="med" len="med"/>
+                    </a:lnR>
+                    <a:lnT w="12700" cap="flat" cmpd="sng" algn="ctr">
+                      <a:solidFill>
+                        <a:schemeClr val="tx1"/>
+                      </a:solidFill>
+                      <a:prstDash val="solid"/>
+                      <a:round/>
+                      <a:headEnd type="none" w="med" len="med"/>
+                      <a:tailEnd type="none" w="med" len="med"/>
+                    </a:lnT>
+                    <a:lnB w="12700" cap="flat" cmpd="sng" algn="ctr">
+                      <a:solidFill>
+                        <a:schemeClr val="tx1"/>
+                      </a:solidFill>
+                      <a:prstDash val="solid"/>
+                      <a:round/>
+                      <a:headEnd type="none" w="med" len="med"/>
+                      <a:tailEnd type="none" w="med" len="med"/>
+                    </a:lnB>
+                  </a:tcPr>
+                </a:tc>
+                <a:extLst>
+                  <a:ext uri="{0D108BD9-81ED-4DB2-BD59-A6C34878D82A}">
+                    <a16:rowId xmlns:a16="http://schemas.microsoft.com/office/drawing/2014/main" val="1254475028"/>
+                  </a:ext>
+                </a:extLst>
+              </a:tr>
+              <a:tr h="370840">
+                <a:tc>
+                  <a:txBody>
+                    <a:bodyPr/>
+                    <a:lstStyle/>
+                    <a:p>
+                      <a:pPr algn="ctr"/>
+                      <a:r>
+                        <a:rPr lang="ru-RU" sz="1200" b="0">
+                          <a:solidFill>
+                            <a:schemeClr val="tx1"/>
+                          </a:solidFill>
+                          <a:effectLst/>
+                        </a:rPr>
+                        <a:t>2</a:t>
+                      </a:r>
+                      <a:endParaRPr lang="ru-RU" sz="1200" b="0" i="0">
+                        <a:solidFill>
+                          <a:schemeClr val="tx1"/>
+                        </a:solidFill>
+                        <a:effectLst/>
+                        <a:latin typeface=".AppleSystemUIFont"/>
+                      </a:endParaRPr>
+                    </a:p>
+                  </a:txBody>
+                  <a:tcPr marL="19050" marR="19050" marT="19050" marB="19050" anchor="ctr">
+                    <a:lnL w="12700" cap="flat" cmpd="sng" algn="ctr">
+                      <a:solidFill>
+                        <a:schemeClr val="tx1"/>
+                      </a:solidFill>
+                      <a:prstDash val="solid"/>
+                      <a:round/>
+                      <a:headEnd type="none" w="med" len="med"/>
+                      <a:tailEnd type="none" w="med" len="med"/>
+                    </a:lnL>
+                    <a:lnR w="12700" cap="flat" cmpd="sng" algn="ctr">
+                      <a:solidFill>
+                        <a:schemeClr val="tx1"/>
+                      </a:solidFill>
+                      <a:prstDash val="solid"/>
+                      <a:round/>
+                      <a:headEnd type="none" w="med" len="med"/>
+                      <a:tailEnd type="none" w="med" len="med"/>
+                    </a:lnR>
+                    <a:lnT w="12700" cap="flat" cmpd="sng" algn="ctr">
+                      <a:solidFill>
+                        <a:schemeClr val="tx1"/>
+                      </a:solidFill>
+                      <a:prstDash val="solid"/>
+                      <a:round/>
+                      <a:headEnd type="none" w="med" len="med"/>
+                      <a:tailEnd type="none" w="med" len="med"/>
+                    </a:lnT>
+                    <a:lnB w="12700" cap="flat" cmpd="sng" algn="ctr">
+                      <a:solidFill>
+                        <a:schemeClr val="tx1"/>
+                      </a:solidFill>
+                      <a:prstDash val="solid"/>
+                      <a:round/>
+                      <a:headEnd type="none" w="med" len="med"/>
+                      <a:tailEnd type="none" w="med" len="med"/>
+                    </a:lnB>
+                  </a:tcPr>
+                </a:tc>
+                <a:tc>
+                  <a:txBody>
+                    <a:bodyPr/>
+                    <a:lstStyle/>
+                    <a:p>
+                      <a:pPr algn="ctr"/>
+                      <a:r>
+                        <a:rPr lang="en" sz="1200" b="0" dirty="0" err="1">
+                          <a:solidFill>
+                            <a:schemeClr val="tx1"/>
+                          </a:solidFill>
+                          <a:effectLst/>
+                        </a:rPr>
+                        <a:t>Petrova</a:t>
+                      </a:r>
+                      <a:r>
+                        <a:rPr lang="en" sz="1200" b="0" dirty="0">
+                          <a:solidFill>
+                            <a:schemeClr val="tx1"/>
+                          </a:solidFill>
+                          <a:effectLst/>
+                        </a:rPr>
+                        <a:t> S.</a:t>
+                      </a:r>
+                      <a:endParaRPr lang="en" sz="1200" b="0" i="0" dirty="0">
+                        <a:solidFill>
+                          <a:schemeClr val="tx1"/>
+                        </a:solidFill>
+                        <a:effectLst/>
+                        <a:latin typeface=".AppleSystemUIFont"/>
+                      </a:endParaRPr>
+                    </a:p>
+                  </a:txBody>
+                  <a:tcPr marL="19050" marR="19050" marT="19050" marB="19050" anchor="ctr">
+                    <a:lnL w="12700" cap="flat" cmpd="sng" algn="ctr">
+                      <a:solidFill>
+                        <a:schemeClr val="tx1"/>
+                      </a:solidFill>
+                      <a:prstDash val="solid"/>
+                      <a:round/>
+                      <a:headEnd type="none" w="med" len="med"/>
+                      <a:tailEnd type="none" w="med" len="med"/>
+                    </a:lnL>
+                    <a:lnR w="12700" cap="flat" cmpd="sng" algn="ctr">
+                      <a:solidFill>
+                        <a:schemeClr val="tx1"/>
+                      </a:solidFill>
+                      <a:prstDash val="solid"/>
+                      <a:round/>
+                      <a:headEnd type="none" w="med" len="med"/>
+                      <a:tailEnd type="none" w="med" len="med"/>
+                    </a:lnR>
+                    <a:lnT w="12700" cap="flat" cmpd="sng" algn="ctr">
+                      <a:solidFill>
+                        <a:schemeClr val="tx1"/>
+                      </a:solidFill>
+                      <a:prstDash val="solid"/>
+                      <a:round/>
+                      <a:headEnd type="none" w="med" len="med"/>
+                      <a:tailEnd type="none" w="med" len="med"/>
+                    </a:lnT>
+                    <a:lnB w="12700" cap="flat" cmpd="sng" algn="ctr">
+                      <a:solidFill>
+                        <a:schemeClr val="tx1"/>
+                      </a:solidFill>
+                      <a:prstDash val="solid"/>
+                      <a:round/>
+                      <a:headEnd type="none" w="med" len="med"/>
+                      <a:tailEnd type="none" w="med" len="med"/>
+                    </a:lnB>
+                  </a:tcPr>
+                </a:tc>
+                <a:tc>
+                  <a:txBody>
+                    <a:bodyPr/>
+                    <a:lstStyle/>
+                    <a:p>
+                      <a:pPr algn="ctr"/>
+                      <a:r>
+                        <a:rPr lang="en" sz="1200" b="0" dirty="0">
+                          <a:solidFill>
+                            <a:schemeClr val="tx1"/>
+                          </a:solidFill>
+                          <a:effectLst/>
+                        </a:rPr>
+                        <a:t>./</a:t>
+                      </a:r>
+                      <a:r>
+                        <a:rPr lang="en" sz="1200" b="0" dirty="0" err="1">
+                          <a:solidFill>
+                            <a:schemeClr val="tx1"/>
+                          </a:solidFill>
+                          <a:effectLst/>
+                        </a:rPr>
+                        <a:t>imgs</a:t>
+                      </a:r>
+                      <a:r>
+                        <a:rPr lang="en" sz="1200" b="0" dirty="0">
+                          <a:solidFill>
+                            <a:schemeClr val="tx1"/>
+                          </a:solidFill>
+                          <a:effectLst/>
+                        </a:rPr>
+                        <a:t>/users/user2.png</a:t>
+                      </a:r>
+                      <a:endParaRPr lang="en" sz="1200" b="0" i="0" dirty="0">
+                        <a:solidFill>
+                          <a:schemeClr val="tx1"/>
+                        </a:solidFill>
+                        <a:effectLst/>
+                        <a:latin typeface=".AppleSystemUIFont"/>
+                      </a:endParaRPr>
+                    </a:p>
+                  </a:txBody>
+                  <a:tcPr marL="19050" marR="19050" marT="19050" marB="19050" anchor="ctr">
+                    <a:lnL w="12700" cap="flat" cmpd="sng" algn="ctr">
+                      <a:solidFill>
+                        <a:schemeClr val="tx1"/>
+                      </a:solidFill>
+                      <a:prstDash val="solid"/>
+                      <a:round/>
+                      <a:headEnd type="none" w="med" len="med"/>
+                      <a:tailEnd type="none" w="med" len="med"/>
+                    </a:lnL>
+                    <a:lnR w="12700" cap="flat" cmpd="sng" algn="ctr">
+                      <a:solidFill>
+                        <a:schemeClr val="tx1"/>
+                      </a:solidFill>
+                      <a:prstDash val="solid"/>
+                      <a:round/>
+                      <a:headEnd type="none" w="med" len="med"/>
+                      <a:tailEnd type="none" w="med" len="med"/>
+                    </a:lnR>
+                    <a:lnT w="12700" cap="flat" cmpd="sng" algn="ctr">
+                      <a:solidFill>
+                        <a:schemeClr val="tx1"/>
+                      </a:solidFill>
+                      <a:prstDash val="solid"/>
+                      <a:round/>
+                      <a:headEnd type="none" w="med" len="med"/>
+                      <a:tailEnd type="none" w="med" len="med"/>
+                    </a:lnT>
+                    <a:lnB w="12700" cap="flat" cmpd="sng" algn="ctr">
+                      <a:solidFill>
+                        <a:schemeClr val="tx1"/>
+                      </a:solidFill>
+                      <a:prstDash val="solid"/>
+                      <a:round/>
+                      <a:headEnd type="none" w="med" len="med"/>
+                      <a:tailEnd type="none" w="med" len="med"/>
+                    </a:lnB>
+                  </a:tcPr>
+                </a:tc>
+                <a:extLst>
+                  <a:ext uri="{0D108BD9-81ED-4DB2-BD59-A6C34878D82A}">
+                    <a16:rowId xmlns:a16="http://schemas.microsoft.com/office/drawing/2014/main" val="1863199201"/>
+                  </a:ext>
+                </a:extLst>
+              </a:tr>
+              <a:tr h="370840">
+                <a:tc>
+                  <a:txBody>
+                    <a:bodyPr/>
+                    <a:lstStyle/>
+                    <a:p>
+                      <a:pPr algn="ctr"/>
+                      <a:r>
+                        <a:rPr lang="ru-RU" sz="1200" b="0">
+                          <a:solidFill>
+                            <a:schemeClr val="tx1"/>
+                          </a:solidFill>
+                          <a:effectLst/>
+                        </a:rPr>
+                        <a:t>3</a:t>
+                      </a:r>
+                      <a:endParaRPr lang="ru-RU" sz="1200" b="0" i="0">
+                        <a:solidFill>
+                          <a:schemeClr val="tx1"/>
+                        </a:solidFill>
+                        <a:effectLst/>
+                        <a:latin typeface=".AppleSystemUIFont"/>
+                      </a:endParaRPr>
+                    </a:p>
+                  </a:txBody>
+                  <a:tcPr marL="19050" marR="19050" marT="19050" marB="19050" anchor="ctr">
+                    <a:lnL w="12700" cap="flat" cmpd="sng" algn="ctr">
+                      <a:solidFill>
+                        <a:schemeClr val="tx1"/>
+                      </a:solidFill>
+                      <a:prstDash val="solid"/>
+                      <a:round/>
+                      <a:headEnd type="none" w="med" len="med"/>
+                      <a:tailEnd type="none" w="med" len="med"/>
+                    </a:lnL>
+                    <a:lnR w="12700" cap="flat" cmpd="sng" algn="ctr">
+                      <a:solidFill>
+                        <a:schemeClr val="tx1"/>
+                      </a:solidFill>
+                      <a:prstDash val="solid"/>
+                      <a:round/>
+                      <a:headEnd type="none" w="med" len="med"/>
+                      <a:tailEnd type="none" w="med" len="med"/>
+                    </a:lnR>
+                    <a:lnT w="12700" cap="flat" cmpd="sng" algn="ctr">
+                      <a:solidFill>
+                        <a:schemeClr val="tx1"/>
+                      </a:solidFill>
+                      <a:prstDash val="solid"/>
+                      <a:round/>
+                      <a:headEnd type="none" w="med" len="med"/>
+                      <a:tailEnd type="none" w="med" len="med"/>
+                    </a:lnT>
+                    <a:lnB w="12700" cap="flat" cmpd="sng" algn="ctr">
+                      <a:solidFill>
+                        <a:schemeClr val="tx1"/>
+                      </a:solidFill>
+                      <a:prstDash val="solid"/>
+                      <a:round/>
+                      <a:headEnd type="none" w="med" len="med"/>
+                      <a:tailEnd type="none" w="med" len="med"/>
+                    </a:lnB>
+                  </a:tcPr>
+                </a:tc>
+                <a:tc>
+                  <a:txBody>
+                    <a:bodyPr/>
+                    <a:lstStyle/>
+                    <a:p>
+                      <a:pPr algn="ctr"/>
+                      <a:r>
+                        <a:rPr lang="en" sz="1200" b="0">
+                          <a:solidFill>
+                            <a:schemeClr val="tx1"/>
+                          </a:solidFill>
+                          <a:effectLst/>
+                        </a:rPr>
+                        <a:t>Lenina E.</a:t>
+                      </a:r>
+                      <a:endParaRPr lang="en" sz="1200" b="0" i="0">
+                        <a:solidFill>
+                          <a:schemeClr val="tx1"/>
+                        </a:solidFill>
+                        <a:effectLst/>
+                        <a:latin typeface=".AppleSystemUIFont"/>
+                      </a:endParaRPr>
+                    </a:p>
+                  </a:txBody>
+                  <a:tcPr marL="19050" marR="19050" marT="19050" marB="19050" anchor="ctr">
+                    <a:lnL w="12700" cap="flat" cmpd="sng" algn="ctr">
+                      <a:solidFill>
+                        <a:schemeClr val="tx1"/>
+                      </a:solidFill>
+                      <a:prstDash val="solid"/>
+                      <a:round/>
+                      <a:headEnd type="none" w="med" len="med"/>
+                      <a:tailEnd type="none" w="med" len="med"/>
+                    </a:lnL>
+                    <a:lnR w="12700" cap="flat" cmpd="sng" algn="ctr">
+                      <a:solidFill>
+                        <a:schemeClr val="tx1"/>
+                      </a:solidFill>
+                      <a:prstDash val="solid"/>
+                      <a:round/>
+                      <a:headEnd type="none" w="med" len="med"/>
+                      <a:tailEnd type="none" w="med" len="med"/>
+                    </a:lnR>
+                    <a:lnT w="12700" cap="flat" cmpd="sng" algn="ctr">
+                      <a:solidFill>
+                        <a:schemeClr val="tx1"/>
+                      </a:solidFill>
+                      <a:prstDash val="solid"/>
+                      <a:round/>
+                      <a:headEnd type="none" w="med" len="med"/>
+                      <a:tailEnd type="none" w="med" len="med"/>
+                    </a:lnT>
+                    <a:lnB w="12700" cap="flat" cmpd="sng" algn="ctr">
+                      <a:solidFill>
+                        <a:schemeClr val="tx1"/>
+                      </a:solidFill>
+                      <a:prstDash val="solid"/>
+                      <a:round/>
+                      <a:headEnd type="none" w="med" len="med"/>
+                      <a:tailEnd type="none" w="med" len="med"/>
+                    </a:lnB>
+                  </a:tcPr>
+                </a:tc>
+                <a:tc>
+                  <a:txBody>
+                    <a:bodyPr/>
+                    <a:lstStyle/>
+                    <a:p>
+                      <a:pPr algn="ctr"/>
+                      <a:r>
+                        <a:rPr lang="en" sz="1200" b="0" dirty="0">
+                          <a:solidFill>
+                            <a:schemeClr val="tx1"/>
+                          </a:solidFill>
+                          <a:effectLst/>
+                        </a:rPr>
+                        <a:t>./</a:t>
+                      </a:r>
+                      <a:r>
+                        <a:rPr lang="en" sz="1200" b="0" dirty="0" err="1">
+                          <a:solidFill>
+                            <a:schemeClr val="tx1"/>
+                          </a:solidFill>
+                          <a:effectLst/>
+                        </a:rPr>
+                        <a:t>imgs</a:t>
+                      </a:r>
+                      <a:r>
+                        <a:rPr lang="en" sz="1200" b="0" dirty="0">
+                          <a:solidFill>
+                            <a:schemeClr val="tx1"/>
+                          </a:solidFill>
+                          <a:effectLst/>
+                        </a:rPr>
+                        <a:t>/users/user3.png</a:t>
+                      </a:r>
+                      <a:endParaRPr lang="en" sz="1200" b="0" i="0" dirty="0">
+                        <a:solidFill>
+                          <a:schemeClr val="tx1"/>
+                        </a:solidFill>
+                        <a:effectLst/>
+                        <a:latin typeface=".AppleSystemUIFont"/>
+                      </a:endParaRPr>
+                    </a:p>
+                  </a:txBody>
+                  <a:tcPr marL="19050" marR="19050" marT="19050" marB="19050" anchor="ctr">
+                    <a:lnL w="12700" cap="flat" cmpd="sng" algn="ctr">
+                      <a:solidFill>
+                        <a:schemeClr val="tx1"/>
+                      </a:solidFill>
+                      <a:prstDash val="solid"/>
+                      <a:round/>
+                      <a:headEnd type="none" w="med" len="med"/>
+                      <a:tailEnd type="none" w="med" len="med"/>
+                    </a:lnL>
+                    <a:lnR w="12700" cap="flat" cmpd="sng" algn="ctr">
+                      <a:solidFill>
+                        <a:schemeClr val="tx1"/>
+                      </a:solidFill>
+                      <a:prstDash val="solid"/>
+                      <a:round/>
+                      <a:headEnd type="none" w="med" len="med"/>
+                      <a:tailEnd type="none" w="med" len="med"/>
+                    </a:lnR>
+                    <a:lnT w="12700" cap="flat" cmpd="sng" algn="ctr">
+                      <a:solidFill>
+                        <a:schemeClr val="tx1"/>
+                      </a:solidFill>
+                      <a:prstDash val="solid"/>
+                      <a:round/>
+                      <a:headEnd type="none" w="med" len="med"/>
+                      <a:tailEnd type="none" w="med" len="med"/>
+                    </a:lnT>
+                    <a:lnB w="12700" cap="flat" cmpd="sng" algn="ctr">
+                      <a:solidFill>
+                        <a:schemeClr val="tx1"/>
+                      </a:solidFill>
+                      <a:prstDash val="solid"/>
+                      <a:round/>
+                      <a:headEnd type="none" w="med" len="med"/>
+                      <a:tailEnd type="none" w="med" len="med"/>
+                    </a:lnB>
+                  </a:tcPr>
+                </a:tc>
+                <a:extLst>
+                  <a:ext uri="{0D108BD9-81ED-4DB2-BD59-A6C34878D82A}">
+                    <a16:rowId xmlns:a16="http://schemas.microsoft.com/office/drawing/2014/main" val="3565904405"/>
+                  </a:ext>
+                </a:extLst>
+              </a:tr>
+            </a:tbl>
+          </a:graphicData>
+        </a:graphic>
+      </p:graphicFrame>
+      <p:graphicFrame>
+        <p:nvGraphicFramePr>
+          <p:cNvPr id="7" name="Таблица 6">
+            <a:extLst>
+              <a:ext uri="{FF2B5EF4-FFF2-40B4-BE49-F238E27FC236}">
+                <a16:creationId xmlns:a16="http://schemas.microsoft.com/office/drawing/2014/main" id="{F5D879A1-E82A-7EAB-6251-C732B6E6B28A}"/>
+              </a:ext>
+            </a:extLst>
+          </p:cNvPr>
+          <p:cNvGraphicFramePr>
+            <a:graphicFrameLocks noGrp="1"/>
+          </p:cNvGraphicFramePr>
+          <p:nvPr>
+            <p:extLst>
+              <p:ext uri="{D42A27DB-BD31-4B8C-83A1-F6EECF244321}">
+                <p14:modId xmlns:p14="http://schemas.microsoft.com/office/powerpoint/2010/main" val="1136027958"/>
+              </p:ext>
+            </p:extLst>
+          </p:nvPr>
+        </p:nvGraphicFramePr>
+        <p:xfrm>
+          <a:off x="366263" y="4612603"/>
+          <a:ext cx="3314954" cy="1854200"/>
+        </p:xfrm>
+        <a:graphic>
+          <a:graphicData uri="http://schemas.openxmlformats.org/drawingml/2006/table">
+            <a:tbl>
+              <a:tblPr firstRow="1" bandRow="1">
+                <a:tableStyleId>{7E9639D4-E3E2-4D34-9284-5A2195B3D0D7}</a:tableStyleId>
+              </a:tblPr>
+              <a:tblGrid>
+                <a:gridCol w="543852">
+                  <a:extLst>
+                    <a:ext uri="{9D8B030D-6E8A-4147-A177-3AD203B41FA5}">
+                      <a16:colId xmlns:a16="http://schemas.microsoft.com/office/drawing/2014/main" val="418817847"/>
+                    </a:ext>
+                  </a:extLst>
+                </a:gridCol>
+                <a:gridCol w="1134993">
+                  <a:extLst>
+                    <a:ext uri="{9D8B030D-6E8A-4147-A177-3AD203B41FA5}">
+                      <a16:colId xmlns:a16="http://schemas.microsoft.com/office/drawing/2014/main" val="1528865521"/>
+                    </a:ext>
+                  </a:extLst>
+                </a:gridCol>
+                <a:gridCol w="1636109">
+                  <a:extLst>
+                    <a:ext uri="{9D8B030D-6E8A-4147-A177-3AD203B41FA5}">
+                      <a16:colId xmlns:a16="http://schemas.microsoft.com/office/drawing/2014/main" val="1661735205"/>
+                    </a:ext>
+                  </a:extLst>
+                </a:gridCol>
+              </a:tblGrid>
+              <a:tr h="370840">
+                <a:tc>
+                  <a:txBody>
+                    <a:bodyPr/>
+                    <a:lstStyle/>
+                    <a:p>
+                      <a:pPr algn="ctr"/>
+                      <a:r>
+                        <a:rPr lang="en-US" sz="1600" dirty="0"/>
+                        <a:t>id</a:t>
+                      </a:r>
+                      <a:endParaRPr lang="ru-RU" sz="1600" dirty="0"/>
+                    </a:p>
+                  </a:txBody>
+                  <a:tcPr anchor="ctr">
+                    <a:lnL w="12700" cap="flat" cmpd="sng" algn="ctr">
+                      <a:solidFill>
+                        <a:schemeClr val="tx1"/>
+                      </a:solidFill>
+                      <a:prstDash val="solid"/>
+                      <a:round/>
+                      <a:headEnd type="none" w="med" len="med"/>
+                      <a:tailEnd type="none" w="med" len="med"/>
+                    </a:lnL>
+                    <a:lnR w="12700" cap="flat" cmpd="sng" algn="ctr">
+                      <a:solidFill>
+                        <a:schemeClr val="tx1"/>
+                      </a:solidFill>
+                      <a:prstDash val="solid"/>
+                      <a:round/>
+                      <a:headEnd type="none" w="med" len="med"/>
+                      <a:tailEnd type="none" w="med" len="med"/>
+                    </a:lnR>
+                    <a:lnT w="12700" cap="flat" cmpd="sng" algn="ctr">
+                      <a:solidFill>
+                        <a:schemeClr val="tx1"/>
+                      </a:solidFill>
+                      <a:prstDash val="solid"/>
+                      <a:round/>
+                      <a:headEnd type="none" w="med" len="med"/>
+                      <a:tailEnd type="none" w="med" len="med"/>
+                    </a:lnT>
+                    <a:lnB w="12700" cap="flat" cmpd="sng" algn="ctr">
+                      <a:solidFill>
+                        <a:schemeClr val="tx1"/>
+                      </a:solidFill>
+                      <a:prstDash val="solid"/>
+                      <a:round/>
+                      <a:headEnd type="none" w="med" len="med"/>
+                      <a:tailEnd type="none" w="med" len="med"/>
+                    </a:lnB>
+                  </a:tcPr>
+                </a:tc>
+                <a:tc>
+                  <a:txBody>
+                    <a:bodyPr/>
+                    <a:lstStyle/>
+                    <a:p>
+                      <a:pPr algn="ctr"/>
+                      <a:r>
+                        <a:rPr lang="en-US" sz="1600" dirty="0"/>
+                        <a:t>name</a:t>
+                      </a:r>
+                      <a:endParaRPr lang="ru-RU" sz="1600" dirty="0"/>
+                    </a:p>
+                  </a:txBody>
+                  <a:tcPr anchor="ctr">
+                    <a:lnL w="12700" cap="flat" cmpd="sng" algn="ctr">
+                      <a:solidFill>
+                        <a:schemeClr val="tx1"/>
+                      </a:solidFill>
+                      <a:prstDash val="solid"/>
+                      <a:round/>
+                      <a:headEnd type="none" w="med" len="med"/>
+                      <a:tailEnd type="none" w="med" len="med"/>
+                    </a:lnL>
+                    <a:lnR w="12700" cap="flat" cmpd="sng" algn="ctr">
+                      <a:solidFill>
+                        <a:schemeClr val="tx1"/>
+                      </a:solidFill>
+                      <a:prstDash val="solid"/>
+                      <a:round/>
+                      <a:headEnd type="none" w="med" len="med"/>
+                      <a:tailEnd type="none" w="med" len="med"/>
+                    </a:lnR>
+                    <a:lnT w="12700" cap="flat" cmpd="sng" algn="ctr">
+                      <a:solidFill>
+                        <a:schemeClr val="tx1"/>
+                      </a:solidFill>
+                      <a:prstDash val="solid"/>
+                      <a:round/>
+                      <a:headEnd type="none" w="med" len="med"/>
+                      <a:tailEnd type="none" w="med" len="med"/>
+                    </a:lnT>
+                    <a:lnB w="12700" cap="flat" cmpd="sng" algn="ctr">
+                      <a:solidFill>
+                        <a:schemeClr val="tx1"/>
+                      </a:solidFill>
+                      <a:prstDash val="solid"/>
+                      <a:round/>
+                      <a:headEnd type="none" w="med" len="med"/>
+                      <a:tailEnd type="none" w="med" len="med"/>
+                    </a:lnB>
+                  </a:tcPr>
+                </a:tc>
+                <a:tc>
+                  <a:txBody>
+                    <a:bodyPr/>
+                    <a:lstStyle/>
+                    <a:p>
+                      <a:pPr algn="ctr"/>
+                      <a:r>
+                        <a:rPr lang="en-US" sz="1600" dirty="0"/>
+                        <a:t>co</a:t>
+                      </a:r>
+                      <a:r>
+                        <a:rPr lang="ru-RU" sz="1600" dirty="0" err="1"/>
+                        <a:t>unt</a:t>
+                      </a:r>
+                      <a:r>
+                        <a:rPr lang="en-US" sz="1600" dirty="0"/>
+                        <a:t>_runways</a:t>
+                      </a:r>
+                      <a:endParaRPr lang="ru-RU" sz="1600" dirty="0"/>
+                    </a:p>
+                  </a:txBody>
+                  <a:tcPr anchor="ctr">
+                    <a:lnL w="12700" cap="flat" cmpd="sng" algn="ctr">
+                      <a:solidFill>
+                        <a:schemeClr val="tx1"/>
+                      </a:solidFill>
+                      <a:prstDash val="solid"/>
+                      <a:round/>
+                      <a:headEnd type="none" w="med" len="med"/>
+                      <a:tailEnd type="none" w="med" len="med"/>
+                    </a:lnL>
+                    <a:lnR w="12700" cap="flat" cmpd="sng" algn="ctr">
+                      <a:solidFill>
+                        <a:schemeClr val="tx1"/>
+                      </a:solidFill>
+                      <a:prstDash val="solid"/>
+                      <a:round/>
+                      <a:headEnd type="none" w="med" len="med"/>
+                      <a:tailEnd type="none" w="med" len="med"/>
+                    </a:lnR>
+                    <a:lnT w="12700" cap="flat" cmpd="sng" algn="ctr">
+                      <a:solidFill>
+                        <a:schemeClr val="tx1"/>
+                      </a:solidFill>
+                      <a:prstDash val="solid"/>
+                      <a:round/>
+                      <a:headEnd type="none" w="med" len="med"/>
+                      <a:tailEnd type="none" w="med" len="med"/>
+                    </a:lnT>
+                    <a:lnB w="12700" cap="flat" cmpd="sng" algn="ctr">
+                      <a:solidFill>
+                        <a:schemeClr val="tx1"/>
+                      </a:solidFill>
+                      <a:prstDash val="solid"/>
+                      <a:round/>
+                      <a:headEnd type="none" w="med" len="med"/>
+                      <a:tailEnd type="none" w="med" len="med"/>
+                    </a:lnB>
+                  </a:tcPr>
+                </a:tc>
+                <a:extLst>
+                  <a:ext uri="{0D108BD9-81ED-4DB2-BD59-A6C34878D82A}">
+                    <a16:rowId xmlns:a16="http://schemas.microsoft.com/office/drawing/2014/main" val="427955247"/>
+                  </a:ext>
+                </a:extLst>
+              </a:tr>
+              <a:tr h="370840">
+                <a:tc>
+                  <a:txBody>
+                    <a:bodyPr/>
+                    <a:lstStyle/>
+                    <a:p>
+                      <a:pPr algn="ctr"/>
+                      <a:r>
+                        <a:rPr lang="ru-RU" sz="1200" b="0" i="0" dirty="0">
+                          <a:solidFill>
+                            <a:schemeClr val="tx1"/>
+                          </a:solidFill>
+                          <a:effectLst/>
+                          <a:latin typeface="+mn-lt"/>
+                        </a:rPr>
+                        <a:t>0</a:t>
+                      </a:r>
+                    </a:p>
+                  </a:txBody>
+                  <a:tcPr marL="19050" marR="19050" marT="19050" marB="19050" anchor="ctr">
+                    <a:lnL w="12700" cap="flat" cmpd="sng" algn="ctr">
+                      <a:solidFill>
+                        <a:schemeClr val="tx1"/>
+                      </a:solidFill>
+                      <a:prstDash val="solid"/>
+                      <a:round/>
+                      <a:headEnd type="none" w="med" len="med"/>
+                      <a:tailEnd type="none" w="med" len="med"/>
+                    </a:lnL>
+                    <a:lnR w="12700" cap="flat" cmpd="sng" algn="ctr">
+                      <a:solidFill>
+                        <a:schemeClr val="tx1"/>
+                      </a:solidFill>
+                      <a:prstDash val="solid"/>
+                      <a:round/>
+                      <a:headEnd type="none" w="med" len="med"/>
+                      <a:tailEnd type="none" w="med" len="med"/>
+                    </a:lnR>
+                    <a:lnT w="12700" cap="flat" cmpd="sng" algn="ctr">
+                      <a:solidFill>
+                        <a:schemeClr val="tx1"/>
+                      </a:solidFill>
+                      <a:prstDash val="solid"/>
+                      <a:round/>
+                      <a:headEnd type="none" w="med" len="med"/>
+                      <a:tailEnd type="none" w="med" len="med"/>
+                    </a:lnT>
+                    <a:lnB w="12700" cap="flat" cmpd="sng" algn="ctr">
+                      <a:solidFill>
+                        <a:schemeClr val="tx1"/>
+                      </a:solidFill>
+                      <a:prstDash val="solid"/>
+                      <a:round/>
+                      <a:headEnd type="none" w="med" len="med"/>
+                      <a:tailEnd type="none" w="med" len="med"/>
+                    </a:lnB>
+                  </a:tcPr>
+                </a:tc>
+                <a:tc>
+                  <a:txBody>
+                    <a:bodyPr/>
+                    <a:lstStyle/>
+                    <a:p>
+                      <a:pPr algn="ctr"/>
+                      <a:r>
+                        <a:rPr lang="en" sz="1200" b="0" i="0" dirty="0" err="1">
+                          <a:solidFill>
+                            <a:schemeClr val="tx1"/>
+                          </a:solidFill>
+                          <a:effectLst/>
+                          <a:latin typeface="+mn-lt"/>
+                        </a:rPr>
+                        <a:t>Aleksin</a:t>
+                      </a:r>
+                      <a:endParaRPr lang="en" sz="1200" b="0" i="0" dirty="0">
+                        <a:solidFill>
+                          <a:schemeClr val="tx1"/>
+                        </a:solidFill>
+                        <a:effectLst/>
+                        <a:latin typeface="+mn-lt"/>
+                      </a:endParaRPr>
+                    </a:p>
+                  </a:txBody>
+                  <a:tcPr marL="19050" marR="19050" marT="19050" marB="19050" anchor="ctr">
+                    <a:lnL w="12700" cap="flat" cmpd="sng" algn="ctr">
+                      <a:solidFill>
+                        <a:schemeClr val="tx1"/>
+                      </a:solidFill>
+                      <a:prstDash val="solid"/>
+                      <a:round/>
+                      <a:headEnd type="none" w="med" len="med"/>
+                      <a:tailEnd type="none" w="med" len="med"/>
+                    </a:lnL>
+                    <a:lnR w="12700" cap="flat" cmpd="sng" algn="ctr">
+                      <a:solidFill>
+                        <a:schemeClr val="tx1"/>
+                      </a:solidFill>
+                      <a:prstDash val="solid"/>
+                      <a:round/>
+                      <a:headEnd type="none" w="med" len="med"/>
+                      <a:tailEnd type="none" w="med" len="med"/>
+                    </a:lnR>
+                    <a:lnT w="12700" cap="flat" cmpd="sng" algn="ctr">
+                      <a:solidFill>
+                        <a:schemeClr val="tx1"/>
+                      </a:solidFill>
+                      <a:prstDash val="solid"/>
+                      <a:round/>
+                      <a:headEnd type="none" w="med" len="med"/>
+                      <a:tailEnd type="none" w="med" len="med"/>
+                    </a:lnT>
+                    <a:lnB w="12700" cap="flat" cmpd="sng" algn="ctr">
+                      <a:solidFill>
+                        <a:schemeClr val="tx1"/>
+                      </a:solidFill>
+                      <a:prstDash val="solid"/>
+                      <a:round/>
+                      <a:headEnd type="none" w="med" len="med"/>
+                      <a:tailEnd type="none" w="med" len="med"/>
+                    </a:lnB>
+                  </a:tcPr>
+                </a:tc>
+                <a:tc>
+                  <a:txBody>
+                    <a:bodyPr/>
+                    <a:lstStyle/>
+                    <a:p>
+                      <a:pPr algn="ctr"/>
+                      <a:r>
+                        <a:rPr lang="ru-RU" sz="1200" b="0" i="0" dirty="0">
+                          <a:solidFill>
+                            <a:schemeClr val="tx1"/>
+                          </a:solidFill>
+                          <a:effectLst/>
+                          <a:latin typeface="+mn-lt"/>
+                        </a:rPr>
+                        <a:t>1</a:t>
+                      </a:r>
+                    </a:p>
+                  </a:txBody>
+                  <a:tcPr marL="19050" marR="19050" marT="19050" marB="19050" anchor="ctr">
+                    <a:lnL w="12700" cap="flat" cmpd="sng" algn="ctr">
+                      <a:solidFill>
+                        <a:schemeClr val="tx1"/>
+                      </a:solidFill>
+                      <a:prstDash val="solid"/>
+                      <a:round/>
+                      <a:headEnd type="none" w="med" len="med"/>
+                      <a:tailEnd type="none" w="med" len="med"/>
+                    </a:lnL>
+                    <a:lnR w="12700" cap="flat" cmpd="sng" algn="ctr">
+                      <a:solidFill>
+                        <a:schemeClr val="tx1"/>
+                      </a:solidFill>
+                      <a:prstDash val="solid"/>
+                      <a:round/>
+                      <a:headEnd type="none" w="med" len="med"/>
+                      <a:tailEnd type="none" w="med" len="med"/>
+                    </a:lnR>
+                    <a:lnT w="12700" cap="flat" cmpd="sng" algn="ctr">
+                      <a:solidFill>
+                        <a:schemeClr val="tx1"/>
+                      </a:solidFill>
+                      <a:prstDash val="solid"/>
+                      <a:round/>
+                      <a:headEnd type="none" w="med" len="med"/>
+                      <a:tailEnd type="none" w="med" len="med"/>
+                    </a:lnT>
+                    <a:lnB w="12700" cap="flat" cmpd="sng" algn="ctr">
+                      <a:solidFill>
+                        <a:schemeClr val="tx1"/>
+                      </a:solidFill>
+                      <a:prstDash val="solid"/>
+                      <a:round/>
+                      <a:headEnd type="none" w="med" len="med"/>
+                      <a:tailEnd type="none" w="med" len="med"/>
+                    </a:lnB>
+                  </a:tcPr>
+                </a:tc>
+                <a:extLst>
+                  <a:ext uri="{0D108BD9-81ED-4DB2-BD59-A6C34878D82A}">
+                    <a16:rowId xmlns:a16="http://schemas.microsoft.com/office/drawing/2014/main" val="692225446"/>
+                  </a:ext>
+                </a:extLst>
+              </a:tr>
+              <a:tr h="370840">
+                <a:tc>
+                  <a:txBody>
+                    <a:bodyPr/>
+                    <a:lstStyle/>
+                    <a:p>
+                      <a:pPr algn="ctr"/>
+                      <a:r>
+                        <a:rPr lang="ru-RU" sz="1200" b="0" i="0">
+                          <a:solidFill>
+                            <a:schemeClr val="tx1"/>
+                          </a:solidFill>
+                          <a:effectLst/>
+                          <a:latin typeface="+mn-lt"/>
+                        </a:rPr>
+                        <a:t>1</a:t>
+                      </a:r>
+                    </a:p>
+                  </a:txBody>
+                  <a:tcPr marL="19050" marR="19050" marT="19050" marB="19050" anchor="ctr">
+                    <a:lnL w="12700" cap="flat" cmpd="sng" algn="ctr">
+                      <a:solidFill>
+                        <a:schemeClr val="tx1"/>
+                      </a:solidFill>
+                      <a:prstDash val="solid"/>
+                      <a:round/>
+                      <a:headEnd type="none" w="med" len="med"/>
+                      <a:tailEnd type="none" w="med" len="med"/>
+                    </a:lnL>
+                    <a:lnR w="12700" cap="flat" cmpd="sng" algn="ctr">
+                      <a:solidFill>
+                        <a:schemeClr val="tx1"/>
+                      </a:solidFill>
+                      <a:prstDash val="solid"/>
+                      <a:round/>
+                      <a:headEnd type="none" w="med" len="med"/>
+                      <a:tailEnd type="none" w="med" len="med"/>
+                    </a:lnR>
+                    <a:lnT w="12700" cap="flat" cmpd="sng" algn="ctr">
+                      <a:solidFill>
+                        <a:schemeClr val="tx1"/>
+                      </a:solidFill>
+                      <a:prstDash val="solid"/>
+                      <a:round/>
+                      <a:headEnd type="none" w="med" len="med"/>
+                      <a:tailEnd type="none" w="med" len="med"/>
+                    </a:lnT>
+                    <a:lnB w="12700" cap="flat" cmpd="sng" algn="ctr">
+                      <a:solidFill>
+                        <a:schemeClr val="tx1"/>
+                      </a:solidFill>
+                      <a:prstDash val="solid"/>
+                      <a:round/>
+                      <a:headEnd type="none" w="med" len="med"/>
+                      <a:tailEnd type="none" w="med" len="med"/>
+                    </a:lnB>
+                  </a:tcPr>
+                </a:tc>
+                <a:tc>
+                  <a:txBody>
+                    <a:bodyPr/>
+                    <a:lstStyle/>
+                    <a:p>
+                      <a:pPr algn="ctr"/>
+                      <a:r>
+                        <a:rPr lang="en" sz="1200" b="0" i="0" dirty="0">
+                          <a:solidFill>
+                            <a:schemeClr val="tx1"/>
+                          </a:solidFill>
+                          <a:effectLst/>
+                          <a:latin typeface="+mn-lt"/>
+                        </a:rPr>
+                        <a:t>Kursk</a:t>
+                      </a:r>
+                    </a:p>
+                  </a:txBody>
+                  <a:tcPr marL="19050" marR="19050" marT="19050" marB="19050" anchor="ctr">
+                    <a:lnL w="12700" cap="flat" cmpd="sng" algn="ctr">
+                      <a:solidFill>
+                        <a:schemeClr val="tx1"/>
+                      </a:solidFill>
+                      <a:prstDash val="solid"/>
+                      <a:round/>
+                      <a:headEnd type="none" w="med" len="med"/>
+                      <a:tailEnd type="none" w="med" len="med"/>
+                    </a:lnL>
+                    <a:lnR w="12700" cap="flat" cmpd="sng" algn="ctr">
+                      <a:solidFill>
+                        <a:schemeClr val="tx1"/>
+                      </a:solidFill>
+                      <a:prstDash val="solid"/>
+                      <a:round/>
+                      <a:headEnd type="none" w="med" len="med"/>
+                      <a:tailEnd type="none" w="med" len="med"/>
+                    </a:lnR>
+                    <a:lnT w="12700" cap="flat" cmpd="sng" algn="ctr">
+                      <a:solidFill>
+                        <a:schemeClr val="tx1"/>
+                      </a:solidFill>
+                      <a:prstDash val="solid"/>
+                      <a:round/>
+                      <a:headEnd type="none" w="med" len="med"/>
+                      <a:tailEnd type="none" w="med" len="med"/>
+                    </a:lnT>
+                    <a:lnB w="12700" cap="flat" cmpd="sng" algn="ctr">
+                      <a:solidFill>
+                        <a:schemeClr val="tx1"/>
+                      </a:solidFill>
+                      <a:prstDash val="solid"/>
+                      <a:round/>
+                      <a:headEnd type="none" w="med" len="med"/>
+                      <a:tailEnd type="none" w="med" len="med"/>
+                    </a:lnB>
+                  </a:tcPr>
+                </a:tc>
+                <a:tc>
+                  <a:txBody>
+                    <a:bodyPr/>
+                    <a:lstStyle/>
+                    <a:p>
+                      <a:pPr algn="ctr"/>
+                      <a:r>
+                        <a:rPr lang="ru-RU" sz="1200" b="0" i="0">
+                          <a:solidFill>
+                            <a:schemeClr val="tx1"/>
+                          </a:solidFill>
+                          <a:effectLst/>
+                          <a:latin typeface="+mn-lt"/>
+                        </a:rPr>
+                        <a:t>2</a:t>
+                      </a:r>
+                    </a:p>
+                  </a:txBody>
+                  <a:tcPr marL="19050" marR="19050" marT="19050" marB="19050" anchor="ctr">
+                    <a:lnL w="12700" cap="flat" cmpd="sng" algn="ctr">
+                      <a:solidFill>
+                        <a:schemeClr val="tx1"/>
+                      </a:solidFill>
+                      <a:prstDash val="solid"/>
+                      <a:round/>
+                      <a:headEnd type="none" w="med" len="med"/>
+                      <a:tailEnd type="none" w="med" len="med"/>
+                    </a:lnL>
+                    <a:lnR w="12700" cap="flat" cmpd="sng" algn="ctr">
+                      <a:solidFill>
+                        <a:schemeClr val="tx1"/>
+                      </a:solidFill>
+                      <a:prstDash val="solid"/>
+                      <a:round/>
+                      <a:headEnd type="none" w="med" len="med"/>
+                      <a:tailEnd type="none" w="med" len="med"/>
+                    </a:lnR>
+                    <a:lnT w="12700" cap="flat" cmpd="sng" algn="ctr">
+                      <a:solidFill>
+                        <a:schemeClr val="tx1"/>
+                      </a:solidFill>
+                      <a:prstDash val="solid"/>
+                      <a:round/>
+                      <a:headEnd type="none" w="med" len="med"/>
+                      <a:tailEnd type="none" w="med" len="med"/>
+                    </a:lnT>
+                    <a:lnB w="12700" cap="flat" cmpd="sng" algn="ctr">
+                      <a:solidFill>
+                        <a:schemeClr val="tx1"/>
+                      </a:solidFill>
+                      <a:prstDash val="solid"/>
+                      <a:round/>
+                      <a:headEnd type="none" w="med" len="med"/>
+                      <a:tailEnd type="none" w="med" len="med"/>
+                    </a:lnB>
+                  </a:tcPr>
+                </a:tc>
+                <a:extLst>
+                  <a:ext uri="{0D108BD9-81ED-4DB2-BD59-A6C34878D82A}">
+                    <a16:rowId xmlns:a16="http://schemas.microsoft.com/office/drawing/2014/main" val="1254475028"/>
+                  </a:ext>
+                </a:extLst>
+              </a:tr>
+              <a:tr h="370840">
+                <a:tc>
+                  <a:txBody>
+                    <a:bodyPr/>
+                    <a:lstStyle/>
+                    <a:p>
+                      <a:pPr algn="ctr"/>
+                      <a:r>
+                        <a:rPr lang="ru-RU" sz="1200" b="0" i="0">
+                          <a:solidFill>
+                            <a:schemeClr val="tx1"/>
+                          </a:solidFill>
+                          <a:effectLst/>
+                          <a:latin typeface="+mn-lt"/>
+                        </a:rPr>
+                        <a:t>2</a:t>
+                      </a:r>
+                    </a:p>
+                  </a:txBody>
+                  <a:tcPr marL="19050" marR="19050" marT="19050" marB="19050" anchor="ctr">
+                    <a:lnL w="12700" cap="flat" cmpd="sng" algn="ctr">
+                      <a:solidFill>
+                        <a:schemeClr val="tx1"/>
+                      </a:solidFill>
+                      <a:prstDash val="solid"/>
+                      <a:round/>
+                      <a:headEnd type="none" w="med" len="med"/>
+                      <a:tailEnd type="none" w="med" len="med"/>
+                    </a:lnL>
+                    <a:lnR w="12700" cap="flat" cmpd="sng" algn="ctr">
+                      <a:solidFill>
+                        <a:schemeClr val="tx1"/>
+                      </a:solidFill>
+                      <a:prstDash val="solid"/>
+                      <a:round/>
+                      <a:headEnd type="none" w="med" len="med"/>
+                      <a:tailEnd type="none" w="med" len="med"/>
+                    </a:lnR>
+                    <a:lnT w="12700" cap="flat" cmpd="sng" algn="ctr">
+                      <a:solidFill>
+                        <a:schemeClr val="tx1"/>
+                      </a:solidFill>
+                      <a:prstDash val="solid"/>
+                      <a:round/>
+                      <a:headEnd type="none" w="med" len="med"/>
+                      <a:tailEnd type="none" w="med" len="med"/>
+                    </a:lnT>
+                    <a:lnB w="12700" cap="flat" cmpd="sng" algn="ctr">
+                      <a:solidFill>
+                        <a:schemeClr val="tx1"/>
+                      </a:solidFill>
+                      <a:prstDash val="solid"/>
+                      <a:round/>
+                      <a:headEnd type="none" w="med" len="med"/>
+                      <a:tailEnd type="none" w="med" len="med"/>
+                    </a:lnB>
+                  </a:tcPr>
+                </a:tc>
+                <a:tc>
+                  <a:txBody>
+                    <a:bodyPr/>
+                    <a:lstStyle/>
+                    <a:p>
+                      <a:pPr algn="ctr"/>
+                      <a:r>
+                        <a:rPr lang="en" sz="1200" b="0" i="0">
+                          <a:solidFill>
+                            <a:schemeClr val="tx1"/>
+                          </a:solidFill>
+                          <a:effectLst/>
+                          <a:latin typeface="+mn-lt"/>
+                        </a:rPr>
+                        <a:t>Tula</a:t>
+                      </a:r>
+                    </a:p>
+                  </a:txBody>
+                  <a:tcPr marL="19050" marR="19050" marT="19050" marB="19050" anchor="ctr">
+                    <a:lnL w="12700" cap="flat" cmpd="sng" algn="ctr">
+                      <a:solidFill>
+                        <a:schemeClr val="tx1"/>
+                      </a:solidFill>
+                      <a:prstDash val="solid"/>
+                      <a:round/>
+                      <a:headEnd type="none" w="med" len="med"/>
+                      <a:tailEnd type="none" w="med" len="med"/>
+                    </a:lnL>
+                    <a:lnR w="12700" cap="flat" cmpd="sng" algn="ctr">
+                      <a:solidFill>
+                        <a:schemeClr val="tx1"/>
+                      </a:solidFill>
+                      <a:prstDash val="solid"/>
+                      <a:round/>
+                      <a:headEnd type="none" w="med" len="med"/>
+                      <a:tailEnd type="none" w="med" len="med"/>
+                    </a:lnR>
+                    <a:lnT w="12700" cap="flat" cmpd="sng" algn="ctr">
+                      <a:solidFill>
+                        <a:schemeClr val="tx1"/>
+                      </a:solidFill>
+                      <a:prstDash val="solid"/>
+                      <a:round/>
+                      <a:headEnd type="none" w="med" len="med"/>
+                      <a:tailEnd type="none" w="med" len="med"/>
+                    </a:lnT>
+                    <a:lnB w="12700" cap="flat" cmpd="sng" algn="ctr">
+                      <a:solidFill>
+                        <a:schemeClr val="tx1"/>
+                      </a:solidFill>
+                      <a:prstDash val="solid"/>
+                      <a:round/>
+                      <a:headEnd type="none" w="med" len="med"/>
+                      <a:tailEnd type="none" w="med" len="med"/>
+                    </a:lnB>
+                  </a:tcPr>
+                </a:tc>
+                <a:tc>
+                  <a:txBody>
+                    <a:bodyPr/>
+                    <a:lstStyle/>
+                    <a:p>
+                      <a:pPr algn="ctr"/>
+                      <a:r>
+                        <a:rPr lang="ru-RU" sz="1200" b="0" i="0" dirty="0">
+                          <a:solidFill>
+                            <a:schemeClr val="tx1"/>
+                          </a:solidFill>
+                          <a:effectLst/>
+                          <a:latin typeface="+mn-lt"/>
+                        </a:rPr>
+                        <a:t>3</a:t>
+                      </a:r>
+                    </a:p>
+                  </a:txBody>
+                  <a:tcPr marL="19050" marR="19050" marT="19050" marB="19050" anchor="ctr">
+                    <a:lnL w="12700" cap="flat" cmpd="sng" algn="ctr">
+                      <a:solidFill>
+                        <a:schemeClr val="tx1"/>
+                      </a:solidFill>
+                      <a:prstDash val="solid"/>
+                      <a:round/>
+                      <a:headEnd type="none" w="med" len="med"/>
+                      <a:tailEnd type="none" w="med" len="med"/>
+                    </a:lnL>
+                    <a:lnR w="12700" cap="flat" cmpd="sng" algn="ctr">
+                      <a:solidFill>
+                        <a:schemeClr val="tx1"/>
+                      </a:solidFill>
+                      <a:prstDash val="solid"/>
+                      <a:round/>
+                      <a:headEnd type="none" w="med" len="med"/>
+                      <a:tailEnd type="none" w="med" len="med"/>
+                    </a:lnR>
+                    <a:lnT w="12700" cap="flat" cmpd="sng" algn="ctr">
+                      <a:solidFill>
+                        <a:schemeClr val="tx1"/>
+                      </a:solidFill>
+                      <a:prstDash val="solid"/>
+                      <a:round/>
+                      <a:headEnd type="none" w="med" len="med"/>
+                      <a:tailEnd type="none" w="med" len="med"/>
+                    </a:lnT>
+                    <a:lnB w="12700" cap="flat" cmpd="sng" algn="ctr">
+                      <a:solidFill>
+                        <a:schemeClr val="tx1"/>
+                      </a:solidFill>
+                      <a:prstDash val="solid"/>
+                      <a:round/>
+                      <a:headEnd type="none" w="med" len="med"/>
+                      <a:tailEnd type="none" w="med" len="med"/>
+                    </a:lnB>
+                  </a:tcPr>
+                </a:tc>
+                <a:extLst>
+                  <a:ext uri="{0D108BD9-81ED-4DB2-BD59-A6C34878D82A}">
+                    <a16:rowId xmlns:a16="http://schemas.microsoft.com/office/drawing/2014/main" val="1863199201"/>
+                  </a:ext>
+                </a:extLst>
+              </a:tr>
+              <a:tr h="370840">
+                <a:tc>
+                  <a:txBody>
+                    <a:bodyPr/>
+                    <a:lstStyle/>
+                    <a:p>
+                      <a:pPr algn="ctr"/>
+                      <a:r>
+                        <a:rPr lang="ru-RU" sz="1200" b="0" i="0">
+                          <a:solidFill>
+                            <a:schemeClr val="tx1"/>
+                          </a:solidFill>
+                          <a:effectLst/>
+                          <a:latin typeface="+mn-lt"/>
+                        </a:rPr>
+                        <a:t>3</a:t>
+                      </a:r>
+                    </a:p>
+                  </a:txBody>
+                  <a:tcPr marL="19050" marR="19050" marT="19050" marB="19050" anchor="ctr">
+                    <a:lnL w="12700" cap="flat" cmpd="sng" algn="ctr">
+                      <a:solidFill>
+                        <a:schemeClr val="tx1"/>
+                      </a:solidFill>
+                      <a:prstDash val="solid"/>
+                      <a:round/>
+                      <a:headEnd type="none" w="med" len="med"/>
+                      <a:tailEnd type="none" w="med" len="med"/>
+                    </a:lnL>
+                    <a:lnR w="12700" cap="flat" cmpd="sng" algn="ctr">
+                      <a:solidFill>
+                        <a:schemeClr val="tx1"/>
+                      </a:solidFill>
+                      <a:prstDash val="solid"/>
+                      <a:round/>
+                      <a:headEnd type="none" w="med" len="med"/>
+                      <a:tailEnd type="none" w="med" len="med"/>
+                    </a:lnR>
+                    <a:lnT w="12700" cap="flat" cmpd="sng" algn="ctr">
+                      <a:solidFill>
+                        <a:schemeClr val="tx1"/>
+                      </a:solidFill>
+                      <a:prstDash val="solid"/>
+                      <a:round/>
+                      <a:headEnd type="none" w="med" len="med"/>
+                      <a:tailEnd type="none" w="med" len="med"/>
+                    </a:lnT>
+                    <a:lnB w="12700" cap="flat" cmpd="sng" algn="ctr">
+                      <a:solidFill>
+                        <a:schemeClr val="tx1"/>
+                      </a:solidFill>
+                      <a:prstDash val="solid"/>
+                      <a:round/>
+                      <a:headEnd type="none" w="med" len="med"/>
+                      <a:tailEnd type="none" w="med" len="med"/>
+                    </a:lnB>
+                  </a:tcPr>
+                </a:tc>
+                <a:tc>
+                  <a:txBody>
+                    <a:bodyPr/>
+                    <a:lstStyle/>
+                    <a:p>
+                      <a:pPr algn="ctr"/>
+                      <a:r>
+                        <a:rPr lang="en" sz="1200" b="0" i="0">
+                          <a:solidFill>
+                            <a:schemeClr val="tx1"/>
+                          </a:solidFill>
+                          <a:effectLst/>
+                          <a:latin typeface="+mn-lt"/>
+                        </a:rPr>
+                        <a:t>Moscow</a:t>
+                      </a:r>
+                    </a:p>
+                  </a:txBody>
+                  <a:tcPr marL="19050" marR="19050" marT="19050" marB="19050" anchor="ctr">
+                    <a:lnL w="12700" cap="flat" cmpd="sng" algn="ctr">
+                      <a:solidFill>
+                        <a:schemeClr val="tx1"/>
+                      </a:solidFill>
+                      <a:prstDash val="solid"/>
+                      <a:round/>
+                      <a:headEnd type="none" w="med" len="med"/>
+                      <a:tailEnd type="none" w="med" len="med"/>
+                    </a:lnL>
+                    <a:lnR w="12700" cap="flat" cmpd="sng" algn="ctr">
+                      <a:solidFill>
+                        <a:schemeClr val="tx1"/>
+                      </a:solidFill>
+                      <a:prstDash val="solid"/>
+                      <a:round/>
+                      <a:headEnd type="none" w="med" len="med"/>
+                      <a:tailEnd type="none" w="med" len="med"/>
+                    </a:lnR>
+                    <a:lnT w="12700" cap="flat" cmpd="sng" algn="ctr">
+                      <a:solidFill>
+                        <a:schemeClr val="tx1"/>
+                      </a:solidFill>
+                      <a:prstDash val="solid"/>
+                      <a:round/>
+                      <a:headEnd type="none" w="med" len="med"/>
+                      <a:tailEnd type="none" w="med" len="med"/>
+                    </a:lnT>
+                    <a:lnB w="12700" cap="flat" cmpd="sng" algn="ctr">
+                      <a:solidFill>
+                        <a:schemeClr val="tx1"/>
+                      </a:solidFill>
+                      <a:prstDash val="solid"/>
+                      <a:round/>
+                      <a:headEnd type="none" w="med" len="med"/>
+                      <a:tailEnd type="none" w="med" len="med"/>
+                    </a:lnB>
+                  </a:tcPr>
+                </a:tc>
+                <a:tc>
+                  <a:txBody>
+                    <a:bodyPr/>
+                    <a:lstStyle/>
+                    <a:p>
+                      <a:pPr algn="ctr"/>
+                      <a:r>
+                        <a:rPr lang="ru-RU" sz="1200" b="0" i="0" dirty="0">
+                          <a:solidFill>
+                            <a:schemeClr val="tx1"/>
+                          </a:solidFill>
+                          <a:effectLst/>
+                          <a:latin typeface="+mn-lt"/>
+                        </a:rPr>
+                        <a:t>4</a:t>
+                      </a:r>
+                    </a:p>
+                  </a:txBody>
+                  <a:tcPr marL="19050" marR="19050" marT="19050" marB="19050" anchor="ctr">
+                    <a:lnL w="12700" cap="flat" cmpd="sng" algn="ctr">
+                      <a:solidFill>
+                        <a:schemeClr val="tx1"/>
+                      </a:solidFill>
+                      <a:prstDash val="solid"/>
+                      <a:round/>
+                      <a:headEnd type="none" w="med" len="med"/>
+                      <a:tailEnd type="none" w="med" len="med"/>
+                    </a:lnL>
+                    <a:lnR w="12700" cap="flat" cmpd="sng" algn="ctr">
+                      <a:solidFill>
+                        <a:schemeClr val="tx1"/>
+                      </a:solidFill>
+                      <a:prstDash val="solid"/>
+                      <a:round/>
+                      <a:headEnd type="none" w="med" len="med"/>
+                      <a:tailEnd type="none" w="med" len="med"/>
+                    </a:lnR>
+                    <a:lnT w="12700" cap="flat" cmpd="sng" algn="ctr">
+                      <a:solidFill>
+                        <a:schemeClr val="tx1"/>
+                      </a:solidFill>
+                      <a:prstDash val="solid"/>
+                      <a:round/>
+                      <a:headEnd type="none" w="med" len="med"/>
+                      <a:tailEnd type="none" w="med" len="med"/>
+                    </a:lnT>
+                    <a:lnB w="12700" cap="flat" cmpd="sng" algn="ctr">
+                      <a:solidFill>
+                        <a:schemeClr val="tx1"/>
+                      </a:solidFill>
+                      <a:prstDash val="solid"/>
+                      <a:round/>
+                      <a:headEnd type="none" w="med" len="med"/>
+                      <a:tailEnd type="none" w="med" len="med"/>
+                    </a:lnB>
+                  </a:tcPr>
+                </a:tc>
+                <a:extLst>
+                  <a:ext uri="{0D108BD9-81ED-4DB2-BD59-A6C34878D82A}">
+                    <a16:rowId xmlns:a16="http://schemas.microsoft.com/office/drawing/2014/main" val="3565904405"/>
+                  </a:ext>
+                </a:extLst>
+              </a:tr>
+            </a:tbl>
+          </a:graphicData>
+        </a:graphic>
+      </p:graphicFrame>
+      <p:graphicFrame>
+        <p:nvGraphicFramePr>
+          <p:cNvPr id="8" name="Таблица 7">
+            <a:extLst>
+              <a:ext uri="{FF2B5EF4-FFF2-40B4-BE49-F238E27FC236}">
+                <a16:creationId xmlns:a16="http://schemas.microsoft.com/office/drawing/2014/main" id="{A9E85EDB-9A25-941E-B56A-EB0BDA820521}"/>
+              </a:ext>
+            </a:extLst>
+          </p:cNvPr>
+          <p:cNvGraphicFramePr>
+            <a:graphicFrameLocks noGrp="1"/>
+          </p:cNvGraphicFramePr>
+          <p:nvPr>
+            <p:extLst>
+              <p:ext uri="{D42A27DB-BD31-4B8C-83A1-F6EECF244321}">
+                <p14:modId xmlns:p14="http://schemas.microsoft.com/office/powerpoint/2010/main" val="3740580601"/>
+              </p:ext>
+            </p:extLst>
+          </p:nvPr>
+        </p:nvGraphicFramePr>
+        <p:xfrm>
+          <a:off x="4243745" y="1857341"/>
+          <a:ext cx="7547893" cy="4483100"/>
+        </p:xfrm>
+        <a:graphic>
+          <a:graphicData uri="http://schemas.openxmlformats.org/drawingml/2006/table">
+            <a:tbl>
+              <a:tblPr firstRow="1" bandRow="1">
+                <a:tableStyleId>{7E9639D4-E3E2-4D34-9284-5A2195B3D0D7}</a:tableStyleId>
+              </a:tblPr>
+              <a:tblGrid>
+                <a:gridCol w="416348">
+                  <a:extLst>
+                    <a:ext uri="{9D8B030D-6E8A-4147-A177-3AD203B41FA5}">
+                      <a16:colId xmlns:a16="http://schemas.microsoft.com/office/drawing/2014/main" val="418817847"/>
+                    </a:ext>
+                  </a:extLst>
+                </a:gridCol>
+                <a:gridCol w="1080307">
+                  <a:extLst>
+                    <a:ext uri="{9D8B030D-6E8A-4147-A177-3AD203B41FA5}">
+                      <a16:colId xmlns:a16="http://schemas.microsoft.com/office/drawing/2014/main" val="1528865521"/>
+                    </a:ext>
+                  </a:extLst>
+                </a:gridCol>
+                <a:gridCol w="850900">
+                  <a:extLst>
+                    <a:ext uri="{9D8B030D-6E8A-4147-A177-3AD203B41FA5}">
+                      <a16:colId xmlns:a16="http://schemas.microsoft.com/office/drawing/2014/main" val="1661735205"/>
+                    </a:ext>
+                  </a:extLst>
+                </a:gridCol>
+                <a:gridCol w="1574800">
+                  <a:extLst>
+                    <a:ext uri="{9D8B030D-6E8A-4147-A177-3AD203B41FA5}">
+                      <a16:colId xmlns:a16="http://schemas.microsoft.com/office/drawing/2014/main" val="1096218379"/>
+                    </a:ext>
+                  </a:extLst>
+                </a:gridCol>
+                <a:gridCol w="1092200">
+                  <a:extLst>
+                    <a:ext uri="{9D8B030D-6E8A-4147-A177-3AD203B41FA5}">
+                      <a16:colId xmlns:a16="http://schemas.microsoft.com/office/drawing/2014/main" val="1461267670"/>
+                    </a:ext>
+                  </a:extLst>
+                </a:gridCol>
+                <a:gridCol w="1062263">
+                  <a:extLst>
+                    <a:ext uri="{9D8B030D-6E8A-4147-A177-3AD203B41FA5}">
+                      <a16:colId xmlns:a16="http://schemas.microsoft.com/office/drawing/2014/main" val="2307942663"/>
+                    </a:ext>
+                  </a:extLst>
+                </a:gridCol>
+                <a:gridCol w="1471075">
+                  <a:extLst>
+                    <a:ext uri="{9D8B030D-6E8A-4147-A177-3AD203B41FA5}">
+                      <a16:colId xmlns:a16="http://schemas.microsoft.com/office/drawing/2014/main" val="3456796970"/>
+                    </a:ext>
+                  </a:extLst>
+                </a:gridCol>
+              </a:tblGrid>
+              <a:tr h="370840">
+                <a:tc>
+                  <a:txBody>
+                    <a:bodyPr/>
+                    <a:lstStyle/>
+                    <a:p>
+                      <a:pPr algn="ctr"/>
+                      <a:r>
+                        <a:rPr lang="en-US" sz="1400" dirty="0"/>
+                        <a:t>id</a:t>
+                      </a:r>
+                      <a:endParaRPr lang="ru-RU" sz="1400" dirty="0"/>
+                    </a:p>
+                  </a:txBody>
+                  <a:tcPr anchor="ctr">
+                    <a:lnL w="12700" cap="flat" cmpd="sng" algn="ctr">
+                      <a:solidFill>
+                        <a:schemeClr val="tx1"/>
+                      </a:solidFill>
+                      <a:prstDash val="solid"/>
+                      <a:round/>
+                      <a:headEnd type="none" w="med" len="med"/>
+                      <a:tailEnd type="none" w="med" len="med"/>
+                    </a:lnL>
+                    <a:lnR w="12700" cap="flat" cmpd="sng" algn="ctr">
+                      <a:solidFill>
+                        <a:schemeClr val="tx1"/>
+                      </a:solidFill>
+                      <a:prstDash val="solid"/>
+                      <a:round/>
+                      <a:headEnd type="none" w="med" len="med"/>
+                      <a:tailEnd type="none" w="med" len="med"/>
+                    </a:lnR>
+                    <a:lnT w="12700" cap="flat" cmpd="sng" algn="ctr">
+                      <a:solidFill>
+                        <a:schemeClr val="tx1"/>
+                      </a:solidFill>
+                      <a:prstDash val="solid"/>
+                      <a:round/>
+                      <a:headEnd type="none" w="med" len="med"/>
+                      <a:tailEnd type="none" w="med" len="med"/>
+                    </a:lnT>
+                    <a:lnB w="12700" cap="flat" cmpd="sng" algn="ctr">
+                      <a:solidFill>
+                        <a:schemeClr val="tx1"/>
+                      </a:solidFill>
+                      <a:prstDash val="solid"/>
+                      <a:round/>
+                      <a:headEnd type="none" w="med" len="med"/>
+                      <a:tailEnd type="none" w="med" len="med"/>
+                    </a:lnB>
+                  </a:tcPr>
+                </a:tc>
+                <a:tc>
+                  <a:txBody>
+                    <a:bodyPr/>
+                    <a:lstStyle/>
+                    <a:p>
+                      <a:pPr algn="ctr"/>
+                      <a:r>
+                        <a:rPr lang="en-US" sz="1400" dirty="0"/>
+                        <a:t>type</a:t>
+                      </a:r>
+                      <a:endParaRPr lang="ru-RU" sz="1400" dirty="0"/>
+                    </a:p>
+                  </a:txBody>
+                  <a:tcPr anchor="ctr">
+                    <a:lnL w="12700" cap="flat" cmpd="sng" algn="ctr">
+                      <a:solidFill>
+                        <a:schemeClr val="tx1"/>
+                      </a:solidFill>
+                      <a:prstDash val="solid"/>
+                      <a:round/>
+                      <a:headEnd type="none" w="med" len="med"/>
+                      <a:tailEnd type="none" w="med" len="med"/>
+                    </a:lnL>
+                    <a:lnR w="12700" cap="flat" cmpd="sng" algn="ctr">
+                      <a:solidFill>
+                        <a:schemeClr val="tx1"/>
+                      </a:solidFill>
+                      <a:prstDash val="solid"/>
+                      <a:round/>
+                      <a:headEnd type="none" w="med" len="med"/>
+                      <a:tailEnd type="none" w="med" len="med"/>
+                    </a:lnR>
+                    <a:lnT w="12700" cap="flat" cmpd="sng" algn="ctr">
+                      <a:solidFill>
+                        <a:schemeClr val="tx1"/>
+                      </a:solidFill>
+                      <a:prstDash val="solid"/>
+                      <a:round/>
+                      <a:headEnd type="none" w="med" len="med"/>
+                      <a:tailEnd type="none" w="med" len="med"/>
+                    </a:lnT>
+                    <a:lnB w="12700" cap="flat" cmpd="sng" algn="ctr">
+                      <a:solidFill>
+                        <a:schemeClr val="tx1"/>
+                      </a:solidFill>
+                      <a:prstDash val="solid"/>
+                      <a:round/>
+                      <a:headEnd type="none" w="med" len="med"/>
+                      <a:tailEnd type="none" w="med" len="med"/>
+                    </a:lnB>
+                  </a:tcPr>
+                </a:tc>
+                <a:tc>
+                  <a:txBody>
+                    <a:bodyPr/>
+                    <a:lstStyle/>
+                    <a:p>
+                      <a:pPr algn="ctr"/>
+                      <a:r>
+                        <a:rPr lang="en-US" sz="1400" dirty="0"/>
+                        <a:t>number</a:t>
+                      </a:r>
+                      <a:endParaRPr lang="ru-RU" sz="1400" dirty="0"/>
+                    </a:p>
+                  </a:txBody>
+                  <a:tcPr anchor="ctr">
+                    <a:lnL w="12700" cap="flat" cmpd="sng" algn="ctr">
+                      <a:solidFill>
+                        <a:schemeClr val="tx1"/>
+                      </a:solidFill>
+                      <a:prstDash val="solid"/>
+                      <a:round/>
+                      <a:headEnd type="none" w="med" len="med"/>
+                      <a:tailEnd type="none" w="med" len="med"/>
+                    </a:lnL>
+                    <a:lnR w="12700" cap="flat" cmpd="sng" algn="ctr">
+                      <a:solidFill>
+                        <a:schemeClr val="tx1"/>
+                      </a:solidFill>
+                      <a:prstDash val="solid"/>
+                      <a:round/>
+                      <a:headEnd type="none" w="med" len="med"/>
+                      <a:tailEnd type="none" w="med" len="med"/>
+                    </a:lnR>
+                    <a:lnT w="12700" cap="flat" cmpd="sng" algn="ctr">
+                      <a:solidFill>
+                        <a:schemeClr val="tx1"/>
+                      </a:solidFill>
+                      <a:prstDash val="solid"/>
+                      <a:round/>
+                      <a:headEnd type="none" w="med" len="med"/>
+                      <a:tailEnd type="none" w="med" len="med"/>
+                    </a:lnT>
+                    <a:lnB w="12700" cap="flat" cmpd="sng" algn="ctr">
+                      <a:solidFill>
+                        <a:schemeClr val="tx1"/>
+                      </a:solidFill>
+                      <a:prstDash val="solid"/>
+                      <a:round/>
+                      <a:headEnd type="none" w="med" len="med"/>
+                      <a:tailEnd type="none" w="med" len="med"/>
+                    </a:lnB>
+                  </a:tcPr>
+                </a:tc>
+                <a:tc>
+                  <a:txBody>
+                    <a:bodyPr/>
+                    <a:lstStyle/>
+                    <a:p>
+                      <a:pPr algn="ctr"/>
+                      <a:r>
+                        <a:rPr lang="en-US" sz="1400" dirty="0"/>
+                        <a:t>firm</a:t>
+                      </a:r>
+                      <a:endParaRPr lang="ru-RU" sz="1400" dirty="0"/>
+                    </a:p>
+                  </a:txBody>
+                  <a:tcPr anchor="ctr">
+                    <a:lnL w="12700" cap="flat" cmpd="sng" algn="ctr">
+                      <a:solidFill>
+                        <a:schemeClr val="tx1"/>
+                      </a:solidFill>
+                      <a:prstDash val="solid"/>
+                      <a:round/>
+                      <a:headEnd type="none" w="med" len="med"/>
+                      <a:tailEnd type="none" w="med" len="med"/>
+                    </a:lnL>
+                    <a:lnR w="12700" cap="flat" cmpd="sng" algn="ctr">
+                      <a:solidFill>
+                        <a:schemeClr val="tx1"/>
+                      </a:solidFill>
+                      <a:prstDash val="solid"/>
+                      <a:round/>
+                      <a:headEnd type="none" w="med" len="med"/>
+                      <a:tailEnd type="none" w="med" len="med"/>
+                    </a:lnR>
+                    <a:lnT w="12700" cap="flat" cmpd="sng" algn="ctr">
+                      <a:solidFill>
+                        <a:schemeClr val="tx1"/>
+                      </a:solidFill>
+                      <a:prstDash val="solid"/>
+                      <a:round/>
+                      <a:headEnd type="none" w="med" len="med"/>
+                      <a:tailEnd type="none" w="med" len="med"/>
+                    </a:lnT>
+                    <a:lnB w="12700" cap="flat" cmpd="sng" algn="ctr">
+                      <a:solidFill>
+                        <a:schemeClr val="tx1"/>
+                      </a:solidFill>
+                      <a:prstDash val="solid"/>
+                      <a:round/>
+                      <a:headEnd type="none" w="med" len="med"/>
+                      <a:tailEnd type="none" w="med" len="med"/>
+                    </a:lnB>
+                  </a:tcPr>
+                </a:tc>
+                <a:tc>
+                  <a:txBody>
+                    <a:bodyPr/>
+                    <a:lstStyle/>
+                    <a:p>
+                      <a:pPr algn="ctr"/>
+                      <a:r>
+                        <a:rPr lang="en-US" sz="1400" dirty="0"/>
+                        <a:t>model</a:t>
+                      </a:r>
+                      <a:endParaRPr lang="ru-RU" sz="1400" dirty="0"/>
+                    </a:p>
+                  </a:txBody>
+                  <a:tcPr anchor="ctr">
+                    <a:lnL w="12700" cap="flat" cmpd="sng" algn="ctr">
+                      <a:solidFill>
+                        <a:schemeClr val="tx1"/>
+                      </a:solidFill>
+                      <a:prstDash val="solid"/>
+                      <a:round/>
+                      <a:headEnd type="none" w="med" len="med"/>
+                      <a:tailEnd type="none" w="med" len="med"/>
+                    </a:lnL>
+                    <a:lnR w="12700" cap="flat" cmpd="sng" algn="ctr">
+                      <a:solidFill>
+                        <a:schemeClr val="tx1"/>
+                      </a:solidFill>
+                      <a:prstDash val="solid"/>
+                      <a:round/>
+                      <a:headEnd type="none" w="med" len="med"/>
+                      <a:tailEnd type="none" w="med" len="med"/>
+                    </a:lnR>
+                    <a:lnT w="12700" cap="flat" cmpd="sng" algn="ctr">
+                      <a:solidFill>
+                        <a:schemeClr val="tx1"/>
+                      </a:solidFill>
+                      <a:prstDash val="solid"/>
+                      <a:round/>
+                      <a:headEnd type="none" w="med" len="med"/>
+                      <a:tailEnd type="none" w="med" len="med"/>
+                    </a:lnT>
+                    <a:lnB w="12700" cap="flat" cmpd="sng" algn="ctr">
+                      <a:solidFill>
+                        <a:schemeClr val="tx1"/>
+                      </a:solidFill>
+                      <a:prstDash val="solid"/>
+                      <a:round/>
+                      <a:headEnd type="none" w="med" len="med"/>
+                      <a:tailEnd type="none" w="med" len="med"/>
+                    </a:lnB>
+                  </a:tcPr>
+                </a:tc>
+                <a:tc>
+                  <a:txBody>
+                    <a:bodyPr/>
+                    <a:lstStyle/>
+                    <a:p>
+                      <a:pPr algn="ctr"/>
+                      <a:r>
+                        <a:rPr lang="en-US" sz="1400" dirty="0" err="1"/>
+                        <a:t>time_show</a:t>
+                      </a:r>
+                      <a:endParaRPr lang="ru-RU" sz="1400" dirty="0"/>
+                    </a:p>
+                  </a:txBody>
+                  <a:tcPr anchor="ctr">
+                    <a:lnL w="12700" cap="flat" cmpd="sng" algn="ctr">
+                      <a:solidFill>
+                        <a:schemeClr val="tx1"/>
+                      </a:solidFill>
+                      <a:prstDash val="solid"/>
+                      <a:round/>
+                      <a:headEnd type="none" w="med" len="med"/>
+                      <a:tailEnd type="none" w="med" len="med"/>
+                    </a:lnL>
+                    <a:lnR w="12700" cap="flat" cmpd="sng" algn="ctr">
+                      <a:solidFill>
+                        <a:schemeClr val="tx1"/>
+                      </a:solidFill>
+                      <a:prstDash val="solid"/>
+                      <a:round/>
+                      <a:headEnd type="none" w="med" len="med"/>
+                      <a:tailEnd type="none" w="med" len="med"/>
+                    </a:lnR>
+                    <a:lnT w="12700" cap="flat" cmpd="sng" algn="ctr">
+                      <a:solidFill>
+                        <a:schemeClr val="tx1"/>
+                      </a:solidFill>
+                      <a:prstDash val="solid"/>
+                      <a:round/>
+                      <a:headEnd type="none" w="med" len="med"/>
+                      <a:tailEnd type="none" w="med" len="med"/>
+                    </a:lnT>
+                    <a:lnB w="12700" cap="flat" cmpd="sng" algn="ctr">
+                      <a:solidFill>
+                        <a:schemeClr val="tx1"/>
+                      </a:solidFill>
+                      <a:prstDash val="solid"/>
+                      <a:round/>
+                      <a:headEnd type="none" w="med" len="med"/>
+                      <a:tailEnd type="none" w="med" len="med"/>
+                    </a:lnB>
+                  </a:tcPr>
+                </a:tc>
+                <a:tc>
+                  <a:txBody>
+                    <a:bodyPr/>
+                    <a:lstStyle/>
+                    <a:p>
+                      <a:pPr algn="ctr"/>
+                      <a:r>
+                        <a:rPr lang="en-US" sz="1400" dirty="0" err="1"/>
+                        <a:t>time_on_runway</a:t>
+                      </a:r>
+                      <a:endParaRPr lang="ru-RU" sz="1400" dirty="0"/>
+                    </a:p>
+                  </a:txBody>
+                  <a:tcPr anchor="ctr">
+                    <a:lnL w="12700" cap="flat" cmpd="sng" algn="ctr">
+                      <a:solidFill>
+                        <a:schemeClr val="tx1"/>
+                      </a:solidFill>
+                      <a:prstDash val="solid"/>
+                      <a:round/>
+                      <a:headEnd type="none" w="med" len="med"/>
+                      <a:tailEnd type="none" w="med" len="med"/>
+                    </a:lnL>
+                    <a:lnR w="12700" cap="flat" cmpd="sng" algn="ctr">
+                      <a:solidFill>
+                        <a:schemeClr val="tx1"/>
+                      </a:solidFill>
+                      <a:prstDash val="solid"/>
+                      <a:round/>
+                      <a:headEnd type="none" w="med" len="med"/>
+                      <a:tailEnd type="none" w="med" len="med"/>
+                    </a:lnR>
+                    <a:lnT w="12700" cap="flat" cmpd="sng" algn="ctr">
+                      <a:solidFill>
+                        <a:schemeClr val="tx1"/>
+                      </a:solidFill>
+                      <a:prstDash val="solid"/>
+                      <a:round/>
+                      <a:headEnd type="none" w="med" len="med"/>
+                      <a:tailEnd type="none" w="med" len="med"/>
+                    </a:lnT>
+                    <a:lnB w="12700" cap="flat" cmpd="sng" algn="ctr">
+                      <a:solidFill>
+                        <a:schemeClr val="tx1"/>
+                      </a:solidFill>
+                      <a:prstDash val="solid"/>
+                      <a:round/>
+                      <a:headEnd type="none" w="med" len="med"/>
+                      <a:tailEnd type="none" w="med" len="med"/>
+                    </a:lnB>
+                  </a:tcPr>
+                </a:tc>
+                <a:extLst>
+                  <a:ext uri="{0D108BD9-81ED-4DB2-BD59-A6C34878D82A}">
+                    <a16:rowId xmlns:a16="http://schemas.microsoft.com/office/drawing/2014/main" val="427955247"/>
+                  </a:ext>
+                </a:extLst>
+              </a:tr>
+              <a:tr h="370840">
+                <a:tc>
+                  <a:txBody>
+                    <a:bodyPr/>
+                    <a:lstStyle/>
+                    <a:p>
+                      <a:pPr algn="ctr"/>
+                      <a:r>
+                        <a:rPr lang="ru-RU" sz="1200" b="0" i="0">
+                          <a:solidFill>
+                            <a:schemeClr val="tx1"/>
+                          </a:solidFill>
+                          <a:effectLst/>
+                          <a:latin typeface="+mn-lt"/>
+                        </a:rPr>
+                        <a:t>0</a:t>
+                      </a:r>
+                    </a:p>
+                  </a:txBody>
+                  <a:tcPr marL="19050" marR="19050" marT="19050" marB="19050" anchor="ctr">
+                    <a:lnL w="12700" cap="flat" cmpd="sng" algn="ctr">
+                      <a:solidFill>
+                        <a:schemeClr val="tx1"/>
+                      </a:solidFill>
+                      <a:prstDash val="solid"/>
+                      <a:round/>
+                      <a:headEnd type="none" w="med" len="med"/>
+                      <a:tailEnd type="none" w="med" len="med"/>
+                    </a:lnL>
+                    <a:lnR w="12700" cap="flat" cmpd="sng" algn="ctr">
+                      <a:solidFill>
+                        <a:schemeClr val="tx1"/>
+                      </a:solidFill>
+                      <a:prstDash val="solid"/>
+                      <a:round/>
+                      <a:headEnd type="none" w="med" len="med"/>
+                      <a:tailEnd type="none" w="med" len="med"/>
+                    </a:lnR>
+                    <a:lnT w="12700" cap="flat" cmpd="sng" algn="ctr">
+                      <a:solidFill>
+                        <a:schemeClr val="tx1"/>
+                      </a:solidFill>
+                      <a:prstDash val="solid"/>
+                      <a:round/>
+                      <a:headEnd type="none" w="med" len="med"/>
+                      <a:tailEnd type="none" w="med" len="med"/>
+                    </a:lnT>
+                    <a:lnB w="12700" cap="flat" cmpd="sng" algn="ctr">
+                      <a:solidFill>
+                        <a:schemeClr val="tx1"/>
+                      </a:solidFill>
+                      <a:prstDash val="solid"/>
+                      <a:round/>
+                      <a:headEnd type="none" w="med" len="med"/>
+                      <a:tailEnd type="none" w="med" len="med"/>
+                    </a:lnB>
+                  </a:tcPr>
+                </a:tc>
+                <a:tc>
+                  <a:txBody>
+                    <a:bodyPr/>
+                    <a:lstStyle/>
+                    <a:p>
+                      <a:pPr algn="ctr"/>
+                      <a:r>
+                        <a:rPr lang="en" sz="1200" b="0" i="0" dirty="0" err="1">
+                          <a:solidFill>
+                            <a:schemeClr val="tx1"/>
+                          </a:solidFill>
+                          <a:effectLst/>
+                          <a:latin typeface="+mn-lt"/>
+                        </a:rPr>
+                        <a:t>boarding_flight</a:t>
+                      </a:r>
+                      <a:endParaRPr lang="en" sz="1200" b="0" i="0" dirty="0">
+                        <a:solidFill>
+                          <a:schemeClr val="tx1"/>
+                        </a:solidFill>
+                        <a:effectLst/>
+                        <a:latin typeface="+mn-lt"/>
+                      </a:endParaRPr>
+                    </a:p>
+                  </a:txBody>
+                  <a:tcPr marL="19050" marR="19050" marT="19050" marB="19050" anchor="ctr">
+                    <a:lnL w="12700" cap="flat" cmpd="sng" algn="ctr">
+                      <a:solidFill>
+                        <a:schemeClr val="tx1"/>
+                      </a:solidFill>
+                      <a:prstDash val="solid"/>
+                      <a:round/>
+                      <a:headEnd type="none" w="med" len="med"/>
+                      <a:tailEnd type="none" w="med" len="med"/>
+                    </a:lnL>
+                    <a:lnR w="12700" cap="flat" cmpd="sng" algn="ctr">
+                      <a:solidFill>
+                        <a:schemeClr val="tx1"/>
+                      </a:solidFill>
+                      <a:prstDash val="solid"/>
+                      <a:round/>
+                      <a:headEnd type="none" w="med" len="med"/>
+                      <a:tailEnd type="none" w="med" len="med"/>
+                    </a:lnR>
+                    <a:lnT w="12700" cap="flat" cmpd="sng" algn="ctr">
+                      <a:solidFill>
+                        <a:schemeClr val="tx1"/>
+                      </a:solidFill>
+                      <a:prstDash val="solid"/>
+                      <a:round/>
+                      <a:headEnd type="none" w="med" len="med"/>
+                      <a:tailEnd type="none" w="med" len="med"/>
+                    </a:lnT>
+                    <a:lnB w="12700" cap="flat" cmpd="sng" algn="ctr">
+                      <a:solidFill>
+                        <a:schemeClr val="tx1"/>
+                      </a:solidFill>
+                      <a:prstDash val="solid"/>
+                      <a:round/>
+                      <a:headEnd type="none" w="med" len="med"/>
+                      <a:tailEnd type="none" w="med" len="med"/>
+                    </a:lnB>
+                  </a:tcPr>
+                </a:tc>
+                <a:tc>
+                  <a:txBody>
+                    <a:bodyPr/>
+                    <a:lstStyle/>
+                    <a:p>
+                      <a:pPr algn="ctr"/>
+                      <a:r>
+                        <a:rPr lang="ru-RU" sz="1200" b="0" i="0">
+                          <a:solidFill>
+                            <a:schemeClr val="tx1"/>
+                          </a:solidFill>
+                          <a:effectLst/>
+                          <a:latin typeface="+mn-lt"/>
+                        </a:rPr>
+                        <a:t>0</a:t>
+                      </a:r>
+                    </a:p>
+                  </a:txBody>
+                  <a:tcPr marL="19050" marR="19050" marT="19050" marB="19050" anchor="ctr">
+                    <a:lnL w="12700" cap="flat" cmpd="sng" algn="ctr">
+                      <a:solidFill>
+                        <a:schemeClr val="tx1"/>
+                      </a:solidFill>
+                      <a:prstDash val="solid"/>
+                      <a:round/>
+                      <a:headEnd type="none" w="med" len="med"/>
+                      <a:tailEnd type="none" w="med" len="med"/>
+                    </a:lnL>
+                    <a:lnR w="12700" cap="flat" cmpd="sng" algn="ctr">
+                      <a:solidFill>
+                        <a:schemeClr val="tx1"/>
+                      </a:solidFill>
+                      <a:prstDash val="solid"/>
+                      <a:round/>
+                      <a:headEnd type="none" w="med" len="med"/>
+                      <a:tailEnd type="none" w="med" len="med"/>
+                    </a:lnR>
+                    <a:lnT w="12700" cap="flat" cmpd="sng" algn="ctr">
+                      <a:solidFill>
+                        <a:schemeClr val="tx1"/>
+                      </a:solidFill>
+                      <a:prstDash val="solid"/>
+                      <a:round/>
+                      <a:headEnd type="none" w="med" len="med"/>
+                      <a:tailEnd type="none" w="med" len="med"/>
+                    </a:lnT>
+                    <a:lnB w="12700" cap="flat" cmpd="sng" algn="ctr">
+                      <a:solidFill>
+                        <a:schemeClr val="tx1"/>
+                      </a:solidFill>
+                      <a:prstDash val="solid"/>
+                      <a:round/>
+                      <a:headEnd type="none" w="med" len="med"/>
+                      <a:tailEnd type="none" w="med" len="med"/>
+                    </a:lnB>
+                  </a:tcPr>
+                </a:tc>
+                <a:tc>
+                  <a:txBody>
+                    <a:bodyPr/>
+                    <a:lstStyle/>
+                    <a:p>
+                      <a:pPr algn="ctr"/>
+                      <a:r>
+                        <a:rPr lang="en" sz="1200" b="0" i="0">
+                          <a:solidFill>
+                            <a:schemeClr val="tx1"/>
+                          </a:solidFill>
+                          <a:effectLst/>
+                          <a:latin typeface="+mn-lt"/>
+                        </a:rPr>
+                        <a:t>"Royal Flight"</a:t>
+                      </a:r>
+                    </a:p>
+                  </a:txBody>
+                  <a:tcPr marL="19050" marR="19050" marT="19050" marB="19050" anchor="ctr">
+                    <a:lnL w="12700" cap="flat" cmpd="sng" algn="ctr">
+                      <a:solidFill>
+                        <a:schemeClr val="tx1"/>
+                      </a:solidFill>
+                      <a:prstDash val="solid"/>
+                      <a:round/>
+                      <a:headEnd type="none" w="med" len="med"/>
+                      <a:tailEnd type="none" w="med" len="med"/>
+                    </a:lnL>
+                    <a:lnR w="12700" cap="flat" cmpd="sng" algn="ctr">
+                      <a:solidFill>
+                        <a:schemeClr val="tx1"/>
+                      </a:solidFill>
+                      <a:prstDash val="solid"/>
+                      <a:round/>
+                      <a:headEnd type="none" w="med" len="med"/>
+                      <a:tailEnd type="none" w="med" len="med"/>
+                    </a:lnR>
+                    <a:lnT w="12700" cap="flat" cmpd="sng" algn="ctr">
+                      <a:solidFill>
+                        <a:schemeClr val="tx1"/>
+                      </a:solidFill>
+                      <a:prstDash val="solid"/>
+                      <a:round/>
+                      <a:headEnd type="none" w="med" len="med"/>
+                      <a:tailEnd type="none" w="med" len="med"/>
+                    </a:lnT>
+                    <a:lnB w="12700" cap="flat" cmpd="sng" algn="ctr">
+                      <a:solidFill>
+                        <a:schemeClr val="tx1"/>
+                      </a:solidFill>
+                      <a:prstDash val="solid"/>
+                      <a:round/>
+                      <a:headEnd type="none" w="med" len="med"/>
+                      <a:tailEnd type="none" w="med" len="med"/>
+                    </a:lnB>
+                  </a:tcPr>
+                </a:tc>
+                <a:tc>
+                  <a:txBody>
+                    <a:bodyPr/>
+                    <a:lstStyle/>
+                    <a:p>
+                      <a:pPr algn="ctr"/>
+                      <a:r>
+                        <a:rPr lang="en" sz="1200" b="0" i="0">
+                          <a:solidFill>
+                            <a:schemeClr val="tx1"/>
+                          </a:solidFill>
+                          <a:effectLst/>
+                          <a:latin typeface="+mn-lt"/>
+                        </a:rPr>
+                        <a:t>Airbus-A320</a:t>
+                      </a:r>
+                    </a:p>
+                  </a:txBody>
+                  <a:tcPr marL="19050" marR="19050" marT="19050" marB="19050" anchor="ctr">
+                    <a:lnL w="12700" cap="flat" cmpd="sng" algn="ctr">
+                      <a:solidFill>
+                        <a:schemeClr val="tx1"/>
+                      </a:solidFill>
+                      <a:prstDash val="solid"/>
+                      <a:round/>
+                      <a:headEnd type="none" w="med" len="med"/>
+                      <a:tailEnd type="none" w="med" len="med"/>
+                    </a:lnL>
+                    <a:lnR w="12700" cap="flat" cmpd="sng" algn="ctr">
+                      <a:solidFill>
+                        <a:schemeClr val="tx1"/>
+                      </a:solidFill>
+                      <a:prstDash val="solid"/>
+                      <a:round/>
+                      <a:headEnd type="none" w="med" len="med"/>
+                      <a:tailEnd type="none" w="med" len="med"/>
+                    </a:lnR>
+                    <a:lnT w="12700" cap="flat" cmpd="sng" algn="ctr">
+                      <a:solidFill>
+                        <a:schemeClr val="tx1"/>
+                      </a:solidFill>
+                      <a:prstDash val="solid"/>
+                      <a:round/>
+                      <a:headEnd type="none" w="med" len="med"/>
+                      <a:tailEnd type="none" w="med" len="med"/>
+                    </a:lnT>
+                    <a:lnB w="12700" cap="flat" cmpd="sng" algn="ctr">
+                      <a:solidFill>
+                        <a:schemeClr val="tx1"/>
+                      </a:solidFill>
+                      <a:prstDash val="solid"/>
+                      <a:round/>
+                      <a:headEnd type="none" w="med" len="med"/>
+                      <a:tailEnd type="none" w="med" len="med"/>
+                    </a:lnB>
+                  </a:tcPr>
+                </a:tc>
+                <a:tc>
+                  <a:txBody>
+                    <a:bodyPr/>
+                    <a:lstStyle/>
+                    <a:p>
+                      <a:pPr algn="ctr"/>
+                      <a:r>
+                        <a:rPr lang="ru-RU" sz="1200" b="0" i="0" dirty="0">
+                          <a:solidFill>
+                            <a:schemeClr val="tx1"/>
+                          </a:solidFill>
+                          <a:effectLst/>
+                          <a:latin typeface="+mn-lt"/>
+                        </a:rPr>
+                        <a:t>00:00:00</a:t>
+                      </a:r>
+                    </a:p>
+                  </a:txBody>
+                  <a:tcPr marL="19050" marR="19050" marT="19050" marB="19050" anchor="ctr">
+                    <a:lnL w="12700" cap="flat" cmpd="sng" algn="ctr">
+                      <a:solidFill>
+                        <a:schemeClr val="tx1"/>
+                      </a:solidFill>
+                      <a:prstDash val="solid"/>
+                      <a:round/>
+                      <a:headEnd type="none" w="med" len="med"/>
+                      <a:tailEnd type="none" w="med" len="med"/>
+                    </a:lnL>
+                    <a:lnR w="12700" cap="flat" cmpd="sng" algn="ctr">
+                      <a:solidFill>
+                        <a:schemeClr val="tx1"/>
+                      </a:solidFill>
+                      <a:prstDash val="solid"/>
+                      <a:round/>
+                      <a:headEnd type="none" w="med" len="med"/>
+                      <a:tailEnd type="none" w="med" len="med"/>
+                    </a:lnR>
+                    <a:lnT w="12700" cap="flat" cmpd="sng" algn="ctr">
+                      <a:solidFill>
+                        <a:schemeClr val="tx1"/>
+                      </a:solidFill>
+                      <a:prstDash val="solid"/>
+                      <a:round/>
+                      <a:headEnd type="none" w="med" len="med"/>
+                      <a:tailEnd type="none" w="med" len="med"/>
+                    </a:lnT>
+                    <a:lnB w="12700" cap="flat" cmpd="sng" algn="ctr">
+                      <a:solidFill>
+                        <a:schemeClr val="tx1"/>
+                      </a:solidFill>
+                      <a:prstDash val="solid"/>
+                      <a:round/>
+                      <a:headEnd type="none" w="med" len="med"/>
+                      <a:tailEnd type="none" w="med" len="med"/>
+                    </a:lnB>
+                  </a:tcPr>
+                </a:tc>
+                <a:tc>
+                  <a:txBody>
+                    <a:bodyPr/>
+                    <a:lstStyle/>
+                    <a:p>
+                      <a:pPr algn="ctr"/>
+                      <a:r>
+                        <a:rPr lang="ru-RU" sz="1200" b="0" i="0">
+                          <a:solidFill>
+                            <a:schemeClr val="tx1"/>
+                          </a:solidFill>
+                          <a:effectLst/>
+                          <a:latin typeface="+mn-lt"/>
+                        </a:rPr>
+                        <a:t>120</a:t>
+                      </a:r>
+                    </a:p>
+                  </a:txBody>
+                  <a:tcPr marL="19050" marR="19050" marT="19050" marB="19050" anchor="ctr">
+                    <a:lnL w="12700" cap="flat" cmpd="sng" algn="ctr">
+                      <a:solidFill>
+                        <a:schemeClr val="tx1"/>
+                      </a:solidFill>
+                      <a:prstDash val="solid"/>
+                      <a:round/>
+                      <a:headEnd type="none" w="med" len="med"/>
+                      <a:tailEnd type="none" w="med" len="med"/>
+                    </a:lnL>
+                    <a:lnR w="12700" cap="flat" cmpd="sng" algn="ctr">
+                      <a:solidFill>
+                        <a:schemeClr val="tx1"/>
+                      </a:solidFill>
+                      <a:prstDash val="solid"/>
+                      <a:round/>
+                      <a:headEnd type="none" w="med" len="med"/>
+                      <a:tailEnd type="none" w="med" len="med"/>
+                    </a:lnR>
+                    <a:lnT w="12700" cap="flat" cmpd="sng" algn="ctr">
+                      <a:solidFill>
+                        <a:schemeClr val="tx1"/>
+                      </a:solidFill>
+                      <a:prstDash val="solid"/>
+                      <a:round/>
+                      <a:headEnd type="none" w="med" len="med"/>
+                      <a:tailEnd type="none" w="med" len="med"/>
+                    </a:lnT>
+                    <a:lnB w="12700" cap="flat" cmpd="sng" algn="ctr">
+                      <a:solidFill>
+                        <a:schemeClr val="tx1"/>
+                      </a:solidFill>
+                      <a:prstDash val="solid"/>
+                      <a:round/>
+                      <a:headEnd type="none" w="med" len="med"/>
+                      <a:tailEnd type="none" w="med" len="med"/>
+                    </a:lnB>
+                  </a:tcPr>
+                </a:tc>
+                <a:extLst>
+                  <a:ext uri="{0D108BD9-81ED-4DB2-BD59-A6C34878D82A}">
+                    <a16:rowId xmlns:a16="http://schemas.microsoft.com/office/drawing/2014/main" val="692225446"/>
+                  </a:ext>
+                </a:extLst>
+              </a:tr>
+              <a:tr h="370840">
+                <a:tc>
+                  <a:txBody>
+                    <a:bodyPr/>
+                    <a:lstStyle/>
+                    <a:p>
+                      <a:pPr algn="ctr"/>
+                      <a:r>
+                        <a:rPr lang="ru-RU" sz="1200" b="0" i="0">
+                          <a:solidFill>
+                            <a:schemeClr val="tx1"/>
+                          </a:solidFill>
+                          <a:effectLst/>
+                          <a:latin typeface="+mn-lt"/>
+                        </a:rPr>
+                        <a:t>1</a:t>
+                      </a:r>
+                    </a:p>
+                  </a:txBody>
+                  <a:tcPr marL="19050" marR="19050" marT="19050" marB="19050" anchor="ctr">
+                    <a:lnL w="12700" cap="flat" cmpd="sng" algn="ctr">
+                      <a:solidFill>
+                        <a:schemeClr val="tx1"/>
+                      </a:solidFill>
+                      <a:prstDash val="solid"/>
+                      <a:round/>
+                      <a:headEnd type="none" w="med" len="med"/>
+                      <a:tailEnd type="none" w="med" len="med"/>
+                    </a:lnL>
+                    <a:lnR w="12700" cap="flat" cmpd="sng" algn="ctr">
+                      <a:solidFill>
+                        <a:schemeClr val="tx1"/>
+                      </a:solidFill>
+                      <a:prstDash val="solid"/>
+                      <a:round/>
+                      <a:headEnd type="none" w="med" len="med"/>
+                      <a:tailEnd type="none" w="med" len="med"/>
+                    </a:lnR>
+                    <a:lnT w="12700" cap="flat" cmpd="sng" algn="ctr">
+                      <a:solidFill>
+                        <a:schemeClr val="tx1"/>
+                      </a:solidFill>
+                      <a:prstDash val="solid"/>
+                      <a:round/>
+                      <a:headEnd type="none" w="med" len="med"/>
+                      <a:tailEnd type="none" w="med" len="med"/>
+                    </a:lnT>
+                    <a:lnB w="12700" cap="flat" cmpd="sng" algn="ctr">
+                      <a:solidFill>
+                        <a:schemeClr val="tx1"/>
+                      </a:solidFill>
+                      <a:prstDash val="solid"/>
+                      <a:round/>
+                      <a:headEnd type="none" w="med" len="med"/>
+                      <a:tailEnd type="none" w="med" len="med"/>
+                    </a:lnB>
+                  </a:tcPr>
+                </a:tc>
+                <a:tc>
+                  <a:txBody>
+                    <a:bodyPr/>
+                    <a:lstStyle/>
+                    <a:p>
+                      <a:pPr algn="ctr"/>
+                      <a:r>
+                        <a:rPr lang="en" sz="1200" b="0" i="0">
+                          <a:solidFill>
+                            <a:schemeClr val="tx1"/>
+                          </a:solidFill>
+                          <a:effectLst/>
+                          <a:latin typeface="+mn-lt"/>
+                        </a:rPr>
+                        <a:t>boarding_flight</a:t>
+                      </a:r>
+                    </a:p>
+                  </a:txBody>
+                  <a:tcPr marL="19050" marR="19050" marT="19050" marB="19050" anchor="ctr">
+                    <a:lnL w="12700" cap="flat" cmpd="sng" algn="ctr">
+                      <a:solidFill>
+                        <a:schemeClr val="tx1"/>
+                      </a:solidFill>
+                      <a:prstDash val="solid"/>
+                      <a:round/>
+                      <a:headEnd type="none" w="med" len="med"/>
+                      <a:tailEnd type="none" w="med" len="med"/>
+                    </a:lnL>
+                    <a:lnR w="12700" cap="flat" cmpd="sng" algn="ctr">
+                      <a:solidFill>
+                        <a:schemeClr val="tx1"/>
+                      </a:solidFill>
+                      <a:prstDash val="solid"/>
+                      <a:round/>
+                      <a:headEnd type="none" w="med" len="med"/>
+                      <a:tailEnd type="none" w="med" len="med"/>
+                    </a:lnR>
+                    <a:lnT w="12700" cap="flat" cmpd="sng" algn="ctr">
+                      <a:solidFill>
+                        <a:schemeClr val="tx1"/>
+                      </a:solidFill>
+                      <a:prstDash val="solid"/>
+                      <a:round/>
+                      <a:headEnd type="none" w="med" len="med"/>
+                      <a:tailEnd type="none" w="med" len="med"/>
+                    </a:lnT>
+                    <a:lnB w="12700" cap="flat" cmpd="sng" algn="ctr">
+                      <a:solidFill>
+                        <a:schemeClr val="tx1"/>
+                      </a:solidFill>
+                      <a:prstDash val="solid"/>
+                      <a:round/>
+                      <a:headEnd type="none" w="med" len="med"/>
+                      <a:tailEnd type="none" w="med" len="med"/>
+                    </a:lnB>
+                  </a:tcPr>
+                </a:tc>
+                <a:tc>
+                  <a:txBody>
+                    <a:bodyPr/>
+                    <a:lstStyle/>
+                    <a:p>
+                      <a:pPr algn="ctr"/>
+                      <a:r>
+                        <a:rPr lang="ru-RU" sz="1200" b="0" i="0">
+                          <a:solidFill>
+                            <a:schemeClr val="tx1"/>
+                          </a:solidFill>
+                          <a:effectLst/>
+                          <a:latin typeface="+mn-lt"/>
+                        </a:rPr>
+                        <a:t>20</a:t>
+                      </a:r>
+                    </a:p>
+                  </a:txBody>
+                  <a:tcPr marL="19050" marR="19050" marT="19050" marB="19050" anchor="ctr">
+                    <a:lnL w="12700" cap="flat" cmpd="sng" algn="ctr">
+                      <a:solidFill>
+                        <a:schemeClr val="tx1"/>
+                      </a:solidFill>
+                      <a:prstDash val="solid"/>
+                      <a:round/>
+                      <a:headEnd type="none" w="med" len="med"/>
+                      <a:tailEnd type="none" w="med" len="med"/>
+                    </a:lnL>
+                    <a:lnR w="12700" cap="flat" cmpd="sng" algn="ctr">
+                      <a:solidFill>
+                        <a:schemeClr val="tx1"/>
+                      </a:solidFill>
+                      <a:prstDash val="solid"/>
+                      <a:round/>
+                      <a:headEnd type="none" w="med" len="med"/>
+                      <a:tailEnd type="none" w="med" len="med"/>
+                    </a:lnR>
+                    <a:lnT w="12700" cap="flat" cmpd="sng" algn="ctr">
+                      <a:solidFill>
+                        <a:schemeClr val="tx1"/>
+                      </a:solidFill>
+                      <a:prstDash val="solid"/>
+                      <a:round/>
+                      <a:headEnd type="none" w="med" len="med"/>
+                      <a:tailEnd type="none" w="med" len="med"/>
+                    </a:lnT>
+                    <a:lnB w="12700" cap="flat" cmpd="sng" algn="ctr">
+                      <a:solidFill>
+                        <a:schemeClr val="tx1"/>
+                      </a:solidFill>
+                      <a:prstDash val="solid"/>
+                      <a:round/>
+                      <a:headEnd type="none" w="med" len="med"/>
+                      <a:tailEnd type="none" w="med" len="med"/>
+                    </a:lnB>
+                  </a:tcPr>
+                </a:tc>
+                <a:tc>
+                  <a:txBody>
+                    <a:bodyPr/>
+                    <a:lstStyle/>
+                    <a:p>
+                      <a:pPr algn="ctr"/>
+                      <a:r>
+                        <a:rPr lang="ru-RU" sz="1200" b="0" i="0">
+                          <a:solidFill>
+                            <a:schemeClr val="tx1"/>
+                          </a:solidFill>
+                          <a:effectLst/>
+                          <a:latin typeface="+mn-lt"/>
+                        </a:rPr>
+                        <a:t>"Группа </a:t>
+                      </a:r>
+                      <a:r>
+                        <a:rPr lang="en" sz="1200" b="0" i="0">
+                          <a:solidFill>
+                            <a:schemeClr val="tx1"/>
+                          </a:solidFill>
+                          <a:effectLst/>
+                          <a:latin typeface="+mn-lt"/>
+                        </a:rPr>
+                        <a:t>S7"</a:t>
+                      </a:r>
+                    </a:p>
+                  </a:txBody>
+                  <a:tcPr marL="19050" marR="19050" marT="19050" marB="19050" anchor="ctr">
+                    <a:lnL w="12700" cap="flat" cmpd="sng" algn="ctr">
+                      <a:solidFill>
+                        <a:schemeClr val="tx1"/>
+                      </a:solidFill>
+                      <a:prstDash val="solid"/>
+                      <a:round/>
+                      <a:headEnd type="none" w="med" len="med"/>
+                      <a:tailEnd type="none" w="med" len="med"/>
+                    </a:lnL>
+                    <a:lnR w="12700" cap="flat" cmpd="sng" algn="ctr">
+                      <a:solidFill>
+                        <a:schemeClr val="tx1"/>
+                      </a:solidFill>
+                      <a:prstDash val="solid"/>
+                      <a:round/>
+                      <a:headEnd type="none" w="med" len="med"/>
+                      <a:tailEnd type="none" w="med" len="med"/>
+                    </a:lnR>
+                    <a:lnT w="12700" cap="flat" cmpd="sng" algn="ctr">
+                      <a:solidFill>
+                        <a:schemeClr val="tx1"/>
+                      </a:solidFill>
+                      <a:prstDash val="solid"/>
+                      <a:round/>
+                      <a:headEnd type="none" w="med" len="med"/>
+                      <a:tailEnd type="none" w="med" len="med"/>
+                    </a:lnT>
+                    <a:lnB w="12700" cap="flat" cmpd="sng" algn="ctr">
+                      <a:solidFill>
+                        <a:schemeClr val="tx1"/>
+                      </a:solidFill>
+                      <a:prstDash val="solid"/>
+                      <a:round/>
+                      <a:headEnd type="none" w="med" len="med"/>
+                      <a:tailEnd type="none" w="med" len="med"/>
+                    </a:lnB>
+                  </a:tcPr>
+                </a:tc>
+                <a:tc>
+                  <a:txBody>
+                    <a:bodyPr/>
+                    <a:lstStyle/>
+                    <a:p>
+                      <a:pPr algn="ctr"/>
+                      <a:r>
+                        <a:rPr lang="ru-RU" sz="1200" b="0" i="0">
+                          <a:solidFill>
+                            <a:schemeClr val="tx1"/>
+                          </a:solidFill>
+                          <a:effectLst/>
+                          <a:latin typeface="+mn-lt"/>
+                        </a:rPr>
+                        <a:t>ИЛ-62</a:t>
+                      </a:r>
+                    </a:p>
+                  </a:txBody>
+                  <a:tcPr marL="19050" marR="19050" marT="19050" marB="19050" anchor="ctr">
+                    <a:lnL w="12700" cap="flat" cmpd="sng" algn="ctr">
+                      <a:solidFill>
+                        <a:schemeClr val="tx1"/>
+                      </a:solidFill>
+                      <a:prstDash val="solid"/>
+                      <a:round/>
+                      <a:headEnd type="none" w="med" len="med"/>
+                      <a:tailEnd type="none" w="med" len="med"/>
+                    </a:lnL>
+                    <a:lnR w="12700" cap="flat" cmpd="sng" algn="ctr">
+                      <a:solidFill>
+                        <a:schemeClr val="tx1"/>
+                      </a:solidFill>
+                      <a:prstDash val="solid"/>
+                      <a:round/>
+                      <a:headEnd type="none" w="med" len="med"/>
+                      <a:tailEnd type="none" w="med" len="med"/>
+                    </a:lnR>
+                    <a:lnT w="12700" cap="flat" cmpd="sng" algn="ctr">
+                      <a:solidFill>
+                        <a:schemeClr val="tx1"/>
+                      </a:solidFill>
+                      <a:prstDash val="solid"/>
+                      <a:round/>
+                      <a:headEnd type="none" w="med" len="med"/>
+                      <a:tailEnd type="none" w="med" len="med"/>
+                    </a:lnT>
+                    <a:lnB w="12700" cap="flat" cmpd="sng" algn="ctr">
+                      <a:solidFill>
+                        <a:schemeClr val="tx1"/>
+                      </a:solidFill>
+                      <a:prstDash val="solid"/>
+                      <a:round/>
+                      <a:headEnd type="none" w="med" len="med"/>
+                      <a:tailEnd type="none" w="med" len="med"/>
+                    </a:lnB>
+                  </a:tcPr>
+                </a:tc>
+                <a:tc>
+                  <a:txBody>
+                    <a:bodyPr/>
+                    <a:lstStyle/>
+                    <a:p>
+                      <a:pPr algn="ctr"/>
+                      <a:r>
+                        <a:rPr lang="ru-RU" sz="1200" b="0" i="0">
+                          <a:solidFill>
+                            <a:schemeClr val="tx1"/>
+                          </a:solidFill>
+                          <a:effectLst/>
+                          <a:latin typeface="+mn-lt"/>
+                        </a:rPr>
+                        <a:t>00:00:20</a:t>
+                      </a:r>
+                    </a:p>
+                  </a:txBody>
+                  <a:tcPr marL="19050" marR="19050" marT="19050" marB="19050" anchor="ctr">
+                    <a:lnL w="12700" cap="flat" cmpd="sng" algn="ctr">
+                      <a:solidFill>
+                        <a:schemeClr val="tx1"/>
+                      </a:solidFill>
+                      <a:prstDash val="solid"/>
+                      <a:round/>
+                      <a:headEnd type="none" w="med" len="med"/>
+                      <a:tailEnd type="none" w="med" len="med"/>
+                    </a:lnL>
+                    <a:lnR w="12700" cap="flat" cmpd="sng" algn="ctr">
+                      <a:solidFill>
+                        <a:schemeClr val="tx1"/>
+                      </a:solidFill>
+                      <a:prstDash val="solid"/>
+                      <a:round/>
+                      <a:headEnd type="none" w="med" len="med"/>
+                      <a:tailEnd type="none" w="med" len="med"/>
+                    </a:lnR>
+                    <a:lnT w="12700" cap="flat" cmpd="sng" algn="ctr">
+                      <a:solidFill>
+                        <a:schemeClr val="tx1"/>
+                      </a:solidFill>
+                      <a:prstDash val="solid"/>
+                      <a:round/>
+                      <a:headEnd type="none" w="med" len="med"/>
+                      <a:tailEnd type="none" w="med" len="med"/>
+                    </a:lnT>
+                    <a:lnB w="12700" cap="flat" cmpd="sng" algn="ctr">
+                      <a:solidFill>
+                        <a:schemeClr val="tx1"/>
+                      </a:solidFill>
+                      <a:prstDash val="solid"/>
+                      <a:round/>
+                      <a:headEnd type="none" w="med" len="med"/>
+                      <a:tailEnd type="none" w="med" len="med"/>
+                    </a:lnB>
+                  </a:tcPr>
+                </a:tc>
+                <a:tc>
+                  <a:txBody>
+                    <a:bodyPr/>
+                    <a:lstStyle/>
+                    <a:p>
+                      <a:pPr algn="ctr"/>
+                      <a:r>
+                        <a:rPr lang="ru-RU" sz="1200" b="0" i="0">
+                          <a:solidFill>
+                            <a:schemeClr val="tx1"/>
+                          </a:solidFill>
+                          <a:effectLst/>
+                          <a:latin typeface="+mn-lt"/>
+                        </a:rPr>
+                        <a:t>120</a:t>
+                      </a:r>
+                    </a:p>
+                  </a:txBody>
+                  <a:tcPr marL="19050" marR="19050" marT="19050" marB="19050" anchor="ctr">
+                    <a:lnL w="12700" cap="flat" cmpd="sng" algn="ctr">
+                      <a:solidFill>
+                        <a:schemeClr val="tx1"/>
+                      </a:solidFill>
+                      <a:prstDash val="solid"/>
+                      <a:round/>
+                      <a:headEnd type="none" w="med" len="med"/>
+                      <a:tailEnd type="none" w="med" len="med"/>
+                    </a:lnL>
+                    <a:lnR w="12700" cap="flat" cmpd="sng" algn="ctr">
+                      <a:solidFill>
+                        <a:schemeClr val="tx1"/>
+                      </a:solidFill>
+                      <a:prstDash val="solid"/>
+                      <a:round/>
+                      <a:headEnd type="none" w="med" len="med"/>
+                      <a:tailEnd type="none" w="med" len="med"/>
+                    </a:lnR>
+                    <a:lnT w="12700" cap="flat" cmpd="sng" algn="ctr">
+                      <a:solidFill>
+                        <a:schemeClr val="tx1"/>
+                      </a:solidFill>
+                      <a:prstDash val="solid"/>
+                      <a:round/>
+                      <a:headEnd type="none" w="med" len="med"/>
+                      <a:tailEnd type="none" w="med" len="med"/>
+                    </a:lnT>
+                    <a:lnB w="12700" cap="flat" cmpd="sng" algn="ctr">
+                      <a:solidFill>
+                        <a:schemeClr val="tx1"/>
+                      </a:solidFill>
+                      <a:prstDash val="solid"/>
+                      <a:round/>
+                      <a:headEnd type="none" w="med" len="med"/>
+                      <a:tailEnd type="none" w="med" len="med"/>
+                    </a:lnB>
+                  </a:tcPr>
+                </a:tc>
+                <a:extLst>
+                  <a:ext uri="{0D108BD9-81ED-4DB2-BD59-A6C34878D82A}">
+                    <a16:rowId xmlns:a16="http://schemas.microsoft.com/office/drawing/2014/main" val="1254475028"/>
+                  </a:ext>
+                </a:extLst>
+              </a:tr>
+              <a:tr h="370840">
+                <a:tc>
+                  <a:txBody>
+                    <a:bodyPr/>
+                    <a:lstStyle/>
+                    <a:p>
+                      <a:pPr algn="ctr"/>
+                      <a:r>
+                        <a:rPr lang="ru-RU" sz="1200" b="0" i="0">
+                          <a:solidFill>
+                            <a:schemeClr val="tx1"/>
+                          </a:solidFill>
+                          <a:effectLst/>
+                          <a:latin typeface="+mn-lt"/>
+                        </a:rPr>
+                        <a:t>2</a:t>
+                      </a:r>
+                    </a:p>
+                  </a:txBody>
+                  <a:tcPr marL="19050" marR="19050" marT="19050" marB="19050" anchor="ctr">
+                    <a:lnL w="12700" cap="flat" cmpd="sng" algn="ctr">
+                      <a:solidFill>
+                        <a:schemeClr val="tx1"/>
+                      </a:solidFill>
+                      <a:prstDash val="solid"/>
+                      <a:round/>
+                      <a:headEnd type="none" w="med" len="med"/>
+                      <a:tailEnd type="none" w="med" len="med"/>
+                    </a:lnL>
+                    <a:lnR w="12700" cap="flat" cmpd="sng" algn="ctr">
+                      <a:solidFill>
+                        <a:schemeClr val="tx1"/>
+                      </a:solidFill>
+                      <a:prstDash val="solid"/>
+                      <a:round/>
+                      <a:headEnd type="none" w="med" len="med"/>
+                      <a:tailEnd type="none" w="med" len="med"/>
+                    </a:lnR>
+                    <a:lnT w="12700" cap="flat" cmpd="sng" algn="ctr">
+                      <a:solidFill>
+                        <a:schemeClr val="tx1"/>
+                      </a:solidFill>
+                      <a:prstDash val="solid"/>
+                      <a:round/>
+                      <a:headEnd type="none" w="med" len="med"/>
+                      <a:tailEnd type="none" w="med" len="med"/>
+                    </a:lnT>
+                    <a:lnB w="12700" cap="flat" cmpd="sng" algn="ctr">
+                      <a:solidFill>
+                        <a:schemeClr val="tx1"/>
+                      </a:solidFill>
+                      <a:prstDash val="solid"/>
+                      <a:round/>
+                      <a:headEnd type="none" w="med" len="med"/>
+                      <a:tailEnd type="none" w="med" len="med"/>
+                    </a:lnB>
+                  </a:tcPr>
+                </a:tc>
+                <a:tc>
+                  <a:txBody>
+                    <a:bodyPr/>
+                    <a:lstStyle/>
+                    <a:p>
+                      <a:pPr algn="ctr"/>
+                      <a:r>
+                        <a:rPr lang="en" sz="1200" b="0" i="0">
+                          <a:solidFill>
+                            <a:schemeClr val="tx1"/>
+                          </a:solidFill>
+                          <a:effectLst/>
+                          <a:latin typeface="+mn-lt"/>
+                        </a:rPr>
+                        <a:t>takeoff_flight</a:t>
+                      </a:r>
+                    </a:p>
+                  </a:txBody>
+                  <a:tcPr marL="19050" marR="19050" marT="19050" marB="19050" anchor="ctr">
+                    <a:lnL w="12700" cap="flat" cmpd="sng" algn="ctr">
+                      <a:solidFill>
+                        <a:schemeClr val="tx1"/>
+                      </a:solidFill>
+                      <a:prstDash val="solid"/>
+                      <a:round/>
+                      <a:headEnd type="none" w="med" len="med"/>
+                      <a:tailEnd type="none" w="med" len="med"/>
+                    </a:lnL>
+                    <a:lnR w="12700" cap="flat" cmpd="sng" algn="ctr">
+                      <a:solidFill>
+                        <a:schemeClr val="tx1"/>
+                      </a:solidFill>
+                      <a:prstDash val="solid"/>
+                      <a:round/>
+                      <a:headEnd type="none" w="med" len="med"/>
+                      <a:tailEnd type="none" w="med" len="med"/>
+                    </a:lnR>
+                    <a:lnT w="12700" cap="flat" cmpd="sng" algn="ctr">
+                      <a:solidFill>
+                        <a:schemeClr val="tx1"/>
+                      </a:solidFill>
+                      <a:prstDash val="solid"/>
+                      <a:round/>
+                      <a:headEnd type="none" w="med" len="med"/>
+                      <a:tailEnd type="none" w="med" len="med"/>
+                    </a:lnT>
+                    <a:lnB w="12700" cap="flat" cmpd="sng" algn="ctr">
+                      <a:solidFill>
+                        <a:schemeClr val="tx1"/>
+                      </a:solidFill>
+                      <a:prstDash val="solid"/>
+                      <a:round/>
+                      <a:headEnd type="none" w="med" len="med"/>
+                      <a:tailEnd type="none" w="med" len="med"/>
+                    </a:lnB>
+                  </a:tcPr>
+                </a:tc>
+                <a:tc>
+                  <a:txBody>
+                    <a:bodyPr/>
+                    <a:lstStyle/>
+                    <a:p>
+                      <a:pPr algn="ctr"/>
+                      <a:r>
+                        <a:rPr lang="ru-RU" sz="1200" b="0" i="0">
+                          <a:solidFill>
+                            <a:schemeClr val="tx1"/>
+                          </a:solidFill>
+                          <a:effectLst/>
+                          <a:latin typeface="+mn-lt"/>
+                        </a:rPr>
+                        <a:t>40</a:t>
+                      </a:r>
+                    </a:p>
+                  </a:txBody>
+                  <a:tcPr marL="19050" marR="19050" marT="19050" marB="19050" anchor="ctr">
+                    <a:lnL w="12700" cap="flat" cmpd="sng" algn="ctr">
+                      <a:solidFill>
+                        <a:schemeClr val="tx1"/>
+                      </a:solidFill>
+                      <a:prstDash val="solid"/>
+                      <a:round/>
+                      <a:headEnd type="none" w="med" len="med"/>
+                      <a:tailEnd type="none" w="med" len="med"/>
+                    </a:lnL>
+                    <a:lnR w="12700" cap="flat" cmpd="sng" algn="ctr">
+                      <a:solidFill>
+                        <a:schemeClr val="tx1"/>
+                      </a:solidFill>
+                      <a:prstDash val="solid"/>
+                      <a:round/>
+                      <a:headEnd type="none" w="med" len="med"/>
+                      <a:tailEnd type="none" w="med" len="med"/>
+                    </a:lnR>
+                    <a:lnT w="12700" cap="flat" cmpd="sng" algn="ctr">
+                      <a:solidFill>
+                        <a:schemeClr val="tx1"/>
+                      </a:solidFill>
+                      <a:prstDash val="solid"/>
+                      <a:round/>
+                      <a:headEnd type="none" w="med" len="med"/>
+                      <a:tailEnd type="none" w="med" len="med"/>
+                    </a:lnT>
+                    <a:lnB w="12700" cap="flat" cmpd="sng" algn="ctr">
+                      <a:solidFill>
+                        <a:schemeClr val="tx1"/>
+                      </a:solidFill>
+                      <a:prstDash val="solid"/>
+                      <a:round/>
+                      <a:headEnd type="none" w="med" len="med"/>
+                      <a:tailEnd type="none" w="med" len="med"/>
+                    </a:lnB>
+                  </a:tcPr>
+                </a:tc>
+                <a:tc>
+                  <a:txBody>
+                    <a:bodyPr/>
+                    <a:lstStyle/>
+                    <a:p>
+                      <a:pPr algn="ctr"/>
+                      <a:r>
+                        <a:rPr lang="ru-RU" sz="1200" b="0" i="0">
+                          <a:solidFill>
+                            <a:schemeClr val="tx1"/>
+                          </a:solidFill>
+                          <a:effectLst/>
+                          <a:latin typeface="+mn-lt"/>
+                        </a:rPr>
+                        <a:t>"Сибирская Легкая Авиация"</a:t>
+                      </a:r>
+                    </a:p>
+                  </a:txBody>
+                  <a:tcPr marL="19050" marR="19050" marT="19050" marB="19050" anchor="ctr">
+                    <a:lnL w="12700" cap="flat" cmpd="sng" algn="ctr">
+                      <a:solidFill>
+                        <a:schemeClr val="tx1"/>
+                      </a:solidFill>
+                      <a:prstDash val="solid"/>
+                      <a:round/>
+                      <a:headEnd type="none" w="med" len="med"/>
+                      <a:tailEnd type="none" w="med" len="med"/>
+                    </a:lnL>
+                    <a:lnR w="12700" cap="flat" cmpd="sng" algn="ctr">
+                      <a:solidFill>
+                        <a:schemeClr val="tx1"/>
+                      </a:solidFill>
+                      <a:prstDash val="solid"/>
+                      <a:round/>
+                      <a:headEnd type="none" w="med" len="med"/>
+                      <a:tailEnd type="none" w="med" len="med"/>
+                    </a:lnR>
+                    <a:lnT w="12700" cap="flat" cmpd="sng" algn="ctr">
+                      <a:solidFill>
+                        <a:schemeClr val="tx1"/>
+                      </a:solidFill>
+                      <a:prstDash val="solid"/>
+                      <a:round/>
+                      <a:headEnd type="none" w="med" len="med"/>
+                      <a:tailEnd type="none" w="med" len="med"/>
+                    </a:lnT>
+                    <a:lnB w="12700" cap="flat" cmpd="sng" algn="ctr">
+                      <a:solidFill>
+                        <a:schemeClr val="tx1"/>
+                      </a:solidFill>
+                      <a:prstDash val="solid"/>
+                      <a:round/>
+                      <a:headEnd type="none" w="med" len="med"/>
+                      <a:tailEnd type="none" w="med" len="med"/>
+                    </a:lnB>
+                  </a:tcPr>
+                </a:tc>
+                <a:tc>
+                  <a:txBody>
+                    <a:bodyPr/>
+                    <a:lstStyle/>
+                    <a:p>
+                      <a:pPr algn="ctr"/>
+                      <a:r>
+                        <a:rPr lang="en" sz="1200" b="0" i="0">
+                          <a:solidFill>
+                            <a:schemeClr val="tx1"/>
+                          </a:solidFill>
+                          <a:effectLst/>
+                          <a:latin typeface="+mn-lt"/>
+                        </a:rPr>
+                        <a:t>Airbus-A319</a:t>
+                      </a:r>
+                    </a:p>
+                  </a:txBody>
+                  <a:tcPr marL="19050" marR="19050" marT="19050" marB="19050" anchor="ctr">
+                    <a:lnL w="12700" cap="flat" cmpd="sng" algn="ctr">
+                      <a:solidFill>
+                        <a:schemeClr val="tx1"/>
+                      </a:solidFill>
+                      <a:prstDash val="solid"/>
+                      <a:round/>
+                      <a:headEnd type="none" w="med" len="med"/>
+                      <a:tailEnd type="none" w="med" len="med"/>
+                    </a:lnL>
+                    <a:lnR w="12700" cap="flat" cmpd="sng" algn="ctr">
+                      <a:solidFill>
+                        <a:schemeClr val="tx1"/>
+                      </a:solidFill>
+                      <a:prstDash val="solid"/>
+                      <a:round/>
+                      <a:headEnd type="none" w="med" len="med"/>
+                      <a:tailEnd type="none" w="med" len="med"/>
+                    </a:lnR>
+                    <a:lnT w="12700" cap="flat" cmpd="sng" algn="ctr">
+                      <a:solidFill>
+                        <a:schemeClr val="tx1"/>
+                      </a:solidFill>
+                      <a:prstDash val="solid"/>
+                      <a:round/>
+                      <a:headEnd type="none" w="med" len="med"/>
+                      <a:tailEnd type="none" w="med" len="med"/>
+                    </a:lnT>
+                    <a:lnB w="12700" cap="flat" cmpd="sng" algn="ctr">
+                      <a:solidFill>
+                        <a:schemeClr val="tx1"/>
+                      </a:solidFill>
+                      <a:prstDash val="solid"/>
+                      <a:round/>
+                      <a:headEnd type="none" w="med" len="med"/>
+                      <a:tailEnd type="none" w="med" len="med"/>
+                    </a:lnB>
+                  </a:tcPr>
+                </a:tc>
+                <a:tc>
+                  <a:txBody>
+                    <a:bodyPr/>
+                    <a:lstStyle/>
+                    <a:p>
+                      <a:pPr algn="ctr"/>
+                      <a:r>
+                        <a:rPr lang="ru-RU" sz="1200" b="0" i="0">
+                          <a:solidFill>
+                            <a:schemeClr val="tx1"/>
+                          </a:solidFill>
+                          <a:effectLst/>
+                          <a:latin typeface="+mn-lt"/>
+                        </a:rPr>
+                        <a:t>00:00:40</a:t>
+                      </a:r>
+                    </a:p>
+                  </a:txBody>
+                  <a:tcPr marL="19050" marR="19050" marT="19050" marB="19050" anchor="ctr">
+                    <a:lnL w="12700" cap="flat" cmpd="sng" algn="ctr">
+                      <a:solidFill>
+                        <a:schemeClr val="tx1"/>
+                      </a:solidFill>
+                      <a:prstDash val="solid"/>
+                      <a:round/>
+                      <a:headEnd type="none" w="med" len="med"/>
+                      <a:tailEnd type="none" w="med" len="med"/>
+                    </a:lnL>
+                    <a:lnR w="12700" cap="flat" cmpd="sng" algn="ctr">
+                      <a:solidFill>
+                        <a:schemeClr val="tx1"/>
+                      </a:solidFill>
+                      <a:prstDash val="solid"/>
+                      <a:round/>
+                      <a:headEnd type="none" w="med" len="med"/>
+                      <a:tailEnd type="none" w="med" len="med"/>
+                    </a:lnR>
+                    <a:lnT w="12700" cap="flat" cmpd="sng" algn="ctr">
+                      <a:solidFill>
+                        <a:schemeClr val="tx1"/>
+                      </a:solidFill>
+                      <a:prstDash val="solid"/>
+                      <a:round/>
+                      <a:headEnd type="none" w="med" len="med"/>
+                      <a:tailEnd type="none" w="med" len="med"/>
+                    </a:lnT>
+                    <a:lnB w="12700" cap="flat" cmpd="sng" algn="ctr">
+                      <a:solidFill>
+                        <a:schemeClr val="tx1"/>
+                      </a:solidFill>
+                      <a:prstDash val="solid"/>
+                      <a:round/>
+                      <a:headEnd type="none" w="med" len="med"/>
+                      <a:tailEnd type="none" w="med" len="med"/>
+                    </a:lnB>
+                  </a:tcPr>
+                </a:tc>
+                <a:tc>
+                  <a:txBody>
+                    <a:bodyPr/>
+                    <a:lstStyle/>
+                    <a:p>
+                      <a:pPr algn="ctr"/>
+                      <a:r>
+                        <a:rPr lang="ru-RU" sz="1200" b="0" i="0">
+                          <a:solidFill>
+                            <a:schemeClr val="tx1"/>
+                          </a:solidFill>
+                          <a:effectLst/>
+                          <a:latin typeface="+mn-lt"/>
+                        </a:rPr>
+                        <a:t>120</a:t>
+                      </a:r>
+                    </a:p>
+                  </a:txBody>
+                  <a:tcPr marL="19050" marR="19050" marT="19050" marB="19050" anchor="ctr">
+                    <a:lnL w="12700" cap="flat" cmpd="sng" algn="ctr">
+                      <a:solidFill>
+                        <a:schemeClr val="tx1"/>
+                      </a:solidFill>
+                      <a:prstDash val="solid"/>
+                      <a:round/>
+                      <a:headEnd type="none" w="med" len="med"/>
+                      <a:tailEnd type="none" w="med" len="med"/>
+                    </a:lnL>
+                    <a:lnR w="12700" cap="flat" cmpd="sng" algn="ctr">
+                      <a:solidFill>
+                        <a:schemeClr val="tx1"/>
+                      </a:solidFill>
+                      <a:prstDash val="solid"/>
+                      <a:round/>
+                      <a:headEnd type="none" w="med" len="med"/>
+                      <a:tailEnd type="none" w="med" len="med"/>
+                    </a:lnR>
+                    <a:lnT w="12700" cap="flat" cmpd="sng" algn="ctr">
+                      <a:solidFill>
+                        <a:schemeClr val="tx1"/>
+                      </a:solidFill>
+                      <a:prstDash val="solid"/>
+                      <a:round/>
+                      <a:headEnd type="none" w="med" len="med"/>
+                      <a:tailEnd type="none" w="med" len="med"/>
+                    </a:lnT>
+                    <a:lnB w="12700" cap="flat" cmpd="sng" algn="ctr">
+                      <a:solidFill>
+                        <a:schemeClr val="tx1"/>
+                      </a:solidFill>
+                      <a:prstDash val="solid"/>
+                      <a:round/>
+                      <a:headEnd type="none" w="med" len="med"/>
+                      <a:tailEnd type="none" w="med" len="med"/>
+                    </a:lnB>
+                  </a:tcPr>
+                </a:tc>
+                <a:extLst>
+                  <a:ext uri="{0D108BD9-81ED-4DB2-BD59-A6C34878D82A}">
+                    <a16:rowId xmlns:a16="http://schemas.microsoft.com/office/drawing/2014/main" val="1863199201"/>
+                  </a:ext>
+                </a:extLst>
+              </a:tr>
+              <a:tr h="370840">
+                <a:tc>
+                  <a:txBody>
+                    <a:bodyPr/>
+                    <a:lstStyle/>
+                    <a:p>
+                      <a:pPr algn="ctr"/>
+                      <a:r>
+                        <a:rPr lang="ru-RU" sz="1200" b="0" i="0">
+                          <a:solidFill>
+                            <a:schemeClr val="tx1"/>
+                          </a:solidFill>
+                          <a:effectLst/>
+                          <a:latin typeface="+mn-lt"/>
+                        </a:rPr>
+                        <a:t>3</a:t>
+                      </a:r>
+                    </a:p>
+                  </a:txBody>
+                  <a:tcPr marL="19050" marR="19050" marT="19050" marB="19050" anchor="ctr">
+                    <a:lnL w="12700" cap="flat" cmpd="sng" algn="ctr">
+                      <a:solidFill>
+                        <a:schemeClr val="tx1"/>
+                      </a:solidFill>
+                      <a:prstDash val="solid"/>
+                      <a:round/>
+                      <a:headEnd type="none" w="med" len="med"/>
+                      <a:tailEnd type="none" w="med" len="med"/>
+                    </a:lnL>
+                    <a:lnR w="12700" cap="flat" cmpd="sng" algn="ctr">
+                      <a:solidFill>
+                        <a:schemeClr val="tx1"/>
+                      </a:solidFill>
+                      <a:prstDash val="solid"/>
+                      <a:round/>
+                      <a:headEnd type="none" w="med" len="med"/>
+                      <a:tailEnd type="none" w="med" len="med"/>
+                    </a:lnR>
+                    <a:lnT w="12700" cap="flat" cmpd="sng" algn="ctr">
+                      <a:solidFill>
+                        <a:schemeClr val="tx1"/>
+                      </a:solidFill>
+                      <a:prstDash val="solid"/>
+                      <a:round/>
+                      <a:headEnd type="none" w="med" len="med"/>
+                      <a:tailEnd type="none" w="med" len="med"/>
+                    </a:lnT>
+                    <a:lnB w="12700" cap="flat" cmpd="sng" algn="ctr">
+                      <a:solidFill>
+                        <a:schemeClr val="tx1"/>
+                      </a:solidFill>
+                      <a:prstDash val="solid"/>
+                      <a:round/>
+                      <a:headEnd type="none" w="med" len="med"/>
+                      <a:tailEnd type="none" w="med" len="med"/>
+                    </a:lnB>
+                  </a:tcPr>
+                </a:tc>
+                <a:tc>
+                  <a:txBody>
+                    <a:bodyPr/>
+                    <a:lstStyle/>
+                    <a:p>
+                      <a:pPr algn="ctr"/>
+                      <a:r>
+                        <a:rPr lang="en" sz="1200" b="0" i="0">
+                          <a:solidFill>
+                            <a:schemeClr val="tx1"/>
+                          </a:solidFill>
+                          <a:effectLst/>
+                          <a:latin typeface="+mn-lt"/>
+                        </a:rPr>
+                        <a:t>takeoff_flight</a:t>
+                      </a:r>
+                    </a:p>
+                  </a:txBody>
+                  <a:tcPr marL="19050" marR="19050" marT="19050" marB="19050" anchor="ctr">
+                    <a:lnL w="12700" cap="flat" cmpd="sng" algn="ctr">
+                      <a:solidFill>
+                        <a:schemeClr val="tx1"/>
+                      </a:solidFill>
+                      <a:prstDash val="solid"/>
+                      <a:round/>
+                      <a:headEnd type="none" w="med" len="med"/>
+                      <a:tailEnd type="none" w="med" len="med"/>
+                    </a:lnL>
+                    <a:lnR w="12700" cap="flat" cmpd="sng" algn="ctr">
+                      <a:solidFill>
+                        <a:schemeClr val="tx1"/>
+                      </a:solidFill>
+                      <a:prstDash val="solid"/>
+                      <a:round/>
+                      <a:headEnd type="none" w="med" len="med"/>
+                      <a:tailEnd type="none" w="med" len="med"/>
+                    </a:lnR>
+                    <a:lnT w="12700" cap="flat" cmpd="sng" algn="ctr">
+                      <a:solidFill>
+                        <a:schemeClr val="tx1"/>
+                      </a:solidFill>
+                      <a:prstDash val="solid"/>
+                      <a:round/>
+                      <a:headEnd type="none" w="med" len="med"/>
+                      <a:tailEnd type="none" w="med" len="med"/>
+                    </a:lnT>
+                    <a:lnB w="12700" cap="flat" cmpd="sng" algn="ctr">
+                      <a:solidFill>
+                        <a:schemeClr val="tx1"/>
+                      </a:solidFill>
+                      <a:prstDash val="solid"/>
+                      <a:round/>
+                      <a:headEnd type="none" w="med" len="med"/>
+                      <a:tailEnd type="none" w="med" len="med"/>
+                    </a:lnB>
+                  </a:tcPr>
+                </a:tc>
+                <a:tc>
+                  <a:txBody>
+                    <a:bodyPr/>
+                    <a:lstStyle/>
+                    <a:p>
+                      <a:pPr algn="ctr"/>
+                      <a:r>
+                        <a:rPr lang="ru-RU" sz="1200" b="0" i="0">
+                          <a:solidFill>
+                            <a:schemeClr val="tx1"/>
+                          </a:solidFill>
+                          <a:effectLst/>
+                          <a:latin typeface="+mn-lt"/>
+                        </a:rPr>
+                        <a:t>59</a:t>
+                      </a:r>
+                    </a:p>
+                  </a:txBody>
+                  <a:tcPr marL="19050" marR="19050" marT="19050" marB="19050" anchor="ctr">
+                    <a:lnL w="12700" cap="flat" cmpd="sng" algn="ctr">
+                      <a:solidFill>
+                        <a:schemeClr val="tx1"/>
+                      </a:solidFill>
+                      <a:prstDash val="solid"/>
+                      <a:round/>
+                      <a:headEnd type="none" w="med" len="med"/>
+                      <a:tailEnd type="none" w="med" len="med"/>
+                    </a:lnL>
+                    <a:lnR w="12700" cap="flat" cmpd="sng" algn="ctr">
+                      <a:solidFill>
+                        <a:schemeClr val="tx1"/>
+                      </a:solidFill>
+                      <a:prstDash val="solid"/>
+                      <a:round/>
+                      <a:headEnd type="none" w="med" len="med"/>
+                      <a:tailEnd type="none" w="med" len="med"/>
+                    </a:lnR>
+                    <a:lnT w="12700" cap="flat" cmpd="sng" algn="ctr">
+                      <a:solidFill>
+                        <a:schemeClr val="tx1"/>
+                      </a:solidFill>
+                      <a:prstDash val="solid"/>
+                      <a:round/>
+                      <a:headEnd type="none" w="med" len="med"/>
+                      <a:tailEnd type="none" w="med" len="med"/>
+                    </a:lnT>
+                    <a:lnB w="12700" cap="flat" cmpd="sng" algn="ctr">
+                      <a:solidFill>
+                        <a:schemeClr val="tx1"/>
+                      </a:solidFill>
+                      <a:prstDash val="solid"/>
+                      <a:round/>
+                      <a:headEnd type="none" w="med" len="med"/>
+                      <a:tailEnd type="none" w="med" len="med"/>
+                    </a:lnB>
+                  </a:tcPr>
+                </a:tc>
+                <a:tc>
+                  <a:txBody>
+                    <a:bodyPr/>
+                    <a:lstStyle/>
+                    <a:p>
+                      <a:pPr algn="ctr"/>
+                      <a:r>
+                        <a:rPr lang="ru-RU" sz="1200" b="0" i="0">
+                          <a:solidFill>
+                            <a:schemeClr val="tx1"/>
+                          </a:solidFill>
+                          <a:effectLst/>
+                          <a:latin typeface="+mn-lt"/>
+                        </a:rPr>
+                        <a:t>"Группа </a:t>
+                      </a:r>
+                      <a:r>
+                        <a:rPr lang="en" sz="1200" b="0" i="0">
+                          <a:solidFill>
+                            <a:schemeClr val="tx1"/>
+                          </a:solidFill>
+                          <a:effectLst/>
+                          <a:latin typeface="+mn-lt"/>
+                        </a:rPr>
+                        <a:t>S7"</a:t>
+                      </a:r>
+                    </a:p>
+                  </a:txBody>
+                  <a:tcPr marL="19050" marR="19050" marT="19050" marB="19050" anchor="ctr">
+                    <a:lnL w="12700" cap="flat" cmpd="sng" algn="ctr">
+                      <a:solidFill>
+                        <a:schemeClr val="tx1"/>
+                      </a:solidFill>
+                      <a:prstDash val="solid"/>
+                      <a:round/>
+                      <a:headEnd type="none" w="med" len="med"/>
+                      <a:tailEnd type="none" w="med" len="med"/>
+                    </a:lnL>
+                    <a:lnR w="12700" cap="flat" cmpd="sng" algn="ctr">
+                      <a:solidFill>
+                        <a:schemeClr val="tx1"/>
+                      </a:solidFill>
+                      <a:prstDash val="solid"/>
+                      <a:round/>
+                      <a:headEnd type="none" w="med" len="med"/>
+                      <a:tailEnd type="none" w="med" len="med"/>
+                    </a:lnR>
+                    <a:lnT w="12700" cap="flat" cmpd="sng" algn="ctr">
+                      <a:solidFill>
+                        <a:schemeClr val="tx1"/>
+                      </a:solidFill>
+                      <a:prstDash val="solid"/>
+                      <a:round/>
+                      <a:headEnd type="none" w="med" len="med"/>
+                      <a:tailEnd type="none" w="med" len="med"/>
+                    </a:lnT>
+                    <a:lnB w="12700" cap="flat" cmpd="sng" algn="ctr">
+                      <a:solidFill>
+                        <a:schemeClr val="tx1"/>
+                      </a:solidFill>
+                      <a:prstDash val="solid"/>
+                      <a:round/>
+                      <a:headEnd type="none" w="med" len="med"/>
+                      <a:tailEnd type="none" w="med" len="med"/>
+                    </a:lnB>
+                  </a:tcPr>
+                </a:tc>
+                <a:tc>
+                  <a:txBody>
+                    <a:bodyPr/>
+                    <a:lstStyle/>
+                    <a:p>
+                      <a:pPr algn="ctr"/>
+                      <a:r>
+                        <a:rPr lang="en" sz="1200" b="0" i="0">
+                          <a:solidFill>
+                            <a:schemeClr val="tx1"/>
+                          </a:solidFill>
+                          <a:effectLst/>
+                          <a:latin typeface="+mn-lt"/>
+                        </a:rPr>
+                        <a:t>Boeing-747</a:t>
+                      </a:r>
+                    </a:p>
+                  </a:txBody>
+                  <a:tcPr marL="19050" marR="19050" marT="19050" marB="19050" anchor="ctr">
+                    <a:lnL w="12700" cap="flat" cmpd="sng" algn="ctr">
+                      <a:solidFill>
+                        <a:schemeClr val="tx1"/>
+                      </a:solidFill>
+                      <a:prstDash val="solid"/>
+                      <a:round/>
+                      <a:headEnd type="none" w="med" len="med"/>
+                      <a:tailEnd type="none" w="med" len="med"/>
+                    </a:lnL>
+                    <a:lnR w="12700" cap="flat" cmpd="sng" algn="ctr">
+                      <a:solidFill>
+                        <a:schemeClr val="tx1"/>
+                      </a:solidFill>
+                      <a:prstDash val="solid"/>
+                      <a:round/>
+                      <a:headEnd type="none" w="med" len="med"/>
+                      <a:tailEnd type="none" w="med" len="med"/>
+                    </a:lnR>
+                    <a:lnT w="12700" cap="flat" cmpd="sng" algn="ctr">
+                      <a:solidFill>
+                        <a:schemeClr val="tx1"/>
+                      </a:solidFill>
+                      <a:prstDash val="solid"/>
+                      <a:round/>
+                      <a:headEnd type="none" w="med" len="med"/>
+                      <a:tailEnd type="none" w="med" len="med"/>
+                    </a:lnT>
+                    <a:lnB w="12700" cap="flat" cmpd="sng" algn="ctr">
+                      <a:solidFill>
+                        <a:schemeClr val="tx1"/>
+                      </a:solidFill>
+                      <a:prstDash val="solid"/>
+                      <a:round/>
+                      <a:headEnd type="none" w="med" len="med"/>
+                      <a:tailEnd type="none" w="med" len="med"/>
+                    </a:lnB>
+                  </a:tcPr>
+                </a:tc>
+                <a:tc>
+                  <a:txBody>
+                    <a:bodyPr/>
+                    <a:lstStyle/>
+                    <a:p>
+                      <a:pPr algn="ctr"/>
+                      <a:r>
+                        <a:rPr lang="ru-RU" sz="1200" b="0" i="0">
+                          <a:solidFill>
+                            <a:schemeClr val="tx1"/>
+                          </a:solidFill>
+                          <a:effectLst/>
+                          <a:latin typeface="+mn-lt"/>
+                        </a:rPr>
+                        <a:t>00:00:59</a:t>
+                      </a:r>
+                    </a:p>
+                  </a:txBody>
+                  <a:tcPr marL="19050" marR="19050" marT="19050" marB="19050" anchor="ctr">
+                    <a:lnL w="12700" cap="flat" cmpd="sng" algn="ctr">
+                      <a:solidFill>
+                        <a:schemeClr val="tx1"/>
+                      </a:solidFill>
+                      <a:prstDash val="solid"/>
+                      <a:round/>
+                      <a:headEnd type="none" w="med" len="med"/>
+                      <a:tailEnd type="none" w="med" len="med"/>
+                    </a:lnL>
+                    <a:lnR w="12700" cap="flat" cmpd="sng" algn="ctr">
+                      <a:solidFill>
+                        <a:schemeClr val="tx1"/>
+                      </a:solidFill>
+                      <a:prstDash val="solid"/>
+                      <a:round/>
+                      <a:headEnd type="none" w="med" len="med"/>
+                      <a:tailEnd type="none" w="med" len="med"/>
+                    </a:lnR>
+                    <a:lnT w="12700" cap="flat" cmpd="sng" algn="ctr">
+                      <a:solidFill>
+                        <a:schemeClr val="tx1"/>
+                      </a:solidFill>
+                      <a:prstDash val="solid"/>
+                      <a:round/>
+                      <a:headEnd type="none" w="med" len="med"/>
+                      <a:tailEnd type="none" w="med" len="med"/>
+                    </a:lnT>
+                    <a:lnB w="12700" cap="flat" cmpd="sng" algn="ctr">
+                      <a:solidFill>
+                        <a:schemeClr val="tx1"/>
+                      </a:solidFill>
+                      <a:prstDash val="solid"/>
+                      <a:round/>
+                      <a:headEnd type="none" w="med" len="med"/>
+                      <a:tailEnd type="none" w="med" len="med"/>
+                    </a:lnB>
+                  </a:tcPr>
+                </a:tc>
+                <a:tc>
+                  <a:txBody>
+                    <a:bodyPr/>
+                    <a:lstStyle/>
+                    <a:p>
+                      <a:pPr algn="ctr"/>
+                      <a:r>
+                        <a:rPr lang="ru-RU" sz="1200" b="0" i="0">
+                          <a:solidFill>
+                            <a:schemeClr val="tx1"/>
+                          </a:solidFill>
+                          <a:effectLst/>
+                          <a:latin typeface="+mn-lt"/>
+                        </a:rPr>
+                        <a:t>120</a:t>
+                      </a:r>
+                    </a:p>
+                  </a:txBody>
+                  <a:tcPr marL="19050" marR="19050" marT="19050" marB="19050" anchor="ctr">
+                    <a:lnL w="12700" cap="flat" cmpd="sng" algn="ctr">
+                      <a:solidFill>
+                        <a:schemeClr val="tx1"/>
+                      </a:solidFill>
+                      <a:prstDash val="solid"/>
+                      <a:round/>
+                      <a:headEnd type="none" w="med" len="med"/>
+                      <a:tailEnd type="none" w="med" len="med"/>
+                    </a:lnL>
+                    <a:lnR w="12700" cap="flat" cmpd="sng" algn="ctr">
+                      <a:solidFill>
+                        <a:schemeClr val="tx1"/>
+                      </a:solidFill>
+                      <a:prstDash val="solid"/>
+                      <a:round/>
+                      <a:headEnd type="none" w="med" len="med"/>
+                      <a:tailEnd type="none" w="med" len="med"/>
+                    </a:lnR>
+                    <a:lnT w="12700" cap="flat" cmpd="sng" algn="ctr">
+                      <a:solidFill>
+                        <a:schemeClr val="tx1"/>
+                      </a:solidFill>
+                      <a:prstDash val="solid"/>
+                      <a:round/>
+                      <a:headEnd type="none" w="med" len="med"/>
+                      <a:tailEnd type="none" w="med" len="med"/>
+                    </a:lnT>
+                    <a:lnB w="12700" cap="flat" cmpd="sng" algn="ctr">
+                      <a:solidFill>
+                        <a:schemeClr val="tx1"/>
+                      </a:solidFill>
+                      <a:prstDash val="solid"/>
+                      <a:round/>
+                      <a:headEnd type="none" w="med" len="med"/>
+                      <a:tailEnd type="none" w="med" len="med"/>
+                    </a:lnB>
+                  </a:tcPr>
+                </a:tc>
+                <a:extLst>
+                  <a:ext uri="{0D108BD9-81ED-4DB2-BD59-A6C34878D82A}">
+                    <a16:rowId xmlns:a16="http://schemas.microsoft.com/office/drawing/2014/main" val="3357351760"/>
+                  </a:ext>
+                </a:extLst>
+              </a:tr>
+              <a:tr h="370840">
+                <a:tc>
+                  <a:txBody>
+                    <a:bodyPr/>
+                    <a:lstStyle/>
+                    <a:p>
+                      <a:pPr algn="ctr"/>
+                      <a:r>
+                        <a:rPr lang="ru-RU" sz="1200" b="0" i="0">
+                          <a:solidFill>
+                            <a:schemeClr val="tx1"/>
+                          </a:solidFill>
+                          <a:effectLst/>
+                          <a:latin typeface="+mn-lt"/>
+                        </a:rPr>
+                        <a:t>4</a:t>
+                      </a:r>
+                    </a:p>
+                  </a:txBody>
+                  <a:tcPr marL="19050" marR="19050" marT="19050" marB="19050" anchor="ctr">
+                    <a:lnL w="12700" cap="flat" cmpd="sng" algn="ctr">
+                      <a:solidFill>
+                        <a:schemeClr val="tx1"/>
+                      </a:solidFill>
+                      <a:prstDash val="solid"/>
+                      <a:round/>
+                      <a:headEnd type="none" w="med" len="med"/>
+                      <a:tailEnd type="none" w="med" len="med"/>
+                    </a:lnL>
+                    <a:lnR w="12700" cap="flat" cmpd="sng" algn="ctr">
+                      <a:solidFill>
+                        <a:schemeClr val="tx1"/>
+                      </a:solidFill>
+                      <a:prstDash val="solid"/>
+                      <a:round/>
+                      <a:headEnd type="none" w="med" len="med"/>
+                      <a:tailEnd type="none" w="med" len="med"/>
+                    </a:lnR>
+                    <a:lnT w="12700" cap="flat" cmpd="sng" algn="ctr">
+                      <a:solidFill>
+                        <a:schemeClr val="tx1"/>
+                      </a:solidFill>
+                      <a:prstDash val="solid"/>
+                      <a:round/>
+                      <a:headEnd type="none" w="med" len="med"/>
+                      <a:tailEnd type="none" w="med" len="med"/>
+                    </a:lnT>
+                    <a:lnB w="12700" cap="flat" cmpd="sng" algn="ctr">
+                      <a:solidFill>
+                        <a:schemeClr val="tx1"/>
+                      </a:solidFill>
+                      <a:prstDash val="solid"/>
+                      <a:round/>
+                      <a:headEnd type="none" w="med" len="med"/>
+                      <a:tailEnd type="none" w="med" len="med"/>
+                    </a:lnB>
+                  </a:tcPr>
+                </a:tc>
+                <a:tc>
+                  <a:txBody>
+                    <a:bodyPr/>
+                    <a:lstStyle/>
+                    <a:p>
+                      <a:pPr algn="ctr"/>
+                      <a:r>
+                        <a:rPr lang="en" sz="1200" b="0" i="0">
+                          <a:solidFill>
+                            <a:schemeClr val="tx1"/>
+                          </a:solidFill>
+                          <a:effectLst/>
+                          <a:latin typeface="+mn-lt"/>
+                        </a:rPr>
+                        <a:t>takeoff_flight</a:t>
+                      </a:r>
+                    </a:p>
+                  </a:txBody>
+                  <a:tcPr marL="19050" marR="19050" marT="19050" marB="19050" anchor="ctr">
+                    <a:lnL w="12700" cap="flat" cmpd="sng" algn="ctr">
+                      <a:solidFill>
+                        <a:schemeClr val="tx1"/>
+                      </a:solidFill>
+                      <a:prstDash val="solid"/>
+                      <a:round/>
+                      <a:headEnd type="none" w="med" len="med"/>
+                      <a:tailEnd type="none" w="med" len="med"/>
+                    </a:lnL>
+                    <a:lnR w="12700" cap="flat" cmpd="sng" algn="ctr">
+                      <a:solidFill>
+                        <a:schemeClr val="tx1"/>
+                      </a:solidFill>
+                      <a:prstDash val="solid"/>
+                      <a:round/>
+                      <a:headEnd type="none" w="med" len="med"/>
+                      <a:tailEnd type="none" w="med" len="med"/>
+                    </a:lnR>
+                    <a:lnT w="12700" cap="flat" cmpd="sng" algn="ctr">
+                      <a:solidFill>
+                        <a:schemeClr val="tx1"/>
+                      </a:solidFill>
+                      <a:prstDash val="solid"/>
+                      <a:round/>
+                      <a:headEnd type="none" w="med" len="med"/>
+                      <a:tailEnd type="none" w="med" len="med"/>
+                    </a:lnT>
+                    <a:lnB w="12700" cap="flat" cmpd="sng" algn="ctr">
+                      <a:solidFill>
+                        <a:schemeClr val="tx1"/>
+                      </a:solidFill>
+                      <a:prstDash val="solid"/>
+                      <a:round/>
+                      <a:headEnd type="none" w="med" len="med"/>
+                      <a:tailEnd type="none" w="med" len="med"/>
+                    </a:lnB>
+                  </a:tcPr>
+                </a:tc>
+                <a:tc>
+                  <a:txBody>
+                    <a:bodyPr/>
+                    <a:lstStyle/>
+                    <a:p>
+                      <a:pPr algn="ctr"/>
+                      <a:r>
+                        <a:rPr lang="ru-RU" sz="1200" b="0" i="0">
+                          <a:solidFill>
+                            <a:schemeClr val="tx1"/>
+                          </a:solidFill>
+                          <a:effectLst/>
+                          <a:latin typeface="+mn-lt"/>
+                        </a:rPr>
+                        <a:t>79</a:t>
+                      </a:r>
+                    </a:p>
+                  </a:txBody>
+                  <a:tcPr marL="19050" marR="19050" marT="19050" marB="19050" anchor="ctr">
+                    <a:lnL w="12700" cap="flat" cmpd="sng" algn="ctr">
+                      <a:solidFill>
+                        <a:schemeClr val="tx1"/>
+                      </a:solidFill>
+                      <a:prstDash val="solid"/>
+                      <a:round/>
+                      <a:headEnd type="none" w="med" len="med"/>
+                      <a:tailEnd type="none" w="med" len="med"/>
+                    </a:lnL>
+                    <a:lnR w="12700" cap="flat" cmpd="sng" algn="ctr">
+                      <a:solidFill>
+                        <a:schemeClr val="tx1"/>
+                      </a:solidFill>
+                      <a:prstDash val="solid"/>
+                      <a:round/>
+                      <a:headEnd type="none" w="med" len="med"/>
+                      <a:tailEnd type="none" w="med" len="med"/>
+                    </a:lnR>
+                    <a:lnT w="12700" cap="flat" cmpd="sng" algn="ctr">
+                      <a:solidFill>
+                        <a:schemeClr val="tx1"/>
+                      </a:solidFill>
+                      <a:prstDash val="solid"/>
+                      <a:round/>
+                      <a:headEnd type="none" w="med" len="med"/>
+                      <a:tailEnd type="none" w="med" len="med"/>
+                    </a:lnT>
+                    <a:lnB w="12700" cap="flat" cmpd="sng" algn="ctr">
+                      <a:solidFill>
+                        <a:schemeClr val="tx1"/>
+                      </a:solidFill>
+                      <a:prstDash val="solid"/>
+                      <a:round/>
+                      <a:headEnd type="none" w="med" len="med"/>
+                      <a:tailEnd type="none" w="med" len="med"/>
+                    </a:lnB>
+                  </a:tcPr>
+                </a:tc>
+                <a:tc>
+                  <a:txBody>
+                    <a:bodyPr/>
+                    <a:lstStyle/>
+                    <a:p>
+                      <a:pPr algn="ctr"/>
+                      <a:r>
+                        <a:rPr lang="ru-RU" sz="1200" b="0" i="0">
+                          <a:solidFill>
+                            <a:schemeClr val="tx1"/>
+                          </a:solidFill>
+                          <a:effectLst/>
+                          <a:latin typeface="+mn-lt"/>
+                        </a:rPr>
+                        <a:t>"ЮТэйр"</a:t>
+                      </a:r>
+                    </a:p>
+                  </a:txBody>
+                  <a:tcPr marL="19050" marR="19050" marT="19050" marB="19050" anchor="ctr">
+                    <a:lnL w="12700" cap="flat" cmpd="sng" algn="ctr">
+                      <a:solidFill>
+                        <a:schemeClr val="tx1"/>
+                      </a:solidFill>
+                      <a:prstDash val="solid"/>
+                      <a:round/>
+                      <a:headEnd type="none" w="med" len="med"/>
+                      <a:tailEnd type="none" w="med" len="med"/>
+                    </a:lnL>
+                    <a:lnR w="12700" cap="flat" cmpd="sng" algn="ctr">
+                      <a:solidFill>
+                        <a:schemeClr val="tx1"/>
+                      </a:solidFill>
+                      <a:prstDash val="solid"/>
+                      <a:round/>
+                      <a:headEnd type="none" w="med" len="med"/>
+                      <a:tailEnd type="none" w="med" len="med"/>
+                    </a:lnR>
+                    <a:lnT w="12700" cap="flat" cmpd="sng" algn="ctr">
+                      <a:solidFill>
+                        <a:schemeClr val="tx1"/>
+                      </a:solidFill>
+                      <a:prstDash val="solid"/>
+                      <a:round/>
+                      <a:headEnd type="none" w="med" len="med"/>
+                      <a:tailEnd type="none" w="med" len="med"/>
+                    </a:lnT>
+                    <a:lnB w="12700" cap="flat" cmpd="sng" algn="ctr">
+                      <a:solidFill>
+                        <a:schemeClr val="tx1"/>
+                      </a:solidFill>
+                      <a:prstDash val="solid"/>
+                      <a:round/>
+                      <a:headEnd type="none" w="med" len="med"/>
+                      <a:tailEnd type="none" w="med" len="med"/>
+                    </a:lnB>
+                  </a:tcPr>
+                </a:tc>
+                <a:tc>
+                  <a:txBody>
+                    <a:bodyPr/>
+                    <a:lstStyle/>
+                    <a:p>
+                      <a:pPr algn="ctr"/>
+                      <a:r>
+                        <a:rPr lang="en" sz="1200" b="0" i="0">
+                          <a:solidFill>
+                            <a:schemeClr val="tx1"/>
+                          </a:solidFill>
+                          <a:effectLst/>
+                          <a:latin typeface="+mn-lt"/>
+                        </a:rPr>
+                        <a:t>Boeing-747</a:t>
+                      </a:r>
+                    </a:p>
+                  </a:txBody>
+                  <a:tcPr marL="19050" marR="19050" marT="19050" marB="19050" anchor="ctr">
+                    <a:lnL w="12700" cap="flat" cmpd="sng" algn="ctr">
+                      <a:solidFill>
+                        <a:schemeClr val="tx1"/>
+                      </a:solidFill>
+                      <a:prstDash val="solid"/>
+                      <a:round/>
+                      <a:headEnd type="none" w="med" len="med"/>
+                      <a:tailEnd type="none" w="med" len="med"/>
+                    </a:lnL>
+                    <a:lnR w="12700" cap="flat" cmpd="sng" algn="ctr">
+                      <a:solidFill>
+                        <a:schemeClr val="tx1"/>
+                      </a:solidFill>
+                      <a:prstDash val="solid"/>
+                      <a:round/>
+                      <a:headEnd type="none" w="med" len="med"/>
+                      <a:tailEnd type="none" w="med" len="med"/>
+                    </a:lnR>
+                    <a:lnT w="12700" cap="flat" cmpd="sng" algn="ctr">
+                      <a:solidFill>
+                        <a:schemeClr val="tx1"/>
+                      </a:solidFill>
+                      <a:prstDash val="solid"/>
+                      <a:round/>
+                      <a:headEnd type="none" w="med" len="med"/>
+                      <a:tailEnd type="none" w="med" len="med"/>
+                    </a:lnT>
+                    <a:lnB w="12700" cap="flat" cmpd="sng" algn="ctr">
+                      <a:solidFill>
+                        <a:schemeClr val="tx1"/>
+                      </a:solidFill>
+                      <a:prstDash val="solid"/>
+                      <a:round/>
+                      <a:headEnd type="none" w="med" len="med"/>
+                      <a:tailEnd type="none" w="med" len="med"/>
+                    </a:lnB>
+                  </a:tcPr>
+                </a:tc>
+                <a:tc>
+                  <a:txBody>
+                    <a:bodyPr/>
+                    <a:lstStyle/>
+                    <a:p>
+                      <a:pPr algn="ctr"/>
+                      <a:r>
+                        <a:rPr lang="ru-RU" sz="1200" b="0" i="0">
+                          <a:solidFill>
+                            <a:schemeClr val="tx1"/>
+                          </a:solidFill>
+                          <a:effectLst/>
+                          <a:latin typeface="+mn-lt"/>
+                        </a:rPr>
+                        <a:t>00:01:19</a:t>
+                      </a:r>
+                    </a:p>
+                  </a:txBody>
+                  <a:tcPr marL="19050" marR="19050" marT="19050" marB="19050" anchor="ctr">
+                    <a:lnL w="12700" cap="flat" cmpd="sng" algn="ctr">
+                      <a:solidFill>
+                        <a:schemeClr val="tx1"/>
+                      </a:solidFill>
+                      <a:prstDash val="solid"/>
+                      <a:round/>
+                      <a:headEnd type="none" w="med" len="med"/>
+                      <a:tailEnd type="none" w="med" len="med"/>
+                    </a:lnL>
+                    <a:lnR w="12700" cap="flat" cmpd="sng" algn="ctr">
+                      <a:solidFill>
+                        <a:schemeClr val="tx1"/>
+                      </a:solidFill>
+                      <a:prstDash val="solid"/>
+                      <a:round/>
+                      <a:headEnd type="none" w="med" len="med"/>
+                      <a:tailEnd type="none" w="med" len="med"/>
+                    </a:lnR>
+                    <a:lnT w="12700" cap="flat" cmpd="sng" algn="ctr">
+                      <a:solidFill>
+                        <a:schemeClr val="tx1"/>
+                      </a:solidFill>
+                      <a:prstDash val="solid"/>
+                      <a:round/>
+                      <a:headEnd type="none" w="med" len="med"/>
+                      <a:tailEnd type="none" w="med" len="med"/>
+                    </a:lnT>
+                    <a:lnB w="12700" cap="flat" cmpd="sng" algn="ctr">
+                      <a:solidFill>
+                        <a:schemeClr val="tx1"/>
+                      </a:solidFill>
+                      <a:prstDash val="solid"/>
+                      <a:round/>
+                      <a:headEnd type="none" w="med" len="med"/>
+                      <a:tailEnd type="none" w="med" len="med"/>
+                    </a:lnB>
+                  </a:tcPr>
+                </a:tc>
+                <a:tc>
+                  <a:txBody>
+                    <a:bodyPr/>
+                    <a:lstStyle/>
+                    <a:p>
+                      <a:pPr algn="ctr"/>
+                      <a:r>
+                        <a:rPr lang="ru-RU" sz="1200" b="0" i="0">
+                          <a:solidFill>
+                            <a:schemeClr val="tx1"/>
+                          </a:solidFill>
+                          <a:effectLst/>
+                          <a:latin typeface="+mn-lt"/>
+                        </a:rPr>
+                        <a:t>120</a:t>
+                      </a:r>
+                    </a:p>
+                  </a:txBody>
+                  <a:tcPr marL="19050" marR="19050" marT="19050" marB="19050" anchor="ctr">
+                    <a:lnL w="12700" cap="flat" cmpd="sng" algn="ctr">
+                      <a:solidFill>
+                        <a:schemeClr val="tx1"/>
+                      </a:solidFill>
+                      <a:prstDash val="solid"/>
+                      <a:round/>
+                      <a:headEnd type="none" w="med" len="med"/>
+                      <a:tailEnd type="none" w="med" len="med"/>
+                    </a:lnL>
+                    <a:lnR w="12700" cap="flat" cmpd="sng" algn="ctr">
+                      <a:solidFill>
+                        <a:schemeClr val="tx1"/>
+                      </a:solidFill>
+                      <a:prstDash val="solid"/>
+                      <a:round/>
+                      <a:headEnd type="none" w="med" len="med"/>
+                      <a:tailEnd type="none" w="med" len="med"/>
+                    </a:lnR>
+                    <a:lnT w="12700" cap="flat" cmpd="sng" algn="ctr">
+                      <a:solidFill>
+                        <a:schemeClr val="tx1"/>
+                      </a:solidFill>
+                      <a:prstDash val="solid"/>
+                      <a:round/>
+                      <a:headEnd type="none" w="med" len="med"/>
+                      <a:tailEnd type="none" w="med" len="med"/>
+                    </a:lnT>
+                    <a:lnB w="12700" cap="flat" cmpd="sng" algn="ctr">
+                      <a:solidFill>
+                        <a:schemeClr val="tx1"/>
+                      </a:solidFill>
+                      <a:prstDash val="solid"/>
+                      <a:round/>
+                      <a:headEnd type="none" w="med" len="med"/>
+                      <a:tailEnd type="none" w="med" len="med"/>
+                    </a:lnB>
+                  </a:tcPr>
+                </a:tc>
+                <a:extLst>
+                  <a:ext uri="{0D108BD9-81ED-4DB2-BD59-A6C34878D82A}">
+                    <a16:rowId xmlns:a16="http://schemas.microsoft.com/office/drawing/2014/main" val="4153411312"/>
+                  </a:ext>
+                </a:extLst>
+              </a:tr>
+              <a:tr h="370840">
+                <a:tc>
+                  <a:txBody>
+                    <a:bodyPr/>
+                    <a:lstStyle/>
+                    <a:p>
+                      <a:pPr algn="ctr"/>
+                      <a:r>
+                        <a:rPr lang="ru-RU" sz="1200" b="0" i="0">
+                          <a:solidFill>
+                            <a:schemeClr val="tx1"/>
+                          </a:solidFill>
+                          <a:effectLst/>
+                          <a:latin typeface="+mn-lt"/>
+                        </a:rPr>
+                        <a:t>5</a:t>
+                      </a:r>
+                    </a:p>
+                  </a:txBody>
+                  <a:tcPr marL="19050" marR="19050" marT="19050" marB="19050" anchor="ctr">
+                    <a:lnL w="12700" cap="flat" cmpd="sng" algn="ctr">
+                      <a:solidFill>
+                        <a:schemeClr val="tx1"/>
+                      </a:solidFill>
+                      <a:prstDash val="solid"/>
+                      <a:round/>
+                      <a:headEnd type="none" w="med" len="med"/>
+                      <a:tailEnd type="none" w="med" len="med"/>
+                    </a:lnL>
+                    <a:lnR w="12700" cap="flat" cmpd="sng" algn="ctr">
+                      <a:solidFill>
+                        <a:schemeClr val="tx1"/>
+                      </a:solidFill>
+                      <a:prstDash val="solid"/>
+                      <a:round/>
+                      <a:headEnd type="none" w="med" len="med"/>
+                      <a:tailEnd type="none" w="med" len="med"/>
+                    </a:lnR>
+                    <a:lnT w="12700" cap="flat" cmpd="sng" algn="ctr">
+                      <a:solidFill>
+                        <a:schemeClr val="tx1"/>
+                      </a:solidFill>
+                      <a:prstDash val="solid"/>
+                      <a:round/>
+                      <a:headEnd type="none" w="med" len="med"/>
+                      <a:tailEnd type="none" w="med" len="med"/>
+                    </a:lnT>
+                    <a:lnB w="12700" cap="flat" cmpd="sng" algn="ctr">
+                      <a:solidFill>
+                        <a:schemeClr val="tx1"/>
+                      </a:solidFill>
+                      <a:prstDash val="solid"/>
+                      <a:round/>
+                      <a:headEnd type="none" w="med" len="med"/>
+                      <a:tailEnd type="none" w="med" len="med"/>
+                    </a:lnB>
+                  </a:tcPr>
+                </a:tc>
+                <a:tc>
+                  <a:txBody>
+                    <a:bodyPr/>
+                    <a:lstStyle/>
+                    <a:p>
+                      <a:pPr algn="ctr"/>
+                      <a:r>
+                        <a:rPr lang="en" sz="1200" b="0" i="0">
+                          <a:solidFill>
+                            <a:schemeClr val="tx1"/>
+                          </a:solidFill>
+                          <a:effectLst/>
+                          <a:latin typeface="+mn-lt"/>
+                        </a:rPr>
+                        <a:t>takeoff_flight</a:t>
+                      </a:r>
+                    </a:p>
+                  </a:txBody>
+                  <a:tcPr marL="19050" marR="19050" marT="19050" marB="19050" anchor="ctr">
+                    <a:lnL w="12700" cap="flat" cmpd="sng" algn="ctr">
+                      <a:solidFill>
+                        <a:schemeClr val="tx1"/>
+                      </a:solidFill>
+                      <a:prstDash val="solid"/>
+                      <a:round/>
+                      <a:headEnd type="none" w="med" len="med"/>
+                      <a:tailEnd type="none" w="med" len="med"/>
+                    </a:lnL>
+                    <a:lnR w="12700" cap="flat" cmpd="sng" algn="ctr">
+                      <a:solidFill>
+                        <a:schemeClr val="tx1"/>
+                      </a:solidFill>
+                      <a:prstDash val="solid"/>
+                      <a:round/>
+                      <a:headEnd type="none" w="med" len="med"/>
+                      <a:tailEnd type="none" w="med" len="med"/>
+                    </a:lnR>
+                    <a:lnT w="12700" cap="flat" cmpd="sng" algn="ctr">
+                      <a:solidFill>
+                        <a:schemeClr val="tx1"/>
+                      </a:solidFill>
+                      <a:prstDash val="solid"/>
+                      <a:round/>
+                      <a:headEnd type="none" w="med" len="med"/>
+                      <a:tailEnd type="none" w="med" len="med"/>
+                    </a:lnT>
+                    <a:lnB w="12700" cap="flat" cmpd="sng" algn="ctr">
+                      <a:solidFill>
+                        <a:schemeClr val="tx1"/>
+                      </a:solidFill>
+                      <a:prstDash val="solid"/>
+                      <a:round/>
+                      <a:headEnd type="none" w="med" len="med"/>
+                      <a:tailEnd type="none" w="med" len="med"/>
+                    </a:lnB>
+                  </a:tcPr>
+                </a:tc>
+                <a:tc>
+                  <a:txBody>
+                    <a:bodyPr/>
+                    <a:lstStyle/>
+                    <a:p>
+                      <a:pPr algn="ctr"/>
+                      <a:r>
+                        <a:rPr lang="ru-RU" sz="1200" b="0" i="0">
+                          <a:solidFill>
+                            <a:schemeClr val="tx1"/>
+                          </a:solidFill>
+                          <a:effectLst/>
+                          <a:latin typeface="+mn-lt"/>
+                        </a:rPr>
+                        <a:t>94</a:t>
+                      </a:r>
+                    </a:p>
+                  </a:txBody>
+                  <a:tcPr marL="19050" marR="19050" marT="19050" marB="19050" anchor="ctr">
+                    <a:lnL w="12700" cap="flat" cmpd="sng" algn="ctr">
+                      <a:solidFill>
+                        <a:schemeClr val="tx1"/>
+                      </a:solidFill>
+                      <a:prstDash val="solid"/>
+                      <a:round/>
+                      <a:headEnd type="none" w="med" len="med"/>
+                      <a:tailEnd type="none" w="med" len="med"/>
+                    </a:lnL>
+                    <a:lnR w="12700" cap="flat" cmpd="sng" algn="ctr">
+                      <a:solidFill>
+                        <a:schemeClr val="tx1"/>
+                      </a:solidFill>
+                      <a:prstDash val="solid"/>
+                      <a:round/>
+                      <a:headEnd type="none" w="med" len="med"/>
+                      <a:tailEnd type="none" w="med" len="med"/>
+                    </a:lnR>
+                    <a:lnT w="12700" cap="flat" cmpd="sng" algn="ctr">
+                      <a:solidFill>
+                        <a:schemeClr val="tx1"/>
+                      </a:solidFill>
+                      <a:prstDash val="solid"/>
+                      <a:round/>
+                      <a:headEnd type="none" w="med" len="med"/>
+                      <a:tailEnd type="none" w="med" len="med"/>
+                    </a:lnT>
+                    <a:lnB w="12700" cap="flat" cmpd="sng" algn="ctr">
+                      <a:solidFill>
+                        <a:schemeClr val="tx1"/>
+                      </a:solidFill>
+                      <a:prstDash val="solid"/>
+                      <a:round/>
+                      <a:headEnd type="none" w="med" len="med"/>
+                      <a:tailEnd type="none" w="med" len="med"/>
+                    </a:lnB>
+                  </a:tcPr>
+                </a:tc>
+                <a:tc>
+                  <a:txBody>
+                    <a:bodyPr/>
+                    <a:lstStyle/>
+                    <a:p>
+                      <a:pPr algn="ctr"/>
+                      <a:r>
+                        <a:rPr lang="en" sz="1200" b="0" i="0">
+                          <a:solidFill>
+                            <a:schemeClr val="tx1"/>
+                          </a:solidFill>
+                          <a:effectLst/>
+                          <a:latin typeface="+mn-lt"/>
+                        </a:rPr>
+                        <a:t>"Pegas Fly"</a:t>
+                      </a:r>
+                    </a:p>
+                  </a:txBody>
+                  <a:tcPr marL="19050" marR="19050" marT="19050" marB="19050" anchor="ctr">
+                    <a:lnL w="12700" cap="flat" cmpd="sng" algn="ctr">
+                      <a:solidFill>
+                        <a:schemeClr val="tx1"/>
+                      </a:solidFill>
+                      <a:prstDash val="solid"/>
+                      <a:round/>
+                      <a:headEnd type="none" w="med" len="med"/>
+                      <a:tailEnd type="none" w="med" len="med"/>
+                    </a:lnL>
+                    <a:lnR w="12700" cap="flat" cmpd="sng" algn="ctr">
+                      <a:solidFill>
+                        <a:schemeClr val="tx1"/>
+                      </a:solidFill>
+                      <a:prstDash val="solid"/>
+                      <a:round/>
+                      <a:headEnd type="none" w="med" len="med"/>
+                      <a:tailEnd type="none" w="med" len="med"/>
+                    </a:lnR>
+                    <a:lnT w="12700" cap="flat" cmpd="sng" algn="ctr">
+                      <a:solidFill>
+                        <a:schemeClr val="tx1"/>
+                      </a:solidFill>
+                      <a:prstDash val="solid"/>
+                      <a:round/>
+                      <a:headEnd type="none" w="med" len="med"/>
+                      <a:tailEnd type="none" w="med" len="med"/>
+                    </a:lnT>
+                    <a:lnB w="12700" cap="flat" cmpd="sng" algn="ctr">
+                      <a:solidFill>
+                        <a:schemeClr val="tx1"/>
+                      </a:solidFill>
+                      <a:prstDash val="solid"/>
+                      <a:round/>
+                      <a:headEnd type="none" w="med" len="med"/>
+                      <a:tailEnd type="none" w="med" len="med"/>
+                    </a:lnB>
+                  </a:tcPr>
+                </a:tc>
+                <a:tc>
+                  <a:txBody>
+                    <a:bodyPr/>
+                    <a:lstStyle/>
+                    <a:p>
+                      <a:pPr algn="ctr"/>
+                      <a:r>
+                        <a:rPr lang="ru-RU" sz="1200" b="0" i="0">
+                          <a:solidFill>
+                            <a:schemeClr val="tx1"/>
+                          </a:solidFill>
+                          <a:effectLst/>
+                          <a:latin typeface="+mn-lt"/>
+                        </a:rPr>
+                        <a:t>ТУ-154</a:t>
+                      </a:r>
+                    </a:p>
+                  </a:txBody>
+                  <a:tcPr marL="19050" marR="19050" marT="19050" marB="19050" anchor="ctr">
+                    <a:lnL w="12700" cap="flat" cmpd="sng" algn="ctr">
+                      <a:solidFill>
+                        <a:schemeClr val="tx1"/>
+                      </a:solidFill>
+                      <a:prstDash val="solid"/>
+                      <a:round/>
+                      <a:headEnd type="none" w="med" len="med"/>
+                      <a:tailEnd type="none" w="med" len="med"/>
+                    </a:lnL>
+                    <a:lnR w="12700" cap="flat" cmpd="sng" algn="ctr">
+                      <a:solidFill>
+                        <a:schemeClr val="tx1"/>
+                      </a:solidFill>
+                      <a:prstDash val="solid"/>
+                      <a:round/>
+                      <a:headEnd type="none" w="med" len="med"/>
+                      <a:tailEnd type="none" w="med" len="med"/>
+                    </a:lnR>
+                    <a:lnT w="12700" cap="flat" cmpd="sng" algn="ctr">
+                      <a:solidFill>
+                        <a:schemeClr val="tx1"/>
+                      </a:solidFill>
+                      <a:prstDash val="solid"/>
+                      <a:round/>
+                      <a:headEnd type="none" w="med" len="med"/>
+                      <a:tailEnd type="none" w="med" len="med"/>
+                    </a:lnT>
+                    <a:lnB w="12700" cap="flat" cmpd="sng" algn="ctr">
+                      <a:solidFill>
+                        <a:schemeClr val="tx1"/>
+                      </a:solidFill>
+                      <a:prstDash val="solid"/>
+                      <a:round/>
+                      <a:headEnd type="none" w="med" len="med"/>
+                      <a:tailEnd type="none" w="med" len="med"/>
+                    </a:lnB>
+                  </a:tcPr>
+                </a:tc>
+                <a:tc>
+                  <a:txBody>
+                    <a:bodyPr/>
+                    <a:lstStyle/>
+                    <a:p>
+                      <a:pPr algn="ctr"/>
+                      <a:r>
+                        <a:rPr lang="ru-RU" sz="1200" b="0" i="0">
+                          <a:solidFill>
+                            <a:schemeClr val="tx1"/>
+                          </a:solidFill>
+                          <a:effectLst/>
+                          <a:latin typeface="+mn-lt"/>
+                        </a:rPr>
+                        <a:t>00:01:34</a:t>
+                      </a:r>
+                    </a:p>
+                  </a:txBody>
+                  <a:tcPr marL="19050" marR="19050" marT="19050" marB="19050" anchor="ctr">
+                    <a:lnL w="12700" cap="flat" cmpd="sng" algn="ctr">
+                      <a:solidFill>
+                        <a:schemeClr val="tx1"/>
+                      </a:solidFill>
+                      <a:prstDash val="solid"/>
+                      <a:round/>
+                      <a:headEnd type="none" w="med" len="med"/>
+                      <a:tailEnd type="none" w="med" len="med"/>
+                    </a:lnL>
+                    <a:lnR w="12700" cap="flat" cmpd="sng" algn="ctr">
+                      <a:solidFill>
+                        <a:schemeClr val="tx1"/>
+                      </a:solidFill>
+                      <a:prstDash val="solid"/>
+                      <a:round/>
+                      <a:headEnd type="none" w="med" len="med"/>
+                      <a:tailEnd type="none" w="med" len="med"/>
+                    </a:lnR>
+                    <a:lnT w="12700" cap="flat" cmpd="sng" algn="ctr">
+                      <a:solidFill>
+                        <a:schemeClr val="tx1"/>
+                      </a:solidFill>
+                      <a:prstDash val="solid"/>
+                      <a:round/>
+                      <a:headEnd type="none" w="med" len="med"/>
+                      <a:tailEnd type="none" w="med" len="med"/>
+                    </a:lnT>
+                    <a:lnB w="12700" cap="flat" cmpd="sng" algn="ctr">
+                      <a:solidFill>
+                        <a:schemeClr val="tx1"/>
+                      </a:solidFill>
+                      <a:prstDash val="solid"/>
+                      <a:round/>
+                      <a:headEnd type="none" w="med" len="med"/>
+                      <a:tailEnd type="none" w="med" len="med"/>
+                    </a:lnB>
+                  </a:tcPr>
+                </a:tc>
+                <a:tc>
+                  <a:txBody>
+                    <a:bodyPr/>
+                    <a:lstStyle/>
+                    <a:p>
+                      <a:pPr algn="ctr"/>
+                      <a:r>
+                        <a:rPr lang="ru-RU" sz="1200" b="0" i="0">
+                          <a:solidFill>
+                            <a:schemeClr val="tx1"/>
+                          </a:solidFill>
+                          <a:effectLst/>
+                          <a:latin typeface="+mn-lt"/>
+                        </a:rPr>
+                        <a:t>120</a:t>
+                      </a:r>
+                    </a:p>
+                  </a:txBody>
+                  <a:tcPr marL="19050" marR="19050" marT="19050" marB="19050" anchor="ctr">
+                    <a:lnL w="12700" cap="flat" cmpd="sng" algn="ctr">
+                      <a:solidFill>
+                        <a:schemeClr val="tx1"/>
+                      </a:solidFill>
+                      <a:prstDash val="solid"/>
+                      <a:round/>
+                      <a:headEnd type="none" w="med" len="med"/>
+                      <a:tailEnd type="none" w="med" len="med"/>
+                    </a:lnL>
+                    <a:lnR w="12700" cap="flat" cmpd="sng" algn="ctr">
+                      <a:solidFill>
+                        <a:schemeClr val="tx1"/>
+                      </a:solidFill>
+                      <a:prstDash val="solid"/>
+                      <a:round/>
+                      <a:headEnd type="none" w="med" len="med"/>
+                      <a:tailEnd type="none" w="med" len="med"/>
+                    </a:lnR>
+                    <a:lnT w="12700" cap="flat" cmpd="sng" algn="ctr">
+                      <a:solidFill>
+                        <a:schemeClr val="tx1"/>
+                      </a:solidFill>
+                      <a:prstDash val="solid"/>
+                      <a:round/>
+                      <a:headEnd type="none" w="med" len="med"/>
+                      <a:tailEnd type="none" w="med" len="med"/>
+                    </a:lnT>
+                    <a:lnB w="12700" cap="flat" cmpd="sng" algn="ctr">
+                      <a:solidFill>
+                        <a:schemeClr val="tx1"/>
+                      </a:solidFill>
+                      <a:prstDash val="solid"/>
+                      <a:round/>
+                      <a:headEnd type="none" w="med" len="med"/>
+                      <a:tailEnd type="none" w="med" len="med"/>
+                    </a:lnB>
+                  </a:tcPr>
+                </a:tc>
+                <a:extLst>
+                  <a:ext uri="{0D108BD9-81ED-4DB2-BD59-A6C34878D82A}">
+                    <a16:rowId xmlns:a16="http://schemas.microsoft.com/office/drawing/2014/main" val="1656022361"/>
+                  </a:ext>
+                </a:extLst>
+              </a:tr>
+              <a:tr h="370840">
+                <a:tc>
+                  <a:txBody>
+                    <a:bodyPr/>
+                    <a:lstStyle/>
+                    <a:p>
+                      <a:pPr algn="ctr"/>
+                      <a:r>
+                        <a:rPr lang="ru-RU" sz="1200" b="0" i="0">
+                          <a:solidFill>
+                            <a:schemeClr val="tx1"/>
+                          </a:solidFill>
+                          <a:effectLst/>
+                          <a:latin typeface="+mn-lt"/>
+                        </a:rPr>
+                        <a:t>6</a:t>
+                      </a:r>
+                    </a:p>
+                  </a:txBody>
+                  <a:tcPr marL="19050" marR="19050" marT="19050" marB="19050" anchor="ctr">
+                    <a:lnL w="12700" cap="flat" cmpd="sng" algn="ctr">
+                      <a:solidFill>
+                        <a:schemeClr val="tx1"/>
+                      </a:solidFill>
+                      <a:prstDash val="solid"/>
+                      <a:round/>
+                      <a:headEnd type="none" w="med" len="med"/>
+                      <a:tailEnd type="none" w="med" len="med"/>
+                    </a:lnL>
+                    <a:lnR w="12700" cap="flat" cmpd="sng" algn="ctr">
+                      <a:solidFill>
+                        <a:schemeClr val="tx1"/>
+                      </a:solidFill>
+                      <a:prstDash val="solid"/>
+                      <a:round/>
+                      <a:headEnd type="none" w="med" len="med"/>
+                      <a:tailEnd type="none" w="med" len="med"/>
+                    </a:lnR>
+                    <a:lnT w="12700" cap="flat" cmpd="sng" algn="ctr">
+                      <a:solidFill>
+                        <a:schemeClr val="tx1"/>
+                      </a:solidFill>
+                      <a:prstDash val="solid"/>
+                      <a:round/>
+                      <a:headEnd type="none" w="med" len="med"/>
+                      <a:tailEnd type="none" w="med" len="med"/>
+                    </a:lnT>
+                    <a:lnB w="12700" cap="flat" cmpd="sng" algn="ctr">
+                      <a:solidFill>
+                        <a:schemeClr val="tx1"/>
+                      </a:solidFill>
+                      <a:prstDash val="solid"/>
+                      <a:round/>
+                      <a:headEnd type="none" w="med" len="med"/>
+                      <a:tailEnd type="none" w="med" len="med"/>
+                    </a:lnB>
+                  </a:tcPr>
+                </a:tc>
+                <a:tc>
+                  <a:txBody>
+                    <a:bodyPr/>
+                    <a:lstStyle/>
+                    <a:p>
+                      <a:pPr algn="ctr"/>
+                      <a:r>
+                        <a:rPr lang="en" sz="1200" b="0" i="0">
+                          <a:solidFill>
+                            <a:schemeClr val="tx1"/>
+                          </a:solidFill>
+                          <a:effectLst/>
+                          <a:latin typeface="+mn-lt"/>
+                        </a:rPr>
+                        <a:t>takeoff_flight</a:t>
+                      </a:r>
+                    </a:p>
+                  </a:txBody>
+                  <a:tcPr marL="19050" marR="19050" marT="19050" marB="19050" anchor="ctr">
+                    <a:lnL w="12700" cap="flat" cmpd="sng" algn="ctr">
+                      <a:solidFill>
+                        <a:schemeClr val="tx1"/>
+                      </a:solidFill>
+                      <a:prstDash val="solid"/>
+                      <a:round/>
+                      <a:headEnd type="none" w="med" len="med"/>
+                      <a:tailEnd type="none" w="med" len="med"/>
+                    </a:lnL>
+                    <a:lnR w="12700" cap="flat" cmpd="sng" algn="ctr">
+                      <a:solidFill>
+                        <a:schemeClr val="tx1"/>
+                      </a:solidFill>
+                      <a:prstDash val="solid"/>
+                      <a:round/>
+                      <a:headEnd type="none" w="med" len="med"/>
+                      <a:tailEnd type="none" w="med" len="med"/>
+                    </a:lnR>
+                    <a:lnT w="12700" cap="flat" cmpd="sng" algn="ctr">
+                      <a:solidFill>
+                        <a:schemeClr val="tx1"/>
+                      </a:solidFill>
+                      <a:prstDash val="solid"/>
+                      <a:round/>
+                      <a:headEnd type="none" w="med" len="med"/>
+                      <a:tailEnd type="none" w="med" len="med"/>
+                    </a:lnT>
+                    <a:lnB w="12700" cap="flat" cmpd="sng" algn="ctr">
+                      <a:solidFill>
+                        <a:schemeClr val="tx1"/>
+                      </a:solidFill>
+                      <a:prstDash val="solid"/>
+                      <a:round/>
+                      <a:headEnd type="none" w="med" len="med"/>
+                      <a:tailEnd type="none" w="med" len="med"/>
+                    </a:lnB>
+                  </a:tcPr>
+                </a:tc>
+                <a:tc>
+                  <a:txBody>
+                    <a:bodyPr/>
+                    <a:lstStyle/>
+                    <a:p>
+                      <a:pPr algn="ctr"/>
+                      <a:r>
+                        <a:rPr lang="ru-RU" sz="1200" b="0" i="0">
+                          <a:solidFill>
+                            <a:schemeClr val="tx1"/>
+                          </a:solidFill>
+                          <a:effectLst/>
+                          <a:latin typeface="+mn-lt"/>
+                        </a:rPr>
+                        <a:t>111</a:t>
+                      </a:r>
+                    </a:p>
+                  </a:txBody>
+                  <a:tcPr marL="19050" marR="19050" marT="19050" marB="19050" anchor="ctr">
+                    <a:lnL w="12700" cap="flat" cmpd="sng" algn="ctr">
+                      <a:solidFill>
+                        <a:schemeClr val="tx1"/>
+                      </a:solidFill>
+                      <a:prstDash val="solid"/>
+                      <a:round/>
+                      <a:headEnd type="none" w="med" len="med"/>
+                      <a:tailEnd type="none" w="med" len="med"/>
+                    </a:lnL>
+                    <a:lnR w="12700" cap="flat" cmpd="sng" algn="ctr">
+                      <a:solidFill>
+                        <a:schemeClr val="tx1"/>
+                      </a:solidFill>
+                      <a:prstDash val="solid"/>
+                      <a:round/>
+                      <a:headEnd type="none" w="med" len="med"/>
+                      <a:tailEnd type="none" w="med" len="med"/>
+                    </a:lnR>
+                    <a:lnT w="12700" cap="flat" cmpd="sng" algn="ctr">
+                      <a:solidFill>
+                        <a:schemeClr val="tx1"/>
+                      </a:solidFill>
+                      <a:prstDash val="solid"/>
+                      <a:round/>
+                      <a:headEnd type="none" w="med" len="med"/>
+                      <a:tailEnd type="none" w="med" len="med"/>
+                    </a:lnT>
+                    <a:lnB w="12700" cap="flat" cmpd="sng" algn="ctr">
+                      <a:solidFill>
+                        <a:schemeClr val="tx1"/>
+                      </a:solidFill>
+                      <a:prstDash val="solid"/>
+                      <a:round/>
+                      <a:headEnd type="none" w="med" len="med"/>
+                      <a:tailEnd type="none" w="med" len="med"/>
+                    </a:lnB>
+                  </a:tcPr>
+                </a:tc>
+                <a:tc>
+                  <a:txBody>
+                    <a:bodyPr/>
+                    <a:lstStyle/>
+                    <a:p>
+                      <a:pPr algn="ctr"/>
+                      <a:r>
+                        <a:rPr lang="ru-RU" sz="1200" b="0" i="0">
+                          <a:solidFill>
+                            <a:schemeClr val="tx1"/>
+                          </a:solidFill>
+                          <a:effectLst/>
+                          <a:latin typeface="+mn-lt"/>
+                        </a:rPr>
+                        <a:t>"Победа"</a:t>
+                      </a:r>
+                    </a:p>
+                  </a:txBody>
+                  <a:tcPr marL="19050" marR="19050" marT="19050" marB="19050" anchor="ctr">
+                    <a:lnL w="12700" cap="flat" cmpd="sng" algn="ctr">
+                      <a:solidFill>
+                        <a:schemeClr val="tx1"/>
+                      </a:solidFill>
+                      <a:prstDash val="solid"/>
+                      <a:round/>
+                      <a:headEnd type="none" w="med" len="med"/>
+                      <a:tailEnd type="none" w="med" len="med"/>
+                    </a:lnL>
+                    <a:lnR w="12700" cap="flat" cmpd="sng" algn="ctr">
+                      <a:solidFill>
+                        <a:schemeClr val="tx1"/>
+                      </a:solidFill>
+                      <a:prstDash val="solid"/>
+                      <a:round/>
+                      <a:headEnd type="none" w="med" len="med"/>
+                      <a:tailEnd type="none" w="med" len="med"/>
+                    </a:lnR>
+                    <a:lnT w="12700" cap="flat" cmpd="sng" algn="ctr">
+                      <a:solidFill>
+                        <a:schemeClr val="tx1"/>
+                      </a:solidFill>
+                      <a:prstDash val="solid"/>
+                      <a:round/>
+                      <a:headEnd type="none" w="med" len="med"/>
+                      <a:tailEnd type="none" w="med" len="med"/>
+                    </a:lnT>
+                    <a:lnB w="12700" cap="flat" cmpd="sng" algn="ctr">
+                      <a:solidFill>
+                        <a:schemeClr val="tx1"/>
+                      </a:solidFill>
+                      <a:prstDash val="solid"/>
+                      <a:round/>
+                      <a:headEnd type="none" w="med" len="med"/>
+                      <a:tailEnd type="none" w="med" len="med"/>
+                    </a:lnB>
+                  </a:tcPr>
+                </a:tc>
+                <a:tc>
+                  <a:txBody>
+                    <a:bodyPr/>
+                    <a:lstStyle/>
+                    <a:p>
+                      <a:pPr algn="ctr"/>
+                      <a:r>
+                        <a:rPr lang="en" sz="1200" b="0" i="0">
+                          <a:solidFill>
+                            <a:schemeClr val="tx1"/>
+                          </a:solidFill>
+                          <a:effectLst/>
+                          <a:latin typeface="+mn-lt"/>
+                        </a:rPr>
+                        <a:t>Airbus-A320</a:t>
+                      </a:r>
+                    </a:p>
+                  </a:txBody>
+                  <a:tcPr marL="19050" marR="19050" marT="19050" marB="19050" anchor="ctr">
+                    <a:lnL w="12700" cap="flat" cmpd="sng" algn="ctr">
+                      <a:solidFill>
+                        <a:schemeClr val="tx1"/>
+                      </a:solidFill>
+                      <a:prstDash val="solid"/>
+                      <a:round/>
+                      <a:headEnd type="none" w="med" len="med"/>
+                      <a:tailEnd type="none" w="med" len="med"/>
+                    </a:lnL>
+                    <a:lnR w="12700" cap="flat" cmpd="sng" algn="ctr">
+                      <a:solidFill>
+                        <a:schemeClr val="tx1"/>
+                      </a:solidFill>
+                      <a:prstDash val="solid"/>
+                      <a:round/>
+                      <a:headEnd type="none" w="med" len="med"/>
+                      <a:tailEnd type="none" w="med" len="med"/>
+                    </a:lnR>
+                    <a:lnT w="12700" cap="flat" cmpd="sng" algn="ctr">
+                      <a:solidFill>
+                        <a:schemeClr val="tx1"/>
+                      </a:solidFill>
+                      <a:prstDash val="solid"/>
+                      <a:round/>
+                      <a:headEnd type="none" w="med" len="med"/>
+                      <a:tailEnd type="none" w="med" len="med"/>
+                    </a:lnT>
+                    <a:lnB w="12700" cap="flat" cmpd="sng" algn="ctr">
+                      <a:solidFill>
+                        <a:schemeClr val="tx1"/>
+                      </a:solidFill>
+                      <a:prstDash val="solid"/>
+                      <a:round/>
+                      <a:headEnd type="none" w="med" len="med"/>
+                      <a:tailEnd type="none" w="med" len="med"/>
+                    </a:lnB>
+                  </a:tcPr>
+                </a:tc>
+                <a:tc>
+                  <a:txBody>
+                    <a:bodyPr/>
+                    <a:lstStyle/>
+                    <a:p>
+                      <a:pPr algn="ctr"/>
+                      <a:r>
+                        <a:rPr lang="ru-RU" sz="1200" b="0" i="0">
+                          <a:solidFill>
+                            <a:schemeClr val="tx1"/>
+                          </a:solidFill>
+                          <a:effectLst/>
+                          <a:latin typeface="+mn-lt"/>
+                        </a:rPr>
+                        <a:t>00:01:51</a:t>
+                      </a:r>
+                    </a:p>
+                  </a:txBody>
+                  <a:tcPr marL="19050" marR="19050" marT="19050" marB="19050" anchor="ctr">
+                    <a:lnL w="12700" cap="flat" cmpd="sng" algn="ctr">
+                      <a:solidFill>
+                        <a:schemeClr val="tx1"/>
+                      </a:solidFill>
+                      <a:prstDash val="solid"/>
+                      <a:round/>
+                      <a:headEnd type="none" w="med" len="med"/>
+                      <a:tailEnd type="none" w="med" len="med"/>
+                    </a:lnL>
+                    <a:lnR w="12700" cap="flat" cmpd="sng" algn="ctr">
+                      <a:solidFill>
+                        <a:schemeClr val="tx1"/>
+                      </a:solidFill>
+                      <a:prstDash val="solid"/>
+                      <a:round/>
+                      <a:headEnd type="none" w="med" len="med"/>
+                      <a:tailEnd type="none" w="med" len="med"/>
+                    </a:lnR>
+                    <a:lnT w="12700" cap="flat" cmpd="sng" algn="ctr">
+                      <a:solidFill>
+                        <a:schemeClr val="tx1"/>
+                      </a:solidFill>
+                      <a:prstDash val="solid"/>
+                      <a:round/>
+                      <a:headEnd type="none" w="med" len="med"/>
+                      <a:tailEnd type="none" w="med" len="med"/>
+                    </a:lnT>
+                    <a:lnB w="12700" cap="flat" cmpd="sng" algn="ctr">
+                      <a:solidFill>
+                        <a:schemeClr val="tx1"/>
+                      </a:solidFill>
+                      <a:prstDash val="solid"/>
+                      <a:round/>
+                      <a:headEnd type="none" w="med" len="med"/>
+                      <a:tailEnd type="none" w="med" len="med"/>
+                    </a:lnB>
+                  </a:tcPr>
+                </a:tc>
+                <a:tc>
+                  <a:txBody>
+                    <a:bodyPr/>
+                    <a:lstStyle/>
+                    <a:p>
+                      <a:pPr algn="ctr"/>
+                      <a:r>
+                        <a:rPr lang="ru-RU" sz="1200" b="0" i="0">
+                          <a:solidFill>
+                            <a:schemeClr val="tx1"/>
+                          </a:solidFill>
+                          <a:effectLst/>
+                          <a:latin typeface="+mn-lt"/>
+                        </a:rPr>
+                        <a:t>120</a:t>
+                      </a:r>
+                    </a:p>
+                  </a:txBody>
+                  <a:tcPr marL="19050" marR="19050" marT="19050" marB="19050" anchor="ctr">
+                    <a:lnL w="12700" cap="flat" cmpd="sng" algn="ctr">
+                      <a:solidFill>
+                        <a:schemeClr val="tx1"/>
+                      </a:solidFill>
+                      <a:prstDash val="solid"/>
+                      <a:round/>
+                      <a:headEnd type="none" w="med" len="med"/>
+                      <a:tailEnd type="none" w="med" len="med"/>
+                    </a:lnL>
+                    <a:lnR w="12700" cap="flat" cmpd="sng" algn="ctr">
+                      <a:solidFill>
+                        <a:schemeClr val="tx1"/>
+                      </a:solidFill>
+                      <a:prstDash val="solid"/>
+                      <a:round/>
+                      <a:headEnd type="none" w="med" len="med"/>
+                      <a:tailEnd type="none" w="med" len="med"/>
+                    </a:lnR>
+                    <a:lnT w="12700" cap="flat" cmpd="sng" algn="ctr">
+                      <a:solidFill>
+                        <a:schemeClr val="tx1"/>
+                      </a:solidFill>
+                      <a:prstDash val="solid"/>
+                      <a:round/>
+                      <a:headEnd type="none" w="med" len="med"/>
+                      <a:tailEnd type="none" w="med" len="med"/>
+                    </a:lnT>
+                    <a:lnB w="12700" cap="flat" cmpd="sng" algn="ctr">
+                      <a:solidFill>
+                        <a:schemeClr val="tx1"/>
+                      </a:solidFill>
+                      <a:prstDash val="solid"/>
+                      <a:round/>
+                      <a:headEnd type="none" w="med" len="med"/>
+                      <a:tailEnd type="none" w="med" len="med"/>
+                    </a:lnB>
+                  </a:tcPr>
+                </a:tc>
+                <a:extLst>
+                  <a:ext uri="{0D108BD9-81ED-4DB2-BD59-A6C34878D82A}">
+                    <a16:rowId xmlns:a16="http://schemas.microsoft.com/office/drawing/2014/main" val="1642519008"/>
+                  </a:ext>
+                </a:extLst>
+              </a:tr>
+              <a:tr h="370840">
+                <a:tc>
+                  <a:txBody>
+                    <a:bodyPr/>
+                    <a:lstStyle/>
+                    <a:p>
+                      <a:pPr algn="ctr"/>
+                      <a:r>
+                        <a:rPr lang="ru-RU" sz="1200" b="0" i="0">
+                          <a:solidFill>
+                            <a:schemeClr val="tx1"/>
+                          </a:solidFill>
+                          <a:effectLst/>
+                          <a:latin typeface="+mn-lt"/>
+                        </a:rPr>
+                        <a:t>7</a:t>
+                      </a:r>
+                    </a:p>
+                  </a:txBody>
+                  <a:tcPr marL="19050" marR="19050" marT="19050" marB="19050" anchor="ctr">
+                    <a:lnL w="12700" cap="flat" cmpd="sng" algn="ctr">
+                      <a:solidFill>
+                        <a:schemeClr val="tx1"/>
+                      </a:solidFill>
+                      <a:prstDash val="solid"/>
+                      <a:round/>
+                      <a:headEnd type="none" w="med" len="med"/>
+                      <a:tailEnd type="none" w="med" len="med"/>
+                    </a:lnL>
+                    <a:lnR w="12700" cap="flat" cmpd="sng" algn="ctr">
+                      <a:solidFill>
+                        <a:schemeClr val="tx1"/>
+                      </a:solidFill>
+                      <a:prstDash val="solid"/>
+                      <a:round/>
+                      <a:headEnd type="none" w="med" len="med"/>
+                      <a:tailEnd type="none" w="med" len="med"/>
+                    </a:lnR>
+                    <a:lnT w="12700" cap="flat" cmpd="sng" algn="ctr">
+                      <a:solidFill>
+                        <a:schemeClr val="tx1"/>
+                      </a:solidFill>
+                      <a:prstDash val="solid"/>
+                      <a:round/>
+                      <a:headEnd type="none" w="med" len="med"/>
+                      <a:tailEnd type="none" w="med" len="med"/>
+                    </a:lnT>
+                    <a:lnB w="12700" cap="flat" cmpd="sng" algn="ctr">
+                      <a:solidFill>
+                        <a:schemeClr val="tx1"/>
+                      </a:solidFill>
+                      <a:prstDash val="solid"/>
+                      <a:round/>
+                      <a:headEnd type="none" w="med" len="med"/>
+                      <a:tailEnd type="none" w="med" len="med"/>
+                    </a:lnB>
+                  </a:tcPr>
+                </a:tc>
+                <a:tc>
+                  <a:txBody>
+                    <a:bodyPr/>
+                    <a:lstStyle/>
+                    <a:p>
+                      <a:pPr algn="ctr"/>
+                      <a:r>
+                        <a:rPr lang="en" sz="1200" b="0" i="0">
+                          <a:solidFill>
+                            <a:schemeClr val="tx1"/>
+                          </a:solidFill>
+                          <a:effectLst/>
+                          <a:latin typeface="+mn-lt"/>
+                        </a:rPr>
+                        <a:t>boarding_flight</a:t>
+                      </a:r>
+                    </a:p>
+                  </a:txBody>
+                  <a:tcPr marL="19050" marR="19050" marT="19050" marB="19050" anchor="ctr">
+                    <a:lnL w="12700" cap="flat" cmpd="sng" algn="ctr">
+                      <a:solidFill>
+                        <a:schemeClr val="tx1"/>
+                      </a:solidFill>
+                      <a:prstDash val="solid"/>
+                      <a:round/>
+                      <a:headEnd type="none" w="med" len="med"/>
+                      <a:tailEnd type="none" w="med" len="med"/>
+                    </a:lnL>
+                    <a:lnR w="12700" cap="flat" cmpd="sng" algn="ctr">
+                      <a:solidFill>
+                        <a:schemeClr val="tx1"/>
+                      </a:solidFill>
+                      <a:prstDash val="solid"/>
+                      <a:round/>
+                      <a:headEnd type="none" w="med" len="med"/>
+                      <a:tailEnd type="none" w="med" len="med"/>
+                    </a:lnR>
+                    <a:lnT w="12700" cap="flat" cmpd="sng" algn="ctr">
+                      <a:solidFill>
+                        <a:schemeClr val="tx1"/>
+                      </a:solidFill>
+                      <a:prstDash val="solid"/>
+                      <a:round/>
+                      <a:headEnd type="none" w="med" len="med"/>
+                      <a:tailEnd type="none" w="med" len="med"/>
+                    </a:lnT>
+                    <a:lnB w="12700" cap="flat" cmpd="sng" algn="ctr">
+                      <a:solidFill>
+                        <a:schemeClr val="tx1"/>
+                      </a:solidFill>
+                      <a:prstDash val="solid"/>
+                      <a:round/>
+                      <a:headEnd type="none" w="med" len="med"/>
+                      <a:tailEnd type="none" w="med" len="med"/>
+                    </a:lnB>
+                  </a:tcPr>
+                </a:tc>
+                <a:tc>
+                  <a:txBody>
+                    <a:bodyPr/>
+                    <a:lstStyle/>
+                    <a:p>
+                      <a:pPr algn="ctr"/>
+                      <a:r>
+                        <a:rPr lang="ru-RU" sz="1200" b="0" i="0">
+                          <a:solidFill>
+                            <a:schemeClr val="tx1"/>
+                          </a:solidFill>
+                          <a:effectLst/>
+                          <a:latin typeface="+mn-lt"/>
+                        </a:rPr>
+                        <a:t>128</a:t>
+                      </a:r>
+                    </a:p>
+                  </a:txBody>
+                  <a:tcPr marL="19050" marR="19050" marT="19050" marB="19050" anchor="ctr">
+                    <a:lnL w="12700" cap="flat" cmpd="sng" algn="ctr">
+                      <a:solidFill>
+                        <a:schemeClr val="tx1"/>
+                      </a:solidFill>
+                      <a:prstDash val="solid"/>
+                      <a:round/>
+                      <a:headEnd type="none" w="med" len="med"/>
+                      <a:tailEnd type="none" w="med" len="med"/>
+                    </a:lnL>
+                    <a:lnR w="12700" cap="flat" cmpd="sng" algn="ctr">
+                      <a:solidFill>
+                        <a:schemeClr val="tx1"/>
+                      </a:solidFill>
+                      <a:prstDash val="solid"/>
+                      <a:round/>
+                      <a:headEnd type="none" w="med" len="med"/>
+                      <a:tailEnd type="none" w="med" len="med"/>
+                    </a:lnR>
+                    <a:lnT w="12700" cap="flat" cmpd="sng" algn="ctr">
+                      <a:solidFill>
+                        <a:schemeClr val="tx1"/>
+                      </a:solidFill>
+                      <a:prstDash val="solid"/>
+                      <a:round/>
+                      <a:headEnd type="none" w="med" len="med"/>
+                      <a:tailEnd type="none" w="med" len="med"/>
+                    </a:lnT>
+                    <a:lnB w="12700" cap="flat" cmpd="sng" algn="ctr">
+                      <a:solidFill>
+                        <a:schemeClr val="tx1"/>
+                      </a:solidFill>
+                      <a:prstDash val="solid"/>
+                      <a:round/>
+                      <a:headEnd type="none" w="med" len="med"/>
+                      <a:tailEnd type="none" w="med" len="med"/>
+                    </a:lnB>
+                  </a:tcPr>
+                </a:tc>
+                <a:tc>
+                  <a:txBody>
+                    <a:bodyPr/>
+                    <a:lstStyle/>
+                    <a:p>
+                      <a:pPr algn="ctr"/>
+                      <a:r>
+                        <a:rPr lang="en" sz="1200" b="0" i="0">
+                          <a:solidFill>
+                            <a:schemeClr val="tx1"/>
+                          </a:solidFill>
+                          <a:effectLst/>
+                          <a:latin typeface="+mn-lt"/>
+                        </a:rPr>
+                        <a:t>"AZUR Air"</a:t>
+                      </a:r>
+                    </a:p>
+                  </a:txBody>
+                  <a:tcPr marL="19050" marR="19050" marT="19050" marB="19050" anchor="ctr">
+                    <a:lnL w="12700" cap="flat" cmpd="sng" algn="ctr">
+                      <a:solidFill>
+                        <a:schemeClr val="tx1"/>
+                      </a:solidFill>
+                      <a:prstDash val="solid"/>
+                      <a:round/>
+                      <a:headEnd type="none" w="med" len="med"/>
+                      <a:tailEnd type="none" w="med" len="med"/>
+                    </a:lnL>
+                    <a:lnR w="12700" cap="flat" cmpd="sng" algn="ctr">
+                      <a:solidFill>
+                        <a:schemeClr val="tx1"/>
+                      </a:solidFill>
+                      <a:prstDash val="solid"/>
+                      <a:round/>
+                      <a:headEnd type="none" w="med" len="med"/>
+                      <a:tailEnd type="none" w="med" len="med"/>
+                    </a:lnR>
+                    <a:lnT w="12700" cap="flat" cmpd="sng" algn="ctr">
+                      <a:solidFill>
+                        <a:schemeClr val="tx1"/>
+                      </a:solidFill>
+                      <a:prstDash val="solid"/>
+                      <a:round/>
+                      <a:headEnd type="none" w="med" len="med"/>
+                      <a:tailEnd type="none" w="med" len="med"/>
+                    </a:lnT>
+                    <a:lnB w="12700" cap="flat" cmpd="sng" algn="ctr">
+                      <a:solidFill>
+                        <a:schemeClr val="tx1"/>
+                      </a:solidFill>
+                      <a:prstDash val="solid"/>
+                      <a:round/>
+                      <a:headEnd type="none" w="med" len="med"/>
+                      <a:tailEnd type="none" w="med" len="med"/>
+                    </a:lnB>
+                  </a:tcPr>
+                </a:tc>
+                <a:tc>
+                  <a:txBody>
+                    <a:bodyPr/>
+                    <a:lstStyle/>
+                    <a:p>
+                      <a:pPr algn="ctr"/>
+                      <a:r>
+                        <a:rPr lang="en" sz="1200" b="0" i="0">
+                          <a:solidFill>
+                            <a:schemeClr val="tx1"/>
+                          </a:solidFill>
+                          <a:effectLst/>
+                          <a:latin typeface="+mn-lt"/>
+                        </a:rPr>
+                        <a:t>Airbus-A320</a:t>
+                      </a:r>
+                    </a:p>
+                  </a:txBody>
+                  <a:tcPr marL="19050" marR="19050" marT="19050" marB="19050" anchor="ctr">
+                    <a:lnL w="12700" cap="flat" cmpd="sng" algn="ctr">
+                      <a:solidFill>
+                        <a:schemeClr val="tx1"/>
+                      </a:solidFill>
+                      <a:prstDash val="solid"/>
+                      <a:round/>
+                      <a:headEnd type="none" w="med" len="med"/>
+                      <a:tailEnd type="none" w="med" len="med"/>
+                    </a:lnL>
+                    <a:lnR w="12700" cap="flat" cmpd="sng" algn="ctr">
+                      <a:solidFill>
+                        <a:schemeClr val="tx1"/>
+                      </a:solidFill>
+                      <a:prstDash val="solid"/>
+                      <a:round/>
+                      <a:headEnd type="none" w="med" len="med"/>
+                      <a:tailEnd type="none" w="med" len="med"/>
+                    </a:lnR>
+                    <a:lnT w="12700" cap="flat" cmpd="sng" algn="ctr">
+                      <a:solidFill>
+                        <a:schemeClr val="tx1"/>
+                      </a:solidFill>
+                      <a:prstDash val="solid"/>
+                      <a:round/>
+                      <a:headEnd type="none" w="med" len="med"/>
+                      <a:tailEnd type="none" w="med" len="med"/>
+                    </a:lnT>
+                    <a:lnB w="12700" cap="flat" cmpd="sng" algn="ctr">
+                      <a:solidFill>
+                        <a:schemeClr val="tx1"/>
+                      </a:solidFill>
+                      <a:prstDash val="solid"/>
+                      <a:round/>
+                      <a:headEnd type="none" w="med" len="med"/>
+                      <a:tailEnd type="none" w="med" len="med"/>
+                    </a:lnB>
+                  </a:tcPr>
+                </a:tc>
+                <a:tc>
+                  <a:txBody>
+                    <a:bodyPr/>
+                    <a:lstStyle/>
+                    <a:p>
+                      <a:pPr algn="ctr"/>
+                      <a:r>
+                        <a:rPr lang="ru-RU" sz="1200" b="0" i="0">
+                          <a:solidFill>
+                            <a:schemeClr val="tx1"/>
+                          </a:solidFill>
+                          <a:effectLst/>
+                          <a:latin typeface="+mn-lt"/>
+                        </a:rPr>
+                        <a:t>00:02:08</a:t>
+                      </a:r>
+                    </a:p>
+                  </a:txBody>
+                  <a:tcPr marL="19050" marR="19050" marT="19050" marB="19050" anchor="ctr">
+                    <a:lnL w="12700" cap="flat" cmpd="sng" algn="ctr">
+                      <a:solidFill>
+                        <a:schemeClr val="tx1"/>
+                      </a:solidFill>
+                      <a:prstDash val="solid"/>
+                      <a:round/>
+                      <a:headEnd type="none" w="med" len="med"/>
+                      <a:tailEnd type="none" w="med" len="med"/>
+                    </a:lnL>
+                    <a:lnR w="12700" cap="flat" cmpd="sng" algn="ctr">
+                      <a:solidFill>
+                        <a:schemeClr val="tx1"/>
+                      </a:solidFill>
+                      <a:prstDash val="solid"/>
+                      <a:round/>
+                      <a:headEnd type="none" w="med" len="med"/>
+                      <a:tailEnd type="none" w="med" len="med"/>
+                    </a:lnR>
+                    <a:lnT w="12700" cap="flat" cmpd="sng" algn="ctr">
+                      <a:solidFill>
+                        <a:schemeClr val="tx1"/>
+                      </a:solidFill>
+                      <a:prstDash val="solid"/>
+                      <a:round/>
+                      <a:headEnd type="none" w="med" len="med"/>
+                      <a:tailEnd type="none" w="med" len="med"/>
+                    </a:lnT>
+                    <a:lnB w="12700" cap="flat" cmpd="sng" algn="ctr">
+                      <a:solidFill>
+                        <a:schemeClr val="tx1"/>
+                      </a:solidFill>
+                      <a:prstDash val="solid"/>
+                      <a:round/>
+                      <a:headEnd type="none" w="med" len="med"/>
+                      <a:tailEnd type="none" w="med" len="med"/>
+                    </a:lnB>
+                  </a:tcPr>
+                </a:tc>
+                <a:tc>
+                  <a:txBody>
+                    <a:bodyPr/>
+                    <a:lstStyle/>
+                    <a:p>
+                      <a:pPr algn="ctr"/>
+                      <a:r>
+                        <a:rPr lang="ru-RU" sz="1200" b="0" i="0">
+                          <a:solidFill>
+                            <a:schemeClr val="tx1"/>
+                          </a:solidFill>
+                          <a:effectLst/>
+                          <a:latin typeface="+mn-lt"/>
+                        </a:rPr>
+                        <a:t>120</a:t>
+                      </a:r>
+                    </a:p>
+                  </a:txBody>
+                  <a:tcPr marL="19050" marR="19050" marT="19050" marB="19050" anchor="ctr">
+                    <a:lnL w="12700" cap="flat" cmpd="sng" algn="ctr">
+                      <a:solidFill>
+                        <a:schemeClr val="tx1"/>
+                      </a:solidFill>
+                      <a:prstDash val="solid"/>
+                      <a:round/>
+                      <a:headEnd type="none" w="med" len="med"/>
+                      <a:tailEnd type="none" w="med" len="med"/>
+                    </a:lnL>
+                    <a:lnR w="12700" cap="flat" cmpd="sng" algn="ctr">
+                      <a:solidFill>
+                        <a:schemeClr val="tx1"/>
+                      </a:solidFill>
+                      <a:prstDash val="solid"/>
+                      <a:round/>
+                      <a:headEnd type="none" w="med" len="med"/>
+                      <a:tailEnd type="none" w="med" len="med"/>
+                    </a:lnR>
+                    <a:lnT w="12700" cap="flat" cmpd="sng" algn="ctr">
+                      <a:solidFill>
+                        <a:schemeClr val="tx1"/>
+                      </a:solidFill>
+                      <a:prstDash val="solid"/>
+                      <a:round/>
+                      <a:headEnd type="none" w="med" len="med"/>
+                      <a:tailEnd type="none" w="med" len="med"/>
+                    </a:lnT>
+                    <a:lnB w="12700" cap="flat" cmpd="sng" algn="ctr">
+                      <a:solidFill>
+                        <a:schemeClr val="tx1"/>
+                      </a:solidFill>
+                      <a:prstDash val="solid"/>
+                      <a:round/>
+                      <a:headEnd type="none" w="med" len="med"/>
+                      <a:tailEnd type="none" w="med" len="med"/>
+                    </a:lnB>
+                  </a:tcPr>
+                </a:tc>
+                <a:extLst>
+                  <a:ext uri="{0D108BD9-81ED-4DB2-BD59-A6C34878D82A}">
+                    <a16:rowId xmlns:a16="http://schemas.microsoft.com/office/drawing/2014/main" val="2523075541"/>
+                  </a:ext>
+                </a:extLst>
+              </a:tr>
+              <a:tr h="370840">
+                <a:tc>
+                  <a:txBody>
+                    <a:bodyPr/>
+                    <a:lstStyle/>
+                    <a:p>
+                      <a:pPr algn="ctr"/>
+                      <a:r>
+                        <a:rPr lang="ru-RU" sz="1200" b="0" i="0">
+                          <a:solidFill>
+                            <a:schemeClr val="tx1"/>
+                          </a:solidFill>
+                          <a:effectLst/>
+                          <a:latin typeface="+mn-lt"/>
+                        </a:rPr>
+                        <a:t>8</a:t>
+                      </a:r>
+                    </a:p>
+                  </a:txBody>
+                  <a:tcPr marL="19050" marR="19050" marT="19050" marB="19050" anchor="ctr">
+                    <a:lnL w="12700" cap="flat" cmpd="sng" algn="ctr">
+                      <a:solidFill>
+                        <a:schemeClr val="tx1"/>
+                      </a:solidFill>
+                      <a:prstDash val="solid"/>
+                      <a:round/>
+                      <a:headEnd type="none" w="med" len="med"/>
+                      <a:tailEnd type="none" w="med" len="med"/>
+                    </a:lnL>
+                    <a:lnR w="12700" cap="flat" cmpd="sng" algn="ctr">
+                      <a:solidFill>
+                        <a:schemeClr val="tx1"/>
+                      </a:solidFill>
+                      <a:prstDash val="solid"/>
+                      <a:round/>
+                      <a:headEnd type="none" w="med" len="med"/>
+                      <a:tailEnd type="none" w="med" len="med"/>
+                    </a:lnR>
+                    <a:lnT w="12700" cap="flat" cmpd="sng" algn="ctr">
+                      <a:solidFill>
+                        <a:schemeClr val="tx1"/>
+                      </a:solidFill>
+                      <a:prstDash val="solid"/>
+                      <a:round/>
+                      <a:headEnd type="none" w="med" len="med"/>
+                      <a:tailEnd type="none" w="med" len="med"/>
+                    </a:lnT>
+                    <a:lnB w="12700" cap="flat" cmpd="sng" algn="ctr">
+                      <a:solidFill>
+                        <a:schemeClr val="tx1"/>
+                      </a:solidFill>
+                      <a:prstDash val="solid"/>
+                      <a:round/>
+                      <a:headEnd type="none" w="med" len="med"/>
+                      <a:tailEnd type="none" w="med" len="med"/>
+                    </a:lnB>
+                  </a:tcPr>
+                </a:tc>
+                <a:tc>
+                  <a:txBody>
+                    <a:bodyPr/>
+                    <a:lstStyle/>
+                    <a:p>
+                      <a:pPr algn="ctr"/>
+                      <a:r>
+                        <a:rPr lang="en" sz="1200" b="0" i="0">
+                          <a:solidFill>
+                            <a:schemeClr val="tx1"/>
+                          </a:solidFill>
+                          <a:effectLst/>
+                          <a:latin typeface="+mn-lt"/>
+                        </a:rPr>
+                        <a:t>boarding_flight</a:t>
+                      </a:r>
+                    </a:p>
+                  </a:txBody>
+                  <a:tcPr marL="19050" marR="19050" marT="19050" marB="19050" anchor="ctr">
+                    <a:lnL w="12700" cap="flat" cmpd="sng" algn="ctr">
+                      <a:solidFill>
+                        <a:schemeClr val="tx1"/>
+                      </a:solidFill>
+                      <a:prstDash val="solid"/>
+                      <a:round/>
+                      <a:headEnd type="none" w="med" len="med"/>
+                      <a:tailEnd type="none" w="med" len="med"/>
+                    </a:lnL>
+                    <a:lnR w="12700" cap="flat" cmpd="sng" algn="ctr">
+                      <a:solidFill>
+                        <a:schemeClr val="tx1"/>
+                      </a:solidFill>
+                      <a:prstDash val="solid"/>
+                      <a:round/>
+                      <a:headEnd type="none" w="med" len="med"/>
+                      <a:tailEnd type="none" w="med" len="med"/>
+                    </a:lnR>
+                    <a:lnT w="12700" cap="flat" cmpd="sng" algn="ctr">
+                      <a:solidFill>
+                        <a:schemeClr val="tx1"/>
+                      </a:solidFill>
+                      <a:prstDash val="solid"/>
+                      <a:round/>
+                      <a:headEnd type="none" w="med" len="med"/>
+                      <a:tailEnd type="none" w="med" len="med"/>
+                    </a:lnT>
+                    <a:lnB w="12700" cap="flat" cmpd="sng" algn="ctr">
+                      <a:solidFill>
+                        <a:schemeClr val="tx1"/>
+                      </a:solidFill>
+                      <a:prstDash val="solid"/>
+                      <a:round/>
+                      <a:headEnd type="none" w="med" len="med"/>
+                      <a:tailEnd type="none" w="med" len="med"/>
+                    </a:lnB>
+                  </a:tcPr>
+                </a:tc>
+                <a:tc>
+                  <a:txBody>
+                    <a:bodyPr/>
+                    <a:lstStyle/>
+                    <a:p>
+                      <a:pPr algn="ctr"/>
+                      <a:r>
+                        <a:rPr lang="ru-RU" sz="1200" b="0" i="0">
+                          <a:solidFill>
+                            <a:schemeClr val="tx1"/>
+                          </a:solidFill>
+                          <a:effectLst/>
+                          <a:latin typeface="+mn-lt"/>
+                        </a:rPr>
+                        <a:t>144</a:t>
+                      </a:r>
+                    </a:p>
+                  </a:txBody>
+                  <a:tcPr marL="19050" marR="19050" marT="19050" marB="19050" anchor="ctr">
+                    <a:lnL w="12700" cap="flat" cmpd="sng" algn="ctr">
+                      <a:solidFill>
+                        <a:schemeClr val="tx1"/>
+                      </a:solidFill>
+                      <a:prstDash val="solid"/>
+                      <a:round/>
+                      <a:headEnd type="none" w="med" len="med"/>
+                      <a:tailEnd type="none" w="med" len="med"/>
+                    </a:lnL>
+                    <a:lnR w="12700" cap="flat" cmpd="sng" algn="ctr">
+                      <a:solidFill>
+                        <a:schemeClr val="tx1"/>
+                      </a:solidFill>
+                      <a:prstDash val="solid"/>
+                      <a:round/>
+                      <a:headEnd type="none" w="med" len="med"/>
+                      <a:tailEnd type="none" w="med" len="med"/>
+                    </a:lnR>
+                    <a:lnT w="12700" cap="flat" cmpd="sng" algn="ctr">
+                      <a:solidFill>
+                        <a:schemeClr val="tx1"/>
+                      </a:solidFill>
+                      <a:prstDash val="solid"/>
+                      <a:round/>
+                      <a:headEnd type="none" w="med" len="med"/>
+                      <a:tailEnd type="none" w="med" len="med"/>
+                    </a:lnT>
+                    <a:lnB w="12700" cap="flat" cmpd="sng" algn="ctr">
+                      <a:solidFill>
+                        <a:schemeClr val="tx1"/>
+                      </a:solidFill>
+                      <a:prstDash val="solid"/>
+                      <a:round/>
+                      <a:headEnd type="none" w="med" len="med"/>
+                      <a:tailEnd type="none" w="med" len="med"/>
+                    </a:lnB>
+                  </a:tcPr>
+                </a:tc>
+                <a:tc>
+                  <a:txBody>
+                    <a:bodyPr/>
+                    <a:lstStyle/>
+                    <a:p>
+                      <a:pPr algn="ctr"/>
+                      <a:r>
+                        <a:rPr lang="ru-RU" sz="1200" b="0" i="0">
+                          <a:solidFill>
+                            <a:schemeClr val="tx1"/>
+                          </a:solidFill>
+                          <a:effectLst/>
+                          <a:latin typeface="+mn-lt"/>
+                        </a:rPr>
+                        <a:t>"ИрАэро"</a:t>
+                      </a:r>
+                    </a:p>
+                  </a:txBody>
+                  <a:tcPr marL="19050" marR="19050" marT="19050" marB="19050" anchor="ctr">
+                    <a:lnL w="12700" cap="flat" cmpd="sng" algn="ctr">
+                      <a:solidFill>
+                        <a:schemeClr val="tx1"/>
+                      </a:solidFill>
+                      <a:prstDash val="solid"/>
+                      <a:round/>
+                      <a:headEnd type="none" w="med" len="med"/>
+                      <a:tailEnd type="none" w="med" len="med"/>
+                    </a:lnL>
+                    <a:lnR w="12700" cap="flat" cmpd="sng" algn="ctr">
+                      <a:solidFill>
+                        <a:schemeClr val="tx1"/>
+                      </a:solidFill>
+                      <a:prstDash val="solid"/>
+                      <a:round/>
+                      <a:headEnd type="none" w="med" len="med"/>
+                      <a:tailEnd type="none" w="med" len="med"/>
+                    </a:lnR>
+                    <a:lnT w="12700" cap="flat" cmpd="sng" algn="ctr">
+                      <a:solidFill>
+                        <a:schemeClr val="tx1"/>
+                      </a:solidFill>
+                      <a:prstDash val="solid"/>
+                      <a:round/>
+                      <a:headEnd type="none" w="med" len="med"/>
+                      <a:tailEnd type="none" w="med" len="med"/>
+                    </a:lnT>
+                    <a:lnB w="12700" cap="flat" cmpd="sng" algn="ctr">
+                      <a:solidFill>
+                        <a:schemeClr val="tx1"/>
+                      </a:solidFill>
+                      <a:prstDash val="solid"/>
+                      <a:round/>
+                      <a:headEnd type="none" w="med" len="med"/>
+                      <a:tailEnd type="none" w="med" len="med"/>
+                    </a:lnB>
+                  </a:tcPr>
+                </a:tc>
+                <a:tc>
+                  <a:txBody>
+                    <a:bodyPr/>
+                    <a:lstStyle/>
+                    <a:p>
+                      <a:pPr algn="ctr"/>
+                      <a:r>
+                        <a:rPr lang="ru-RU" sz="1200" b="0" i="0">
+                          <a:solidFill>
+                            <a:schemeClr val="tx1"/>
+                          </a:solidFill>
+                          <a:effectLst/>
+                          <a:latin typeface="+mn-lt"/>
+                        </a:rPr>
+                        <a:t>ИЛ-62</a:t>
+                      </a:r>
+                    </a:p>
+                  </a:txBody>
+                  <a:tcPr marL="19050" marR="19050" marT="19050" marB="19050" anchor="ctr">
+                    <a:lnL w="12700" cap="flat" cmpd="sng" algn="ctr">
+                      <a:solidFill>
+                        <a:schemeClr val="tx1"/>
+                      </a:solidFill>
+                      <a:prstDash val="solid"/>
+                      <a:round/>
+                      <a:headEnd type="none" w="med" len="med"/>
+                      <a:tailEnd type="none" w="med" len="med"/>
+                    </a:lnL>
+                    <a:lnR w="12700" cap="flat" cmpd="sng" algn="ctr">
+                      <a:solidFill>
+                        <a:schemeClr val="tx1"/>
+                      </a:solidFill>
+                      <a:prstDash val="solid"/>
+                      <a:round/>
+                      <a:headEnd type="none" w="med" len="med"/>
+                      <a:tailEnd type="none" w="med" len="med"/>
+                    </a:lnR>
+                    <a:lnT w="12700" cap="flat" cmpd="sng" algn="ctr">
+                      <a:solidFill>
+                        <a:schemeClr val="tx1"/>
+                      </a:solidFill>
+                      <a:prstDash val="solid"/>
+                      <a:round/>
+                      <a:headEnd type="none" w="med" len="med"/>
+                      <a:tailEnd type="none" w="med" len="med"/>
+                    </a:lnT>
+                    <a:lnB w="12700" cap="flat" cmpd="sng" algn="ctr">
+                      <a:solidFill>
+                        <a:schemeClr val="tx1"/>
+                      </a:solidFill>
+                      <a:prstDash val="solid"/>
+                      <a:round/>
+                      <a:headEnd type="none" w="med" len="med"/>
+                      <a:tailEnd type="none" w="med" len="med"/>
+                    </a:lnB>
+                  </a:tcPr>
+                </a:tc>
+                <a:tc>
+                  <a:txBody>
+                    <a:bodyPr/>
+                    <a:lstStyle/>
+                    <a:p>
+                      <a:pPr algn="ctr"/>
+                      <a:r>
+                        <a:rPr lang="ru-RU" sz="1200" b="0" i="0">
+                          <a:solidFill>
+                            <a:schemeClr val="tx1"/>
+                          </a:solidFill>
+                          <a:effectLst/>
+                          <a:latin typeface="+mn-lt"/>
+                        </a:rPr>
+                        <a:t>00:02:24</a:t>
+                      </a:r>
+                    </a:p>
+                  </a:txBody>
+                  <a:tcPr marL="19050" marR="19050" marT="19050" marB="19050" anchor="ctr">
+                    <a:lnL w="12700" cap="flat" cmpd="sng" algn="ctr">
+                      <a:solidFill>
+                        <a:schemeClr val="tx1"/>
+                      </a:solidFill>
+                      <a:prstDash val="solid"/>
+                      <a:round/>
+                      <a:headEnd type="none" w="med" len="med"/>
+                      <a:tailEnd type="none" w="med" len="med"/>
+                    </a:lnL>
+                    <a:lnR w="12700" cap="flat" cmpd="sng" algn="ctr">
+                      <a:solidFill>
+                        <a:schemeClr val="tx1"/>
+                      </a:solidFill>
+                      <a:prstDash val="solid"/>
+                      <a:round/>
+                      <a:headEnd type="none" w="med" len="med"/>
+                      <a:tailEnd type="none" w="med" len="med"/>
+                    </a:lnR>
+                    <a:lnT w="12700" cap="flat" cmpd="sng" algn="ctr">
+                      <a:solidFill>
+                        <a:schemeClr val="tx1"/>
+                      </a:solidFill>
+                      <a:prstDash val="solid"/>
+                      <a:round/>
+                      <a:headEnd type="none" w="med" len="med"/>
+                      <a:tailEnd type="none" w="med" len="med"/>
+                    </a:lnT>
+                    <a:lnB w="12700" cap="flat" cmpd="sng" algn="ctr">
+                      <a:solidFill>
+                        <a:schemeClr val="tx1"/>
+                      </a:solidFill>
+                      <a:prstDash val="solid"/>
+                      <a:round/>
+                      <a:headEnd type="none" w="med" len="med"/>
+                      <a:tailEnd type="none" w="med" len="med"/>
+                    </a:lnB>
+                  </a:tcPr>
+                </a:tc>
+                <a:tc>
+                  <a:txBody>
+                    <a:bodyPr/>
+                    <a:lstStyle/>
+                    <a:p>
+                      <a:pPr algn="ctr"/>
+                      <a:r>
+                        <a:rPr lang="ru-RU" sz="1200" b="0" i="0">
+                          <a:solidFill>
+                            <a:schemeClr val="tx1"/>
+                          </a:solidFill>
+                          <a:effectLst/>
+                          <a:latin typeface="+mn-lt"/>
+                        </a:rPr>
+                        <a:t>120</a:t>
+                      </a:r>
+                    </a:p>
+                  </a:txBody>
+                  <a:tcPr marL="19050" marR="19050" marT="19050" marB="19050" anchor="ctr">
+                    <a:lnL w="12700" cap="flat" cmpd="sng" algn="ctr">
+                      <a:solidFill>
+                        <a:schemeClr val="tx1"/>
+                      </a:solidFill>
+                      <a:prstDash val="solid"/>
+                      <a:round/>
+                      <a:headEnd type="none" w="med" len="med"/>
+                      <a:tailEnd type="none" w="med" len="med"/>
+                    </a:lnL>
+                    <a:lnR w="12700" cap="flat" cmpd="sng" algn="ctr">
+                      <a:solidFill>
+                        <a:schemeClr val="tx1"/>
+                      </a:solidFill>
+                      <a:prstDash val="solid"/>
+                      <a:round/>
+                      <a:headEnd type="none" w="med" len="med"/>
+                      <a:tailEnd type="none" w="med" len="med"/>
+                    </a:lnR>
+                    <a:lnT w="12700" cap="flat" cmpd="sng" algn="ctr">
+                      <a:solidFill>
+                        <a:schemeClr val="tx1"/>
+                      </a:solidFill>
+                      <a:prstDash val="solid"/>
+                      <a:round/>
+                      <a:headEnd type="none" w="med" len="med"/>
+                      <a:tailEnd type="none" w="med" len="med"/>
+                    </a:lnT>
+                    <a:lnB w="12700" cap="flat" cmpd="sng" algn="ctr">
+                      <a:solidFill>
+                        <a:schemeClr val="tx1"/>
+                      </a:solidFill>
+                      <a:prstDash val="solid"/>
+                      <a:round/>
+                      <a:headEnd type="none" w="med" len="med"/>
+                      <a:tailEnd type="none" w="med" len="med"/>
+                    </a:lnB>
+                  </a:tcPr>
+                </a:tc>
+                <a:extLst>
+                  <a:ext uri="{0D108BD9-81ED-4DB2-BD59-A6C34878D82A}">
+                    <a16:rowId xmlns:a16="http://schemas.microsoft.com/office/drawing/2014/main" val="3219407164"/>
+                  </a:ext>
+                </a:extLst>
+              </a:tr>
+              <a:tr h="370840">
+                <a:tc>
+                  <a:txBody>
+                    <a:bodyPr/>
+                    <a:lstStyle/>
+                    <a:p>
+                      <a:pPr algn="ctr"/>
+                      <a:r>
+                        <a:rPr lang="ru-RU" sz="1200" b="0" i="0">
+                          <a:solidFill>
+                            <a:schemeClr val="tx1"/>
+                          </a:solidFill>
+                          <a:effectLst/>
+                          <a:latin typeface="+mn-lt"/>
+                        </a:rPr>
+                        <a:t>9</a:t>
+                      </a:r>
+                    </a:p>
+                  </a:txBody>
+                  <a:tcPr marL="19050" marR="19050" marT="19050" marB="19050" anchor="ctr">
+                    <a:lnL w="12700" cap="flat" cmpd="sng" algn="ctr">
+                      <a:solidFill>
+                        <a:schemeClr val="tx1"/>
+                      </a:solidFill>
+                      <a:prstDash val="solid"/>
+                      <a:round/>
+                      <a:headEnd type="none" w="med" len="med"/>
+                      <a:tailEnd type="none" w="med" len="med"/>
+                    </a:lnL>
+                    <a:lnR w="12700" cap="flat" cmpd="sng" algn="ctr">
+                      <a:solidFill>
+                        <a:schemeClr val="tx1"/>
+                      </a:solidFill>
+                      <a:prstDash val="solid"/>
+                      <a:round/>
+                      <a:headEnd type="none" w="med" len="med"/>
+                      <a:tailEnd type="none" w="med" len="med"/>
+                    </a:lnR>
+                    <a:lnT w="12700" cap="flat" cmpd="sng" algn="ctr">
+                      <a:solidFill>
+                        <a:schemeClr val="tx1"/>
+                      </a:solidFill>
+                      <a:prstDash val="solid"/>
+                      <a:round/>
+                      <a:headEnd type="none" w="med" len="med"/>
+                      <a:tailEnd type="none" w="med" len="med"/>
+                    </a:lnT>
+                    <a:lnB w="12700" cap="flat" cmpd="sng" algn="ctr">
+                      <a:solidFill>
+                        <a:schemeClr val="tx1"/>
+                      </a:solidFill>
+                      <a:prstDash val="solid"/>
+                      <a:round/>
+                      <a:headEnd type="none" w="med" len="med"/>
+                      <a:tailEnd type="none" w="med" len="med"/>
+                    </a:lnB>
+                  </a:tcPr>
+                </a:tc>
+                <a:tc>
+                  <a:txBody>
+                    <a:bodyPr/>
+                    <a:lstStyle/>
+                    <a:p>
+                      <a:pPr algn="ctr"/>
+                      <a:r>
+                        <a:rPr lang="en" sz="1200" b="0" i="0">
+                          <a:solidFill>
+                            <a:schemeClr val="tx1"/>
+                          </a:solidFill>
+                          <a:effectLst/>
+                          <a:latin typeface="+mn-lt"/>
+                        </a:rPr>
+                        <a:t>takeoff_flight</a:t>
+                      </a:r>
+                    </a:p>
+                  </a:txBody>
+                  <a:tcPr marL="19050" marR="19050" marT="19050" marB="19050" anchor="ctr">
+                    <a:lnL w="12700" cap="flat" cmpd="sng" algn="ctr">
+                      <a:solidFill>
+                        <a:schemeClr val="tx1"/>
+                      </a:solidFill>
+                      <a:prstDash val="solid"/>
+                      <a:round/>
+                      <a:headEnd type="none" w="med" len="med"/>
+                      <a:tailEnd type="none" w="med" len="med"/>
+                    </a:lnL>
+                    <a:lnR w="12700" cap="flat" cmpd="sng" algn="ctr">
+                      <a:solidFill>
+                        <a:schemeClr val="tx1"/>
+                      </a:solidFill>
+                      <a:prstDash val="solid"/>
+                      <a:round/>
+                      <a:headEnd type="none" w="med" len="med"/>
+                      <a:tailEnd type="none" w="med" len="med"/>
+                    </a:lnR>
+                    <a:lnT w="12700" cap="flat" cmpd="sng" algn="ctr">
+                      <a:solidFill>
+                        <a:schemeClr val="tx1"/>
+                      </a:solidFill>
+                      <a:prstDash val="solid"/>
+                      <a:round/>
+                      <a:headEnd type="none" w="med" len="med"/>
+                      <a:tailEnd type="none" w="med" len="med"/>
+                    </a:lnT>
+                    <a:lnB w="12700" cap="flat" cmpd="sng" algn="ctr">
+                      <a:solidFill>
+                        <a:schemeClr val="tx1"/>
+                      </a:solidFill>
+                      <a:prstDash val="solid"/>
+                      <a:round/>
+                      <a:headEnd type="none" w="med" len="med"/>
+                      <a:tailEnd type="none" w="med" len="med"/>
+                    </a:lnB>
+                  </a:tcPr>
+                </a:tc>
+                <a:tc>
+                  <a:txBody>
+                    <a:bodyPr/>
+                    <a:lstStyle/>
+                    <a:p>
+                      <a:pPr algn="ctr"/>
+                      <a:r>
+                        <a:rPr lang="ru-RU" sz="1200" b="0" i="0">
+                          <a:solidFill>
+                            <a:schemeClr val="tx1"/>
+                          </a:solidFill>
+                          <a:effectLst/>
+                          <a:latin typeface="+mn-lt"/>
+                        </a:rPr>
+                        <a:t>161</a:t>
+                      </a:r>
+                    </a:p>
+                  </a:txBody>
+                  <a:tcPr marL="19050" marR="19050" marT="19050" marB="19050" anchor="ctr">
+                    <a:lnL w="12700" cap="flat" cmpd="sng" algn="ctr">
+                      <a:solidFill>
+                        <a:schemeClr val="tx1"/>
+                      </a:solidFill>
+                      <a:prstDash val="solid"/>
+                      <a:round/>
+                      <a:headEnd type="none" w="med" len="med"/>
+                      <a:tailEnd type="none" w="med" len="med"/>
+                    </a:lnL>
+                    <a:lnR w="12700" cap="flat" cmpd="sng" algn="ctr">
+                      <a:solidFill>
+                        <a:schemeClr val="tx1"/>
+                      </a:solidFill>
+                      <a:prstDash val="solid"/>
+                      <a:round/>
+                      <a:headEnd type="none" w="med" len="med"/>
+                      <a:tailEnd type="none" w="med" len="med"/>
+                    </a:lnR>
+                    <a:lnT w="12700" cap="flat" cmpd="sng" algn="ctr">
+                      <a:solidFill>
+                        <a:schemeClr val="tx1"/>
+                      </a:solidFill>
+                      <a:prstDash val="solid"/>
+                      <a:round/>
+                      <a:headEnd type="none" w="med" len="med"/>
+                      <a:tailEnd type="none" w="med" len="med"/>
+                    </a:lnT>
+                    <a:lnB w="12700" cap="flat" cmpd="sng" algn="ctr">
+                      <a:solidFill>
+                        <a:schemeClr val="tx1"/>
+                      </a:solidFill>
+                      <a:prstDash val="solid"/>
+                      <a:round/>
+                      <a:headEnd type="none" w="med" len="med"/>
+                      <a:tailEnd type="none" w="med" len="med"/>
+                    </a:lnB>
+                  </a:tcPr>
+                </a:tc>
+                <a:tc>
+                  <a:txBody>
+                    <a:bodyPr/>
+                    <a:lstStyle/>
+                    <a:p>
+                      <a:pPr algn="ctr"/>
+                      <a:r>
+                        <a:rPr lang="ru-RU" sz="1200" b="0" i="0">
+                          <a:solidFill>
+                            <a:schemeClr val="tx1"/>
+                          </a:solidFill>
+                          <a:effectLst/>
+                          <a:latin typeface="+mn-lt"/>
+                        </a:rPr>
+                        <a:t>"Аврора"</a:t>
+                      </a:r>
+                    </a:p>
+                  </a:txBody>
+                  <a:tcPr marL="19050" marR="19050" marT="19050" marB="19050" anchor="ctr">
+                    <a:lnL w="12700" cap="flat" cmpd="sng" algn="ctr">
+                      <a:solidFill>
+                        <a:schemeClr val="tx1"/>
+                      </a:solidFill>
+                      <a:prstDash val="solid"/>
+                      <a:round/>
+                      <a:headEnd type="none" w="med" len="med"/>
+                      <a:tailEnd type="none" w="med" len="med"/>
+                    </a:lnL>
+                    <a:lnR w="12700" cap="flat" cmpd="sng" algn="ctr">
+                      <a:solidFill>
+                        <a:schemeClr val="tx1"/>
+                      </a:solidFill>
+                      <a:prstDash val="solid"/>
+                      <a:round/>
+                      <a:headEnd type="none" w="med" len="med"/>
+                      <a:tailEnd type="none" w="med" len="med"/>
+                    </a:lnR>
+                    <a:lnT w="12700" cap="flat" cmpd="sng" algn="ctr">
+                      <a:solidFill>
+                        <a:schemeClr val="tx1"/>
+                      </a:solidFill>
+                      <a:prstDash val="solid"/>
+                      <a:round/>
+                      <a:headEnd type="none" w="med" len="med"/>
+                      <a:tailEnd type="none" w="med" len="med"/>
+                    </a:lnT>
+                    <a:lnB w="12700" cap="flat" cmpd="sng" algn="ctr">
+                      <a:solidFill>
+                        <a:schemeClr val="tx1"/>
+                      </a:solidFill>
+                      <a:prstDash val="solid"/>
+                      <a:round/>
+                      <a:headEnd type="none" w="med" len="med"/>
+                      <a:tailEnd type="none" w="med" len="med"/>
+                    </a:lnB>
+                  </a:tcPr>
+                </a:tc>
+                <a:tc>
+                  <a:txBody>
+                    <a:bodyPr/>
+                    <a:lstStyle/>
+                    <a:p>
+                      <a:pPr algn="ctr"/>
+                      <a:r>
+                        <a:rPr lang="ru-RU" sz="1200" b="0" i="0">
+                          <a:solidFill>
+                            <a:schemeClr val="tx1"/>
+                          </a:solidFill>
+                          <a:effectLst/>
+                          <a:latin typeface="+mn-lt"/>
+                        </a:rPr>
+                        <a:t>ИЛ-62</a:t>
+                      </a:r>
+                    </a:p>
+                  </a:txBody>
+                  <a:tcPr marL="19050" marR="19050" marT="19050" marB="19050" anchor="ctr">
+                    <a:lnL w="12700" cap="flat" cmpd="sng" algn="ctr">
+                      <a:solidFill>
+                        <a:schemeClr val="tx1"/>
+                      </a:solidFill>
+                      <a:prstDash val="solid"/>
+                      <a:round/>
+                      <a:headEnd type="none" w="med" len="med"/>
+                      <a:tailEnd type="none" w="med" len="med"/>
+                    </a:lnL>
+                    <a:lnR w="12700" cap="flat" cmpd="sng" algn="ctr">
+                      <a:solidFill>
+                        <a:schemeClr val="tx1"/>
+                      </a:solidFill>
+                      <a:prstDash val="solid"/>
+                      <a:round/>
+                      <a:headEnd type="none" w="med" len="med"/>
+                      <a:tailEnd type="none" w="med" len="med"/>
+                    </a:lnR>
+                    <a:lnT w="12700" cap="flat" cmpd="sng" algn="ctr">
+                      <a:solidFill>
+                        <a:schemeClr val="tx1"/>
+                      </a:solidFill>
+                      <a:prstDash val="solid"/>
+                      <a:round/>
+                      <a:headEnd type="none" w="med" len="med"/>
+                      <a:tailEnd type="none" w="med" len="med"/>
+                    </a:lnT>
+                    <a:lnB w="12700" cap="flat" cmpd="sng" algn="ctr">
+                      <a:solidFill>
+                        <a:schemeClr val="tx1"/>
+                      </a:solidFill>
+                      <a:prstDash val="solid"/>
+                      <a:round/>
+                      <a:headEnd type="none" w="med" len="med"/>
+                      <a:tailEnd type="none" w="med" len="med"/>
+                    </a:lnB>
+                  </a:tcPr>
+                </a:tc>
+                <a:tc>
+                  <a:txBody>
+                    <a:bodyPr/>
+                    <a:lstStyle/>
+                    <a:p>
+                      <a:pPr algn="ctr"/>
+                      <a:r>
+                        <a:rPr lang="ru-RU" sz="1200" b="0" i="0">
+                          <a:solidFill>
+                            <a:schemeClr val="tx1"/>
+                          </a:solidFill>
+                          <a:effectLst/>
+                          <a:latin typeface="+mn-lt"/>
+                        </a:rPr>
+                        <a:t>00:02:41</a:t>
+                      </a:r>
+                    </a:p>
+                  </a:txBody>
+                  <a:tcPr marL="19050" marR="19050" marT="19050" marB="19050" anchor="ctr">
+                    <a:lnL w="12700" cap="flat" cmpd="sng" algn="ctr">
+                      <a:solidFill>
+                        <a:schemeClr val="tx1"/>
+                      </a:solidFill>
+                      <a:prstDash val="solid"/>
+                      <a:round/>
+                      <a:headEnd type="none" w="med" len="med"/>
+                      <a:tailEnd type="none" w="med" len="med"/>
+                    </a:lnL>
+                    <a:lnR w="12700" cap="flat" cmpd="sng" algn="ctr">
+                      <a:solidFill>
+                        <a:schemeClr val="tx1"/>
+                      </a:solidFill>
+                      <a:prstDash val="solid"/>
+                      <a:round/>
+                      <a:headEnd type="none" w="med" len="med"/>
+                      <a:tailEnd type="none" w="med" len="med"/>
+                    </a:lnR>
+                    <a:lnT w="12700" cap="flat" cmpd="sng" algn="ctr">
+                      <a:solidFill>
+                        <a:schemeClr val="tx1"/>
+                      </a:solidFill>
+                      <a:prstDash val="solid"/>
+                      <a:round/>
+                      <a:headEnd type="none" w="med" len="med"/>
+                      <a:tailEnd type="none" w="med" len="med"/>
+                    </a:lnT>
+                    <a:lnB w="12700" cap="flat" cmpd="sng" algn="ctr">
+                      <a:solidFill>
+                        <a:schemeClr val="tx1"/>
+                      </a:solidFill>
+                      <a:prstDash val="solid"/>
+                      <a:round/>
+                      <a:headEnd type="none" w="med" len="med"/>
+                      <a:tailEnd type="none" w="med" len="med"/>
+                    </a:lnB>
+                  </a:tcPr>
+                </a:tc>
+                <a:tc>
+                  <a:txBody>
+                    <a:bodyPr/>
+                    <a:lstStyle/>
+                    <a:p>
+                      <a:pPr algn="ctr"/>
+                      <a:r>
+                        <a:rPr lang="ru-RU" sz="1200" b="0" i="0">
+                          <a:solidFill>
+                            <a:schemeClr val="tx1"/>
+                          </a:solidFill>
+                          <a:effectLst/>
+                          <a:latin typeface="+mn-lt"/>
+                        </a:rPr>
+                        <a:t>120</a:t>
+                      </a:r>
+                    </a:p>
+                  </a:txBody>
+                  <a:tcPr marL="19050" marR="19050" marT="19050" marB="19050" anchor="ctr">
+                    <a:lnL w="12700" cap="flat" cmpd="sng" algn="ctr">
+                      <a:solidFill>
+                        <a:schemeClr val="tx1"/>
+                      </a:solidFill>
+                      <a:prstDash val="solid"/>
+                      <a:round/>
+                      <a:headEnd type="none" w="med" len="med"/>
+                      <a:tailEnd type="none" w="med" len="med"/>
+                    </a:lnL>
+                    <a:lnR w="12700" cap="flat" cmpd="sng" algn="ctr">
+                      <a:solidFill>
+                        <a:schemeClr val="tx1"/>
+                      </a:solidFill>
+                      <a:prstDash val="solid"/>
+                      <a:round/>
+                      <a:headEnd type="none" w="med" len="med"/>
+                      <a:tailEnd type="none" w="med" len="med"/>
+                    </a:lnR>
+                    <a:lnT w="12700" cap="flat" cmpd="sng" algn="ctr">
+                      <a:solidFill>
+                        <a:schemeClr val="tx1"/>
+                      </a:solidFill>
+                      <a:prstDash val="solid"/>
+                      <a:round/>
+                      <a:headEnd type="none" w="med" len="med"/>
+                      <a:tailEnd type="none" w="med" len="med"/>
+                    </a:lnT>
+                    <a:lnB w="12700" cap="flat" cmpd="sng" algn="ctr">
+                      <a:solidFill>
+                        <a:schemeClr val="tx1"/>
+                      </a:solidFill>
+                      <a:prstDash val="solid"/>
+                      <a:round/>
+                      <a:headEnd type="none" w="med" len="med"/>
+                      <a:tailEnd type="none" w="med" len="med"/>
+                    </a:lnB>
+                  </a:tcPr>
+                </a:tc>
+                <a:extLst>
+                  <a:ext uri="{0D108BD9-81ED-4DB2-BD59-A6C34878D82A}">
+                    <a16:rowId xmlns:a16="http://schemas.microsoft.com/office/drawing/2014/main" val="557170084"/>
+                  </a:ext>
+                </a:extLst>
+              </a:tr>
+              <a:tr h="370840">
+                <a:tc>
+                  <a:txBody>
+                    <a:bodyPr/>
+                    <a:lstStyle/>
+                    <a:p>
+                      <a:pPr algn="ctr"/>
+                      <a:r>
+                        <a:rPr lang="en-US" sz="1200" b="0" i="0" dirty="0">
+                          <a:solidFill>
+                            <a:schemeClr val="tx1"/>
+                          </a:solidFill>
+                          <a:effectLst/>
+                          <a:latin typeface="+mn-lt"/>
+                        </a:rPr>
+                        <a:t>…</a:t>
+                      </a:r>
+                      <a:endParaRPr lang="ru-RU" sz="1200" b="0" i="0" dirty="0">
+                        <a:solidFill>
+                          <a:schemeClr val="tx1"/>
+                        </a:solidFill>
+                        <a:effectLst/>
+                        <a:latin typeface="+mn-lt"/>
+                      </a:endParaRPr>
+                    </a:p>
+                  </a:txBody>
+                  <a:tcPr marL="19050" marR="19050" marT="19050" marB="19050" anchor="ctr">
+                    <a:lnL w="12700" cap="flat" cmpd="sng" algn="ctr">
+                      <a:solidFill>
+                        <a:schemeClr val="tx1"/>
+                      </a:solidFill>
+                      <a:prstDash val="solid"/>
+                      <a:round/>
+                      <a:headEnd type="none" w="med" len="med"/>
+                      <a:tailEnd type="none" w="med" len="med"/>
+                    </a:lnL>
+                    <a:lnR w="12700" cap="flat" cmpd="sng" algn="ctr">
+                      <a:solidFill>
+                        <a:schemeClr val="tx1"/>
+                      </a:solidFill>
+                      <a:prstDash val="solid"/>
+                      <a:round/>
+                      <a:headEnd type="none" w="med" len="med"/>
+                      <a:tailEnd type="none" w="med" len="med"/>
+                    </a:lnR>
+                    <a:lnT w="12700" cap="flat" cmpd="sng" algn="ctr">
+                      <a:solidFill>
+                        <a:schemeClr val="tx1"/>
+                      </a:solidFill>
+                      <a:prstDash val="solid"/>
+                      <a:round/>
+                      <a:headEnd type="none" w="med" len="med"/>
+                      <a:tailEnd type="none" w="med" len="med"/>
+                    </a:lnT>
+                    <a:lnB w="12700" cap="flat" cmpd="sng" algn="ctr">
+                      <a:solidFill>
+                        <a:schemeClr val="tx1"/>
+                      </a:solidFill>
+                      <a:prstDash val="solid"/>
+                      <a:round/>
+                      <a:headEnd type="none" w="med" len="med"/>
+                      <a:tailEnd type="none" w="med" len="med"/>
+                    </a:lnB>
+                  </a:tcPr>
+                </a:tc>
+                <a:tc>
+                  <a:txBody>
+                    <a:bodyPr/>
+                    <a:lstStyle/>
+                    <a:p>
+                      <a:pPr algn="ctr"/>
+                      <a:r>
+                        <a:rPr lang="en" sz="1200" b="0" i="0" dirty="0">
+                          <a:solidFill>
+                            <a:schemeClr val="tx1"/>
+                          </a:solidFill>
+                          <a:effectLst/>
+                          <a:latin typeface="+mn-lt"/>
+                        </a:rPr>
+                        <a:t>…</a:t>
+                      </a:r>
+                    </a:p>
+                  </a:txBody>
+                  <a:tcPr marL="19050" marR="19050" marT="19050" marB="19050" anchor="ctr">
+                    <a:lnL w="12700" cap="flat" cmpd="sng" algn="ctr">
+                      <a:solidFill>
+                        <a:schemeClr val="tx1"/>
+                      </a:solidFill>
+                      <a:prstDash val="solid"/>
+                      <a:round/>
+                      <a:headEnd type="none" w="med" len="med"/>
+                      <a:tailEnd type="none" w="med" len="med"/>
+                    </a:lnL>
+                    <a:lnR w="12700" cap="flat" cmpd="sng" algn="ctr">
+                      <a:solidFill>
+                        <a:schemeClr val="tx1"/>
+                      </a:solidFill>
+                      <a:prstDash val="solid"/>
+                      <a:round/>
+                      <a:headEnd type="none" w="med" len="med"/>
+                      <a:tailEnd type="none" w="med" len="med"/>
+                    </a:lnR>
+                    <a:lnT w="12700" cap="flat" cmpd="sng" algn="ctr">
+                      <a:solidFill>
+                        <a:schemeClr val="tx1"/>
+                      </a:solidFill>
+                      <a:prstDash val="solid"/>
+                      <a:round/>
+                      <a:headEnd type="none" w="med" len="med"/>
+                      <a:tailEnd type="none" w="med" len="med"/>
+                    </a:lnT>
+                    <a:lnB w="12700" cap="flat" cmpd="sng" algn="ctr">
+                      <a:solidFill>
+                        <a:schemeClr val="tx1"/>
+                      </a:solidFill>
+                      <a:prstDash val="solid"/>
+                      <a:round/>
+                      <a:headEnd type="none" w="med" len="med"/>
+                      <a:tailEnd type="none" w="med" len="med"/>
+                    </a:lnB>
+                  </a:tcPr>
+                </a:tc>
+                <a:tc>
+                  <a:txBody>
+                    <a:bodyPr/>
+                    <a:lstStyle/>
+                    <a:p>
+                      <a:pPr algn="ctr"/>
+                      <a:r>
+                        <a:rPr lang="en-US" sz="1200" b="0" i="0" dirty="0">
+                          <a:solidFill>
+                            <a:schemeClr val="tx1"/>
+                          </a:solidFill>
+                          <a:effectLst/>
+                          <a:latin typeface="+mn-lt"/>
+                        </a:rPr>
+                        <a:t>…</a:t>
+                      </a:r>
+                      <a:endParaRPr lang="ru-RU" sz="1200" b="0" i="0" dirty="0">
+                        <a:solidFill>
+                          <a:schemeClr val="tx1"/>
+                        </a:solidFill>
+                        <a:effectLst/>
+                        <a:latin typeface="+mn-lt"/>
+                      </a:endParaRPr>
+                    </a:p>
+                  </a:txBody>
+                  <a:tcPr marL="19050" marR="19050" marT="19050" marB="19050" anchor="ctr">
+                    <a:lnL w="12700" cap="flat" cmpd="sng" algn="ctr">
+                      <a:solidFill>
+                        <a:schemeClr val="tx1"/>
+                      </a:solidFill>
+                      <a:prstDash val="solid"/>
+                      <a:round/>
+                      <a:headEnd type="none" w="med" len="med"/>
+                      <a:tailEnd type="none" w="med" len="med"/>
+                    </a:lnL>
+                    <a:lnR w="12700" cap="flat" cmpd="sng" algn="ctr">
+                      <a:solidFill>
+                        <a:schemeClr val="tx1"/>
+                      </a:solidFill>
+                      <a:prstDash val="solid"/>
+                      <a:round/>
+                      <a:headEnd type="none" w="med" len="med"/>
+                      <a:tailEnd type="none" w="med" len="med"/>
+                    </a:lnR>
+                    <a:lnT w="12700" cap="flat" cmpd="sng" algn="ctr">
+                      <a:solidFill>
+                        <a:schemeClr val="tx1"/>
+                      </a:solidFill>
+                      <a:prstDash val="solid"/>
+                      <a:round/>
+                      <a:headEnd type="none" w="med" len="med"/>
+                      <a:tailEnd type="none" w="med" len="med"/>
+                    </a:lnT>
+                    <a:lnB w="12700" cap="flat" cmpd="sng" algn="ctr">
+                      <a:solidFill>
+                        <a:schemeClr val="tx1"/>
+                      </a:solidFill>
+                      <a:prstDash val="solid"/>
+                      <a:round/>
+                      <a:headEnd type="none" w="med" len="med"/>
+                      <a:tailEnd type="none" w="med" len="med"/>
+                    </a:lnB>
+                  </a:tcPr>
+                </a:tc>
+                <a:tc>
+                  <a:txBody>
+                    <a:bodyPr/>
+                    <a:lstStyle/>
+                    <a:p>
+                      <a:pPr algn="ctr"/>
+                      <a:r>
+                        <a:rPr lang="en-US" sz="1200" b="0" i="0" dirty="0">
+                          <a:solidFill>
+                            <a:schemeClr val="tx1"/>
+                          </a:solidFill>
+                          <a:effectLst/>
+                          <a:latin typeface="+mn-lt"/>
+                        </a:rPr>
+                        <a:t>…</a:t>
+                      </a:r>
+                      <a:endParaRPr lang="ru-RU" sz="1200" b="0" i="0" dirty="0">
+                        <a:solidFill>
+                          <a:schemeClr val="tx1"/>
+                        </a:solidFill>
+                        <a:effectLst/>
+                        <a:latin typeface="+mn-lt"/>
+                      </a:endParaRPr>
+                    </a:p>
+                  </a:txBody>
+                  <a:tcPr marL="19050" marR="19050" marT="19050" marB="19050" anchor="ctr">
+                    <a:lnL w="12700" cap="flat" cmpd="sng" algn="ctr">
+                      <a:solidFill>
+                        <a:schemeClr val="tx1"/>
+                      </a:solidFill>
+                      <a:prstDash val="solid"/>
+                      <a:round/>
+                      <a:headEnd type="none" w="med" len="med"/>
+                      <a:tailEnd type="none" w="med" len="med"/>
+                    </a:lnL>
+                    <a:lnR w="12700" cap="flat" cmpd="sng" algn="ctr">
+                      <a:solidFill>
+                        <a:schemeClr val="tx1"/>
+                      </a:solidFill>
+                      <a:prstDash val="solid"/>
+                      <a:round/>
+                      <a:headEnd type="none" w="med" len="med"/>
+                      <a:tailEnd type="none" w="med" len="med"/>
+                    </a:lnR>
+                    <a:lnT w="12700" cap="flat" cmpd="sng" algn="ctr">
+                      <a:solidFill>
+                        <a:schemeClr val="tx1"/>
+                      </a:solidFill>
+                      <a:prstDash val="solid"/>
+                      <a:round/>
+                      <a:headEnd type="none" w="med" len="med"/>
+                      <a:tailEnd type="none" w="med" len="med"/>
+                    </a:lnT>
+                    <a:lnB w="12700" cap="flat" cmpd="sng" algn="ctr">
+                      <a:solidFill>
+                        <a:schemeClr val="tx1"/>
+                      </a:solidFill>
+                      <a:prstDash val="solid"/>
+                      <a:round/>
+                      <a:headEnd type="none" w="med" len="med"/>
+                      <a:tailEnd type="none" w="med" len="med"/>
+                    </a:lnB>
+                  </a:tcPr>
+                </a:tc>
+                <a:tc>
+                  <a:txBody>
+                    <a:bodyPr/>
+                    <a:lstStyle/>
+                    <a:p>
+                      <a:pPr algn="ctr"/>
+                      <a:r>
+                        <a:rPr lang="en-US" sz="1200" b="0" i="0" dirty="0">
+                          <a:solidFill>
+                            <a:schemeClr val="tx1"/>
+                          </a:solidFill>
+                          <a:effectLst/>
+                          <a:latin typeface="+mn-lt"/>
+                        </a:rPr>
+                        <a:t>…</a:t>
+                      </a:r>
+                      <a:endParaRPr lang="ru-RU" sz="1200" b="0" i="0" dirty="0">
+                        <a:solidFill>
+                          <a:schemeClr val="tx1"/>
+                        </a:solidFill>
+                        <a:effectLst/>
+                        <a:latin typeface="+mn-lt"/>
+                      </a:endParaRPr>
+                    </a:p>
+                  </a:txBody>
+                  <a:tcPr marL="19050" marR="19050" marT="19050" marB="19050" anchor="ctr">
+                    <a:lnL w="12700" cap="flat" cmpd="sng" algn="ctr">
+                      <a:solidFill>
+                        <a:schemeClr val="tx1"/>
+                      </a:solidFill>
+                      <a:prstDash val="solid"/>
+                      <a:round/>
+                      <a:headEnd type="none" w="med" len="med"/>
+                      <a:tailEnd type="none" w="med" len="med"/>
+                    </a:lnL>
+                    <a:lnR w="12700" cap="flat" cmpd="sng" algn="ctr">
+                      <a:solidFill>
+                        <a:schemeClr val="tx1"/>
+                      </a:solidFill>
+                      <a:prstDash val="solid"/>
+                      <a:round/>
+                      <a:headEnd type="none" w="med" len="med"/>
+                      <a:tailEnd type="none" w="med" len="med"/>
+                    </a:lnR>
+                    <a:lnT w="12700" cap="flat" cmpd="sng" algn="ctr">
+                      <a:solidFill>
+                        <a:schemeClr val="tx1"/>
+                      </a:solidFill>
+                      <a:prstDash val="solid"/>
+                      <a:round/>
+                      <a:headEnd type="none" w="med" len="med"/>
+                      <a:tailEnd type="none" w="med" len="med"/>
+                    </a:lnT>
+                    <a:lnB w="12700" cap="flat" cmpd="sng" algn="ctr">
+                      <a:solidFill>
+                        <a:schemeClr val="tx1"/>
+                      </a:solidFill>
+                      <a:prstDash val="solid"/>
+                      <a:round/>
+                      <a:headEnd type="none" w="med" len="med"/>
+                      <a:tailEnd type="none" w="med" len="med"/>
+                    </a:lnB>
+                  </a:tcPr>
+                </a:tc>
+                <a:tc>
+                  <a:txBody>
+                    <a:bodyPr/>
+                    <a:lstStyle/>
+                    <a:p>
+                      <a:pPr algn="ctr"/>
+                      <a:r>
+                        <a:rPr lang="en-US" sz="1200" b="0" i="0" dirty="0">
+                          <a:solidFill>
+                            <a:schemeClr val="tx1"/>
+                          </a:solidFill>
+                          <a:effectLst/>
+                          <a:latin typeface="+mn-lt"/>
+                        </a:rPr>
+                        <a:t>…</a:t>
+                      </a:r>
+                      <a:endParaRPr lang="ru-RU" sz="1200" b="0" i="0" dirty="0">
+                        <a:solidFill>
+                          <a:schemeClr val="tx1"/>
+                        </a:solidFill>
+                        <a:effectLst/>
+                        <a:latin typeface="+mn-lt"/>
+                      </a:endParaRPr>
+                    </a:p>
+                  </a:txBody>
+                  <a:tcPr marL="19050" marR="19050" marT="19050" marB="19050" anchor="ctr">
+                    <a:lnL w="12700" cap="flat" cmpd="sng" algn="ctr">
+                      <a:solidFill>
+                        <a:schemeClr val="tx1"/>
+                      </a:solidFill>
+                      <a:prstDash val="solid"/>
+                      <a:round/>
+                      <a:headEnd type="none" w="med" len="med"/>
+                      <a:tailEnd type="none" w="med" len="med"/>
+                    </a:lnL>
+                    <a:lnR w="12700" cap="flat" cmpd="sng" algn="ctr">
+                      <a:solidFill>
+                        <a:schemeClr val="tx1"/>
+                      </a:solidFill>
+                      <a:prstDash val="solid"/>
+                      <a:round/>
+                      <a:headEnd type="none" w="med" len="med"/>
+                      <a:tailEnd type="none" w="med" len="med"/>
+                    </a:lnR>
+                    <a:lnT w="12700" cap="flat" cmpd="sng" algn="ctr">
+                      <a:solidFill>
+                        <a:schemeClr val="tx1"/>
+                      </a:solidFill>
+                      <a:prstDash val="solid"/>
+                      <a:round/>
+                      <a:headEnd type="none" w="med" len="med"/>
+                      <a:tailEnd type="none" w="med" len="med"/>
+                    </a:lnT>
+                    <a:lnB w="12700" cap="flat" cmpd="sng" algn="ctr">
+                      <a:solidFill>
+                        <a:schemeClr val="tx1"/>
+                      </a:solidFill>
+                      <a:prstDash val="solid"/>
+                      <a:round/>
+                      <a:headEnd type="none" w="med" len="med"/>
+                      <a:tailEnd type="none" w="med" len="med"/>
+                    </a:lnB>
+                  </a:tcPr>
+                </a:tc>
+                <a:tc>
+                  <a:txBody>
+                    <a:bodyPr/>
+                    <a:lstStyle/>
+                    <a:p>
+                      <a:pPr algn="ctr"/>
+                      <a:r>
+                        <a:rPr lang="en-US" sz="1200" b="0" i="0" dirty="0">
+                          <a:solidFill>
+                            <a:schemeClr val="tx1"/>
+                          </a:solidFill>
+                          <a:effectLst/>
+                          <a:latin typeface="+mn-lt"/>
+                        </a:rPr>
+                        <a:t>…</a:t>
+                      </a:r>
+                      <a:endParaRPr lang="ru-RU" sz="1200" b="0" i="0" dirty="0">
+                        <a:solidFill>
+                          <a:schemeClr val="tx1"/>
+                        </a:solidFill>
+                        <a:effectLst/>
+                        <a:latin typeface="+mn-lt"/>
+                      </a:endParaRPr>
+                    </a:p>
+                  </a:txBody>
+                  <a:tcPr marL="19050" marR="19050" marT="19050" marB="19050" anchor="ctr">
+                    <a:lnL w="12700" cap="flat" cmpd="sng" algn="ctr">
+                      <a:solidFill>
+                        <a:schemeClr val="tx1"/>
+                      </a:solidFill>
+                      <a:prstDash val="solid"/>
+                      <a:round/>
+                      <a:headEnd type="none" w="med" len="med"/>
+                      <a:tailEnd type="none" w="med" len="med"/>
+                    </a:lnL>
+                    <a:lnR w="12700" cap="flat" cmpd="sng" algn="ctr">
+                      <a:solidFill>
+                        <a:schemeClr val="tx1"/>
+                      </a:solidFill>
+                      <a:prstDash val="solid"/>
+                      <a:round/>
+                      <a:headEnd type="none" w="med" len="med"/>
+                      <a:tailEnd type="none" w="med" len="med"/>
+                    </a:lnR>
+                    <a:lnT w="12700" cap="flat" cmpd="sng" algn="ctr">
+                      <a:solidFill>
+                        <a:schemeClr val="tx1"/>
+                      </a:solidFill>
+                      <a:prstDash val="solid"/>
+                      <a:round/>
+                      <a:headEnd type="none" w="med" len="med"/>
+                      <a:tailEnd type="none" w="med" len="med"/>
+                    </a:lnT>
+                    <a:lnB w="12700" cap="flat" cmpd="sng" algn="ctr">
+                      <a:solidFill>
+                        <a:schemeClr val="tx1"/>
+                      </a:solidFill>
+                      <a:prstDash val="solid"/>
+                      <a:round/>
+                      <a:headEnd type="none" w="med" len="med"/>
+                      <a:tailEnd type="none" w="med" len="med"/>
+                    </a:lnB>
+                  </a:tcPr>
+                </a:tc>
+                <a:extLst>
+                  <a:ext uri="{0D108BD9-81ED-4DB2-BD59-A6C34878D82A}">
+                    <a16:rowId xmlns:a16="http://schemas.microsoft.com/office/drawing/2014/main" val="3565904405"/>
+                  </a:ext>
+                </a:extLst>
+              </a:tr>
+            </a:tbl>
+          </a:graphicData>
+        </a:graphic>
+      </p:graphicFrame>
     </p:spTree>
     <p:extLst>
       <p:ext uri="{BB962C8B-B14F-4D97-AF65-F5344CB8AC3E}">

--- a/Презентация/Презентация. Тамбов Никита М1О-309С-19.pptx
+++ b/Презентация/Презентация. Тамбов Никита М1О-309С-19.pptx
@@ -4,6 +4,9 @@
   <p:sldMasterIdLst>
     <p:sldMasterId id="2147483648" r:id="rId1"/>
   </p:sldMasterIdLst>
+  <p:notesMasterIdLst>
+    <p:notesMasterId r:id="rId13"/>
+  </p:notesMasterIdLst>
   <p:sldIdLst>
     <p:sldId id="256" r:id="rId2"/>
     <p:sldId id="257" r:id="rId3"/>
@@ -13,6 +16,9 @@
     <p:sldId id="261" r:id="rId7"/>
     <p:sldId id="262" r:id="rId8"/>
     <p:sldId id="263" r:id="rId9"/>
+    <p:sldId id="264" r:id="rId10"/>
+    <p:sldId id="265" r:id="rId11"/>
+    <p:sldId id="266" r:id="rId12"/>
   </p:sldIdLst>
   <p:sldSz cx="12192000" cy="6858000"/>
   <p:notesSz cx="6858000" cy="9144000"/>
@@ -1191,6 +1197,409 @@
 </c:chartSpace>
 </file>
 
+<file path=ppt/charts/chart3.xml><?xml version="1.0" encoding="utf-8"?>
+<c:chartSpace xmlns:c="http://schemas.openxmlformats.org/drawingml/2006/chart" xmlns:a="http://schemas.openxmlformats.org/drawingml/2006/main" xmlns:r="http://schemas.openxmlformats.org/officeDocument/2006/relationships" xmlns:c16r2="http://schemas.microsoft.com/office/drawing/2015/06/chart">
+  <c:date1904 val="0"/>
+  <c:lang val="ru-RU"/>
+  <c:roundedCorners val="0"/>
+  <mc:AlternateContent xmlns:mc="http://schemas.openxmlformats.org/markup-compatibility/2006">
+    <mc:Choice xmlns:c14="http://schemas.microsoft.com/office/drawing/2007/8/2/chart" Requires="c14">
+      <c14:style val="101"/>
+    </mc:Choice>
+    <mc:Fallback>
+      <c:style val="1"/>
+    </mc:Fallback>
+  </mc:AlternateContent>
+  <c:chart>
+    <c:title>
+      <c:tx>
+        <c:rich>
+          <a:bodyPr rot="0" spcFirstLastPara="1" vertOverflow="ellipsis" vert="horz" wrap="square" anchor="ctr" anchorCtr="1"/>
+          <a:lstStyle/>
+          <a:p>
+            <a:pPr>
+              <a:defRPr sz="1800" b="1" i="0" u="none" strike="noStrike" kern="1200" spc="0" baseline="0">
+                <a:solidFill>
+                  <a:schemeClr val="tx1">
+                    <a:lumMod val="65000"/>
+                    <a:lumOff val="35000"/>
+                  </a:schemeClr>
+                </a:solidFill>
+                <a:latin typeface="+mn-lt"/>
+                <a:ea typeface="+mn-ea"/>
+                <a:cs typeface="+mn-cs"/>
+              </a:defRPr>
+            </a:pPr>
+            <a:r>
+              <a:rPr lang="ru-RU" sz="1800" b="1"/>
+              <a:t>Время безошибочной работы диспетчера</a:t>
+            </a:r>
+            <a:r>
+              <a:rPr lang="ru-RU" sz="1800" b="1" baseline="0"/>
+              <a:t> аэропорта (мин.)</a:t>
+            </a:r>
+            <a:endParaRPr lang="ru-RU" sz="1800" b="1"/>
+          </a:p>
+        </c:rich>
+      </c:tx>
+      <c:layout>
+        <c:manualLayout>
+          <c:xMode val="edge"/>
+          <c:yMode val="edge"/>
+          <c:x val="0.14110307856703658"/>
+          <c:y val="3.483309143686502E-2"/>
+        </c:manualLayout>
+      </c:layout>
+      <c:overlay val="0"/>
+      <c:spPr>
+        <a:noFill/>
+        <a:ln>
+          <a:noFill/>
+        </a:ln>
+        <a:effectLst/>
+      </c:spPr>
+      <c:txPr>
+        <a:bodyPr rot="0" spcFirstLastPara="1" vertOverflow="ellipsis" vert="horz" wrap="square" anchor="ctr" anchorCtr="1"/>
+        <a:lstStyle/>
+        <a:p>
+          <a:pPr>
+            <a:defRPr sz="1800" b="1" i="0" u="none" strike="noStrike" kern="1200" spc="0" baseline="0">
+              <a:solidFill>
+                <a:schemeClr val="tx1">
+                  <a:lumMod val="65000"/>
+                  <a:lumOff val="35000"/>
+                </a:schemeClr>
+              </a:solidFill>
+              <a:latin typeface="+mn-lt"/>
+              <a:ea typeface="+mn-ea"/>
+              <a:cs typeface="+mn-cs"/>
+            </a:defRPr>
+          </a:pPr>
+          <a:endParaRPr lang="ru-RU"/>
+        </a:p>
+      </c:txPr>
+    </c:title>
+    <c:autoTitleDeleted val="0"/>
+    <c:plotArea>
+      <c:layout/>
+      <c:barChart>
+        <c:barDir val="col"/>
+        <c:grouping val="clustered"/>
+        <c:varyColors val="0"/>
+        <c:ser>
+          <c:idx val="0"/>
+          <c:order val="0"/>
+          <c:spPr>
+            <a:solidFill>
+              <a:schemeClr val="dk1">
+                <a:tint val="88500"/>
+              </a:schemeClr>
+            </a:solidFill>
+            <a:ln>
+              <a:noFill/>
+            </a:ln>
+            <a:effectLst/>
+          </c:spPr>
+          <c:invertIfNegative val="0"/>
+          <c:cat>
+            <c:numRef>
+              <c:f>Лист1!$A$59:$A$78</c:f>
+              <c:numCache>
+                <c:formatCode>General</c:formatCode>
+                <c:ptCount val="20"/>
+                <c:pt idx="0">
+                  <c:v>1</c:v>
+                </c:pt>
+                <c:pt idx="1">
+                  <c:v>2</c:v>
+                </c:pt>
+                <c:pt idx="2">
+                  <c:v>3</c:v>
+                </c:pt>
+                <c:pt idx="3">
+                  <c:v>4</c:v>
+                </c:pt>
+                <c:pt idx="4">
+                  <c:v>5</c:v>
+                </c:pt>
+                <c:pt idx="5">
+                  <c:v>6</c:v>
+                </c:pt>
+                <c:pt idx="6">
+                  <c:v>7</c:v>
+                </c:pt>
+                <c:pt idx="7">
+                  <c:v>8</c:v>
+                </c:pt>
+                <c:pt idx="8">
+                  <c:v>9</c:v>
+                </c:pt>
+                <c:pt idx="9">
+                  <c:v>10</c:v>
+                </c:pt>
+                <c:pt idx="10">
+                  <c:v>11</c:v>
+                </c:pt>
+                <c:pt idx="11">
+                  <c:v>12</c:v>
+                </c:pt>
+                <c:pt idx="12">
+                  <c:v>13</c:v>
+                </c:pt>
+                <c:pt idx="13">
+                  <c:v>14</c:v>
+                </c:pt>
+                <c:pt idx="14">
+                  <c:v>15</c:v>
+                </c:pt>
+                <c:pt idx="15">
+                  <c:v>16</c:v>
+                </c:pt>
+                <c:pt idx="16">
+                  <c:v>17</c:v>
+                </c:pt>
+                <c:pt idx="17">
+                  <c:v>18</c:v>
+                </c:pt>
+                <c:pt idx="18">
+                  <c:v>19</c:v>
+                </c:pt>
+                <c:pt idx="19">
+                  <c:v>20</c:v>
+                </c:pt>
+              </c:numCache>
+            </c:numRef>
+          </c:cat>
+          <c:val>
+            <c:numRef>
+              <c:f>Лист1!$B$59:$B$78</c:f>
+              <c:numCache>
+                <c:formatCode>General</c:formatCode>
+                <c:ptCount val="20"/>
+                <c:pt idx="0">
+                  <c:v>45</c:v>
+                </c:pt>
+                <c:pt idx="1">
+                  <c:v>33</c:v>
+                </c:pt>
+                <c:pt idx="2">
+                  <c:v>25</c:v>
+                </c:pt>
+                <c:pt idx="3">
+                  <c:v>67</c:v>
+                </c:pt>
+                <c:pt idx="4">
+                  <c:v>34</c:v>
+                </c:pt>
+                <c:pt idx="5">
+                  <c:v>45</c:v>
+                </c:pt>
+                <c:pt idx="6">
+                  <c:v>24</c:v>
+                </c:pt>
+                <c:pt idx="7">
+                  <c:v>57</c:v>
+                </c:pt>
+                <c:pt idx="8">
+                  <c:v>23</c:v>
+                </c:pt>
+                <c:pt idx="9">
+                  <c:v>69</c:v>
+                </c:pt>
+                <c:pt idx="10">
+                  <c:v>40</c:v>
+                </c:pt>
+                <c:pt idx="11">
+                  <c:v>22</c:v>
+                </c:pt>
+                <c:pt idx="12">
+                  <c:v>45</c:v>
+                </c:pt>
+                <c:pt idx="13">
+                  <c:v>34</c:v>
+                </c:pt>
+                <c:pt idx="14">
+                  <c:v>33</c:v>
+                </c:pt>
+                <c:pt idx="15">
+                  <c:v>32</c:v>
+                </c:pt>
+                <c:pt idx="16">
+                  <c:v>29</c:v>
+                </c:pt>
+                <c:pt idx="17">
+                  <c:v>54</c:v>
+                </c:pt>
+                <c:pt idx="18">
+                  <c:v>44</c:v>
+                </c:pt>
+                <c:pt idx="19">
+                  <c:v>45</c:v>
+                </c:pt>
+              </c:numCache>
+            </c:numRef>
+          </c:val>
+          <c:extLst>
+            <c:ext xmlns:c16="http://schemas.microsoft.com/office/drawing/2014/chart" uri="{C3380CC4-5D6E-409C-BE32-E72D297353CC}">
+              <c16:uniqueId val="{00000000-17B3-C64A-9EB2-EADD32264A68}"/>
+            </c:ext>
+          </c:extLst>
+        </c:ser>
+        <c:dLbls>
+          <c:showLegendKey val="0"/>
+          <c:showVal val="0"/>
+          <c:showCatName val="0"/>
+          <c:showSerName val="0"/>
+          <c:showPercent val="0"/>
+          <c:showBubbleSize val="0"/>
+        </c:dLbls>
+        <c:gapWidth val="219"/>
+        <c:overlap val="-27"/>
+        <c:axId val="1467634208"/>
+        <c:axId val="1747059024"/>
+      </c:barChart>
+      <c:catAx>
+        <c:axId val="1467634208"/>
+        <c:scaling>
+          <c:orientation val="minMax"/>
+        </c:scaling>
+        <c:delete val="0"/>
+        <c:axPos val="b"/>
+        <c:numFmt formatCode="General" sourceLinked="1"/>
+        <c:majorTickMark val="none"/>
+        <c:minorTickMark val="none"/>
+        <c:tickLblPos val="nextTo"/>
+        <c:spPr>
+          <a:noFill/>
+          <a:ln w="9525" cap="flat" cmpd="sng" algn="ctr">
+            <a:solidFill>
+              <a:schemeClr val="tx1">
+                <a:lumMod val="15000"/>
+                <a:lumOff val="85000"/>
+              </a:schemeClr>
+            </a:solidFill>
+            <a:round/>
+          </a:ln>
+          <a:effectLst/>
+        </c:spPr>
+        <c:txPr>
+          <a:bodyPr rot="-60000000" spcFirstLastPara="1" vertOverflow="ellipsis" vert="horz" wrap="square" anchor="ctr" anchorCtr="1"/>
+          <a:lstStyle/>
+          <a:p>
+            <a:pPr>
+              <a:defRPr sz="900" b="0" i="0" u="none" strike="noStrike" kern="1200" baseline="0">
+                <a:solidFill>
+                  <a:schemeClr val="tx1">
+                    <a:lumMod val="65000"/>
+                    <a:lumOff val="35000"/>
+                  </a:schemeClr>
+                </a:solidFill>
+                <a:latin typeface="+mn-lt"/>
+                <a:ea typeface="+mn-ea"/>
+                <a:cs typeface="+mn-cs"/>
+              </a:defRPr>
+            </a:pPr>
+            <a:endParaRPr lang="ru-RU"/>
+          </a:p>
+        </c:txPr>
+        <c:crossAx val="1747059024"/>
+        <c:crosses val="autoZero"/>
+        <c:auto val="1"/>
+        <c:lblAlgn val="ctr"/>
+        <c:lblOffset val="100"/>
+        <c:noMultiLvlLbl val="0"/>
+      </c:catAx>
+      <c:valAx>
+        <c:axId val="1747059024"/>
+        <c:scaling>
+          <c:orientation val="minMax"/>
+        </c:scaling>
+        <c:delete val="0"/>
+        <c:axPos val="l"/>
+        <c:majorGridlines>
+          <c:spPr>
+            <a:ln w="9525" cap="flat" cmpd="sng" algn="ctr">
+              <a:solidFill>
+                <a:schemeClr val="tx1">
+                  <a:lumMod val="15000"/>
+                  <a:lumOff val="85000"/>
+                </a:schemeClr>
+              </a:solidFill>
+              <a:round/>
+            </a:ln>
+            <a:effectLst/>
+          </c:spPr>
+        </c:majorGridlines>
+        <c:numFmt formatCode="General" sourceLinked="1"/>
+        <c:majorTickMark val="none"/>
+        <c:minorTickMark val="none"/>
+        <c:tickLblPos val="nextTo"/>
+        <c:spPr>
+          <a:noFill/>
+          <a:ln>
+            <a:noFill/>
+          </a:ln>
+          <a:effectLst/>
+        </c:spPr>
+        <c:txPr>
+          <a:bodyPr rot="-60000000" spcFirstLastPara="1" vertOverflow="ellipsis" vert="horz" wrap="square" anchor="ctr" anchorCtr="1"/>
+          <a:lstStyle/>
+          <a:p>
+            <a:pPr>
+              <a:defRPr sz="900" b="0" i="0" u="none" strike="noStrike" kern="1200" baseline="0">
+                <a:solidFill>
+                  <a:schemeClr val="tx1">
+                    <a:lumMod val="65000"/>
+                    <a:lumOff val="35000"/>
+                  </a:schemeClr>
+                </a:solidFill>
+                <a:latin typeface="+mn-lt"/>
+                <a:ea typeface="+mn-ea"/>
+                <a:cs typeface="+mn-cs"/>
+              </a:defRPr>
+            </a:pPr>
+            <a:endParaRPr lang="ru-RU"/>
+          </a:p>
+        </c:txPr>
+        <c:crossAx val="1467634208"/>
+        <c:crosses val="autoZero"/>
+        <c:crossBetween val="between"/>
+      </c:valAx>
+      <c:spPr>
+        <a:noFill/>
+        <a:ln>
+          <a:noFill/>
+        </a:ln>
+        <a:effectLst/>
+      </c:spPr>
+    </c:plotArea>
+    <c:plotVisOnly val="1"/>
+    <c:dispBlanksAs val="gap"/>
+    <c:showDLblsOverMax val="0"/>
+  </c:chart>
+  <c:spPr>
+    <a:noFill/>
+    <a:ln>
+      <a:noFill/>
+    </a:ln>
+    <a:effectLst/>
+  </c:spPr>
+  <c:txPr>
+    <a:bodyPr/>
+    <a:lstStyle/>
+    <a:p>
+      <a:pPr>
+        <a:defRPr/>
+      </a:pPr>
+      <a:endParaRPr lang="ru-RU"/>
+    </a:p>
+  </c:txPr>
+  <c:externalData r:id="rId3">
+    <c:autoUpdate val="0"/>
+  </c:externalData>
+</c:chartSpace>
+</file>
+
 <file path=ppt/charts/colors1.xml><?xml version="1.0" encoding="utf-8"?>
 <cs:colorStyle xmlns:cs="http://schemas.microsoft.com/office/drawing/2012/chartStyle" xmlns:a="http://schemas.openxmlformats.org/drawingml/2006/main" meth="cycle" id="10">
   <a:schemeClr val="accent1"/>
@@ -1267,6 +1676,33 @@
   <cs:variation>
     <a:lumMod val="50000"/>
     <a:lumOff val="50000"/>
+  </cs:variation>
+</cs:colorStyle>
+</file>
+
+<file path=ppt/charts/colors3.xml><?xml version="1.0" encoding="utf-8"?>
+<cs:colorStyle xmlns:cs="http://schemas.microsoft.com/office/drawing/2012/chartStyle" xmlns:a="http://schemas.openxmlformats.org/drawingml/2006/main" meth="cycle" id="20">
+  <a:schemeClr val="dk1"/>
+  <cs:variation>
+    <a:tint val="88500"/>
+  </cs:variation>
+  <cs:variation>
+    <a:tint val="55000"/>
+  </cs:variation>
+  <cs:variation>
+    <a:tint val="75000"/>
+  </cs:variation>
+  <cs:variation>
+    <a:tint val="98500"/>
+  </cs:variation>
+  <cs:variation>
+    <a:tint val="30000"/>
+  </cs:variation>
+  <cs:variation>
+    <a:tint val="60000"/>
+  </cs:variation>
+  <cs:variation>
+    <a:tint val="80000"/>
   </cs:variation>
 </cs:colorStyle>
 </file>
@@ -2277,6 +2713,1026 @@
 </cs:chartStyle>
 </file>
 
+<file path=ppt/charts/style3.xml><?xml version="1.0" encoding="utf-8"?>
+<cs:chartStyle xmlns:cs="http://schemas.microsoft.com/office/drawing/2012/chartStyle" xmlns:a="http://schemas.openxmlformats.org/drawingml/2006/main" id="201">
+  <cs:axisTitle>
+    <cs:lnRef idx="0"/>
+    <cs:fillRef idx="0"/>
+    <cs:effectRef idx="0"/>
+    <cs:fontRef idx="minor">
+      <a:schemeClr val="tx1">
+        <a:lumMod val="65000"/>
+        <a:lumOff val="35000"/>
+      </a:schemeClr>
+    </cs:fontRef>
+    <cs:defRPr sz="1000" kern="1200"/>
+  </cs:axisTitle>
+  <cs:categoryAxis>
+    <cs:lnRef idx="0"/>
+    <cs:fillRef idx="0"/>
+    <cs:effectRef idx="0"/>
+    <cs:fontRef idx="minor">
+      <a:schemeClr val="tx1">
+        <a:lumMod val="65000"/>
+        <a:lumOff val="35000"/>
+      </a:schemeClr>
+    </cs:fontRef>
+    <cs:spPr>
+      <a:ln w="9525" cap="flat" cmpd="sng" algn="ctr">
+        <a:solidFill>
+          <a:schemeClr val="tx1">
+            <a:lumMod val="15000"/>
+            <a:lumOff val="85000"/>
+          </a:schemeClr>
+        </a:solidFill>
+        <a:round/>
+      </a:ln>
+    </cs:spPr>
+    <cs:defRPr sz="900" kern="1200"/>
+  </cs:categoryAxis>
+  <cs:chartArea mods="allowNoFillOverride allowNoLineOverride">
+    <cs:lnRef idx="0"/>
+    <cs:fillRef idx="0"/>
+    <cs:effectRef idx="0"/>
+    <cs:fontRef idx="minor">
+      <a:schemeClr val="tx1"/>
+    </cs:fontRef>
+    <cs:spPr>
+      <a:solidFill>
+        <a:schemeClr val="bg1"/>
+      </a:solidFill>
+      <a:ln w="9525" cap="flat" cmpd="sng" algn="ctr">
+        <a:solidFill>
+          <a:schemeClr val="tx1">
+            <a:lumMod val="15000"/>
+            <a:lumOff val="85000"/>
+          </a:schemeClr>
+        </a:solidFill>
+        <a:round/>
+      </a:ln>
+    </cs:spPr>
+    <cs:defRPr sz="1000" kern="1200"/>
+  </cs:chartArea>
+  <cs:dataLabel>
+    <cs:lnRef idx="0"/>
+    <cs:fillRef idx="0"/>
+    <cs:effectRef idx="0"/>
+    <cs:fontRef idx="minor">
+      <a:schemeClr val="tx1">
+        <a:lumMod val="75000"/>
+        <a:lumOff val="25000"/>
+      </a:schemeClr>
+    </cs:fontRef>
+    <cs:defRPr sz="900" kern="1200"/>
+  </cs:dataLabel>
+  <cs:dataLabelCallout>
+    <cs:lnRef idx="0"/>
+    <cs:fillRef idx="0"/>
+    <cs:effectRef idx="0"/>
+    <cs:fontRef idx="minor">
+      <a:schemeClr val="dk1">
+        <a:lumMod val="65000"/>
+        <a:lumOff val="35000"/>
+      </a:schemeClr>
+    </cs:fontRef>
+    <cs:spPr>
+      <a:solidFill>
+        <a:schemeClr val="lt1"/>
+      </a:solidFill>
+      <a:ln>
+        <a:solidFill>
+          <a:schemeClr val="dk1">
+            <a:lumMod val="25000"/>
+            <a:lumOff val="75000"/>
+          </a:schemeClr>
+        </a:solidFill>
+      </a:ln>
+    </cs:spPr>
+    <cs:defRPr sz="900" kern="1200"/>
+    <cs:bodyPr rot="0" spcFirstLastPara="1" vertOverflow="clip" horzOverflow="clip" vert="horz" wrap="square" lIns="36576" tIns="18288" rIns="36576" bIns="18288" anchor="ctr" anchorCtr="1">
+      <a:spAutoFit/>
+    </cs:bodyPr>
+  </cs:dataLabelCallout>
+  <cs:dataPoint>
+    <cs:lnRef idx="0"/>
+    <cs:fillRef idx="1">
+      <cs:styleClr val="auto"/>
+    </cs:fillRef>
+    <cs:effectRef idx="0"/>
+    <cs:fontRef idx="minor">
+      <a:schemeClr val="tx1"/>
+    </cs:fontRef>
+  </cs:dataPoint>
+  <cs:dataPoint3D>
+    <cs:lnRef idx="0"/>
+    <cs:fillRef idx="1">
+      <cs:styleClr val="auto"/>
+    </cs:fillRef>
+    <cs:effectRef idx="0"/>
+    <cs:fontRef idx="minor">
+      <a:schemeClr val="tx1"/>
+    </cs:fontRef>
+  </cs:dataPoint3D>
+  <cs:dataPointLine>
+    <cs:lnRef idx="0">
+      <cs:styleClr val="auto"/>
+    </cs:lnRef>
+    <cs:fillRef idx="1"/>
+    <cs:effectRef idx="0"/>
+    <cs:fontRef idx="minor">
+      <a:schemeClr val="tx1"/>
+    </cs:fontRef>
+    <cs:spPr>
+      <a:ln w="28575" cap="rnd">
+        <a:solidFill>
+          <a:schemeClr val="phClr"/>
+        </a:solidFill>
+        <a:round/>
+      </a:ln>
+    </cs:spPr>
+  </cs:dataPointLine>
+  <cs:dataPointMarker>
+    <cs:lnRef idx="0">
+      <cs:styleClr val="auto"/>
+    </cs:lnRef>
+    <cs:fillRef idx="1">
+      <cs:styleClr val="auto"/>
+    </cs:fillRef>
+    <cs:effectRef idx="0"/>
+    <cs:fontRef idx="minor">
+      <a:schemeClr val="tx1"/>
+    </cs:fontRef>
+    <cs:spPr>
+      <a:ln w="9525">
+        <a:solidFill>
+          <a:schemeClr val="phClr"/>
+        </a:solidFill>
+      </a:ln>
+    </cs:spPr>
+  </cs:dataPointMarker>
+  <cs:dataPointMarkerLayout symbol="circle" size="5"/>
+  <cs:dataPointWireframe>
+    <cs:lnRef idx="0">
+      <cs:styleClr val="auto"/>
+    </cs:lnRef>
+    <cs:fillRef idx="1"/>
+    <cs:effectRef idx="0"/>
+    <cs:fontRef idx="minor">
+      <a:schemeClr val="tx1"/>
+    </cs:fontRef>
+    <cs:spPr>
+      <a:ln w="9525" cap="rnd">
+        <a:solidFill>
+          <a:schemeClr val="phClr"/>
+        </a:solidFill>
+        <a:round/>
+      </a:ln>
+    </cs:spPr>
+  </cs:dataPointWireframe>
+  <cs:dataTable>
+    <cs:lnRef idx="0"/>
+    <cs:fillRef idx="0"/>
+    <cs:effectRef idx="0"/>
+    <cs:fontRef idx="minor">
+      <a:schemeClr val="tx1">
+        <a:lumMod val="65000"/>
+        <a:lumOff val="35000"/>
+      </a:schemeClr>
+    </cs:fontRef>
+    <cs:spPr>
+      <a:noFill/>
+      <a:ln w="9525" cap="flat" cmpd="sng" algn="ctr">
+        <a:solidFill>
+          <a:schemeClr val="tx1">
+            <a:lumMod val="15000"/>
+            <a:lumOff val="85000"/>
+          </a:schemeClr>
+        </a:solidFill>
+        <a:round/>
+      </a:ln>
+    </cs:spPr>
+    <cs:defRPr sz="900" kern="1200"/>
+  </cs:dataTable>
+  <cs:downBar>
+    <cs:lnRef idx="0"/>
+    <cs:fillRef idx="0"/>
+    <cs:effectRef idx="0"/>
+    <cs:fontRef idx="minor">
+      <a:schemeClr val="dk1"/>
+    </cs:fontRef>
+    <cs:spPr>
+      <a:solidFill>
+        <a:schemeClr val="dk1">
+          <a:lumMod val="65000"/>
+          <a:lumOff val="35000"/>
+        </a:schemeClr>
+      </a:solidFill>
+      <a:ln w="9525">
+        <a:solidFill>
+          <a:schemeClr val="tx1">
+            <a:lumMod val="65000"/>
+            <a:lumOff val="35000"/>
+          </a:schemeClr>
+        </a:solidFill>
+      </a:ln>
+    </cs:spPr>
+  </cs:downBar>
+  <cs:dropLine>
+    <cs:lnRef idx="0"/>
+    <cs:fillRef idx="0"/>
+    <cs:effectRef idx="0"/>
+    <cs:fontRef idx="minor">
+      <a:schemeClr val="tx1"/>
+    </cs:fontRef>
+    <cs:spPr>
+      <a:ln w="9525" cap="flat" cmpd="sng" algn="ctr">
+        <a:solidFill>
+          <a:schemeClr val="tx1">
+            <a:lumMod val="35000"/>
+            <a:lumOff val="65000"/>
+          </a:schemeClr>
+        </a:solidFill>
+        <a:round/>
+      </a:ln>
+    </cs:spPr>
+  </cs:dropLine>
+  <cs:errorBar>
+    <cs:lnRef idx="0"/>
+    <cs:fillRef idx="0"/>
+    <cs:effectRef idx="0"/>
+    <cs:fontRef idx="minor">
+      <a:schemeClr val="tx1"/>
+    </cs:fontRef>
+    <cs:spPr>
+      <a:ln w="9525" cap="flat" cmpd="sng" algn="ctr">
+        <a:solidFill>
+          <a:schemeClr val="tx1">
+            <a:lumMod val="65000"/>
+            <a:lumOff val="35000"/>
+          </a:schemeClr>
+        </a:solidFill>
+        <a:round/>
+      </a:ln>
+    </cs:spPr>
+  </cs:errorBar>
+  <cs:floor>
+    <cs:lnRef idx="0"/>
+    <cs:fillRef idx="0"/>
+    <cs:effectRef idx="0"/>
+    <cs:fontRef idx="minor">
+      <a:schemeClr val="tx1"/>
+    </cs:fontRef>
+    <cs:spPr>
+      <a:noFill/>
+      <a:ln>
+        <a:noFill/>
+      </a:ln>
+    </cs:spPr>
+  </cs:floor>
+  <cs:gridlineMajor>
+    <cs:lnRef idx="0"/>
+    <cs:fillRef idx="0"/>
+    <cs:effectRef idx="0"/>
+    <cs:fontRef idx="minor">
+      <a:schemeClr val="tx1"/>
+    </cs:fontRef>
+    <cs:spPr>
+      <a:ln w="9525" cap="flat" cmpd="sng" algn="ctr">
+        <a:solidFill>
+          <a:schemeClr val="tx1">
+            <a:lumMod val="15000"/>
+            <a:lumOff val="85000"/>
+          </a:schemeClr>
+        </a:solidFill>
+        <a:round/>
+      </a:ln>
+    </cs:spPr>
+  </cs:gridlineMajor>
+  <cs:gridlineMinor>
+    <cs:lnRef idx="0"/>
+    <cs:fillRef idx="0"/>
+    <cs:effectRef idx="0"/>
+    <cs:fontRef idx="minor">
+      <a:schemeClr val="tx1"/>
+    </cs:fontRef>
+    <cs:spPr>
+      <a:ln w="9525" cap="flat" cmpd="sng" algn="ctr">
+        <a:solidFill>
+          <a:schemeClr val="tx1">
+            <a:lumMod val="5000"/>
+            <a:lumOff val="95000"/>
+          </a:schemeClr>
+        </a:solidFill>
+        <a:round/>
+      </a:ln>
+    </cs:spPr>
+  </cs:gridlineMinor>
+  <cs:hiLoLine>
+    <cs:lnRef idx="0"/>
+    <cs:fillRef idx="0"/>
+    <cs:effectRef idx="0"/>
+    <cs:fontRef idx="minor">
+      <a:schemeClr val="tx1"/>
+    </cs:fontRef>
+    <cs:spPr>
+      <a:ln w="9525" cap="flat" cmpd="sng" algn="ctr">
+        <a:solidFill>
+          <a:schemeClr val="tx1">
+            <a:lumMod val="75000"/>
+            <a:lumOff val="25000"/>
+          </a:schemeClr>
+        </a:solidFill>
+        <a:round/>
+      </a:ln>
+    </cs:spPr>
+  </cs:hiLoLine>
+  <cs:leaderLine>
+    <cs:lnRef idx="0"/>
+    <cs:fillRef idx="0"/>
+    <cs:effectRef idx="0"/>
+    <cs:fontRef idx="minor">
+      <a:schemeClr val="tx1"/>
+    </cs:fontRef>
+    <cs:spPr>
+      <a:ln w="9525" cap="flat" cmpd="sng" algn="ctr">
+        <a:solidFill>
+          <a:schemeClr val="tx1">
+            <a:lumMod val="35000"/>
+            <a:lumOff val="65000"/>
+          </a:schemeClr>
+        </a:solidFill>
+        <a:round/>
+      </a:ln>
+    </cs:spPr>
+  </cs:leaderLine>
+  <cs:legend>
+    <cs:lnRef idx="0"/>
+    <cs:fillRef idx="0"/>
+    <cs:effectRef idx="0"/>
+    <cs:fontRef idx="minor">
+      <a:schemeClr val="tx1">
+        <a:lumMod val="65000"/>
+        <a:lumOff val="35000"/>
+      </a:schemeClr>
+    </cs:fontRef>
+    <cs:defRPr sz="900" kern="1200"/>
+  </cs:legend>
+  <cs:plotArea mods="allowNoFillOverride allowNoLineOverride">
+    <cs:lnRef idx="0"/>
+    <cs:fillRef idx="0"/>
+    <cs:effectRef idx="0"/>
+    <cs:fontRef idx="minor">
+      <a:schemeClr val="tx1"/>
+    </cs:fontRef>
+  </cs:plotArea>
+  <cs:plotArea3D mods="allowNoFillOverride allowNoLineOverride">
+    <cs:lnRef idx="0"/>
+    <cs:fillRef idx="0"/>
+    <cs:effectRef idx="0"/>
+    <cs:fontRef idx="minor">
+      <a:schemeClr val="tx1"/>
+    </cs:fontRef>
+  </cs:plotArea3D>
+  <cs:seriesAxis>
+    <cs:lnRef idx="0"/>
+    <cs:fillRef idx="0"/>
+    <cs:effectRef idx="0"/>
+    <cs:fontRef idx="minor">
+      <a:schemeClr val="tx1">
+        <a:lumMod val="65000"/>
+        <a:lumOff val="35000"/>
+      </a:schemeClr>
+    </cs:fontRef>
+    <cs:defRPr sz="900" kern="1200"/>
+  </cs:seriesAxis>
+  <cs:seriesLine>
+    <cs:lnRef idx="0"/>
+    <cs:fillRef idx="0"/>
+    <cs:effectRef idx="0"/>
+    <cs:fontRef idx="minor">
+      <a:schemeClr val="tx1"/>
+    </cs:fontRef>
+    <cs:spPr>
+      <a:ln w="9525" cap="flat" cmpd="sng" algn="ctr">
+        <a:solidFill>
+          <a:schemeClr val="tx1">
+            <a:lumMod val="35000"/>
+            <a:lumOff val="65000"/>
+          </a:schemeClr>
+        </a:solidFill>
+        <a:round/>
+      </a:ln>
+    </cs:spPr>
+  </cs:seriesLine>
+  <cs:title>
+    <cs:lnRef idx="0"/>
+    <cs:fillRef idx="0"/>
+    <cs:effectRef idx="0"/>
+    <cs:fontRef idx="minor">
+      <a:schemeClr val="tx1">
+        <a:lumMod val="65000"/>
+        <a:lumOff val="35000"/>
+      </a:schemeClr>
+    </cs:fontRef>
+    <cs:defRPr sz="1400" b="0" kern="1200" spc="0" baseline="0"/>
+  </cs:title>
+  <cs:trendline>
+    <cs:lnRef idx="0">
+      <cs:styleClr val="auto"/>
+    </cs:lnRef>
+    <cs:fillRef idx="0"/>
+    <cs:effectRef idx="0"/>
+    <cs:fontRef idx="minor">
+      <a:schemeClr val="tx1"/>
+    </cs:fontRef>
+    <cs:spPr>
+      <a:ln w="19050" cap="rnd">
+        <a:solidFill>
+          <a:schemeClr val="phClr"/>
+        </a:solidFill>
+        <a:prstDash val="sysDot"/>
+      </a:ln>
+    </cs:spPr>
+  </cs:trendline>
+  <cs:trendlineLabel>
+    <cs:lnRef idx="0"/>
+    <cs:fillRef idx="0"/>
+    <cs:effectRef idx="0"/>
+    <cs:fontRef idx="minor">
+      <a:schemeClr val="tx1">
+        <a:lumMod val="65000"/>
+        <a:lumOff val="35000"/>
+      </a:schemeClr>
+    </cs:fontRef>
+    <cs:defRPr sz="900" kern="1200"/>
+  </cs:trendlineLabel>
+  <cs:upBar>
+    <cs:lnRef idx="0"/>
+    <cs:fillRef idx="0"/>
+    <cs:effectRef idx="0"/>
+    <cs:fontRef idx="minor">
+      <a:schemeClr val="dk1"/>
+    </cs:fontRef>
+    <cs:spPr>
+      <a:solidFill>
+        <a:schemeClr val="lt1"/>
+      </a:solidFill>
+      <a:ln w="9525">
+        <a:solidFill>
+          <a:schemeClr val="tx1">
+            <a:lumMod val="15000"/>
+            <a:lumOff val="85000"/>
+          </a:schemeClr>
+        </a:solidFill>
+      </a:ln>
+    </cs:spPr>
+  </cs:upBar>
+  <cs:valueAxis>
+    <cs:lnRef idx="0"/>
+    <cs:fillRef idx="0"/>
+    <cs:effectRef idx="0"/>
+    <cs:fontRef idx="minor">
+      <a:schemeClr val="tx1">
+        <a:lumMod val="65000"/>
+        <a:lumOff val="35000"/>
+      </a:schemeClr>
+    </cs:fontRef>
+    <cs:defRPr sz="900" kern="1200"/>
+  </cs:valueAxis>
+  <cs:wall>
+    <cs:lnRef idx="0"/>
+    <cs:fillRef idx="0"/>
+    <cs:effectRef idx="0"/>
+    <cs:fontRef idx="minor">
+      <a:schemeClr val="tx1"/>
+    </cs:fontRef>
+    <cs:spPr>
+      <a:noFill/>
+      <a:ln>
+        <a:noFill/>
+      </a:ln>
+    </cs:spPr>
+  </cs:wall>
+</cs:chartStyle>
+</file>
+
+<file path=ppt/notesMasters/notesMaster1.xml><?xml version="1.0" encoding="utf-8"?>
+<p:notesMaster xmlns:a="http://schemas.openxmlformats.org/drawingml/2006/main" xmlns:r="http://schemas.openxmlformats.org/officeDocument/2006/relationships" xmlns:p="http://schemas.openxmlformats.org/presentationml/2006/main">
+  <p:cSld>
+    <p:bg>
+      <p:bgRef idx="1001">
+        <a:schemeClr val="bg1"/>
+      </p:bgRef>
+    </p:bg>
+    <p:spTree>
+      <p:nvGrpSpPr>
+        <p:cNvPr id="1" name=""/>
+        <p:cNvGrpSpPr/>
+        <p:nvPr/>
+      </p:nvGrpSpPr>
+      <p:grpSpPr>
+        <a:xfrm>
+          <a:off x="0" y="0"/>
+          <a:ext cx="0" cy="0"/>
+          <a:chOff x="0" y="0"/>
+          <a:chExt cx="0" cy="0"/>
+        </a:xfrm>
+      </p:grpSpPr>
+      <p:sp>
+        <p:nvSpPr>
+          <p:cNvPr id="2" name="Верхний колонтитул 1"/>
+          <p:cNvSpPr>
+            <a:spLocks noGrp="1"/>
+          </p:cNvSpPr>
+          <p:nvPr>
+            <p:ph type="hdr" sz="quarter"/>
+          </p:nvPr>
+        </p:nvSpPr>
+        <p:spPr>
+          <a:xfrm>
+            <a:off x="0" y="0"/>
+            <a:ext cx="2971800" cy="458788"/>
+          </a:xfrm>
+          <a:prstGeom prst="rect">
+            <a:avLst/>
+          </a:prstGeom>
+        </p:spPr>
+        <p:txBody>
+          <a:bodyPr vert="horz" lIns="91440" tIns="45720" rIns="91440" bIns="45720" rtlCol="0"/>
+          <a:lstStyle>
+            <a:lvl1pPr algn="l">
+              <a:defRPr sz="1200"/>
+            </a:lvl1pPr>
+          </a:lstStyle>
+          <a:p>
+            <a:endParaRPr lang="ru-RU"/>
+          </a:p>
+        </p:txBody>
+      </p:sp>
+      <p:sp>
+        <p:nvSpPr>
+          <p:cNvPr id="3" name="Дата 2"/>
+          <p:cNvSpPr>
+            <a:spLocks noGrp="1"/>
+          </p:cNvSpPr>
+          <p:nvPr>
+            <p:ph type="dt" idx="1"/>
+          </p:nvPr>
+        </p:nvSpPr>
+        <p:spPr>
+          <a:xfrm>
+            <a:off x="3884613" y="0"/>
+            <a:ext cx="2971800" cy="458788"/>
+          </a:xfrm>
+          <a:prstGeom prst="rect">
+            <a:avLst/>
+          </a:prstGeom>
+        </p:spPr>
+        <p:txBody>
+          <a:bodyPr vert="horz" lIns="91440" tIns="45720" rIns="91440" bIns="45720" rtlCol="0"/>
+          <a:lstStyle>
+            <a:lvl1pPr algn="r">
+              <a:defRPr sz="1200"/>
+            </a:lvl1pPr>
+          </a:lstStyle>
+          <a:p>
+            <a:fld id="{5479DC99-EDC5-5F4B-B24E-D8621C1EAAB3}" type="datetimeFigureOut">
+              <a:rPr lang="ru-RU" smtClean="0"/>
+              <a:t>23.07.2022</a:t>
+            </a:fld>
+            <a:endParaRPr lang="ru-RU"/>
+          </a:p>
+        </p:txBody>
+      </p:sp>
+      <p:sp>
+        <p:nvSpPr>
+          <p:cNvPr id="4" name="Образ слайда 3"/>
+          <p:cNvSpPr>
+            <a:spLocks noGrp="1" noRot="1" noChangeAspect="1"/>
+          </p:cNvSpPr>
+          <p:nvPr>
+            <p:ph type="sldImg" idx="2"/>
+          </p:nvPr>
+        </p:nvSpPr>
+        <p:spPr>
+          <a:xfrm>
+            <a:off x="685800" y="1143000"/>
+            <a:ext cx="5486400" cy="3086100"/>
+          </a:xfrm>
+          <a:prstGeom prst="rect">
+            <a:avLst/>
+          </a:prstGeom>
+          <a:noFill/>
+          <a:ln w="12700">
+            <a:solidFill>
+              <a:prstClr val="black"/>
+            </a:solidFill>
+          </a:ln>
+        </p:spPr>
+        <p:txBody>
+          <a:bodyPr vert="horz" lIns="91440" tIns="45720" rIns="91440" bIns="45720" rtlCol="0" anchor="ctr"/>
+          <a:lstStyle/>
+          <a:p>
+            <a:endParaRPr lang="ru-RU"/>
+          </a:p>
+        </p:txBody>
+      </p:sp>
+      <p:sp>
+        <p:nvSpPr>
+          <p:cNvPr id="5" name="Заметки 4"/>
+          <p:cNvSpPr>
+            <a:spLocks noGrp="1"/>
+          </p:cNvSpPr>
+          <p:nvPr>
+            <p:ph type="body" sz="quarter" idx="3"/>
+          </p:nvPr>
+        </p:nvSpPr>
+        <p:spPr>
+          <a:xfrm>
+            <a:off x="685800" y="4400550"/>
+            <a:ext cx="5486400" cy="3600450"/>
+          </a:xfrm>
+          <a:prstGeom prst="rect">
+            <a:avLst/>
+          </a:prstGeom>
+        </p:spPr>
+        <p:txBody>
+          <a:bodyPr vert="horz" lIns="91440" tIns="45720" rIns="91440" bIns="45720" rtlCol="0"/>
+          <a:lstStyle/>
+          <a:p>
+            <a:pPr lvl="0"/>
+            <a:r>
+              <a:rPr lang="ru-RU"/>
+              <a:t>Образец текста</a:t>
+            </a:r>
+          </a:p>
+          <a:p>
+            <a:pPr lvl="1"/>
+            <a:r>
+              <a:rPr lang="ru-RU"/>
+              <a:t>Второй уровень</a:t>
+            </a:r>
+          </a:p>
+          <a:p>
+            <a:pPr lvl="2"/>
+            <a:r>
+              <a:rPr lang="ru-RU"/>
+              <a:t>Третий уровень</a:t>
+            </a:r>
+          </a:p>
+          <a:p>
+            <a:pPr lvl="3"/>
+            <a:r>
+              <a:rPr lang="ru-RU"/>
+              <a:t>Четвертый уровень</a:t>
+            </a:r>
+          </a:p>
+          <a:p>
+            <a:pPr lvl="4"/>
+            <a:r>
+              <a:rPr lang="ru-RU"/>
+              <a:t>Пятый уровень</a:t>
+            </a:r>
+          </a:p>
+        </p:txBody>
+      </p:sp>
+      <p:sp>
+        <p:nvSpPr>
+          <p:cNvPr id="6" name="Нижний колонтитул 5"/>
+          <p:cNvSpPr>
+            <a:spLocks noGrp="1"/>
+          </p:cNvSpPr>
+          <p:nvPr>
+            <p:ph type="ftr" sz="quarter" idx="4"/>
+          </p:nvPr>
+        </p:nvSpPr>
+        <p:spPr>
+          <a:xfrm>
+            <a:off x="0" y="8685213"/>
+            <a:ext cx="2971800" cy="458787"/>
+          </a:xfrm>
+          <a:prstGeom prst="rect">
+            <a:avLst/>
+          </a:prstGeom>
+        </p:spPr>
+        <p:txBody>
+          <a:bodyPr vert="horz" lIns="91440" tIns="45720" rIns="91440" bIns="45720" rtlCol="0" anchor="b"/>
+          <a:lstStyle>
+            <a:lvl1pPr algn="l">
+              <a:defRPr sz="1200"/>
+            </a:lvl1pPr>
+          </a:lstStyle>
+          <a:p>
+            <a:endParaRPr lang="ru-RU"/>
+          </a:p>
+        </p:txBody>
+      </p:sp>
+      <p:sp>
+        <p:nvSpPr>
+          <p:cNvPr id="7" name="Номер слайда 6"/>
+          <p:cNvSpPr>
+            <a:spLocks noGrp="1"/>
+          </p:cNvSpPr>
+          <p:nvPr>
+            <p:ph type="sldNum" sz="quarter" idx="5"/>
+          </p:nvPr>
+        </p:nvSpPr>
+        <p:spPr>
+          <a:xfrm>
+            <a:off x="3884613" y="8685213"/>
+            <a:ext cx="2971800" cy="458787"/>
+          </a:xfrm>
+          <a:prstGeom prst="rect">
+            <a:avLst/>
+          </a:prstGeom>
+        </p:spPr>
+        <p:txBody>
+          <a:bodyPr vert="horz" lIns="91440" tIns="45720" rIns="91440" bIns="45720" rtlCol="0" anchor="b"/>
+          <a:lstStyle>
+            <a:lvl1pPr algn="r">
+              <a:defRPr sz="1200"/>
+            </a:lvl1pPr>
+          </a:lstStyle>
+          <a:p>
+            <a:fld id="{56EEF229-AF50-5541-A5E3-5E539D7735DC}" type="slidenum">
+              <a:rPr lang="ru-RU" smtClean="0"/>
+              <a:t>‹#›</a:t>
+            </a:fld>
+            <a:endParaRPr lang="ru-RU"/>
+          </a:p>
+        </p:txBody>
+      </p:sp>
+    </p:spTree>
+    <p:extLst>
+      <p:ext uri="{BB962C8B-B14F-4D97-AF65-F5344CB8AC3E}">
+        <p14:creationId xmlns:p14="http://schemas.microsoft.com/office/powerpoint/2010/main" val="476925559"/>
+      </p:ext>
+    </p:extLst>
+  </p:cSld>
+  <p:clrMap bg1="lt1" tx1="dk1" bg2="lt2" tx2="dk2" accent1="accent1" accent2="accent2" accent3="accent3" accent4="accent4" accent5="accent5" accent6="accent6" hlink="hlink" folHlink="folHlink"/>
+  <p:notesStyle>
+    <a:lvl1pPr marL="0" algn="l" defTabSz="914400" rtl="0" eaLnBrk="1" latinLnBrk="0" hangingPunct="1">
+      <a:defRPr sz="1200" kern="1200">
+        <a:solidFill>
+          <a:schemeClr val="tx1"/>
+        </a:solidFill>
+        <a:latin typeface="+mn-lt"/>
+        <a:ea typeface="+mn-ea"/>
+        <a:cs typeface="+mn-cs"/>
+      </a:defRPr>
+    </a:lvl1pPr>
+    <a:lvl2pPr marL="457200" algn="l" defTabSz="914400" rtl="0" eaLnBrk="1" latinLnBrk="0" hangingPunct="1">
+      <a:defRPr sz="1200" kern="1200">
+        <a:solidFill>
+          <a:schemeClr val="tx1"/>
+        </a:solidFill>
+        <a:latin typeface="+mn-lt"/>
+        <a:ea typeface="+mn-ea"/>
+        <a:cs typeface="+mn-cs"/>
+      </a:defRPr>
+    </a:lvl2pPr>
+    <a:lvl3pPr marL="914400" algn="l" defTabSz="914400" rtl="0" eaLnBrk="1" latinLnBrk="0" hangingPunct="1">
+      <a:defRPr sz="1200" kern="1200">
+        <a:solidFill>
+          <a:schemeClr val="tx1"/>
+        </a:solidFill>
+        <a:latin typeface="+mn-lt"/>
+        <a:ea typeface="+mn-ea"/>
+        <a:cs typeface="+mn-cs"/>
+      </a:defRPr>
+    </a:lvl3pPr>
+    <a:lvl4pPr marL="1371600" algn="l" defTabSz="914400" rtl="0" eaLnBrk="1" latinLnBrk="0" hangingPunct="1">
+      <a:defRPr sz="1200" kern="1200">
+        <a:solidFill>
+          <a:schemeClr val="tx1"/>
+        </a:solidFill>
+        <a:latin typeface="+mn-lt"/>
+        <a:ea typeface="+mn-ea"/>
+        <a:cs typeface="+mn-cs"/>
+      </a:defRPr>
+    </a:lvl4pPr>
+    <a:lvl5pPr marL="1828800" algn="l" defTabSz="914400" rtl="0" eaLnBrk="1" latinLnBrk="0" hangingPunct="1">
+      <a:defRPr sz="1200" kern="1200">
+        <a:solidFill>
+          <a:schemeClr val="tx1"/>
+        </a:solidFill>
+        <a:latin typeface="+mn-lt"/>
+        <a:ea typeface="+mn-ea"/>
+        <a:cs typeface="+mn-cs"/>
+      </a:defRPr>
+    </a:lvl5pPr>
+    <a:lvl6pPr marL="2286000" algn="l" defTabSz="914400" rtl="0" eaLnBrk="1" latinLnBrk="0" hangingPunct="1">
+      <a:defRPr sz="1200" kern="1200">
+        <a:solidFill>
+          <a:schemeClr val="tx1"/>
+        </a:solidFill>
+        <a:latin typeface="+mn-lt"/>
+        <a:ea typeface="+mn-ea"/>
+        <a:cs typeface="+mn-cs"/>
+      </a:defRPr>
+    </a:lvl6pPr>
+    <a:lvl7pPr marL="2743200" algn="l" defTabSz="914400" rtl="0" eaLnBrk="1" latinLnBrk="0" hangingPunct="1">
+      <a:defRPr sz="1200" kern="1200">
+        <a:solidFill>
+          <a:schemeClr val="tx1"/>
+        </a:solidFill>
+        <a:latin typeface="+mn-lt"/>
+        <a:ea typeface="+mn-ea"/>
+        <a:cs typeface="+mn-cs"/>
+      </a:defRPr>
+    </a:lvl7pPr>
+    <a:lvl8pPr marL="3200400" algn="l" defTabSz="914400" rtl="0" eaLnBrk="1" latinLnBrk="0" hangingPunct="1">
+      <a:defRPr sz="1200" kern="1200">
+        <a:solidFill>
+          <a:schemeClr val="tx1"/>
+        </a:solidFill>
+        <a:latin typeface="+mn-lt"/>
+        <a:ea typeface="+mn-ea"/>
+        <a:cs typeface="+mn-cs"/>
+      </a:defRPr>
+    </a:lvl8pPr>
+    <a:lvl9pPr marL="3657600" algn="l" defTabSz="914400" rtl="0" eaLnBrk="1" latinLnBrk="0" hangingPunct="1">
+      <a:defRPr sz="1200" kern="1200">
+        <a:solidFill>
+          <a:schemeClr val="tx1"/>
+        </a:solidFill>
+        <a:latin typeface="+mn-lt"/>
+        <a:ea typeface="+mn-ea"/>
+        <a:cs typeface="+mn-cs"/>
+      </a:defRPr>
+    </a:lvl9pPr>
+  </p:notesStyle>
+</p:notesMaster>
+</file>
+
+<file path=ppt/notesSlides/notesSlide1.xml><?xml version="1.0" encoding="utf-8"?>
+<p:notes xmlns:a="http://schemas.openxmlformats.org/drawingml/2006/main" xmlns:r="http://schemas.openxmlformats.org/officeDocument/2006/relationships" xmlns:p="http://schemas.openxmlformats.org/presentationml/2006/main">
+  <p:cSld>
+    <p:spTree>
+      <p:nvGrpSpPr>
+        <p:cNvPr id="1" name=""/>
+        <p:cNvGrpSpPr/>
+        <p:nvPr/>
+      </p:nvGrpSpPr>
+      <p:grpSpPr>
+        <a:xfrm>
+          <a:off x="0" y="0"/>
+          <a:ext cx="0" cy="0"/>
+          <a:chOff x="0" y="0"/>
+          <a:chExt cx="0" cy="0"/>
+        </a:xfrm>
+      </p:grpSpPr>
+      <p:sp>
+        <p:nvSpPr>
+          <p:cNvPr id="2" name="Образ слайда 1"/>
+          <p:cNvSpPr>
+            <a:spLocks noGrp="1" noRot="1" noChangeAspect="1"/>
+          </p:cNvSpPr>
+          <p:nvPr>
+            <p:ph type="sldImg"/>
+          </p:nvPr>
+        </p:nvSpPr>
+        <p:spPr/>
+      </p:sp>
+      <p:sp>
+        <p:nvSpPr>
+          <p:cNvPr id="3" name="Заметки 2"/>
+          <p:cNvSpPr>
+            <a:spLocks noGrp="1"/>
+          </p:cNvSpPr>
+          <p:nvPr>
+            <p:ph type="body" idx="1"/>
+          </p:nvPr>
+        </p:nvSpPr>
+        <p:spPr/>
+        <p:txBody>
+          <a:bodyPr/>
+          <a:lstStyle/>
+          <a:p>
+            <a:endParaRPr lang="ru-RU" dirty="0"/>
+          </a:p>
+        </p:txBody>
+      </p:sp>
+      <p:sp>
+        <p:nvSpPr>
+          <p:cNvPr id="4" name="Номер слайда 3"/>
+          <p:cNvSpPr>
+            <a:spLocks noGrp="1"/>
+          </p:cNvSpPr>
+          <p:nvPr>
+            <p:ph type="sldNum" sz="quarter" idx="5"/>
+          </p:nvPr>
+        </p:nvSpPr>
+        <p:spPr/>
+        <p:txBody>
+          <a:bodyPr/>
+          <a:lstStyle/>
+          <a:p>
+            <a:fld id="{56EEF229-AF50-5541-A5E3-5E539D7735DC}" type="slidenum">
+              <a:rPr lang="ru-RU" smtClean="0"/>
+              <a:t>9</a:t>
+            </a:fld>
+            <a:endParaRPr lang="ru-RU"/>
+          </a:p>
+        </p:txBody>
+      </p:sp>
+    </p:spTree>
+    <p:extLst>
+      <p:ext uri="{BB962C8B-B14F-4D97-AF65-F5344CB8AC3E}">
+        <p14:creationId xmlns:p14="http://schemas.microsoft.com/office/powerpoint/2010/main" val="1596886528"/>
+      </p:ext>
+    </p:extLst>
+  </p:cSld>
+  <p:clrMapOvr>
+    <a:masterClrMapping/>
+  </p:clrMapOvr>
+</p:notes>
+</file>
+
+<file path=ppt/notesSlides/notesSlide2.xml><?xml version="1.0" encoding="utf-8"?>
+<p:notes xmlns:a="http://schemas.openxmlformats.org/drawingml/2006/main" xmlns:r="http://schemas.openxmlformats.org/officeDocument/2006/relationships" xmlns:p="http://schemas.openxmlformats.org/presentationml/2006/main">
+  <p:cSld>
+    <p:spTree>
+      <p:nvGrpSpPr>
+        <p:cNvPr id="1" name=""/>
+        <p:cNvGrpSpPr/>
+        <p:nvPr/>
+      </p:nvGrpSpPr>
+      <p:grpSpPr>
+        <a:xfrm>
+          <a:off x="0" y="0"/>
+          <a:ext cx="0" cy="0"/>
+          <a:chOff x="0" y="0"/>
+          <a:chExt cx="0" cy="0"/>
+        </a:xfrm>
+      </p:grpSpPr>
+      <p:sp>
+        <p:nvSpPr>
+          <p:cNvPr id="2" name="Образ слайда 1"/>
+          <p:cNvSpPr>
+            <a:spLocks noGrp="1" noRot="1" noChangeAspect="1"/>
+          </p:cNvSpPr>
+          <p:nvPr>
+            <p:ph type="sldImg"/>
+          </p:nvPr>
+        </p:nvSpPr>
+        <p:spPr/>
+      </p:sp>
+      <p:sp>
+        <p:nvSpPr>
+          <p:cNvPr id="3" name="Заметки 2"/>
+          <p:cNvSpPr>
+            <a:spLocks noGrp="1"/>
+          </p:cNvSpPr>
+          <p:nvPr>
+            <p:ph type="body" idx="1"/>
+          </p:nvPr>
+        </p:nvSpPr>
+        <p:spPr/>
+        <p:txBody>
+          <a:bodyPr/>
+          <a:lstStyle/>
+          <a:p>
+            <a:endParaRPr lang="ru-RU" dirty="0"/>
+          </a:p>
+        </p:txBody>
+      </p:sp>
+      <p:sp>
+        <p:nvSpPr>
+          <p:cNvPr id="4" name="Номер слайда 3"/>
+          <p:cNvSpPr>
+            <a:spLocks noGrp="1"/>
+          </p:cNvSpPr>
+          <p:nvPr>
+            <p:ph type="sldNum" sz="quarter" idx="5"/>
+          </p:nvPr>
+        </p:nvSpPr>
+        <p:spPr/>
+        <p:txBody>
+          <a:bodyPr/>
+          <a:lstStyle/>
+          <a:p>
+            <a:fld id="{56EEF229-AF50-5541-A5E3-5E539D7735DC}" type="slidenum">
+              <a:rPr lang="ru-RU" smtClean="0"/>
+              <a:t>10</a:t>
+            </a:fld>
+            <a:endParaRPr lang="ru-RU"/>
+          </a:p>
+        </p:txBody>
+      </p:sp>
+    </p:spTree>
+    <p:extLst>
+      <p:ext uri="{BB962C8B-B14F-4D97-AF65-F5344CB8AC3E}">
+        <p14:creationId xmlns:p14="http://schemas.microsoft.com/office/powerpoint/2010/main" val="424984126"/>
+      </p:ext>
+    </p:extLst>
+  </p:cSld>
+  <p:clrMapOvr>
+    <a:masterClrMapping/>
+  </p:clrMapOvr>
+</p:notes>
+</file>
+
 <file path=ppt/slideLayouts/slideLayout1.xml><?xml version="1.0" encoding="utf-8"?>
 <p:sldLayout xmlns:a="http://schemas.openxmlformats.org/drawingml/2006/main" xmlns:r="http://schemas.openxmlformats.org/officeDocument/2006/relationships" xmlns:p="http://schemas.openxmlformats.org/presentationml/2006/main" type="title" preserve="1">
   <p:cSld name="Титульный слайд">
@@ -5643,6 +7099,226 @@
 </p:sld>
 </file>
 
+<file path=ppt/slides/slide10.xml><?xml version="1.0" encoding="utf-8"?>
+<p:sld xmlns:a="http://schemas.openxmlformats.org/drawingml/2006/main" xmlns:r="http://schemas.openxmlformats.org/officeDocument/2006/relationships" xmlns:p="http://schemas.openxmlformats.org/presentationml/2006/main">
+  <p:cSld>
+    <p:spTree>
+      <p:nvGrpSpPr>
+        <p:cNvPr id="1" name=""/>
+        <p:cNvGrpSpPr/>
+        <p:nvPr/>
+      </p:nvGrpSpPr>
+      <p:grpSpPr>
+        <a:xfrm>
+          <a:off x="0" y="0"/>
+          <a:ext cx="0" cy="0"/>
+          <a:chOff x="0" y="0"/>
+          <a:chExt cx="0" cy="0"/>
+        </a:xfrm>
+      </p:grpSpPr>
+      <p:sp>
+        <p:nvSpPr>
+          <p:cNvPr id="2" name="Заголовок 1">
+            <a:extLst>
+              <a:ext uri="{FF2B5EF4-FFF2-40B4-BE49-F238E27FC236}">
+                <a16:creationId xmlns:a16="http://schemas.microsoft.com/office/drawing/2014/main" id="{5B52BC8A-C23A-4ADD-9EF6-A240794C6455}"/>
+              </a:ext>
+            </a:extLst>
+          </p:cNvPr>
+          <p:cNvSpPr>
+            <a:spLocks noGrp="1"/>
+          </p:cNvSpPr>
+          <p:nvPr>
+            <p:ph type="title"/>
+          </p:nvPr>
+        </p:nvSpPr>
+        <p:spPr>
+          <a:xfrm>
+            <a:off x="838200" y="365125"/>
+            <a:ext cx="10515600" cy="727405"/>
+          </a:xfrm>
+        </p:spPr>
+        <p:txBody>
+          <a:bodyPr>
+            <a:normAutofit/>
+          </a:bodyPr>
+          <a:lstStyle/>
+          <a:p>
+            <a:r>
+              <a:rPr lang="ru-RU" sz="4000" dirty="0">
+                <a:latin typeface="Helvetica" pitchFamily="2" charset="0"/>
+              </a:rPr>
+              <a:t>Выводы после использования модели</a:t>
+            </a:r>
+          </a:p>
+        </p:txBody>
+      </p:sp>
+      <p:sp>
+        <p:nvSpPr>
+          <p:cNvPr id="3" name="Объект 2">
+            <a:extLst>
+              <a:ext uri="{FF2B5EF4-FFF2-40B4-BE49-F238E27FC236}">
+                <a16:creationId xmlns:a16="http://schemas.microsoft.com/office/drawing/2014/main" id="{21F10F50-1015-E0ED-873F-5E8A85FA09A1}"/>
+              </a:ext>
+            </a:extLst>
+          </p:cNvPr>
+          <p:cNvSpPr>
+            <a:spLocks noGrp="1"/>
+          </p:cNvSpPr>
+          <p:nvPr>
+            <p:ph idx="1"/>
+          </p:nvPr>
+        </p:nvSpPr>
+        <p:spPr>
+          <a:xfrm>
+            <a:off x="838200" y="1266495"/>
+            <a:ext cx="9701008" cy="727405"/>
+          </a:xfrm>
+        </p:spPr>
+        <p:txBody>
+          <a:bodyPr>
+            <a:normAutofit/>
+          </a:bodyPr>
+          <a:lstStyle/>
+          <a:p>
+            <a:pPr marL="0" indent="0">
+              <a:lnSpc>
+                <a:spcPct val="100000"/>
+              </a:lnSpc>
+              <a:buNone/>
+            </a:pPr>
+            <a:r>
+              <a:rPr lang="ru-RU" sz="2000" dirty="0">
+                <a:latin typeface="Helvetica" pitchFamily="2" charset="0"/>
+              </a:rPr>
+              <a:t>Среднее время безошибочного выполнения работы диспетчером после 20 серий испытаний составило </a:t>
+            </a:r>
+            <a:r>
+              <a:rPr lang="ru-RU" sz="2000" b="1" dirty="0">
+                <a:latin typeface="Helvetica" pitchFamily="2" charset="0"/>
+              </a:rPr>
+              <a:t>40 мин</a:t>
+            </a:r>
+            <a:r>
+              <a:rPr lang="ru-RU" sz="2000" dirty="0">
+                <a:latin typeface="Helvetica" pitchFamily="2" charset="0"/>
+              </a:rPr>
+              <a:t>.</a:t>
+            </a:r>
+            <a:endParaRPr lang="en-US" sz="2000" dirty="0">
+              <a:latin typeface="Helvetica" pitchFamily="2" charset="0"/>
+            </a:endParaRPr>
+          </a:p>
+        </p:txBody>
+      </p:sp>
+      <p:graphicFrame>
+        <p:nvGraphicFramePr>
+          <p:cNvPr id="4" name="Диаграмма 3">
+            <a:extLst>
+              <a:ext uri="{FF2B5EF4-FFF2-40B4-BE49-F238E27FC236}">
+                <a16:creationId xmlns:a16="http://schemas.microsoft.com/office/drawing/2014/main" id="{AAE0E16F-D80C-2EF5-A873-EDABBF542B7D}"/>
+              </a:ext>
+            </a:extLst>
+          </p:cNvPr>
+          <p:cNvGraphicFramePr>
+            <a:graphicFrameLocks/>
+          </p:cNvGraphicFramePr>
+          <p:nvPr>
+            <p:extLst>
+              <p:ext uri="{D42A27DB-BD31-4B8C-83A1-F6EECF244321}">
+                <p14:modId xmlns:p14="http://schemas.microsoft.com/office/powerpoint/2010/main" val="2480533661"/>
+              </p:ext>
+            </p:extLst>
+          </p:nvPr>
+        </p:nvGraphicFramePr>
+        <p:xfrm>
+          <a:off x="1908175" y="2117864"/>
+          <a:ext cx="8375650" cy="4375150"/>
+        </p:xfrm>
+        <a:graphic>
+          <a:graphicData uri="http://schemas.openxmlformats.org/drawingml/2006/chart">
+            <c:chart xmlns:c="http://schemas.openxmlformats.org/drawingml/2006/chart" xmlns:r="http://schemas.openxmlformats.org/officeDocument/2006/relationships" r:id="rId3"/>
+          </a:graphicData>
+        </a:graphic>
+      </p:graphicFrame>
+    </p:spTree>
+    <p:extLst>
+      <p:ext uri="{BB962C8B-B14F-4D97-AF65-F5344CB8AC3E}">
+        <p14:creationId xmlns:p14="http://schemas.microsoft.com/office/powerpoint/2010/main" val="1730354491"/>
+      </p:ext>
+    </p:extLst>
+  </p:cSld>
+  <p:clrMapOvr>
+    <a:masterClrMapping/>
+  </p:clrMapOvr>
+</p:sld>
+</file>
+
+<file path=ppt/slides/slide11.xml><?xml version="1.0" encoding="utf-8"?>
+<p:sld xmlns:a="http://schemas.openxmlformats.org/drawingml/2006/main" xmlns:r="http://schemas.openxmlformats.org/officeDocument/2006/relationships" xmlns:p="http://schemas.openxmlformats.org/presentationml/2006/main">
+  <p:cSld>
+    <p:spTree>
+      <p:nvGrpSpPr>
+        <p:cNvPr id="1" name=""/>
+        <p:cNvGrpSpPr/>
+        <p:nvPr/>
+      </p:nvGrpSpPr>
+      <p:grpSpPr>
+        <a:xfrm>
+          <a:off x="0" y="0"/>
+          <a:ext cx="0" cy="0"/>
+          <a:chOff x="0" y="0"/>
+          <a:chExt cx="0" cy="0"/>
+        </a:xfrm>
+      </p:grpSpPr>
+      <p:sp>
+        <p:nvSpPr>
+          <p:cNvPr id="2" name="Заголовок 1">
+            <a:extLst>
+              <a:ext uri="{FF2B5EF4-FFF2-40B4-BE49-F238E27FC236}">
+                <a16:creationId xmlns:a16="http://schemas.microsoft.com/office/drawing/2014/main" id="{EBE0EA7F-A526-AC0D-0C04-C5B814540F8D}"/>
+              </a:ext>
+            </a:extLst>
+          </p:cNvPr>
+          <p:cNvSpPr>
+            <a:spLocks noGrp="1"/>
+          </p:cNvSpPr>
+          <p:nvPr>
+            <p:ph type="title"/>
+          </p:nvPr>
+        </p:nvSpPr>
+        <p:spPr>
+          <a:xfrm>
+            <a:off x="838200" y="4899025"/>
+            <a:ext cx="10515600" cy="1325563"/>
+          </a:xfrm>
+        </p:spPr>
+        <p:txBody>
+          <a:bodyPr/>
+          <a:lstStyle/>
+          <a:p>
+            <a:r>
+              <a:rPr lang="ru-RU" dirty="0">
+                <a:latin typeface="Helvetica" pitchFamily="2" charset="0"/>
+              </a:rPr>
+              <a:t>СПАСИБО ЗА ВНИМАНИЕ!</a:t>
+            </a:r>
+          </a:p>
+        </p:txBody>
+      </p:sp>
+    </p:spTree>
+    <p:extLst>
+      <p:ext uri="{BB962C8B-B14F-4D97-AF65-F5344CB8AC3E}">
+        <p14:creationId xmlns:p14="http://schemas.microsoft.com/office/powerpoint/2010/main" val="2209366270"/>
+      </p:ext>
+    </p:extLst>
+  </p:cSld>
+  <p:clrMapOvr>
+    <a:masterClrMapping/>
+  </p:clrMapOvr>
+</p:sld>
+</file>
+
 <file path=ppt/slides/slide2.xml><?xml version="1.0" encoding="utf-8"?>
 <p:sld xmlns:a="http://schemas.openxmlformats.org/drawingml/2006/main" xmlns:r="http://schemas.openxmlformats.org/officeDocument/2006/relationships" xmlns:p="http://schemas.openxmlformats.org/presentationml/2006/main">
   <p:cSld>
@@ -5857,7 +7533,7 @@
               <a:rPr lang="ru-RU" sz="1600" dirty="0">
                 <a:latin typeface="Helvetica" pitchFamily="2" charset="0"/>
               </a:rPr>
-              <a:t>Рабочий состав любого аэропорта содержит нескольких диспетчеров, которые выполняют определённые задачи связанные с управлением летательного аппарата (ЛА) в воздушном и наземном пространстве.</a:t>
+              <a:t>Рабочий состав любого аэропорта содержит нескольких диспетчеров, которые выполняют определённые задачи, связанные с управлением летательного аппарата (ЛА) в воздушном и наземном пространстве.</a:t>
             </a:r>
           </a:p>
         </p:txBody>
@@ -14128,6 +15804,660 @@
     <p:extLst>
       <p:ext uri="{BB962C8B-B14F-4D97-AF65-F5344CB8AC3E}">
         <p14:creationId xmlns:p14="http://schemas.microsoft.com/office/powerpoint/2010/main" val="394694705"/>
+      </p:ext>
+    </p:extLst>
+  </p:cSld>
+  <p:clrMapOvr>
+    <a:masterClrMapping/>
+  </p:clrMapOvr>
+</p:sld>
+</file>
+
+<file path=ppt/slides/slide9.xml><?xml version="1.0" encoding="utf-8"?>
+<p:sld xmlns:a="http://schemas.openxmlformats.org/drawingml/2006/main" xmlns:r="http://schemas.openxmlformats.org/officeDocument/2006/relationships" xmlns:p="http://schemas.openxmlformats.org/presentationml/2006/main">
+  <p:cSld>
+    <p:spTree>
+      <p:nvGrpSpPr>
+        <p:cNvPr id="1" name=""/>
+        <p:cNvGrpSpPr/>
+        <p:nvPr/>
+      </p:nvGrpSpPr>
+      <p:grpSpPr>
+        <a:xfrm>
+          <a:off x="0" y="0"/>
+          <a:ext cx="0" cy="0"/>
+          <a:chOff x="0" y="0"/>
+          <a:chExt cx="0" cy="0"/>
+        </a:xfrm>
+      </p:grpSpPr>
+      <p:sp>
+        <p:nvSpPr>
+          <p:cNvPr id="2" name="Заголовок 1">
+            <a:extLst>
+              <a:ext uri="{FF2B5EF4-FFF2-40B4-BE49-F238E27FC236}">
+                <a16:creationId xmlns:a16="http://schemas.microsoft.com/office/drawing/2014/main" id="{5B52BC8A-C23A-4ADD-9EF6-A240794C6455}"/>
+              </a:ext>
+            </a:extLst>
+          </p:cNvPr>
+          <p:cNvSpPr>
+            <a:spLocks noGrp="1"/>
+          </p:cNvSpPr>
+          <p:nvPr>
+            <p:ph type="title"/>
+          </p:nvPr>
+        </p:nvSpPr>
+        <p:spPr>
+          <a:xfrm>
+            <a:off x="838200" y="365125"/>
+            <a:ext cx="10515600" cy="727405"/>
+          </a:xfrm>
+        </p:spPr>
+        <p:txBody>
+          <a:bodyPr>
+            <a:normAutofit/>
+          </a:bodyPr>
+          <a:lstStyle/>
+          <a:p>
+            <a:r>
+              <a:rPr lang="ru-RU" sz="4000" dirty="0">
+                <a:latin typeface="Helvetica" pitchFamily="2" charset="0"/>
+              </a:rPr>
+              <a:t>Программная реализация модели</a:t>
+            </a:r>
+          </a:p>
+        </p:txBody>
+      </p:sp>
+      <p:sp>
+        <p:nvSpPr>
+          <p:cNvPr id="3" name="Объект 2">
+            <a:extLst>
+              <a:ext uri="{FF2B5EF4-FFF2-40B4-BE49-F238E27FC236}">
+                <a16:creationId xmlns:a16="http://schemas.microsoft.com/office/drawing/2014/main" id="{21F10F50-1015-E0ED-873F-5E8A85FA09A1}"/>
+              </a:ext>
+            </a:extLst>
+          </p:cNvPr>
+          <p:cNvSpPr>
+            <a:spLocks noGrp="1"/>
+          </p:cNvSpPr>
+          <p:nvPr>
+            <p:ph idx="1"/>
+          </p:nvPr>
+        </p:nvSpPr>
+        <p:spPr>
+          <a:xfrm>
+            <a:off x="1386092" y="1389521"/>
+            <a:ext cx="9419815" cy="1678552"/>
+          </a:xfrm>
+        </p:spPr>
+        <p:txBody>
+          <a:bodyPr>
+            <a:normAutofit/>
+          </a:bodyPr>
+          <a:lstStyle/>
+          <a:p>
+            <a:pPr marL="0" indent="0" algn="ctr">
+              <a:lnSpc>
+                <a:spcPct val="100000"/>
+              </a:lnSpc>
+              <a:buNone/>
+            </a:pPr>
+            <a:r>
+              <a:rPr lang="ru-RU" sz="2000" dirty="0">
+                <a:latin typeface="Helvetica" pitchFamily="2" charset="0"/>
+              </a:rPr>
+              <a:t>Язык программирования: </a:t>
+            </a:r>
+            <a:r>
+              <a:rPr lang="en-US" sz="2000" b="1" dirty="0">
+                <a:latin typeface="Helvetica" pitchFamily="2" charset="0"/>
+              </a:rPr>
+              <a:t>Python</a:t>
+            </a:r>
+            <a:r>
+              <a:rPr lang="en-US" sz="2000" dirty="0">
+                <a:latin typeface="Helvetica" pitchFamily="2" charset="0"/>
+              </a:rPr>
+              <a:t>.</a:t>
+            </a:r>
+          </a:p>
+          <a:p>
+            <a:pPr marL="0" indent="0" algn="ctr">
+              <a:lnSpc>
+                <a:spcPct val="100000"/>
+              </a:lnSpc>
+              <a:buNone/>
+            </a:pPr>
+            <a:endParaRPr lang="en-US" sz="2000" dirty="0">
+              <a:latin typeface="Helvetica" pitchFamily="2" charset="0"/>
+            </a:endParaRPr>
+          </a:p>
+          <a:p>
+            <a:pPr marL="0" indent="0" algn="ctr">
+              <a:lnSpc>
+                <a:spcPct val="100000"/>
+              </a:lnSpc>
+              <a:buNone/>
+            </a:pPr>
+            <a:r>
+              <a:rPr lang="ru-RU" sz="2000" dirty="0">
+                <a:latin typeface="Helvetica" pitchFamily="2" charset="0"/>
+              </a:rPr>
+              <a:t>Программный комплекс можно разделить на</a:t>
+            </a:r>
+            <a:r>
+              <a:rPr lang="en-US" sz="2000" dirty="0">
+                <a:latin typeface="Helvetica" pitchFamily="2" charset="0"/>
+              </a:rPr>
+              <a:t> </a:t>
+            </a:r>
+            <a:r>
+              <a:rPr lang="ru-RU" sz="2000" u="sng" dirty="0">
+                <a:latin typeface="Helvetica" pitchFamily="2" charset="0"/>
+              </a:rPr>
+              <a:t>четыре основные части</a:t>
+            </a:r>
+            <a:r>
+              <a:rPr lang="ru-RU" sz="2000" dirty="0">
+                <a:latin typeface="Helvetica" pitchFamily="2" charset="0"/>
+              </a:rPr>
+              <a:t>:</a:t>
+            </a:r>
+            <a:endParaRPr lang="en-US" sz="2000" dirty="0">
+              <a:latin typeface="Helvetica" pitchFamily="2" charset="0"/>
+            </a:endParaRPr>
+          </a:p>
+        </p:txBody>
+      </p:sp>
+      <p:pic>
+        <p:nvPicPr>
+          <p:cNvPr id="10" name="Рисунок 9">
+            <a:extLst>
+              <a:ext uri="{FF2B5EF4-FFF2-40B4-BE49-F238E27FC236}">
+                <a16:creationId xmlns:a16="http://schemas.microsoft.com/office/drawing/2014/main" id="{E94F11EA-282A-925D-9022-4A740204DAA4}"/>
+              </a:ext>
+            </a:extLst>
+          </p:cNvPr>
+          <p:cNvPicPr>
+            <a:picLocks noChangeAspect="1"/>
+          </p:cNvPicPr>
+          <p:nvPr/>
+        </p:nvPicPr>
+        <p:blipFill>
+          <a:blip r:embed="rId3"/>
+          <a:stretch>
+            <a:fillRect/>
+          </a:stretch>
+        </p:blipFill>
+        <p:spPr>
+          <a:xfrm>
+            <a:off x="8572500" y="3365064"/>
+            <a:ext cx="3073400" cy="3073400"/>
+          </a:xfrm>
+          <a:prstGeom prst="rect">
+            <a:avLst/>
+          </a:prstGeom>
+        </p:spPr>
+      </p:pic>
+      <p:sp>
+        <p:nvSpPr>
+          <p:cNvPr id="11" name="Объект 2">
+            <a:extLst>
+              <a:ext uri="{FF2B5EF4-FFF2-40B4-BE49-F238E27FC236}">
+                <a16:creationId xmlns:a16="http://schemas.microsoft.com/office/drawing/2014/main" id="{822A3721-820C-6BC4-6FBA-F19F334F9012}"/>
+              </a:ext>
+            </a:extLst>
+          </p:cNvPr>
+          <p:cNvSpPr txBox="1">
+            <a:spLocks/>
+          </p:cNvSpPr>
+          <p:nvPr/>
+        </p:nvSpPr>
+        <p:spPr>
+          <a:xfrm>
+            <a:off x="457200" y="3068073"/>
+            <a:ext cx="8429215" cy="3789927"/>
+          </a:xfrm>
+          <a:prstGeom prst="rect">
+            <a:avLst/>
+          </a:prstGeom>
+        </p:spPr>
+        <p:txBody>
+          <a:bodyPr vert="horz" lIns="91440" tIns="45720" rIns="91440" bIns="45720" numCol="2" rtlCol="0">
+            <a:normAutofit/>
+          </a:bodyPr>
+          <a:lstStyle>
+            <a:lvl1pPr marL="228600" indent="-228600" algn="l" defTabSz="914400" rtl="0" eaLnBrk="1" latinLnBrk="0" hangingPunct="1">
+              <a:lnSpc>
+                <a:spcPct val="90000"/>
+              </a:lnSpc>
+              <a:spcBef>
+                <a:spcPts val="1000"/>
+              </a:spcBef>
+              <a:buFont typeface="Arial" panose="020B0604020202020204" pitchFamily="34" charset="0"/>
+              <a:buChar char="•"/>
+              <a:defRPr sz="2800" kern="1200">
+                <a:solidFill>
+                  <a:schemeClr val="tx1"/>
+                </a:solidFill>
+                <a:latin typeface="+mn-lt"/>
+                <a:ea typeface="+mn-ea"/>
+                <a:cs typeface="+mn-cs"/>
+              </a:defRPr>
+            </a:lvl1pPr>
+            <a:lvl2pPr marL="685800" indent="-228600" algn="l" defTabSz="914400" rtl="0" eaLnBrk="1" latinLnBrk="0" hangingPunct="1">
+              <a:lnSpc>
+                <a:spcPct val="90000"/>
+              </a:lnSpc>
+              <a:spcBef>
+                <a:spcPts val="500"/>
+              </a:spcBef>
+              <a:buFont typeface="Arial" panose="020B0604020202020204" pitchFamily="34" charset="0"/>
+              <a:buChar char="•"/>
+              <a:defRPr sz="2400" kern="1200">
+                <a:solidFill>
+                  <a:schemeClr val="tx1"/>
+                </a:solidFill>
+                <a:latin typeface="+mn-lt"/>
+                <a:ea typeface="+mn-ea"/>
+                <a:cs typeface="+mn-cs"/>
+              </a:defRPr>
+            </a:lvl2pPr>
+            <a:lvl3pPr marL="1143000" indent="-228600" algn="l" defTabSz="914400" rtl="0" eaLnBrk="1" latinLnBrk="0" hangingPunct="1">
+              <a:lnSpc>
+                <a:spcPct val="90000"/>
+              </a:lnSpc>
+              <a:spcBef>
+                <a:spcPts val="500"/>
+              </a:spcBef>
+              <a:buFont typeface="Arial" panose="020B0604020202020204" pitchFamily="34" charset="0"/>
+              <a:buChar char="•"/>
+              <a:defRPr sz="2000" kern="1200">
+                <a:solidFill>
+                  <a:schemeClr val="tx1"/>
+                </a:solidFill>
+                <a:latin typeface="+mn-lt"/>
+                <a:ea typeface="+mn-ea"/>
+                <a:cs typeface="+mn-cs"/>
+              </a:defRPr>
+            </a:lvl3pPr>
+            <a:lvl4pPr marL="1600200" indent="-228600" algn="l" defTabSz="914400" rtl="0" eaLnBrk="1" latinLnBrk="0" hangingPunct="1">
+              <a:lnSpc>
+                <a:spcPct val="90000"/>
+              </a:lnSpc>
+              <a:spcBef>
+                <a:spcPts val="500"/>
+              </a:spcBef>
+              <a:buFont typeface="Arial" panose="020B0604020202020204" pitchFamily="34" charset="0"/>
+              <a:buChar char="•"/>
+              <a:defRPr sz="1800" kern="1200">
+                <a:solidFill>
+                  <a:schemeClr val="tx1"/>
+                </a:solidFill>
+                <a:latin typeface="+mn-lt"/>
+                <a:ea typeface="+mn-ea"/>
+                <a:cs typeface="+mn-cs"/>
+              </a:defRPr>
+            </a:lvl4pPr>
+            <a:lvl5pPr marL="2057400" indent="-228600" algn="l" defTabSz="914400" rtl="0" eaLnBrk="1" latinLnBrk="0" hangingPunct="1">
+              <a:lnSpc>
+                <a:spcPct val="90000"/>
+              </a:lnSpc>
+              <a:spcBef>
+                <a:spcPts val="500"/>
+              </a:spcBef>
+              <a:buFont typeface="Arial" panose="020B0604020202020204" pitchFamily="34" charset="0"/>
+              <a:buChar char="•"/>
+              <a:defRPr sz="1800" kern="1200">
+                <a:solidFill>
+                  <a:schemeClr val="tx1"/>
+                </a:solidFill>
+                <a:latin typeface="+mn-lt"/>
+                <a:ea typeface="+mn-ea"/>
+                <a:cs typeface="+mn-cs"/>
+              </a:defRPr>
+            </a:lvl5pPr>
+            <a:lvl6pPr marL="2514600" indent="-228600" algn="l" defTabSz="914400" rtl="0" eaLnBrk="1" latinLnBrk="0" hangingPunct="1">
+              <a:lnSpc>
+                <a:spcPct val="90000"/>
+              </a:lnSpc>
+              <a:spcBef>
+                <a:spcPts val="500"/>
+              </a:spcBef>
+              <a:buFont typeface="Arial" panose="020B0604020202020204" pitchFamily="34" charset="0"/>
+              <a:buChar char="•"/>
+              <a:defRPr sz="1800" kern="1200">
+                <a:solidFill>
+                  <a:schemeClr val="tx1"/>
+                </a:solidFill>
+                <a:latin typeface="+mn-lt"/>
+                <a:ea typeface="+mn-ea"/>
+                <a:cs typeface="+mn-cs"/>
+              </a:defRPr>
+            </a:lvl6pPr>
+            <a:lvl7pPr marL="2971800" indent="-228600" algn="l" defTabSz="914400" rtl="0" eaLnBrk="1" latinLnBrk="0" hangingPunct="1">
+              <a:lnSpc>
+                <a:spcPct val="90000"/>
+              </a:lnSpc>
+              <a:spcBef>
+                <a:spcPts val="500"/>
+              </a:spcBef>
+              <a:buFont typeface="Arial" panose="020B0604020202020204" pitchFamily="34" charset="0"/>
+              <a:buChar char="•"/>
+              <a:defRPr sz="1800" kern="1200">
+                <a:solidFill>
+                  <a:schemeClr val="tx1"/>
+                </a:solidFill>
+                <a:latin typeface="+mn-lt"/>
+                <a:ea typeface="+mn-ea"/>
+                <a:cs typeface="+mn-cs"/>
+              </a:defRPr>
+            </a:lvl7pPr>
+            <a:lvl8pPr marL="3429000" indent="-228600" algn="l" defTabSz="914400" rtl="0" eaLnBrk="1" latinLnBrk="0" hangingPunct="1">
+              <a:lnSpc>
+                <a:spcPct val="90000"/>
+              </a:lnSpc>
+              <a:spcBef>
+                <a:spcPts val="500"/>
+              </a:spcBef>
+              <a:buFont typeface="Arial" panose="020B0604020202020204" pitchFamily="34" charset="0"/>
+              <a:buChar char="•"/>
+              <a:defRPr sz="1800" kern="1200">
+                <a:solidFill>
+                  <a:schemeClr val="tx1"/>
+                </a:solidFill>
+                <a:latin typeface="+mn-lt"/>
+                <a:ea typeface="+mn-ea"/>
+                <a:cs typeface="+mn-cs"/>
+              </a:defRPr>
+            </a:lvl8pPr>
+            <a:lvl9pPr marL="3886200" indent="-228600" algn="l" defTabSz="914400" rtl="0" eaLnBrk="1" latinLnBrk="0" hangingPunct="1">
+              <a:lnSpc>
+                <a:spcPct val="90000"/>
+              </a:lnSpc>
+              <a:spcBef>
+                <a:spcPts val="500"/>
+              </a:spcBef>
+              <a:buFont typeface="Arial" panose="020B0604020202020204" pitchFamily="34" charset="0"/>
+              <a:buChar char="•"/>
+              <a:defRPr sz="1800" kern="1200">
+                <a:solidFill>
+                  <a:schemeClr val="tx1"/>
+                </a:solidFill>
+                <a:latin typeface="+mn-lt"/>
+                <a:ea typeface="+mn-ea"/>
+                <a:cs typeface="+mn-cs"/>
+              </a:defRPr>
+            </a:lvl9pPr>
+          </a:lstStyle>
+          <a:p>
+            <a:pPr marL="0" indent="0">
+              <a:lnSpc>
+                <a:spcPct val="100000"/>
+              </a:lnSpc>
+              <a:buNone/>
+            </a:pPr>
+            <a:r>
+              <a:rPr lang="en-US" sz="1600" dirty="0" err="1">
+                <a:latin typeface="Helvetica" pitchFamily="2" charset="0"/>
+              </a:rPr>
+              <a:t>main.py</a:t>
+            </a:r>
+            <a:endParaRPr lang="en-US" sz="1600" dirty="0">
+              <a:latin typeface="Helvetica" pitchFamily="2" charset="0"/>
+            </a:endParaRPr>
+          </a:p>
+          <a:p>
+            <a:pPr marL="0" indent="0">
+              <a:lnSpc>
+                <a:spcPct val="100000"/>
+              </a:lnSpc>
+              <a:buNone/>
+            </a:pPr>
+            <a:endParaRPr lang="ru-RU" sz="1600" dirty="0">
+              <a:latin typeface="Helvetica" pitchFamily="2" charset="0"/>
+            </a:endParaRPr>
+          </a:p>
+          <a:p>
+            <a:pPr marL="457200" indent="-457200">
+              <a:lnSpc>
+                <a:spcPct val="100000"/>
+              </a:lnSpc>
+              <a:buFont typeface="+mj-lt"/>
+              <a:buAutoNum type="arabicPeriod"/>
+            </a:pPr>
+            <a:r>
+              <a:rPr lang="ru-RU" sz="2000" dirty="0">
+                <a:latin typeface="Helvetica" pitchFamily="2" charset="0"/>
+              </a:rPr>
+              <a:t>Начальный экран</a:t>
+            </a:r>
+            <a:r>
+              <a:rPr lang="en-US" sz="2000" dirty="0">
+                <a:latin typeface="Helvetica" pitchFamily="2" charset="0"/>
+              </a:rPr>
+              <a:t>:</a:t>
+            </a:r>
+          </a:p>
+          <a:p>
+            <a:pPr lvl="1">
+              <a:lnSpc>
+                <a:spcPct val="100000"/>
+              </a:lnSpc>
+            </a:pPr>
+            <a:r>
+              <a:rPr lang="en-US" sz="1600" dirty="0" err="1">
+                <a:latin typeface="Helvetica" pitchFamily="2" charset="0"/>
+              </a:rPr>
+              <a:t>StartWindow.py</a:t>
+            </a:r>
+            <a:endParaRPr lang="en-US" sz="1600" dirty="0">
+              <a:latin typeface="Helvetica" pitchFamily="2" charset="0"/>
+            </a:endParaRPr>
+          </a:p>
+          <a:p>
+            <a:pPr lvl="1">
+              <a:lnSpc>
+                <a:spcPct val="100000"/>
+              </a:lnSpc>
+            </a:pPr>
+            <a:r>
+              <a:rPr lang="en-US" sz="1600" dirty="0" err="1">
+                <a:latin typeface="Helvetica" pitchFamily="2" charset="0"/>
+              </a:rPr>
+              <a:t>StartWindowWidgets.py</a:t>
+            </a:r>
+            <a:endParaRPr lang="ru-RU" sz="1600" dirty="0">
+              <a:latin typeface="Helvetica" pitchFamily="2" charset="0"/>
+            </a:endParaRPr>
+          </a:p>
+          <a:p>
+            <a:pPr marL="457200" lvl="1" indent="0">
+              <a:lnSpc>
+                <a:spcPct val="100000"/>
+              </a:lnSpc>
+              <a:buFont typeface="Arial" panose="020B0604020202020204" pitchFamily="34" charset="0"/>
+              <a:buNone/>
+            </a:pPr>
+            <a:endParaRPr lang="en-US" sz="1600" dirty="0">
+              <a:latin typeface="Helvetica" pitchFamily="2" charset="0"/>
+            </a:endParaRPr>
+          </a:p>
+          <a:p>
+            <a:pPr marL="457200" indent="-457200">
+              <a:lnSpc>
+                <a:spcPct val="100000"/>
+              </a:lnSpc>
+              <a:buFont typeface="+mj-lt"/>
+              <a:buAutoNum type="arabicPeriod"/>
+            </a:pPr>
+            <a:r>
+              <a:rPr lang="ru-RU" sz="2000" dirty="0">
+                <a:latin typeface="Helvetica" pitchFamily="2" charset="0"/>
+              </a:rPr>
+              <a:t>Главный экран</a:t>
+            </a:r>
+            <a:r>
+              <a:rPr lang="en-US" sz="2000" dirty="0">
+                <a:latin typeface="Helvetica" pitchFamily="2" charset="0"/>
+              </a:rPr>
+              <a:t>:</a:t>
+            </a:r>
+          </a:p>
+          <a:p>
+            <a:pPr lvl="1">
+              <a:lnSpc>
+                <a:spcPct val="100000"/>
+              </a:lnSpc>
+            </a:pPr>
+            <a:r>
+              <a:rPr lang="en-US" sz="1600" dirty="0" err="1">
+                <a:latin typeface="Helvetica" pitchFamily="2" charset="0"/>
+              </a:rPr>
+              <a:t>MainWindow.py</a:t>
+            </a:r>
+            <a:endParaRPr lang="en-US" sz="1600" dirty="0">
+              <a:latin typeface="Helvetica" pitchFamily="2" charset="0"/>
+            </a:endParaRPr>
+          </a:p>
+          <a:p>
+            <a:pPr lvl="1">
+              <a:lnSpc>
+                <a:spcPct val="100000"/>
+              </a:lnSpc>
+            </a:pPr>
+            <a:r>
+              <a:rPr lang="en-US" sz="1600" dirty="0" err="1">
+                <a:latin typeface="Helvetica" pitchFamily="2" charset="0"/>
+              </a:rPr>
+              <a:t>MainWindowWidgets.py</a:t>
+            </a:r>
+            <a:endParaRPr lang="ru-RU" sz="1600" dirty="0">
+              <a:latin typeface="Helvetica" pitchFamily="2" charset="0"/>
+            </a:endParaRPr>
+          </a:p>
+          <a:p>
+            <a:pPr marL="457200" lvl="1" indent="0">
+              <a:lnSpc>
+                <a:spcPct val="100000"/>
+              </a:lnSpc>
+              <a:buFont typeface="Arial" panose="020B0604020202020204" pitchFamily="34" charset="0"/>
+              <a:buNone/>
+            </a:pPr>
+            <a:endParaRPr lang="en-US" sz="1600" dirty="0">
+              <a:latin typeface="Helvetica" pitchFamily="2" charset="0"/>
+            </a:endParaRPr>
+          </a:p>
+          <a:p>
+            <a:pPr marL="0" indent="0">
+              <a:lnSpc>
+                <a:spcPct val="100000"/>
+              </a:lnSpc>
+              <a:buNone/>
+            </a:pPr>
+            <a:endParaRPr lang="en-US" sz="2000" dirty="0">
+              <a:latin typeface="Helvetica" pitchFamily="2" charset="0"/>
+            </a:endParaRPr>
+          </a:p>
+          <a:p>
+            <a:pPr marL="0" indent="0">
+              <a:lnSpc>
+                <a:spcPct val="100000"/>
+              </a:lnSpc>
+              <a:buNone/>
+            </a:pPr>
+            <a:endParaRPr lang="en-US" sz="2000" dirty="0">
+              <a:latin typeface="Helvetica" pitchFamily="2" charset="0"/>
+            </a:endParaRPr>
+          </a:p>
+          <a:p>
+            <a:pPr marL="457200" indent="-457200">
+              <a:lnSpc>
+                <a:spcPct val="100000"/>
+              </a:lnSpc>
+              <a:buFont typeface="+mj-lt"/>
+              <a:buAutoNum type="arabicPeriod"/>
+            </a:pPr>
+            <a:r>
+              <a:rPr lang="ru-RU" sz="2000" dirty="0">
+                <a:latin typeface="Helvetica" pitchFamily="2" charset="0"/>
+              </a:rPr>
+              <a:t>Справочный экран</a:t>
+            </a:r>
+            <a:r>
+              <a:rPr lang="en-US" sz="2000" dirty="0">
+                <a:latin typeface="Helvetica" pitchFamily="2" charset="0"/>
+              </a:rPr>
+              <a:t>:</a:t>
+            </a:r>
+            <a:endParaRPr lang="ru-RU" sz="2000" dirty="0">
+              <a:latin typeface="Helvetica" pitchFamily="2" charset="0"/>
+            </a:endParaRPr>
+          </a:p>
+          <a:p>
+            <a:pPr lvl="1">
+              <a:lnSpc>
+                <a:spcPct val="100000"/>
+              </a:lnSpc>
+            </a:pPr>
+            <a:r>
+              <a:rPr lang="en" sz="1600" dirty="0" err="1">
+                <a:latin typeface="Helvetica" pitchFamily="2" charset="0"/>
+              </a:rPr>
+              <a:t>HelpWindow.py</a:t>
+            </a:r>
+            <a:endParaRPr lang="ru-RU" sz="1600" dirty="0">
+              <a:latin typeface="Helvetica" pitchFamily="2" charset="0"/>
+            </a:endParaRPr>
+          </a:p>
+          <a:p>
+            <a:pPr marL="457200" lvl="1" indent="0">
+              <a:lnSpc>
+                <a:spcPct val="100000"/>
+              </a:lnSpc>
+              <a:buFont typeface="Arial" panose="020B0604020202020204" pitchFamily="34" charset="0"/>
+              <a:buNone/>
+            </a:pPr>
+            <a:endParaRPr lang="ru-RU" sz="1600" dirty="0">
+              <a:latin typeface="Helvetica" pitchFamily="2" charset="0"/>
+            </a:endParaRPr>
+          </a:p>
+          <a:p>
+            <a:pPr marL="457200" indent="-457200">
+              <a:lnSpc>
+                <a:spcPct val="100000"/>
+              </a:lnSpc>
+              <a:buFont typeface="+mj-lt"/>
+              <a:buAutoNum type="arabicPeriod"/>
+            </a:pPr>
+            <a:r>
+              <a:rPr lang="ru-RU" sz="2000" dirty="0">
+                <a:latin typeface="Helvetica" pitchFamily="2" charset="0"/>
+              </a:rPr>
+              <a:t>Работа с базами данных:</a:t>
+            </a:r>
+          </a:p>
+          <a:p>
+            <a:pPr lvl="1">
+              <a:lnSpc>
+                <a:spcPct val="100000"/>
+              </a:lnSpc>
+            </a:pPr>
+            <a:r>
+              <a:rPr lang="en" sz="1600" dirty="0" err="1">
+                <a:latin typeface="Helvetica" pitchFamily="2" charset="0"/>
+              </a:rPr>
+              <a:t>DataBaseMethods.py</a:t>
+            </a:r>
+            <a:endParaRPr lang="en-US" sz="1200" dirty="0">
+              <a:latin typeface="Helvetica" pitchFamily="2" charset="0"/>
+            </a:endParaRPr>
+          </a:p>
+        </p:txBody>
+      </p:sp>
+    </p:spTree>
+    <p:extLst>
+      <p:ext uri="{BB962C8B-B14F-4D97-AF65-F5344CB8AC3E}">
+        <p14:creationId xmlns:p14="http://schemas.microsoft.com/office/powerpoint/2010/main" val="1825160220"/>
       </p:ext>
     </p:extLst>
   </p:cSld>
@@ -14430,4 +16760,299 @@
     </a:ext>
   </a:extLst>
 </a:theme>
+</file>
+
+<file path=ppt/theme/theme2.xml><?xml version="1.0" encoding="utf-8"?>
+<a:theme xmlns:a="http://schemas.openxmlformats.org/drawingml/2006/main" name="Тема Office">
+  <a:themeElements>
+    <a:clrScheme name="Стандартная">
+      <a:dk1>
+        <a:sysClr val="windowText" lastClr="000000"/>
+      </a:dk1>
+      <a:lt1>
+        <a:sysClr val="window" lastClr="FFFFFF"/>
+      </a:lt1>
+      <a:dk2>
+        <a:srgbClr val="44546A"/>
+      </a:dk2>
+      <a:lt2>
+        <a:srgbClr val="E7E6E6"/>
+      </a:lt2>
+      <a:accent1>
+        <a:srgbClr val="4472C4"/>
+      </a:accent1>
+      <a:accent2>
+        <a:srgbClr val="ED7D31"/>
+      </a:accent2>
+      <a:accent3>
+        <a:srgbClr val="A5A5A5"/>
+      </a:accent3>
+      <a:accent4>
+        <a:srgbClr val="FFC000"/>
+      </a:accent4>
+      <a:accent5>
+        <a:srgbClr val="5B9BD5"/>
+      </a:accent5>
+      <a:accent6>
+        <a:srgbClr val="70AD47"/>
+      </a:accent6>
+      <a:hlink>
+        <a:srgbClr val="0563C1"/>
+      </a:hlink>
+      <a:folHlink>
+        <a:srgbClr val="954F72"/>
+      </a:folHlink>
+    </a:clrScheme>
+    <a:fontScheme name="Стандартная">
+      <a:majorFont>
+        <a:latin typeface="Calibri Light" panose="020F0302020204030204"/>
+        <a:ea typeface=""/>
+        <a:cs typeface=""/>
+        <a:font script="Jpan" typeface="游ゴシック Light"/>
+        <a:font script="Hang" typeface="맑은 고딕"/>
+        <a:font script="Hans" typeface="等线 Light"/>
+        <a:font script="Hant" typeface="新細明體"/>
+        <a:font script="Arab" typeface="Times New Roman"/>
+        <a:font script="Hebr" typeface="Times New Roman"/>
+        <a:font script="Thai" typeface="Angsana New"/>
+        <a:font script="Ethi" typeface="Nyala"/>
+        <a:font script="Beng" typeface="Vrinda"/>
+        <a:font script="Gujr" typeface="Shruti"/>
+        <a:font script="Khmr" typeface="MoolBoran"/>
+        <a:font script="Knda" typeface="Tunga"/>
+        <a:font script="Guru" typeface="Raavi"/>
+        <a:font script="Cans" typeface="Euphemia"/>
+        <a:font script="Cher" typeface="Plantagenet Cherokee"/>
+        <a:font script="Yiii" typeface="Microsoft Yi Baiti"/>
+        <a:font script="Tibt" typeface="Microsoft Himalaya"/>
+        <a:font script="Thaa" typeface="MV Boli"/>
+        <a:font script="Deva" typeface="Mangal"/>
+        <a:font script="Telu" typeface="Gautami"/>
+        <a:font script="Taml" typeface="Latha"/>
+        <a:font script="Syrc" typeface="Estrangelo Edessa"/>
+        <a:font script="Orya" typeface="Kalinga"/>
+        <a:font script="Mlym" typeface="Kartika"/>
+        <a:font script="Laoo" typeface="DokChampa"/>
+        <a:font script="Sinh" typeface="Iskoola Pota"/>
+        <a:font script="Mong" typeface="Mongolian Baiti"/>
+        <a:font script="Viet" typeface="Times New Roman"/>
+        <a:font script="Uigh" typeface="Microsoft Uighur"/>
+        <a:font script="Geor" typeface="Sylfaen"/>
+        <a:font script="Armn" typeface="Arial"/>
+        <a:font script="Bugi" typeface="Leelawadee UI"/>
+        <a:font script="Bopo" typeface="Microsoft JhengHei"/>
+        <a:font script="Java" typeface="Javanese Text"/>
+        <a:font script="Lisu" typeface="Segoe UI"/>
+        <a:font script="Mymr" typeface="Myanmar Text"/>
+        <a:font script="Nkoo" typeface="Ebrima"/>
+        <a:font script="Olck" typeface="Nirmala UI"/>
+        <a:font script="Osma" typeface="Ebrima"/>
+        <a:font script="Phag" typeface="Phagspa"/>
+        <a:font script="Syrn" typeface="Estrangelo Edessa"/>
+        <a:font script="Syrj" typeface="Estrangelo Edessa"/>
+        <a:font script="Syre" typeface="Estrangelo Edessa"/>
+        <a:font script="Sora" typeface="Nirmala UI"/>
+        <a:font script="Tale" typeface="Microsoft Tai Le"/>
+        <a:font script="Talu" typeface="Microsoft New Tai Lue"/>
+        <a:font script="Tfng" typeface="Ebrima"/>
+      </a:majorFont>
+      <a:minorFont>
+        <a:latin typeface="Calibri" panose="020F0502020204030204"/>
+        <a:ea typeface=""/>
+        <a:cs typeface=""/>
+        <a:font script="Jpan" typeface="游ゴシック"/>
+        <a:font script="Hang" typeface="맑은 고딕"/>
+        <a:font script="Hans" typeface="等线"/>
+        <a:font script="Hant" typeface="新細明體"/>
+        <a:font script="Arab" typeface="Arial"/>
+        <a:font script="Hebr" typeface="Arial"/>
+        <a:font script="Thai" typeface="Cordia New"/>
+        <a:font script="Ethi" typeface="Nyala"/>
+        <a:font script="Beng" typeface="Vrinda"/>
+        <a:font script="Gujr" typeface="Shruti"/>
+        <a:font script="Khmr" typeface="DaunPenh"/>
+        <a:font script="Knda" typeface="Tunga"/>
+        <a:font script="Guru" typeface="Raavi"/>
+        <a:font script="Cans" typeface="Euphemia"/>
+        <a:font script="Cher" typeface="Plantagenet Cherokee"/>
+        <a:font script="Yiii" typeface="Microsoft Yi Baiti"/>
+        <a:font script="Tibt" typeface="Microsoft Himalaya"/>
+        <a:font script="Thaa" typeface="MV Boli"/>
+        <a:font script="Deva" typeface="Mangal"/>
+        <a:font script="Telu" typeface="Gautami"/>
+        <a:font script="Taml" typeface="Latha"/>
+        <a:font script="Syrc" typeface="Estrangelo Edessa"/>
+        <a:font script="Orya" typeface="Kalinga"/>
+        <a:font script="Mlym" typeface="Kartika"/>
+        <a:font script="Laoo" typeface="DokChampa"/>
+        <a:font script="Sinh" typeface="Iskoola Pota"/>
+        <a:font script="Mong" typeface="Mongolian Baiti"/>
+        <a:font script="Viet" typeface="Arial"/>
+        <a:font script="Uigh" typeface="Microsoft Uighur"/>
+        <a:font script="Geor" typeface="Sylfaen"/>
+        <a:font script="Armn" typeface="Arial"/>
+        <a:font script="Bugi" typeface="Leelawadee UI"/>
+        <a:font script="Bopo" typeface="Microsoft JhengHei"/>
+        <a:font script="Java" typeface="Javanese Text"/>
+        <a:font script="Lisu" typeface="Segoe UI"/>
+        <a:font script="Mymr" typeface="Myanmar Text"/>
+        <a:font script="Nkoo" typeface="Ebrima"/>
+        <a:font script="Olck" typeface="Nirmala UI"/>
+        <a:font script="Osma" typeface="Ebrima"/>
+        <a:font script="Phag" typeface="Phagspa"/>
+        <a:font script="Syrn" typeface="Estrangelo Edessa"/>
+        <a:font script="Syrj" typeface="Estrangelo Edessa"/>
+        <a:font script="Syre" typeface="Estrangelo Edessa"/>
+        <a:font script="Sora" typeface="Nirmala UI"/>
+        <a:font script="Tale" typeface="Microsoft Tai Le"/>
+        <a:font script="Talu" typeface="Microsoft New Tai Lue"/>
+        <a:font script="Tfng" typeface="Ebrima"/>
+      </a:minorFont>
+    </a:fontScheme>
+    <a:fmtScheme name="Стандартная">
+      <a:fillStyleLst>
+        <a:solidFill>
+          <a:schemeClr val="phClr"/>
+        </a:solidFill>
+        <a:gradFill rotWithShape="1">
+          <a:gsLst>
+            <a:gs pos="0">
+              <a:schemeClr val="phClr">
+                <a:lumMod val="110000"/>
+                <a:satMod val="105000"/>
+                <a:tint val="67000"/>
+              </a:schemeClr>
+            </a:gs>
+            <a:gs pos="50000">
+              <a:schemeClr val="phClr">
+                <a:lumMod val="105000"/>
+                <a:satMod val="103000"/>
+                <a:tint val="73000"/>
+              </a:schemeClr>
+            </a:gs>
+            <a:gs pos="100000">
+              <a:schemeClr val="phClr">
+                <a:lumMod val="105000"/>
+                <a:satMod val="109000"/>
+                <a:tint val="81000"/>
+              </a:schemeClr>
+            </a:gs>
+          </a:gsLst>
+          <a:lin ang="5400000" scaled="0"/>
+        </a:gradFill>
+        <a:gradFill rotWithShape="1">
+          <a:gsLst>
+            <a:gs pos="0">
+              <a:schemeClr val="phClr">
+                <a:satMod val="103000"/>
+                <a:lumMod val="102000"/>
+                <a:tint val="94000"/>
+              </a:schemeClr>
+            </a:gs>
+            <a:gs pos="50000">
+              <a:schemeClr val="phClr">
+                <a:satMod val="110000"/>
+                <a:lumMod val="100000"/>
+                <a:shade val="100000"/>
+              </a:schemeClr>
+            </a:gs>
+            <a:gs pos="100000">
+              <a:schemeClr val="phClr">
+                <a:lumMod val="99000"/>
+                <a:satMod val="120000"/>
+                <a:shade val="78000"/>
+              </a:schemeClr>
+            </a:gs>
+          </a:gsLst>
+          <a:lin ang="5400000" scaled="0"/>
+        </a:gradFill>
+      </a:fillStyleLst>
+      <a:lnStyleLst>
+        <a:ln w="6350" cap="flat" cmpd="sng" algn="ctr">
+          <a:solidFill>
+            <a:schemeClr val="phClr"/>
+          </a:solidFill>
+          <a:prstDash val="solid"/>
+          <a:miter lim="800000"/>
+        </a:ln>
+        <a:ln w="12700" cap="flat" cmpd="sng" algn="ctr">
+          <a:solidFill>
+            <a:schemeClr val="phClr"/>
+          </a:solidFill>
+          <a:prstDash val="solid"/>
+          <a:miter lim="800000"/>
+        </a:ln>
+        <a:ln w="19050" cap="flat" cmpd="sng" algn="ctr">
+          <a:solidFill>
+            <a:schemeClr val="phClr"/>
+          </a:solidFill>
+          <a:prstDash val="solid"/>
+          <a:miter lim="800000"/>
+        </a:ln>
+      </a:lnStyleLst>
+      <a:effectStyleLst>
+        <a:effectStyle>
+          <a:effectLst/>
+        </a:effectStyle>
+        <a:effectStyle>
+          <a:effectLst/>
+        </a:effectStyle>
+        <a:effectStyle>
+          <a:effectLst>
+            <a:outerShdw blurRad="57150" dist="19050" dir="5400000" algn="ctr" rotWithShape="0">
+              <a:srgbClr val="000000">
+                <a:alpha val="63000"/>
+              </a:srgbClr>
+            </a:outerShdw>
+          </a:effectLst>
+        </a:effectStyle>
+      </a:effectStyleLst>
+      <a:bgFillStyleLst>
+        <a:solidFill>
+          <a:schemeClr val="phClr"/>
+        </a:solidFill>
+        <a:solidFill>
+          <a:schemeClr val="phClr">
+            <a:tint val="95000"/>
+            <a:satMod val="170000"/>
+          </a:schemeClr>
+        </a:solidFill>
+        <a:gradFill rotWithShape="1">
+          <a:gsLst>
+            <a:gs pos="0">
+              <a:schemeClr val="phClr">
+                <a:tint val="93000"/>
+                <a:satMod val="150000"/>
+                <a:shade val="98000"/>
+                <a:lumMod val="102000"/>
+              </a:schemeClr>
+            </a:gs>
+            <a:gs pos="50000">
+              <a:schemeClr val="phClr">
+                <a:tint val="98000"/>
+                <a:satMod val="130000"/>
+                <a:shade val="90000"/>
+                <a:lumMod val="103000"/>
+              </a:schemeClr>
+            </a:gs>
+            <a:gs pos="100000">
+              <a:schemeClr val="phClr">
+                <a:shade val="63000"/>
+                <a:satMod val="120000"/>
+              </a:schemeClr>
+            </a:gs>
+          </a:gsLst>
+          <a:lin ang="5400000" scaled="0"/>
+        </a:gradFill>
+      </a:bgFillStyleLst>
+    </a:fmtScheme>
+  </a:themeElements>
+  <a:objectDefaults/>
+  <a:extraClrSchemeLst/>
+  <a:extLst>
+    <a:ext uri="{05A4C25C-085E-4340-85A3-A5531E510DB2}">
+      <thm15:themeFamily xmlns:thm15="http://schemas.microsoft.com/office/thememl/2012/main" name="Office Theme" id="{62F939B6-93AF-4DB8-9C6B-D6C7DFDC589F}" vid="{4A3C46E8-61CC-4603-A589-7422A47A8E4A}"/>
+    </a:ext>
+  </a:extLst>
+</a:theme>
 </file>
--- a/Презентация/Презентация. Тамбов Никита М1О-309С-19.pptx
+++ b/Презентация/Презентация. Тамбов Никита М1О-309С-19.pptx
@@ -3298,7 +3298,7 @@
           <a:p>
             <a:fld id="{5479DC99-EDC5-5F4B-B24E-D8621C1EAAB3}" type="datetimeFigureOut">
               <a:rPr lang="ru-RU" smtClean="0"/>
-              <a:t>23.07.2022</a:t>
+              <a:t>14.09.2022</a:t>
             </a:fld>
             <a:endParaRPr lang="ru-RU"/>
           </a:p>
@@ -3880,7 +3880,7 @@
           <a:p>
             <a:fld id="{6AE6D4FA-F93F-3B41-B481-1F4762ADD255}" type="datetimeFigureOut">
               <a:rPr lang="ru-RU" smtClean="0"/>
-              <a:t>22.07.2022</a:t>
+              <a:t>14.09.2022</a:t>
             </a:fld>
             <a:endParaRPr lang="ru-RU"/>
           </a:p>
@@ -4078,7 +4078,7 @@
           <a:p>
             <a:fld id="{6AE6D4FA-F93F-3B41-B481-1F4762ADD255}" type="datetimeFigureOut">
               <a:rPr lang="ru-RU" smtClean="0"/>
-              <a:t>22.07.2022</a:t>
+              <a:t>14.09.2022</a:t>
             </a:fld>
             <a:endParaRPr lang="ru-RU"/>
           </a:p>
@@ -4286,7 +4286,7 @@
           <a:p>
             <a:fld id="{6AE6D4FA-F93F-3B41-B481-1F4762ADD255}" type="datetimeFigureOut">
               <a:rPr lang="ru-RU" smtClean="0"/>
-              <a:t>22.07.2022</a:t>
+              <a:t>14.09.2022</a:t>
             </a:fld>
             <a:endParaRPr lang="ru-RU"/>
           </a:p>
@@ -4484,7 +4484,7 @@
           <a:p>
             <a:fld id="{6AE6D4FA-F93F-3B41-B481-1F4762ADD255}" type="datetimeFigureOut">
               <a:rPr lang="ru-RU" smtClean="0"/>
-              <a:t>22.07.2022</a:t>
+              <a:t>14.09.2022</a:t>
             </a:fld>
             <a:endParaRPr lang="ru-RU"/>
           </a:p>
@@ -4759,7 +4759,7 @@
           <a:p>
             <a:fld id="{6AE6D4FA-F93F-3B41-B481-1F4762ADD255}" type="datetimeFigureOut">
               <a:rPr lang="ru-RU" smtClean="0"/>
-              <a:t>22.07.2022</a:t>
+              <a:t>14.09.2022</a:t>
             </a:fld>
             <a:endParaRPr lang="ru-RU"/>
           </a:p>
@@ -5024,7 +5024,7 @@
           <a:p>
             <a:fld id="{6AE6D4FA-F93F-3B41-B481-1F4762ADD255}" type="datetimeFigureOut">
               <a:rPr lang="ru-RU" smtClean="0"/>
-              <a:t>22.07.2022</a:t>
+              <a:t>14.09.2022</a:t>
             </a:fld>
             <a:endParaRPr lang="ru-RU"/>
           </a:p>
@@ -5436,7 +5436,7 @@
           <a:p>
             <a:fld id="{6AE6D4FA-F93F-3B41-B481-1F4762ADD255}" type="datetimeFigureOut">
               <a:rPr lang="ru-RU" smtClean="0"/>
-              <a:t>22.07.2022</a:t>
+              <a:t>14.09.2022</a:t>
             </a:fld>
             <a:endParaRPr lang="ru-RU"/>
           </a:p>
@@ -5577,7 +5577,7 @@
           <a:p>
             <a:fld id="{6AE6D4FA-F93F-3B41-B481-1F4762ADD255}" type="datetimeFigureOut">
               <a:rPr lang="ru-RU" smtClean="0"/>
-              <a:t>22.07.2022</a:t>
+              <a:t>14.09.2022</a:t>
             </a:fld>
             <a:endParaRPr lang="ru-RU"/>
           </a:p>
@@ -5690,7 +5690,7 @@
           <a:p>
             <a:fld id="{6AE6D4FA-F93F-3B41-B481-1F4762ADD255}" type="datetimeFigureOut">
               <a:rPr lang="ru-RU" smtClean="0"/>
-              <a:t>22.07.2022</a:t>
+              <a:t>14.09.2022</a:t>
             </a:fld>
             <a:endParaRPr lang="ru-RU"/>
           </a:p>
@@ -6001,7 +6001,7 @@
           <a:p>
             <a:fld id="{6AE6D4FA-F93F-3B41-B481-1F4762ADD255}" type="datetimeFigureOut">
               <a:rPr lang="ru-RU" smtClean="0"/>
-              <a:t>22.07.2022</a:t>
+              <a:t>14.09.2022</a:t>
             </a:fld>
             <a:endParaRPr lang="ru-RU"/>
           </a:p>
@@ -6289,7 +6289,7 @@
           <a:p>
             <a:fld id="{6AE6D4FA-F93F-3B41-B481-1F4762ADD255}" type="datetimeFigureOut">
               <a:rPr lang="ru-RU" smtClean="0"/>
-              <a:t>22.07.2022</a:t>
+              <a:t>14.09.2022</a:t>
             </a:fld>
             <a:endParaRPr lang="ru-RU"/>
           </a:p>
@@ -6530,7 +6530,7 @@
           <a:p>
             <a:fld id="{6AE6D4FA-F93F-3B41-B481-1F4762ADD255}" type="datetimeFigureOut">
               <a:rPr lang="ru-RU" smtClean="0"/>
-              <a:t>22.07.2022</a:t>
+              <a:t>14.09.2022</a:t>
             </a:fld>
             <a:endParaRPr lang="ru-RU"/>
           </a:p>
@@ -7016,7 +7016,19 @@
               <a:rPr lang="ru-RU" sz="2000" dirty="0">
                 <a:latin typeface="Helvetica" pitchFamily="2" charset="0"/>
               </a:rPr>
-              <a:t>на тему: «Разработка симулятор диспетчера аэропорта с целью оценки и прогнозирования эффективности работника»</a:t>
+              <a:t>на тему: «</a:t>
+            </a:r>
+            <a:r>
+              <a:rPr lang="ru-RU" sz="2000">
+                <a:latin typeface="Helvetica" pitchFamily="2" charset="0"/>
+              </a:rPr>
+              <a:t>Разработка симулятора </a:t>
+            </a:r>
+            <a:r>
+              <a:rPr lang="ru-RU" sz="2000" dirty="0">
+                <a:latin typeface="Helvetica" pitchFamily="2" charset="0"/>
+              </a:rPr>
+              <a:t>диспетчера аэропорта с целью оценки и прогнозирования эффективности работника»</a:t>
             </a:r>
           </a:p>
           <a:p>
